--- a/発表用スライド/1821144_yoshii_thesis_ver.pptx
+++ b/発表用スライド/1821144_yoshii_thesis_ver.pptx
@@ -3975,7 +3975,25 @@
             </a:r>
             <a:r>
               <a:rPr kumimoji="1" lang="ja-JP" altLang="en-US" dirty="0" smtClean="0"/>
-              <a:t>というデータセットを使用し音楽ジャンル分類をするモデルの作成・学習・評価をするプログラム</a:t>
+              <a:t>という</a:t>
+            </a:r>
+            <a:r>
+              <a:rPr kumimoji="1" lang="ja-JP" altLang="en-US" dirty="0" smtClean="0"/>
+              <a:t>データセットの一部を使用し</a:t>
+            </a:r>
+            <a:endParaRPr kumimoji="1" lang="en-US" altLang="ja-JP" dirty="0" smtClean="0"/>
+          </a:p>
+          <a:p>
+            <a:pPr marL="0" indent="0">
+              <a:buNone/>
+            </a:pPr>
+            <a:r>
+              <a:rPr kumimoji="1" lang="ja-JP" altLang="en-US" dirty="0" smtClean="0"/>
+              <a:t>音楽</a:t>
+            </a:r>
+            <a:r>
+              <a:rPr kumimoji="1" lang="ja-JP" altLang="en-US" dirty="0" smtClean="0"/>
+              <a:t>ジャンル分類をするモデルの作成・学習・評価をするプログラム</a:t>
             </a:r>
             <a:r>
               <a:rPr kumimoji="1" lang="en-US" altLang="ja-JP" dirty="0" smtClean="0"/>
@@ -4029,8 +4047,8 @@
         </p:blipFill>
         <p:spPr>
           <a:xfrm>
-            <a:off x="628650" y="2358591"/>
-            <a:ext cx="7843836" cy="3908066"/>
+            <a:off x="628650" y="2697493"/>
+            <a:ext cx="7163628" cy="3569163"/>
           </a:xfrm>
           <a:prstGeom prst="rect">
             <a:avLst/>
@@ -4047,6 +4065,13 @@
   <p:clrMapOvr>
     <a:masterClrMapping/>
   </p:clrMapOvr>
+  <p:timing>
+    <p:tnLst>
+      <p:par>
+        <p:cTn id="1" dur="indefinite" restart="never" nodeType="tmRoot"/>
+      </p:par>
+    </p:tnLst>
+  </p:timing>
 </p:sld>
 </file>
 
@@ -5022,27 +5047,19 @@
               <a:rPr lang="ja-JP" altLang="en-US" dirty="0">
                 <a:latin typeface="+mn-ea"/>
               </a:rPr>
-              <a:t>，「動画特徴量からの印象推定に</a:t>
-            </a:r>
-            <a:r>
-              <a:rPr lang="ja-JP" altLang="en-US" dirty="0" smtClean="0">
+              <a:t>，「動画特徴量からの印象推定</a:t>
+            </a:r>
+            <a:r>
+              <a:rPr lang="ja-JP" altLang="en-US">
                 <a:latin typeface="+mn-ea"/>
               </a:rPr>
-              <a:t>基づく</a:t>
-            </a:r>
-            <a:endParaRPr lang="en-US" altLang="ja-JP" dirty="0" smtClean="0">
-              <a:latin typeface="+mn-ea"/>
-            </a:endParaRPr>
-          </a:p>
-          <a:p>
-            <a:pPr marL="0" indent="0">
-              <a:buNone/>
-            </a:pPr>
-            <a:r>
-              <a:rPr lang="ja-JP" altLang="en-US" dirty="0" smtClean="0">
+              <a:t>に</a:t>
+            </a:r>
+            <a:r>
+              <a:rPr lang="ja-JP" altLang="en-US" smtClean="0">
                 <a:latin typeface="+mn-ea"/>
               </a:rPr>
-              <a:t>動画</a:t>
+              <a:t>基づく動画</a:t>
             </a:r>
             <a:r>
               <a:rPr lang="en-US" altLang="ja-JP" dirty="0">
@@ -6248,7 +6265,7 @@
         <p:spPr>
           <a:xfrm>
             <a:off x="739471" y="3427012"/>
-            <a:ext cx="7474226" cy="646331"/>
+            <a:ext cx="7474226" cy="923330"/>
           </a:xfrm>
           <a:prstGeom prst="rect">
             <a:avLst/>
@@ -6263,11 +6280,7 @@
           <a:p>
             <a:r>
               <a:rPr kumimoji="1" lang="ja-JP" altLang="en-US" dirty="0" smtClean="0"/>
-              <a:t>・ジャンル分け・動画と音楽の合成での並列処理</a:t>
-            </a:r>
-            <a:r>
-              <a:rPr kumimoji="1" lang="ja-JP" altLang="en-US" dirty="0" smtClean="0"/>
-              <a:t>で</a:t>
+              <a:t>・ジャンル分け・動画と音楽の合成での並列処理で</a:t>
             </a:r>
             <a:r>
               <a:rPr lang="ja-JP" altLang="en-US" dirty="0"/>
@@ -6282,6 +6295,9 @@
               <a:t>.</a:t>
             </a:r>
             <a:endParaRPr lang="en-US" altLang="ja-JP" dirty="0"/>
+          </a:p>
+          <a:p>
+            <a:endParaRPr lang="en-US" altLang="ja-JP" dirty="0" smtClean="0"/>
           </a:p>
           <a:p>
             <a:r>
@@ -6943,7 +6959,19 @@
             <a:pPr algn="ctr"/>
             <a:r>
               <a:rPr kumimoji="1" lang="ja-JP" altLang="en-US" dirty="0" smtClean="0"/>
-              <a:t>観光地推薦動画</a:t>
+              <a:t>観光地</a:t>
+            </a:r>
+            <a:endParaRPr kumimoji="1" lang="en-US" altLang="ja-JP" dirty="0" smtClean="0"/>
+          </a:p>
+          <a:p>
+            <a:pPr algn="ctr"/>
+            <a:r>
+              <a:rPr kumimoji="1" lang="ja-JP" altLang="en-US" dirty="0" smtClean="0"/>
+              <a:t>推薦</a:t>
+            </a:r>
+            <a:r>
+              <a:rPr kumimoji="1" lang="ja-JP" altLang="en-US" dirty="0" smtClean="0"/>
+              <a:t>動画</a:t>
             </a:r>
             <a:endParaRPr kumimoji="1" lang="ja-JP" altLang="en-US" dirty="0"/>
           </a:p>
@@ -7414,7 +7442,7 @@
         <p:spPr>
           <a:xfrm>
             <a:off x="3218352" y="3917430"/>
-            <a:ext cx="2413098" cy="646331"/>
+            <a:ext cx="2413098" cy="923330"/>
           </a:xfrm>
           <a:prstGeom prst="rect">
             <a:avLst/>
@@ -7429,9 +7457,43 @@
           <a:p>
             <a:r>
               <a:rPr kumimoji="1" lang="ja-JP" altLang="en-US" dirty="0" smtClean="0"/>
-              <a:t>動画と楽曲を複数のサーバーでマッチング</a:t>
+              <a:t>動画と楽曲を複数のサーバーで</a:t>
+            </a:r>
+            <a:r>
+              <a:rPr kumimoji="1" lang="ja-JP" altLang="en-US" dirty="0" smtClean="0"/>
+              <a:t>マッチング処理</a:t>
             </a:r>
             <a:endParaRPr kumimoji="1" lang="ja-JP" altLang="en-US" dirty="0"/>
+          </a:p>
+        </p:txBody>
+      </p:sp>
+      <p:sp>
+        <p:nvSpPr>
+          <p:cNvPr id="2" name="テキスト ボックス 1"/>
+          <p:cNvSpPr txBox="1"/>
+          <p:nvPr/>
+        </p:nvSpPr>
+        <p:spPr>
+          <a:xfrm>
+            <a:off x="370201" y="182126"/>
+            <a:ext cx="2615979" cy="584775"/>
+          </a:xfrm>
+          <a:prstGeom prst="rect">
+            <a:avLst/>
+          </a:prstGeom>
+          <a:noFill/>
+        </p:spPr>
+        <p:txBody>
+          <a:bodyPr wrap="square" rtlCol="0">
+            <a:spAutoFit/>
+          </a:bodyPr>
+          <a:lstStyle/>
+          <a:p>
+            <a:r>
+              <a:rPr kumimoji="1" lang="ja-JP" altLang="en-US" sz="3200" dirty="0" smtClean="0"/>
+              <a:t>提案システム</a:t>
+            </a:r>
+            <a:endParaRPr kumimoji="1" lang="ja-JP" altLang="en-US" sz="3200" dirty="0"/>
           </a:p>
         </p:txBody>
       </p:sp>
@@ -7445,6 +7507,13 @@
   <p:clrMapOvr>
     <a:masterClrMapping/>
   </p:clrMapOvr>
+  <p:timing>
+    <p:tnLst>
+      <p:par>
+        <p:cTn id="1" dur="indefinite" restart="never" nodeType="tmRoot"/>
+      </p:par>
+    </p:tnLst>
+  </p:timing>
 </p:sld>
 </file>
 
@@ -7561,38 +7630,20 @@
             </a:r>
             <a:r>
               <a:rPr kumimoji="1" lang="ja-JP" altLang="en-US" dirty="0"/>
-              <a:t>観光地動画</a:t>
-            </a:r>
-            <a:endParaRPr kumimoji="1" lang="en-US" altLang="ja-JP" dirty="0"/>
+              <a:t>観光地</a:t>
+            </a:r>
+            <a:r>
+              <a:rPr kumimoji="1" lang="ja-JP" altLang="en-US" dirty="0" smtClean="0"/>
+              <a:t>動画</a:t>
+            </a:r>
+            <a:endParaRPr lang="en-US" altLang="ja-JP" dirty="0"/>
           </a:p>
           <a:p>
             <a:pPr lvl="1"/>
             <a:r>
-              <a:rPr lang="ja-JP" altLang="en-US" dirty="0"/>
+              <a:rPr lang="ja-JP" altLang="en-US" dirty="0" smtClean="0"/>
               <a:t>楽曲</a:t>
             </a:r>
-            <a:r>
-              <a:rPr lang="en-US" altLang="ja-JP" dirty="0"/>
-              <a:t>: </a:t>
-            </a:r>
-            <a:r>
-              <a:rPr lang="ja-JP" altLang="en-US" dirty="0"/>
-              <a:t>クラシックや</a:t>
-            </a:r>
-            <a:r>
-              <a:rPr lang="ja-JP" altLang="en-US" dirty="0" smtClean="0"/>
-              <a:t>インストルメンタル</a:t>
-            </a:r>
-            <a:r>
-              <a:rPr lang="ja-JP" altLang="en-US" dirty="0" smtClean="0"/>
-              <a:t>など</a:t>
-            </a:r>
-            <a:endParaRPr lang="en-US" altLang="ja-JP" dirty="0" smtClean="0"/>
-          </a:p>
-          <a:p>
-            <a:pPr marL="0" indent="0">
-              <a:buNone/>
-            </a:pPr>
             <a:endParaRPr lang="en-US" altLang="ja-JP" dirty="0" smtClean="0"/>
           </a:p>
           <a:p>

--- a/発表用スライド/1821144_yoshii_thesis_ver.pptx
+++ b/発表用スライド/1821144_yoshii_thesis_ver.pptx
@@ -236,7 +236,7 @@
           <a:p>
             <a:fld id="{27571B5F-C8EC-4379-AD76-80FD414F3861}" type="datetimeFigureOut">
               <a:rPr kumimoji="1" lang="ja-JP" altLang="en-US" smtClean="0"/>
-              <a:t>2021/11/15</a:t>
+              <a:t>2021/11/24</a:t>
             </a:fld>
             <a:endParaRPr kumimoji="1" lang="ja-JP" altLang="en-US"/>
           </a:p>
@@ -750,7 +750,7 @@
           <a:p>
             <a:fld id="{22C6F9C5-C6AA-409B-AF03-98D7346F1423}" type="datetime1">
               <a:rPr kumimoji="1" lang="ja-JP" altLang="en-US" smtClean="0"/>
-              <a:t>2021/11/15</a:t>
+              <a:t>2021/11/24</a:t>
             </a:fld>
             <a:endParaRPr kumimoji="1" lang="ja-JP" altLang="en-US"/>
           </a:p>
@@ -953,7 +953,7 @@
           <a:p>
             <a:fld id="{22E0F957-B7A6-49B1-8F7C-E83B3F2002DA}" type="datetime1">
               <a:rPr kumimoji="1" lang="ja-JP" altLang="en-US" smtClean="0"/>
-              <a:t>2021/11/15</a:t>
+              <a:t>2021/11/24</a:t>
             </a:fld>
             <a:endParaRPr kumimoji="1" lang="ja-JP" altLang="en-US"/>
           </a:p>
@@ -1166,7 +1166,7 @@
           <a:p>
             <a:fld id="{DE6F7DB3-2648-413C-8B2E-93728F539CCD}" type="datetime1">
               <a:rPr kumimoji="1" lang="ja-JP" altLang="en-US" smtClean="0"/>
-              <a:t>2021/11/15</a:t>
+              <a:t>2021/11/24</a:t>
             </a:fld>
             <a:endParaRPr kumimoji="1" lang="ja-JP" altLang="en-US"/>
           </a:p>
@@ -1369,7 +1369,7 @@
           <a:p>
             <a:fld id="{A2D1DE2A-14E7-4A39-B37E-D38A93E354FC}" type="datetime1">
               <a:rPr kumimoji="1" lang="ja-JP" altLang="en-US" smtClean="0"/>
-              <a:t>2021/11/15</a:t>
+              <a:t>2021/11/24</a:t>
             </a:fld>
             <a:endParaRPr kumimoji="1" lang="ja-JP" altLang="en-US"/>
           </a:p>
@@ -1618,7 +1618,7 @@
           <a:p>
             <a:fld id="{991EEB29-6570-4D17-BF07-A0C0B34BA0FB}" type="datetime1">
               <a:rPr kumimoji="1" lang="ja-JP" altLang="en-US" smtClean="0"/>
-              <a:t>2021/11/15</a:t>
+              <a:t>2021/11/24</a:t>
             </a:fld>
             <a:endParaRPr kumimoji="1" lang="ja-JP" altLang="en-US"/>
           </a:p>
@@ -1915,7 +1915,7 @@
           <a:p>
             <a:fld id="{892B6420-66A4-43C3-BA46-EBDFB60516F0}" type="datetime1">
               <a:rPr kumimoji="1" lang="ja-JP" altLang="en-US" smtClean="0"/>
-              <a:t>2021/11/15</a:t>
+              <a:t>2021/11/24</a:t>
             </a:fld>
             <a:endParaRPr kumimoji="1" lang="ja-JP" altLang="en-US"/>
           </a:p>
@@ -2347,7 +2347,7 @@
           <a:p>
             <a:fld id="{5BE63C90-8833-49EB-8DFB-3A87587C56DF}" type="datetime1">
               <a:rPr kumimoji="1" lang="ja-JP" altLang="en-US" smtClean="0"/>
-              <a:t>2021/11/15</a:t>
+              <a:t>2021/11/24</a:t>
             </a:fld>
             <a:endParaRPr kumimoji="1" lang="ja-JP" altLang="en-US"/>
           </a:p>
@@ -2466,7 +2466,7 @@
           <a:p>
             <a:fld id="{FDB7B118-9258-4B93-98B1-2227223B18EF}" type="datetime1">
               <a:rPr kumimoji="1" lang="ja-JP" altLang="en-US" smtClean="0"/>
-              <a:t>2021/11/15</a:t>
+              <a:t>2021/11/24</a:t>
             </a:fld>
             <a:endParaRPr kumimoji="1" lang="ja-JP" altLang="en-US"/>
           </a:p>
@@ -2562,7 +2562,7 @@
           <a:p>
             <a:fld id="{9C334A37-8FFC-49D6-A0F3-FC06101E023C}" type="datetime1">
               <a:rPr kumimoji="1" lang="ja-JP" altLang="en-US" smtClean="0"/>
-              <a:t>2021/11/15</a:t>
+              <a:t>2021/11/24</a:t>
             </a:fld>
             <a:endParaRPr kumimoji="1" lang="ja-JP" altLang="en-US"/>
           </a:p>
@@ -2872,7 +2872,7 @@
           <a:p>
             <a:fld id="{0FAD949F-32A5-4343-9078-C3A89D3064D3}" type="datetime1">
               <a:rPr kumimoji="1" lang="ja-JP" altLang="en-US" smtClean="0"/>
-              <a:t>2021/11/15</a:t>
+              <a:t>2021/11/24</a:t>
             </a:fld>
             <a:endParaRPr kumimoji="1" lang="ja-JP" altLang="en-US"/>
           </a:p>
@@ -3130,7 +3130,7 @@
           <a:p>
             <a:fld id="{58C4534D-9999-497B-9C6B-5769B1D800E5}" type="datetime1">
               <a:rPr kumimoji="1" lang="ja-JP" altLang="en-US" smtClean="0"/>
-              <a:t>2021/11/15</a:t>
+              <a:t>2021/11/24</a:t>
             </a:fld>
             <a:endParaRPr kumimoji="1" lang="ja-JP" altLang="en-US"/>
           </a:p>
@@ -3376,7 +3376,7 @@
           <a:p>
             <a:fld id="{D73E1257-0E7D-4620-84B9-7FC7BB2FC946}" type="datetime1">
               <a:rPr kumimoji="1" lang="ja-JP" altLang="en-US" smtClean="0"/>
-              <a:t>2021/11/15</a:t>
+              <a:t>2021/11/24</a:t>
             </a:fld>
             <a:endParaRPr kumimoji="1" lang="ja-JP" altLang="en-US"/>
           </a:p>
@@ -3975,11 +3975,7 @@
             </a:r>
             <a:r>
               <a:rPr kumimoji="1" lang="ja-JP" altLang="en-US" dirty="0" smtClean="0"/>
-              <a:t>という</a:t>
-            </a:r>
-            <a:r>
-              <a:rPr kumimoji="1" lang="ja-JP" altLang="en-US" dirty="0" smtClean="0"/>
-              <a:t>データセットの一部を使用し</a:t>
+              <a:t>というデータセットの一部を使用し</a:t>
             </a:r>
             <a:endParaRPr kumimoji="1" lang="en-US" altLang="ja-JP" dirty="0" smtClean="0"/>
           </a:p>
@@ -3989,11 +3985,7 @@
             </a:pPr>
             <a:r>
               <a:rPr kumimoji="1" lang="ja-JP" altLang="en-US" dirty="0" smtClean="0"/>
-              <a:t>音楽</a:t>
-            </a:r>
-            <a:r>
-              <a:rPr kumimoji="1" lang="ja-JP" altLang="en-US" dirty="0" smtClean="0"/>
-              <a:t>ジャンル分類をするモデルの作成・学習・評価をするプログラム</a:t>
+              <a:t>音楽ジャンル分類をするモデルの作成・学習・評価をするプログラム</a:t>
             </a:r>
             <a:r>
               <a:rPr kumimoji="1" lang="en-US" altLang="ja-JP" dirty="0" smtClean="0"/>
@@ -5196,7 +5188,7 @@
         </p:nvSpPr>
         <p:spPr>
           <a:xfrm>
-            <a:off x="454665" y="1466396"/>
+            <a:off x="628650" y="1362723"/>
             <a:ext cx="8354290" cy="3574731"/>
           </a:xfrm>
         </p:spPr>
@@ -5296,576 +5288,606 @@
           </a:p>
         </p:txBody>
       </p:sp>
-      <p:sp>
-        <p:nvSpPr>
-          <p:cNvPr id="30" name="正方形/長方形 29"/>
-          <p:cNvSpPr/>
+      <p:grpSp>
+        <p:nvGrpSpPr>
+          <p:cNvPr id="10" name="グループ化 9"/>
+          <p:cNvGrpSpPr/>
           <p:nvPr/>
-        </p:nvSpPr>
-        <p:spPr>
+        </p:nvGrpSpPr>
+        <p:grpSpPr>
           <a:xfrm>
-            <a:off x="467336" y="5084290"/>
-            <a:ext cx="2162379" cy="409003"/>
+            <a:off x="466648" y="4830578"/>
+            <a:ext cx="8327992" cy="2024499"/>
+            <a:chOff x="466648" y="4830578"/>
+            <a:chExt cx="8327992" cy="2024499"/>
           </a:xfrm>
-          <a:prstGeom prst="rect">
-            <a:avLst/>
-          </a:prstGeom>
-        </p:spPr>
-        <p:style>
-          <a:lnRef idx="1">
-            <a:schemeClr val="accent5"/>
-          </a:lnRef>
-          <a:fillRef idx="2">
-            <a:schemeClr val="accent5"/>
-          </a:fillRef>
-          <a:effectRef idx="1">
-            <a:schemeClr val="accent5"/>
-          </a:effectRef>
-          <a:fontRef idx="minor">
-            <a:schemeClr val="dk1"/>
-          </a:fontRef>
-        </p:style>
-        <p:txBody>
-          <a:bodyPr rtlCol="0" anchor="ctr"/>
-          <a:lstStyle/>
-          <a:p>
-            <a:pPr algn="ctr"/>
-            <a:r>
-              <a:rPr kumimoji="1" lang="ja-JP" altLang="en-US" dirty="0" smtClean="0"/>
-              <a:t>大量の楽曲データ</a:t>
-            </a:r>
-            <a:endParaRPr kumimoji="1" lang="en-US" altLang="ja-JP" dirty="0" smtClean="0"/>
-          </a:p>
-        </p:txBody>
-      </p:sp>
-      <p:pic>
-        <p:nvPicPr>
-          <p:cNvPr id="32" name="図 31"/>
-          <p:cNvPicPr>
-            <a:picLocks noChangeAspect="1"/>
-          </p:cNvPicPr>
-          <p:nvPr/>
-        </p:nvPicPr>
-        <p:blipFill>
-          <a:blip r:embed="rId2" cstate="print">
-            <a:extLst>
-              <a:ext uri="{28A0092B-C50C-407E-A947-70E740481C1C}">
-                <a14:useLocalDpi xmlns:a14="http://schemas.microsoft.com/office/drawing/2010/main" val="0"/>
-              </a:ext>
-            </a:extLst>
-          </a:blip>
-          <a:stretch>
-            <a:fillRect/>
-          </a:stretch>
-        </p:blipFill>
-        <p:spPr>
-          <a:xfrm>
-            <a:off x="4120641" y="4802063"/>
-            <a:ext cx="427506" cy="427506"/>
-          </a:xfrm>
-          <a:prstGeom prst="rect">
-            <a:avLst/>
-          </a:prstGeom>
-        </p:spPr>
-      </p:pic>
-      <p:pic>
-        <p:nvPicPr>
-          <p:cNvPr id="35" name="図 34"/>
-          <p:cNvPicPr>
-            <a:picLocks noChangeAspect="1"/>
-          </p:cNvPicPr>
-          <p:nvPr/>
-        </p:nvPicPr>
-        <p:blipFill>
-          <a:blip r:embed="rId2" cstate="print">
-            <a:extLst>
-              <a:ext uri="{28A0092B-C50C-407E-A947-70E740481C1C}">
-                <a14:useLocalDpi xmlns:a14="http://schemas.microsoft.com/office/drawing/2010/main" val="0"/>
-              </a:ext>
-            </a:extLst>
-          </a:blip>
-          <a:stretch>
-            <a:fillRect/>
-          </a:stretch>
-        </p:blipFill>
-        <p:spPr>
-          <a:xfrm>
-            <a:off x="4128593" y="5961703"/>
-            <a:ext cx="427506" cy="427506"/>
-          </a:xfrm>
-          <a:prstGeom prst="rect">
-            <a:avLst/>
-          </a:prstGeom>
-        </p:spPr>
-      </p:pic>
-      <p:pic>
-        <p:nvPicPr>
-          <p:cNvPr id="36" name="図 35"/>
-          <p:cNvPicPr>
-            <a:picLocks noChangeAspect="1"/>
-          </p:cNvPicPr>
-          <p:nvPr/>
-        </p:nvPicPr>
-        <p:blipFill>
-          <a:blip r:embed="rId2" cstate="print">
-            <a:extLst>
-              <a:ext uri="{28A0092B-C50C-407E-A947-70E740481C1C}">
-                <a14:useLocalDpi xmlns:a14="http://schemas.microsoft.com/office/drawing/2010/main" val="0"/>
-              </a:ext>
-            </a:extLst>
-          </a:blip>
-          <a:stretch>
-            <a:fillRect/>
-          </a:stretch>
-        </p:blipFill>
-        <p:spPr>
-          <a:xfrm>
-            <a:off x="4120641" y="5380328"/>
-            <a:ext cx="427506" cy="427506"/>
-          </a:xfrm>
-          <a:prstGeom prst="rect">
-            <a:avLst/>
-          </a:prstGeom>
-        </p:spPr>
-      </p:pic>
-      <p:sp>
-        <p:nvSpPr>
-          <p:cNvPr id="37" name="テキスト ボックス 36"/>
-          <p:cNvSpPr txBox="1"/>
-          <p:nvPr/>
-        </p:nvSpPr>
-        <p:spPr>
-          <a:xfrm>
-            <a:off x="3156668" y="6457230"/>
-            <a:ext cx="2671638" cy="369332"/>
-          </a:xfrm>
-          <a:prstGeom prst="rect">
-            <a:avLst/>
-          </a:prstGeom>
-          <a:noFill/>
-        </p:spPr>
-        <p:txBody>
-          <a:bodyPr wrap="square" rtlCol="0">
-            <a:spAutoFit/>
-          </a:bodyPr>
-          <a:lstStyle/>
-          <a:p>
-            <a:r>
-              <a:rPr kumimoji="1" lang="ja-JP" altLang="en-US" dirty="0" smtClean="0"/>
-              <a:t>処理を分散するサーバー</a:t>
-            </a:r>
-            <a:endParaRPr kumimoji="1" lang="ja-JP" altLang="en-US" dirty="0"/>
-          </a:p>
-        </p:txBody>
-      </p:sp>
-      <p:cxnSp>
-        <p:nvCxnSpPr>
-          <p:cNvPr id="39" name="直線矢印コネクタ 38"/>
-          <p:cNvCxnSpPr>
-            <a:stCxn id="30" idx="3"/>
-            <a:endCxn id="32" idx="1"/>
-          </p:cNvCxnSpPr>
-          <p:nvPr/>
-        </p:nvCxnSpPr>
-        <p:spPr>
-          <a:xfrm flipV="1">
-            <a:off x="2629715" y="5015816"/>
-            <a:ext cx="1490926" cy="272976"/>
-          </a:xfrm>
-          <a:prstGeom prst="straightConnector1">
-            <a:avLst/>
-          </a:prstGeom>
-          <a:ln>
-            <a:tailEnd type="triangle"/>
-          </a:ln>
-        </p:spPr>
-        <p:style>
-          <a:lnRef idx="1">
-            <a:schemeClr val="accent1"/>
-          </a:lnRef>
-          <a:fillRef idx="0">
-            <a:schemeClr val="accent1"/>
-          </a:fillRef>
-          <a:effectRef idx="0">
-            <a:schemeClr val="accent1"/>
-          </a:effectRef>
-          <a:fontRef idx="minor">
-            <a:schemeClr val="tx1"/>
-          </a:fontRef>
-        </p:style>
-      </p:cxnSp>
-      <p:cxnSp>
-        <p:nvCxnSpPr>
-          <p:cNvPr id="41" name="直線矢印コネクタ 40"/>
-          <p:cNvCxnSpPr>
-            <a:stCxn id="30" idx="3"/>
-            <a:endCxn id="36" idx="1"/>
-          </p:cNvCxnSpPr>
-          <p:nvPr/>
-        </p:nvCxnSpPr>
-        <p:spPr>
-          <a:xfrm>
-            <a:off x="2629715" y="5288792"/>
-            <a:ext cx="1490926" cy="305289"/>
-          </a:xfrm>
-          <a:prstGeom prst="straightConnector1">
-            <a:avLst/>
-          </a:prstGeom>
-          <a:ln>
-            <a:tailEnd type="triangle"/>
-          </a:ln>
-        </p:spPr>
-        <p:style>
-          <a:lnRef idx="1">
-            <a:schemeClr val="accent1"/>
-          </a:lnRef>
-          <a:fillRef idx="0">
-            <a:schemeClr val="accent1"/>
-          </a:fillRef>
-          <a:effectRef idx="0">
-            <a:schemeClr val="accent1"/>
-          </a:effectRef>
-          <a:fontRef idx="minor">
-            <a:schemeClr val="tx1"/>
-          </a:fontRef>
-        </p:style>
-      </p:cxnSp>
-      <p:cxnSp>
-        <p:nvCxnSpPr>
-          <p:cNvPr id="43" name="直線矢印コネクタ 42"/>
-          <p:cNvCxnSpPr>
-            <a:stCxn id="30" idx="3"/>
-            <a:endCxn id="35" idx="1"/>
-          </p:cNvCxnSpPr>
-          <p:nvPr/>
-        </p:nvCxnSpPr>
-        <p:spPr>
-          <a:xfrm>
-            <a:off x="2629715" y="5288792"/>
-            <a:ext cx="1498878" cy="886664"/>
-          </a:xfrm>
-          <a:prstGeom prst="straightConnector1">
-            <a:avLst/>
-          </a:prstGeom>
-          <a:ln>
-            <a:tailEnd type="triangle"/>
-          </a:ln>
-        </p:spPr>
-        <p:style>
-          <a:lnRef idx="1">
-            <a:schemeClr val="accent1"/>
-          </a:lnRef>
-          <a:fillRef idx="0">
-            <a:schemeClr val="accent1"/>
-          </a:fillRef>
-          <a:effectRef idx="0">
-            <a:schemeClr val="accent1"/>
-          </a:effectRef>
-          <a:fontRef idx="minor">
-            <a:schemeClr val="tx1"/>
-          </a:fontRef>
-        </p:style>
-      </p:cxnSp>
-      <p:sp>
-        <p:nvSpPr>
-          <p:cNvPr id="78" name="正方形/長方形 77"/>
-          <p:cNvSpPr/>
-          <p:nvPr/>
-        </p:nvSpPr>
-        <p:spPr>
-          <a:xfrm>
-            <a:off x="466648" y="5932829"/>
-            <a:ext cx="2162379" cy="409003"/>
-          </a:xfrm>
-          <a:prstGeom prst="rect">
-            <a:avLst/>
-          </a:prstGeom>
-        </p:spPr>
-        <p:style>
-          <a:lnRef idx="1">
-            <a:schemeClr val="accent4"/>
-          </a:lnRef>
-          <a:fillRef idx="2">
-            <a:schemeClr val="accent4"/>
-          </a:fillRef>
-          <a:effectRef idx="1">
-            <a:schemeClr val="accent4"/>
-          </a:effectRef>
-          <a:fontRef idx="minor">
-            <a:schemeClr val="dk1"/>
-          </a:fontRef>
-        </p:style>
-        <p:txBody>
-          <a:bodyPr rtlCol="0" anchor="ctr"/>
-          <a:lstStyle/>
-          <a:p>
-            <a:pPr algn="ctr"/>
-            <a:r>
-              <a:rPr kumimoji="1" lang="ja-JP" altLang="en-US" dirty="0" smtClean="0"/>
-              <a:t>大量の動画データ</a:t>
-            </a:r>
-            <a:endParaRPr kumimoji="1" lang="en-US" altLang="ja-JP" dirty="0" smtClean="0"/>
-          </a:p>
-        </p:txBody>
-      </p:sp>
-      <p:cxnSp>
-        <p:nvCxnSpPr>
-          <p:cNvPr id="80" name="直線矢印コネクタ 79"/>
-          <p:cNvCxnSpPr>
-            <a:stCxn id="78" idx="3"/>
-            <a:endCxn id="35" idx="1"/>
-          </p:cNvCxnSpPr>
-          <p:nvPr/>
-        </p:nvCxnSpPr>
-        <p:spPr>
-          <a:xfrm>
-            <a:off x="2629027" y="6137331"/>
-            <a:ext cx="1499566" cy="38125"/>
-          </a:xfrm>
-          <a:prstGeom prst="straightConnector1">
-            <a:avLst/>
-          </a:prstGeom>
-          <a:ln>
-            <a:tailEnd type="triangle"/>
-          </a:ln>
-        </p:spPr>
-        <p:style>
-          <a:lnRef idx="1">
-            <a:schemeClr val="accent2"/>
-          </a:lnRef>
-          <a:fillRef idx="0">
-            <a:schemeClr val="accent2"/>
-          </a:fillRef>
-          <a:effectRef idx="0">
-            <a:schemeClr val="accent2"/>
-          </a:effectRef>
-          <a:fontRef idx="minor">
-            <a:schemeClr val="tx1"/>
-          </a:fontRef>
-        </p:style>
-      </p:cxnSp>
-      <p:cxnSp>
-        <p:nvCxnSpPr>
-          <p:cNvPr id="81" name="直線矢印コネクタ 80"/>
-          <p:cNvCxnSpPr>
-            <a:stCxn id="78" idx="3"/>
-            <a:endCxn id="32" idx="1"/>
-          </p:cNvCxnSpPr>
-          <p:nvPr/>
-        </p:nvCxnSpPr>
-        <p:spPr>
-          <a:xfrm flipV="1">
-            <a:off x="2629027" y="5015816"/>
-            <a:ext cx="1491614" cy="1121515"/>
-          </a:xfrm>
-          <a:prstGeom prst="straightConnector1">
-            <a:avLst/>
-          </a:prstGeom>
-          <a:ln>
-            <a:tailEnd type="triangle"/>
-          </a:ln>
-        </p:spPr>
-        <p:style>
-          <a:lnRef idx="1">
-            <a:schemeClr val="accent2"/>
-          </a:lnRef>
-          <a:fillRef idx="0">
-            <a:schemeClr val="accent2"/>
-          </a:fillRef>
-          <a:effectRef idx="0">
-            <a:schemeClr val="accent2"/>
-          </a:effectRef>
-          <a:fontRef idx="minor">
-            <a:schemeClr val="tx1"/>
-          </a:fontRef>
-        </p:style>
-      </p:cxnSp>
-      <p:cxnSp>
-        <p:nvCxnSpPr>
-          <p:cNvPr id="82" name="直線矢印コネクタ 81"/>
-          <p:cNvCxnSpPr>
-            <a:stCxn id="78" idx="3"/>
-            <a:endCxn id="36" idx="1"/>
-          </p:cNvCxnSpPr>
-          <p:nvPr/>
-        </p:nvCxnSpPr>
-        <p:spPr>
-          <a:xfrm flipV="1">
-            <a:off x="2629027" y="5594081"/>
-            <a:ext cx="1491614" cy="543250"/>
-          </a:xfrm>
-          <a:prstGeom prst="straightConnector1">
-            <a:avLst/>
-          </a:prstGeom>
-          <a:ln>
-            <a:tailEnd type="triangle"/>
-          </a:ln>
-        </p:spPr>
-        <p:style>
-          <a:lnRef idx="1">
-            <a:schemeClr val="accent2"/>
-          </a:lnRef>
-          <a:fillRef idx="0">
-            <a:schemeClr val="accent2"/>
-          </a:fillRef>
-          <a:effectRef idx="0">
-            <a:schemeClr val="accent2"/>
-          </a:effectRef>
-          <a:fontRef idx="minor">
-            <a:schemeClr val="tx1"/>
-          </a:fontRef>
-        </p:style>
-      </p:cxnSp>
-      <p:sp>
-        <p:nvSpPr>
-          <p:cNvPr id="87" name="正方形/長方形 86"/>
-          <p:cNvSpPr/>
-          <p:nvPr/>
-        </p:nvSpPr>
-        <p:spPr>
-          <a:xfrm>
-            <a:off x="6178660" y="5337957"/>
-            <a:ext cx="2615980" cy="721564"/>
-          </a:xfrm>
-          <a:prstGeom prst="rect">
-            <a:avLst/>
-          </a:prstGeom>
-        </p:spPr>
-        <p:style>
-          <a:lnRef idx="1">
-            <a:schemeClr val="accent6"/>
-          </a:lnRef>
-          <a:fillRef idx="2">
-            <a:schemeClr val="accent6"/>
-          </a:fillRef>
-          <a:effectRef idx="1">
-            <a:schemeClr val="accent6"/>
-          </a:effectRef>
-          <a:fontRef idx="minor">
-            <a:schemeClr val="dk1"/>
-          </a:fontRef>
-        </p:style>
-        <p:txBody>
-          <a:bodyPr rtlCol="0" anchor="ctr"/>
-          <a:lstStyle/>
-          <a:p>
-            <a:pPr algn="ctr"/>
-            <a:r>
-              <a:rPr kumimoji="1" lang="ja-JP" altLang="en-US" dirty="0" smtClean="0"/>
-              <a:t>合成されたデータ</a:t>
-            </a:r>
-            <a:endParaRPr kumimoji="1" lang="ja-JP" altLang="en-US" dirty="0"/>
-          </a:p>
-        </p:txBody>
-      </p:sp>
-      <p:cxnSp>
-        <p:nvCxnSpPr>
-          <p:cNvPr id="95" name="直線矢印コネクタ 94"/>
-          <p:cNvCxnSpPr>
-            <a:stCxn id="3" idx="2"/>
-            <a:endCxn id="87" idx="1"/>
-          </p:cNvCxnSpPr>
-          <p:nvPr/>
-        </p:nvCxnSpPr>
-        <p:spPr>
-          <a:xfrm>
-            <a:off x="4631810" y="5041127"/>
-            <a:ext cx="1546850" cy="657612"/>
-          </a:xfrm>
-          <a:prstGeom prst="straightConnector1">
-            <a:avLst/>
-          </a:prstGeom>
-          <a:ln>
-            <a:tailEnd type="triangle"/>
-          </a:ln>
-        </p:spPr>
-        <p:style>
-          <a:lnRef idx="1">
-            <a:schemeClr val="accent6"/>
-          </a:lnRef>
-          <a:fillRef idx="0">
-            <a:schemeClr val="accent6"/>
-          </a:fillRef>
-          <a:effectRef idx="0">
-            <a:schemeClr val="accent6"/>
-          </a:effectRef>
-          <a:fontRef idx="minor">
-            <a:schemeClr val="tx1"/>
-          </a:fontRef>
-        </p:style>
-      </p:cxnSp>
-      <p:cxnSp>
-        <p:nvCxnSpPr>
-          <p:cNvPr id="96" name="直線矢印コネクタ 95"/>
-          <p:cNvCxnSpPr>
-            <a:stCxn id="36" idx="3"/>
-            <a:endCxn id="87" idx="1"/>
-          </p:cNvCxnSpPr>
-          <p:nvPr/>
-        </p:nvCxnSpPr>
-        <p:spPr>
-          <a:xfrm>
-            <a:off x="4548147" y="5594081"/>
-            <a:ext cx="1630513" cy="104658"/>
-          </a:xfrm>
-          <a:prstGeom prst="straightConnector1">
-            <a:avLst/>
-          </a:prstGeom>
-          <a:ln>
-            <a:tailEnd type="triangle"/>
-          </a:ln>
-        </p:spPr>
-        <p:style>
-          <a:lnRef idx="1">
-            <a:schemeClr val="accent6"/>
-          </a:lnRef>
-          <a:fillRef idx="0">
-            <a:schemeClr val="accent6"/>
-          </a:fillRef>
-          <a:effectRef idx="0">
-            <a:schemeClr val="accent6"/>
-          </a:effectRef>
-          <a:fontRef idx="minor">
-            <a:schemeClr val="tx1"/>
-          </a:fontRef>
-        </p:style>
-      </p:cxnSp>
-      <p:cxnSp>
-        <p:nvCxnSpPr>
-          <p:cNvPr id="97" name="直線矢印コネクタ 96"/>
-          <p:cNvCxnSpPr>
-            <a:stCxn id="35" idx="3"/>
-            <a:endCxn id="87" idx="1"/>
-          </p:cNvCxnSpPr>
-          <p:nvPr/>
-        </p:nvCxnSpPr>
-        <p:spPr>
-          <a:xfrm flipV="1">
-            <a:off x="4556099" y="5698739"/>
-            <a:ext cx="1622561" cy="476717"/>
-          </a:xfrm>
-          <a:prstGeom prst="straightConnector1">
-            <a:avLst/>
-          </a:prstGeom>
-          <a:ln>
-            <a:tailEnd type="triangle"/>
-          </a:ln>
-        </p:spPr>
-        <p:style>
-          <a:lnRef idx="1">
-            <a:schemeClr val="accent6"/>
-          </a:lnRef>
-          <a:fillRef idx="0">
-            <a:schemeClr val="accent6"/>
-          </a:fillRef>
-          <a:effectRef idx="0">
-            <a:schemeClr val="accent6"/>
-          </a:effectRef>
-          <a:fontRef idx="minor">
-            <a:schemeClr val="tx1"/>
-          </a:fontRef>
-        </p:style>
-      </p:cxnSp>
+        </p:grpSpPr>
+        <p:cxnSp>
+          <p:nvCxnSpPr>
+            <p:cNvPr id="43" name="直線矢印コネクタ 42"/>
+            <p:cNvCxnSpPr>
+              <a:stCxn id="30" idx="3"/>
+              <a:endCxn id="35" idx="1"/>
+            </p:cNvCxnSpPr>
+            <p:nvPr/>
+          </p:nvCxnSpPr>
+          <p:spPr>
+            <a:xfrm>
+              <a:off x="2629715" y="5317307"/>
+              <a:ext cx="1498878" cy="886664"/>
+            </a:xfrm>
+            <a:prstGeom prst="straightConnector1">
+              <a:avLst/>
+            </a:prstGeom>
+            <a:ln>
+              <a:tailEnd type="triangle"/>
+            </a:ln>
+          </p:spPr>
+          <p:style>
+            <a:lnRef idx="1">
+              <a:schemeClr val="accent1"/>
+            </a:lnRef>
+            <a:fillRef idx="0">
+              <a:schemeClr val="accent1"/>
+            </a:fillRef>
+            <a:effectRef idx="0">
+              <a:schemeClr val="accent1"/>
+            </a:effectRef>
+            <a:fontRef idx="minor">
+              <a:schemeClr val="tx1"/>
+            </a:fontRef>
+          </p:style>
+        </p:cxnSp>
+        <p:grpSp>
+          <p:nvGrpSpPr>
+            <p:cNvPr id="5" name="グループ化 4"/>
+            <p:cNvGrpSpPr/>
+            <p:nvPr/>
+          </p:nvGrpSpPr>
+          <p:grpSpPr>
+            <a:xfrm>
+              <a:off x="466648" y="4830578"/>
+              <a:ext cx="8327992" cy="2024499"/>
+              <a:chOff x="466648" y="4802063"/>
+              <a:chExt cx="8327992" cy="2024499"/>
+            </a:xfrm>
+          </p:grpSpPr>
+          <p:sp>
+            <p:nvSpPr>
+              <p:cNvPr id="30" name="正方形/長方形 29"/>
+              <p:cNvSpPr/>
+              <p:nvPr/>
+            </p:nvSpPr>
+            <p:spPr>
+              <a:xfrm>
+                <a:off x="467336" y="5084290"/>
+                <a:ext cx="2162379" cy="409003"/>
+              </a:xfrm>
+              <a:prstGeom prst="rect">
+                <a:avLst/>
+              </a:prstGeom>
+            </p:spPr>
+            <p:style>
+              <a:lnRef idx="1">
+                <a:schemeClr val="accent5"/>
+              </a:lnRef>
+              <a:fillRef idx="2">
+                <a:schemeClr val="accent5"/>
+              </a:fillRef>
+              <a:effectRef idx="1">
+                <a:schemeClr val="accent5"/>
+              </a:effectRef>
+              <a:fontRef idx="minor">
+                <a:schemeClr val="dk1"/>
+              </a:fontRef>
+            </p:style>
+            <p:txBody>
+              <a:bodyPr rtlCol="0" anchor="ctr"/>
+              <a:lstStyle/>
+              <a:p>
+                <a:pPr algn="ctr"/>
+                <a:r>
+                  <a:rPr kumimoji="1" lang="ja-JP" altLang="en-US" dirty="0" smtClean="0"/>
+                  <a:t>大量の楽曲データ</a:t>
+                </a:r>
+                <a:endParaRPr kumimoji="1" lang="en-US" altLang="ja-JP" dirty="0" smtClean="0"/>
+              </a:p>
+            </p:txBody>
+          </p:sp>
+          <p:pic>
+            <p:nvPicPr>
+              <p:cNvPr id="32" name="図 31"/>
+              <p:cNvPicPr>
+                <a:picLocks noChangeAspect="1"/>
+              </p:cNvPicPr>
+              <p:nvPr/>
+            </p:nvPicPr>
+            <p:blipFill>
+              <a:blip r:embed="rId2" cstate="print">
+                <a:extLst>
+                  <a:ext uri="{28A0092B-C50C-407E-A947-70E740481C1C}">
+                    <a14:useLocalDpi xmlns:a14="http://schemas.microsoft.com/office/drawing/2010/main" val="0"/>
+                  </a:ext>
+                </a:extLst>
+              </a:blip>
+              <a:stretch>
+                <a:fillRect/>
+              </a:stretch>
+            </p:blipFill>
+            <p:spPr>
+              <a:xfrm>
+                <a:off x="4120641" y="4802063"/>
+                <a:ext cx="427506" cy="427506"/>
+              </a:xfrm>
+              <a:prstGeom prst="rect">
+                <a:avLst/>
+              </a:prstGeom>
+            </p:spPr>
+          </p:pic>
+          <p:pic>
+            <p:nvPicPr>
+              <p:cNvPr id="35" name="図 34"/>
+              <p:cNvPicPr>
+                <a:picLocks noChangeAspect="1"/>
+              </p:cNvPicPr>
+              <p:nvPr/>
+            </p:nvPicPr>
+            <p:blipFill>
+              <a:blip r:embed="rId2" cstate="print">
+                <a:extLst>
+                  <a:ext uri="{28A0092B-C50C-407E-A947-70E740481C1C}">
+                    <a14:useLocalDpi xmlns:a14="http://schemas.microsoft.com/office/drawing/2010/main" val="0"/>
+                  </a:ext>
+                </a:extLst>
+              </a:blip>
+              <a:stretch>
+                <a:fillRect/>
+              </a:stretch>
+            </p:blipFill>
+            <p:spPr>
+              <a:xfrm>
+                <a:off x="4128593" y="5961703"/>
+                <a:ext cx="427506" cy="427506"/>
+              </a:xfrm>
+              <a:prstGeom prst="rect">
+                <a:avLst/>
+              </a:prstGeom>
+            </p:spPr>
+          </p:pic>
+          <p:pic>
+            <p:nvPicPr>
+              <p:cNvPr id="36" name="図 35"/>
+              <p:cNvPicPr>
+                <a:picLocks noChangeAspect="1"/>
+              </p:cNvPicPr>
+              <p:nvPr/>
+            </p:nvPicPr>
+            <p:blipFill>
+              <a:blip r:embed="rId2" cstate="print">
+                <a:extLst>
+                  <a:ext uri="{28A0092B-C50C-407E-A947-70E740481C1C}">
+                    <a14:useLocalDpi xmlns:a14="http://schemas.microsoft.com/office/drawing/2010/main" val="0"/>
+                  </a:ext>
+                </a:extLst>
+              </a:blip>
+              <a:stretch>
+                <a:fillRect/>
+              </a:stretch>
+            </p:blipFill>
+            <p:spPr>
+              <a:xfrm>
+                <a:off x="4120641" y="5380328"/>
+                <a:ext cx="427506" cy="427506"/>
+              </a:xfrm>
+              <a:prstGeom prst="rect">
+                <a:avLst/>
+              </a:prstGeom>
+            </p:spPr>
+          </p:pic>
+          <p:sp>
+            <p:nvSpPr>
+              <p:cNvPr id="37" name="テキスト ボックス 36"/>
+              <p:cNvSpPr txBox="1"/>
+              <p:nvPr/>
+            </p:nvSpPr>
+            <p:spPr>
+              <a:xfrm>
+                <a:off x="3156668" y="6457230"/>
+                <a:ext cx="2671638" cy="369332"/>
+              </a:xfrm>
+              <a:prstGeom prst="rect">
+                <a:avLst/>
+              </a:prstGeom>
+              <a:noFill/>
+            </p:spPr>
+            <p:txBody>
+              <a:bodyPr wrap="square" rtlCol="0">
+                <a:spAutoFit/>
+              </a:bodyPr>
+              <a:lstStyle/>
+              <a:p>
+                <a:r>
+                  <a:rPr kumimoji="1" lang="ja-JP" altLang="en-US" dirty="0" smtClean="0"/>
+                  <a:t>処理を分散するサーバー</a:t>
+                </a:r>
+                <a:endParaRPr kumimoji="1" lang="ja-JP" altLang="en-US" dirty="0"/>
+              </a:p>
+            </p:txBody>
+          </p:sp>
+          <p:cxnSp>
+            <p:nvCxnSpPr>
+              <p:cNvPr id="39" name="直線矢印コネクタ 38"/>
+              <p:cNvCxnSpPr>
+                <a:stCxn id="30" idx="3"/>
+                <a:endCxn id="32" idx="1"/>
+              </p:cNvCxnSpPr>
+              <p:nvPr/>
+            </p:nvCxnSpPr>
+            <p:spPr>
+              <a:xfrm flipV="1">
+                <a:off x="2629715" y="5015816"/>
+                <a:ext cx="1490926" cy="272976"/>
+              </a:xfrm>
+              <a:prstGeom prst="straightConnector1">
+                <a:avLst/>
+              </a:prstGeom>
+              <a:ln>
+                <a:tailEnd type="triangle"/>
+              </a:ln>
+            </p:spPr>
+            <p:style>
+              <a:lnRef idx="1">
+                <a:schemeClr val="accent1"/>
+              </a:lnRef>
+              <a:fillRef idx="0">
+                <a:schemeClr val="accent1"/>
+              </a:fillRef>
+              <a:effectRef idx="0">
+                <a:schemeClr val="accent1"/>
+              </a:effectRef>
+              <a:fontRef idx="minor">
+                <a:schemeClr val="tx1"/>
+              </a:fontRef>
+            </p:style>
+          </p:cxnSp>
+          <p:cxnSp>
+            <p:nvCxnSpPr>
+              <p:cNvPr id="41" name="直線矢印コネクタ 40"/>
+              <p:cNvCxnSpPr>
+                <a:stCxn id="30" idx="3"/>
+                <a:endCxn id="36" idx="1"/>
+              </p:cNvCxnSpPr>
+              <p:nvPr/>
+            </p:nvCxnSpPr>
+            <p:spPr>
+              <a:xfrm>
+                <a:off x="2629715" y="5288792"/>
+                <a:ext cx="1490926" cy="305289"/>
+              </a:xfrm>
+              <a:prstGeom prst="straightConnector1">
+                <a:avLst/>
+              </a:prstGeom>
+              <a:ln>
+                <a:tailEnd type="triangle"/>
+              </a:ln>
+            </p:spPr>
+            <p:style>
+              <a:lnRef idx="1">
+                <a:schemeClr val="accent1"/>
+              </a:lnRef>
+              <a:fillRef idx="0">
+                <a:schemeClr val="accent1"/>
+              </a:fillRef>
+              <a:effectRef idx="0">
+                <a:schemeClr val="accent1"/>
+              </a:effectRef>
+              <a:fontRef idx="minor">
+                <a:schemeClr val="tx1"/>
+              </a:fontRef>
+            </p:style>
+          </p:cxnSp>
+          <p:sp>
+            <p:nvSpPr>
+              <p:cNvPr id="78" name="正方形/長方形 77"/>
+              <p:cNvSpPr/>
+              <p:nvPr/>
+            </p:nvSpPr>
+            <p:spPr>
+              <a:xfrm>
+                <a:off x="466648" y="5932829"/>
+                <a:ext cx="2162379" cy="409003"/>
+              </a:xfrm>
+              <a:prstGeom prst="rect">
+                <a:avLst/>
+              </a:prstGeom>
+            </p:spPr>
+            <p:style>
+              <a:lnRef idx="1">
+                <a:schemeClr val="accent4"/>
+              </a:lnRef>
+              <a:fillRef idx="2">
+                <a:schemeClr val="accent4"/>
+              </a:fillRef>
+              <a:effectRef idx="1">
+                <a:schemeClr val="accent4"/>
+              </a:effectRef>
+              <a:fontRef idx="minor">
+                <a:schemeClr val="dk1"/>
+              </a:fontRef>
+            </p:style>
+            <p:txBody>
+              <a:bodyPr rtlCol="0" anchor="ctr"/>
+              <a:lstStyle/>
+              <a:p>
+                <a:pPr algn="ctr"/>
+                <a:r>
+                  <a:rPr kumimoji="1" lang="ja-JP" altLang="en-US" dirty="0" smtClean="0"/>
+                  <a:t>大量の動画データ</a:t>
+                </a:r>
+                <a:endParaRPr kumimoji="1" lang="en-US" altLang="ja-JP" dirty="0" smtClean="0"/>
+              </a:p>
+            </p:txBody>
+          </p:sp>
+          <p:cxnSp>
+            <p:nvCxnSpPr>
+              <p:cNvPr id="80" name="直線矢印コネクタ 79"/>
+              <p:cNvCxnSpPr>
+                <a:stCxn id="78" idx="3"/>
+                <a:endCxn id="35" idx="1"/>
+              </p:cNvCxnSpPr>
+              <p:nvPr/>
+            </p:nvCxnSpPr>
+            <p:spPr>
+              <a:xfrm>
+                <a:off x="2629027" y="6137331"/>
+                <a:ext cx="1499566" cy="38125"/>
+              </a:xfrm>
+              <a:prstGeom prst="straightConnector1">
+                <a:avLst/>
+              </a:prstGeom>
+              <a:ln>
+                <a:tailEnd type="triangle"/>
+              </a:ln>
+            </p:spPr>
+            <p:style>
+              <a:lnRef idx="1">
+                <a:schemeClr val="accent2"/>
+              </a:lnRef>
+              <a:fillRef idx="0">
+                <a:schemeClr val="accent2"/>
+              </a:fillRef>
+              <a:effectRef idx="0">
+                <a:schemeClr val="accent2"/>
+              </a:effectRef>
+              <a:fontRef idx="minor">
+                <a:schemeClr val="tx1"/>
+              </a:fontRef>
+            </p:style>
+          </p:cxnSp>
+          <p:cxnSp>
+            <p:nvCxnSpPr>
+              <p:cNvPr id="81" name="直線矢印コネクタ 80"/>
+              <p:cNvCxnSpPr>
+                <a:stCxn id="78" idx="3"/>
+                <a:endCxn id="32" idx="1"/>
+              </p:cNvCxnSpPr>
+              <p:nvPr/>
+            </p:nvCxnSpPr>
+            <p:spPr>
+              <a:xfrm flipV="1">
+                <a:off x="2629027" y="5015816"/>
+                <a:ext cx="1491614" cy="1121515"/>
+              </a:xfrm>
+              <a:prstGeom prst="straightConnector1">
+                <a:avLst/>
+              </a:prstGeom>
+              <a:ln>
+                <a:tailEnd type="triangle"/>
+              </a:ln>
+            </p:spPr>
+            <p:style>
+              <a:lnRef idx="1">
+                <a:schemeClr val="accent2"/>
+              </a:lnRef>
+              <a:fillRef idx="0">
+                <a:schemeClr val="accent2"/>
+              </a:fillRef>
+              <a:effectRef idx="0">
+                <a:schemeClr val="accent2"/>
+              </a:effectRef>
+              <a:fontRef idx="minor">
+                <a:schemeClr val="tx1"/>
+              </a:fontRef>
+            </p:style>
+          </p:cxnSp>
+          <p:cxnSp>
+            <p:nvCxnSpPr>
+              <p:cNvPr id="82" name="直線矢印コネクタ 81"/>
+              <p:cNvCxnSpPr>
+                <a:stCxn id="78" idx="3"/>
+                <a:endCxn id="36" idx="1"/>
+              </p:cNvCxnSpPr>
+              <p:nvPr/>
+            </p:nvCxnSpPr>
+            <p:spPr>
+              <a:xfrm flipV="1">
+                <a:off x="2629027" y="5594081"/>
+                <a:ext cx="1491614" cy="543250"/>
+              </a:xfrm>
+              <a:prstGeom prst="straightConnector1">
+                <a:avLst/>
+              </a:prstGeom>
+              <a:ln>
+                <a:tailEnd type="triangle"/>
+              </a:ln>
+            </p:spPr>
+            <p:style>
+              <a:lnRef idx="1">
+                <a:schemeClr val="accent2"/>
+              </a:lnRef>
+              <a:fillRef idx="0">
+                <a:schemeClr val="accent2"/>
+              </a:fillRef>
+              <a:effectRef idx="0">
+                <a:schemeClr val="accent2"/>
+              </a:effectRef>
+              <a:fontRef idx="minor">
+                <a:schemeClr val="tx1"/>
+              </a:fontRef>
+            </p:style>
+          </p:cxnSp>
+          <p:sp>
+            <p:nvSpPr>
+              <p:cNvPr id="87" name="正方形/長方形 86"/>
+              <p:cNvSpPr/>
+              <p:nvPr/>
+            </p:nvSpPr>
+            <p:spPr>
+              <a:xfrm>
+                <a:off x="6178660" y="5337957"/>
+                <a:ext cx="2615980" cy="721564"/>
+              </a:xfrm>
+              <a:prstGeom prst="rect">
+                <a:avLst/>
+              </a:prstGeom>
+            </p:spPr>
+            <p:style>
+              <a:lnRef idx="1">
+                <a:schemeClr val="accent6"/>
+              </a:lnRef>
+              <a:fillRef idx="2">
+                <a:schemeClr val="accent6"/>
+              </a:fillRef>
+              <a:effectRef idx="1">
+                <a:schemeClr val="accent6"/>
+              </a:effectRef>
+              <a:fontRef idx="minor">
+                <a:schemeClr val="dk1"/>
+              </a:fontRef>
+            </p:style>
+            <p:txBody>
+              <a:bodyPr rtlCol="0" anchor="ctr"/>
+              <a:lstStyle/>
+              <a:p>
+                <a:pPr algn="ctr"/>
+                <a:r>
+                  <a:rPr kumimoji="1" lang="ja-JP" altLang="en-US" dirty="0" smtClean="0"/>
+                  <a:t>合成されたデータ</a:t>
+                </a:r>
+                <a:endParaRPr kumimoji="1" lang="ja-JP" altLang="en-US" dirty="0"/>
+              </a:p>
+            </p:txBody>
+          </p:sp>
+          <p:cxnSp>
+            <p:nvCxnSpPr>
+              <p:cNvPr id="95" name="直線矢印コネクタ 94"/>
+              <p:cNvCxnSpPr>
+                <a:stCxn id="32" idx="3"/>
+                <a:endCxn id="87" idx="1"/>
+              </p:cNvCxnSpPr>
+              <p:nvPr/>
+            </p:nvCxnSpPr>
+            <p:spPr>
+              <a:xfrm>
+                <a:off x="4548147" y="5015816"/>
+                <a:ext cx="1630513" cy="682923"/>
+              </a:xfrm>
+              <a:prstGeom prst="straightConnector1">
+                <a:avLst/>
+              </a:prstGeom>
+              <a:ln>
+                <a:tailEnd type="triangle"/>
+              </a:ln>
+            </p:spPr>
+            <p:style>
+              <a:lnRef idx="1">
+                <a:schemeClr val="accent6"/>
+              </a:lnRef>
+              <a:fillRef idx="0">
+                <a:schemeClr val="accent6"/>
+              </a:fillRef>
+              <a:effectRef idx="0">
+                <a:schemeClr val="accent6"/>
+              </a:effectRef>
+              <a:fontRef idx="minor">
+                <a:schemeClr val="tx1"/>
+              </a:fontRef>
+            </p:style>
+          </p:cxnSp>
+          <p:cxnSp>
+            <p:nvCxnSpPr>
+              <p:cNvPr id="96" name="直線矢印コネクタ 95"/>
+              <p:cNvCxnSpPr>
+                <a:stCxn id="36" idx="3"/>
+                <a:endCxn id="87" idx="1"/>
+              </p:cNvCxnSpPr>
+              <p:nvPr/>
+            </p:nvCxnSpPr>
+            <p:spPr>
+              <a:xfrm>
+                <a:off x="4548147" y="5594081"/>
+                <a:ext cx="1630513" cy="104658"/>
+              </a:xfrm>
+              <a:prstGeom prst="straightConnector1">
+                <a:avLst/>
+              </a:prstGeom>
+              <a:ln>
+                <a:tailEnd type="triangle"/>
+              </a:ln>
+            </p:spPr>
+            <p:style>
+              <a:lnRef idx="1">
+                <a:schemeClr val="accent6"/>
+              </a:lnRef>
+              <a:fillRef idx="0">
+                <a:schemeClr val="accent6"/>
+              </a:fillRef>
+              <a:effectRef idx="0">
+                <a:schemeClr val="accent6"/>
+              </a:effectRef>
+              <a:fontRef idx="minor">
+                <a:schemeClr val="tx1"/>
+              </a:fontRef>
+            </p:style>
+          </p:cxnSp>
+          <p:cxnSp>
+            <p:nvCxnSpPr>
+              <p:cNvPr id="97" name="直線矢印コネクタ 96"/>
+              <p:cNvCxnSpPr>
+                <a:stCxn id="35" idx="3"/>
+                <a:endCxn id="87" idx="1"/>
+              </p:cNvCxnSpPr>
+              <p:nvPr/>
+            </p:nvCxnSpPr>
+            <p:spPr>
+              <a:xfrm flipV="1">
+                <a:off x="4556099" y="5698739"/>
+                <a:ext cx="1622561" cy="476717"/>
+              </a:xfrm>
+              <a:prstGeom prst="straightConnector1">
+                <a:avLst/>
+              </a:prstGeom>
+              <a:ln>
+                <a:tailEnd type="triangle"/>
+              </a:ln>
+            </p:spPr>
+            <p:style>
+              <a:lnRef idx="1">
+                <a:schemeClr val="accent6"/>
+              </a:lnRef>
+              <a:fillRef idx="0">
+                <a:schemeClr val="accent6"/>
+              </a:fillRef>
+              <a:effectRef idx="0">
+                <a:schemeClr val="accent6"/>
+              </a:effectRef>
+              <a:fontRef idx="minor">
+                <a:schemeClr val="tx1"/>
+              </a:fontRef>
+            </p:style>
+          </p:cxnSp>
+        </p:grpSp>
+      </p:grpSp>
     </p:spTree>
     <p:extLst>
       <p:ext uri="{BB962C8B-B14F-4D97-AF65-F5344CB8AC3E}">
@@ -6379,1094 +6401,1128 @@
       </p:sp>
       <p:grpSp>
         <p:nvGrpSpPr>
-          <p:cNvPr id="16" name="グループ化 15"/>
+          <p:cNvPr id="5" name="グループ化 4"/>
           <p:cNvGrpSpPr/>
           <p:nvPr/>
         </p:nvGrpSpPr>
         <p:grpSpPr>
           <a:xfrm>
-            <a:off x="-7018" y="1365954"/>
-            <a:ext cx="1243054" cy="1744335"/>
-            <a:chOff x="-7018" y="1365954"/>
-            <a:chExt cx="1243054" cy="1744335"/>
+            <a:off x="175365" y="871011"/>
+            <a:ext cx="8339985" cy="5332572"/>
+            <a:chOff x="-7018" y="420074"/>
+            <a:chExt cx="8339985" cy="5332572"/>
           </a:xfrm>
         </p:grpSpPr>
-        <p:pic>
-          <p:nvPicPr>
-            <p:cNvPr id="6" name="図 5"/>
-            <p:cNvPicPr>
-              <a:picLocks noChangeAspect="1"/>
-            </p:cNvPicPr>
-            <p:nvPr/>
-          </p:nvPicPr>
-          <p:blipFill rotWithShape="1">
-            <a:blip r:embed="rId2">
-              <a:extLst>
-                <a:ext uri="{28A0092B-C50C-407E-A947-70E740481C1C}">
-                  <a14:useLocalDpi xmlns:a14="http://schemas.microsoft.com/office/drawing/2010/main" val="0"/>
-                </a:ext>
-              </a:extLst>
-            </a:blip>
-            <a:srcRect l="38483" t="32680" r="38103" b="35667"/>
-            <a:stretch/>
-          </p:blipFill>
-          <p:spPr>
-            <a:xfrm>
-              <a:off x="446207" y="1365954"/>
-              <a:ext cx="365760" cy="421419"/>
-            </a:xfrm>
-            <a:prstGeom prst="rect">
-              <a:avLst/>
-            </a:prstGeom>
-          </p:spPr>
-        </p:pic>
-        <p:pic>
-          <p:nvPicPr>
-            <p:cNvPr id="7" name="図 6"/>
-            <p:cNvPicPr>
-              <a:picLocks noChangeAspect="1"/>
-            </p:cNvPicPr>
-            <p:nvPr/>
-          </p:nvPicPr>
-          <p:blipFill rotWithShape="1">
-            <a:blip r:embed="rId2">
-              <a:extLst>
-                <a:ext uri="{28A0092B-C50C-407E-A947-70E740481C1C}">
-                  <a14:useLocalDpi xmlns:a14="http://schemas.microsoft.com/office/drawing/2010/main" val="0"/>
-                </a:ext>
-              </a:extLst>
-            </a:blip>
-            <a:srcRect l="38483" t="32680" r="38103" b="35667"/>
-            <a:stretch/>
-          </p:blipFill>
-          <p:spPr>
-            <a:xfrm>
-              <a:off x="684746" y="1861096"/>
-              <a:ext cx="365760" cy="421419"/>
-            </a:xfrm>
-            <a:prstGeom prst="rect">
-              <a:avLst/>
-            </a:prstGeom>
-          </p:spPr>
-        </p:pic>
-        <p:pic>
-          <p:nvPicPr>
-            <p:cNvPr id="8" name="図 7"/>
-            <p:cNvPicPr>
-              <a:picLocks noChangeAspect="1"/>
-            </p:cNvPicPr>
-            <p:nvPr/>
-          </p:nvPicPr>
-          <p:blipFill rotWithShape="1">
-            <a:blip r:embed="rId2">
-              <a:extLst>
-                <a:ext uri="{28A0092B-C50C-407E-A947-70E740481C1C}">
-                  <a14:useLocalDpi xmlns:a14="http://schemas.microsoft.com/office/drawing/2010/main" val="0"/>
-                </a:ext>
-              </a:extLst>
-            </a:blip>
-            <a:srcRect l="38483" t="32680" r="38103" b="35667"/>
-            <a:stretch/>
-          </p:blipFill>
-          <p:spPr>
-            <a:xfrm>
-              <a:off x="159493" y="1861095"/>
-              <a:ext cx="365760" cy="421419"/>
-            </a:xfrm>
-            <a:prstGeom prst="rect">
-              <a:avLst/>
-            </a:prstGeom>
-          </p:spPr>
-        </p:pic>
         <p:sp>
           <p:nvSpPr>
-            <p:cNvPr id="11" name="テキスト ボックス 10"/>
-            <p:cNvSpPr txBox="1"/>
+            <p:cNvPr id="59" name="フローチャート: 磁気ディスク 58"/>
+            <p:cNvSpPr/>
             <p:nvPr/>
           </p:nvSpPr>
           <p:spPr>
             <a:xfrm>
-              <a:off x="-7018" y="2525514"/>
-              <a:ext cx="1243054" cy="584775"/>
+              <a:off x="5050011" y="4416827"/>
+              <a:ext cx="3163686" cy="1335819"/>
             </a:xfrm>
-            <a:prstGeom prst="rect">
+            <a:prstGeom prst="flowChartMagneticDisk">
               <a:avLst/>
             </a:prstGeom>
-            <a:noFill/>
           </p:spPr>
+          <p:style>
+            <a:lnRef idx="3">
+              <a:schemeClr val="lt1"/>
+            </a:lnRef>
+            <a:fillRef idx="1">
+              <a:schemeClr val="accent2"/>
+            </a:fillRef>
+            <a:effectRef idx="1">
+              <a:schemeClr val="accent2"/>
+            </a:effectRef>
+            <a:fontRef idx="minor">
+              <a:schemeClr val="lt1"/>
+            </a:fontRef>
+          </p:style>
           <p:txBody>
-            <a:bodyPr wrap="square" rtlCol="0">
-              <a:spAutoFit/>
-            </a:bodyPr>
+            <a:bodyPr rtlCol="0" anchor="ctr"/>
             <a:lstStyle/>
             <a:p>
               <a:pPr algn="ctr"/>
               <a:r>
-                <a:rPr lang="ja-JP" altLang="en-US" sz="1600" dirty="0"/>
-                <a:t>楽曲</a:t>
+                <a:rPr kumimoji="1" lang="en-US" altLang="ja-JP" dirty="0" smtClean="0"/>
+                <a:t>BGM</a:t>
               </a:r>
               <a:r>
-                <a:rPr lang="ja-JP" altLang="en-US" sz="1600" dirty="0" smtClean="0"/>
-                <a:t>投稿型</a:t>
+                <a:rPr kumimoji="1" lang="ja-JP" altLang="en-US" dirty="0" smtClean="0"/>
+                <a:t>付き動画</a:t>
               </a:r>
-              <a:r>
-                <a:rPr lang="en-US" altLang="ja-JP" sz="1600" dirty="0" smtClean="0"/>
-                <a:t>SNS</a:t>
-              </a:r>
-              <a:endParaRPr kumimoji="1" lang="ja-JP" altLang="en-US" sz="1600" dirty="0"/>
+              <a:endParaRPr kumimoji="1" lang="ja-JP" altLang="en-US" dirty="0"/>
             </a:p>
           </p:txBody>
         </p:sp>
+        <p:grpSp>
+          <p:nvGrpSpPr>
+            <p:cNvPr id="3" name="グループ化 2"/>
+            <p:cNvGrpSpPr/>
+            <p:nvPr/>
+          </p:nvGrpSpPr>
+          <p:grpSpPr>
+            <a:xfrm>
+              <a:off x="-7018" y="420074"/>
+              <a:ext cx="8339985" cy="4420686"/>
+              <a:chOff x="-7018" y="420074"/>
+              <a:chExt cx="8339985" cy="4420686"/>
+            </a:xfrm>
+          </p:grpSpPr>
+          <p:grpSp>
+            <p:nvGrpSpPr>
+              <p:cNvPr id="16" name="グループ化 15"/>
+              <p:cNvGrpSpPr/>
+              <p:nvPr/>
+            </p:nvGrpSpPr>
+            <p:grpSpPr>
+              <a:xfrm>
+                <a:off x="-7018" y="1365954"/>
+                <a:ext cx="1243054" cy="1744335"/>
+                <a:chOff x="-7018" y="1365954"/>
+                <a:chExt cx="1243054" cy="1744335"/>
+              </a:xfrm>
+            </p:grpSpPr>
+            <p:pic>
+              <p:nvPicPr>
+                <p:cNvPr id="6" name="図 5"/>
+                <p:cNvPicPr>
+                  <a:picLocks noChangeAspect="1"/>
+                </p:cNvPicPr>
+                <p:nvPr/>
+              </p:nvPicPr>
+              <p:blipFill rotWithShape="1">
+                <a:blip r:embed="rId2">
+                  <a:extLst>
+                    <a:ext uri="{28A0092B-C50C-407E-A947-70E740481C1C}">
+                      <a14:useLocalDpi xmlns:a14="http://schemas.microsoft.com/office/drawing/2010/main" val="0"/>
+                    </a:ext>
+                  </a:extLst>
+                </a:blip>
+                <a:srcRect l="38483" t="32680" r="38103" b="35667"/>
+                <a:stretch/>
+              </p:blipFill>
+              <p:spPr>
+                <a:xfrm>
+                  <a:off x="446207" y="1365954"/>
+                  <a:ext cx="365760" cy="421419"/>
+                </a:xfrm>
+                <a:prstGeom prst="rect">
+                  <a:avLst/>
+                </a:prstGeom>
+              </p:spPr>
+            </p:pic>
+            <p:pic>
+              <p:nvPicPr>
+                <p:cNvPr id="7" name="図 6"/>
+                <p:cNvPicPr>
+                  <a:picLocks noChangeAspect="1"/>
+                </p:cNvPicPr>
+                <p:nvPr/>
+              </p:nvPicPr>
+              <p:blipFill rotWithShape="1">
+                <a:blip r:embed="rId2">
+                  <a:extLst>
+                    <a:ext uri="{28A0092B-C50C-407E-A947-70E740481C1C}">
+                      <a14:useLocalDpi xmlns:a14="http://schemas.microsoft.com/office/drawing/2010/main" val="0"/>
+                    </a:ext>
+                  </a:extLst>
+                </a:blip>
+                <a:srcRect l="38483" t="32680" r="38103" b="35667"/>
+                <a:stretch/>
+              </p:blipFill>
+              <p:spPr>
+                <a:xfrm>
+                  <a:off x="684746" y="1861096"/>
+                  <a:ext cx="365760" cy="421419"/>
+                </a:xfrm>
+                <a:prstGeom prst="rect">
+                  <a:avLst/>
+                </a:prstGeom>
+              </p:spPr>
+            </p:pic>
+            <p:pic>
+              <p:nvPicPr>
+                <p:cNvPr id="8" name="図 7"/>
+                <p:cNvPicPr>
+                  <a:picLocks noChangeAspect="1"/>
+                </p:cNvPicPr>
+                <p:nvPr/>
+              </p:nvPicPr>
+              <p:blipFill rotWithShape="1">
+                <a:blip r:embed="rId2">
+                  <a:extLst>
+                    <a:ext uri="{28A0092B-C50C-407E-A947-70E740481C1C}">
+                      <a14:useLocalDpi xmlns:a14="http://schemas.microsoft.com/office/drawing/2010/main" val="0"/>
+                    </a:ext>
+                  </a:extLst>
+                </a:blip>
+                <a:srcRect l="38483" t="32680" r="38103" b="35667"/>
+                <a:stretch/>
+              </p:blipFill>
+              <p:spPr>
+                <a:xfrm>
+                  <a:off x="159493" y="1861095"/>
+                  <a:ext cx="365760" cy="421419"/>
+                </a:xfrm>
+                <a:prstGeom prst="rect">
+                  <a:avLst/>
+                </a:prstGeom>
+              </p:spPr>
+            </p:pic>
+            <p:sp>
+              <p:nvSpPr>
+                <p:cNvPr id="11" name="テキスト ボックス 10"/>
+                <p:cNvSpPr txBox="1"/>
+                <p:nvPr/>
+              </p:nvSpPr>
+              <p:spPr>
+                <a:xfrm>
+                  <a:off x="-7018" y="2525514"/>
+                  <a:ext cx="1243054" cy="584775"/>
+                </a:xfrm>
+                <a:prstGeom prst="rect">
+                  <a:avLst/>
+                </a:prstGeom>
+                <a:noFill/>
+              </p:spPr>
+              <p:txBody>
+                <a:bodyPr wrap="square" rtlCol="0">
+                  <a:spAutoFit/>
+                </a:bodyPr>
+                <a:lstStyle/>
+                <a:p>
+                  <a:pPr algn="ctr"/>
+                  <a:r>
+                    <a:rPr lang="ja-JP" altLang="en-US" sz="1600" dirty="0"/>
+                    <a:t>楽曲</a:t>
+                  </a:r>
+                  <a:r>
+                    <a:rPr lang="ja-JP" altLang="en-US" sz="1600" dirty="0" smtClean="0"/>
+                    <a:t>投稿型</a:t>
+                  </a:r>
+                  <a:r>
+                    <a:rPr lang="en-US" altLang="ja-JP" sz="1600" dirty="0" smtClean="0"/>
+                    <a:t>SNS</a:t>
+                  </a:r>
+                  <a:endParaRPr kumimoji="1" lang="ja-JP" altLang="en-US" sz="1600" dirty="0"/>
+                </a:p>
+              </p:txBody>
+            </p:sp>
+          </p:grpSp>
+          <p:pic>
+            <p:nvPicPr>
+              <p:cNvPr id="13" name="図 12"/>
+              <p:cNvPicPr>
+                <a:picLocks noChangeAspect="1"/>
+              </p:cNvPicPr>
+              <p:nvPr/>
+            </p:nvPicPr>
+            <p:blipFill>
+              <a:blip r:embed="rId3" cstate="print">
+                <a:extLst>
+                  <a:ext uri="{28A0092B-C50C-407E-A947-70E740481C1C}">
+                    <a14:useLocalDpi xmlns:a14="http://schemas.microsoft.com/office/drawing/2010/main" val="0"/>
+                  </a:ext>
+                </a:extLst>
+              </a:blip>
+              <a:stretch>
+                <a:fillRect/>
+              </a:stretch>
+            </p:blipFill>
+            <p:spPr>
+              <a:xfrm>
+                <a:off x="2227298" y="980654"/>
+                <a:ext cx="427506" cy="427506"/>
+              </a:xfrm>
+              <a:prstGeom prst="rect">
+                <a:avLst/>
+              </a:prstGeom>
+            </p:spPr>
+          </p:pic>
+          <p:pic>
+            <p:nvPicPr>
+              <p:cNvPr id="14" name="図 13"/>
+              <p:cNvPicPr>
+                <a:picLocks noChangeAspect="1"/>
+              </p:cNvPicPr>
+              <p:nvPr/>
+            </p:nvPicPr>
+            <p:blipFill>
+              <a:blip r:embed="rId3" cstate="print">
+                <a:extLst>
+                  <a:ext uri="{28A0092B-C50C-407E-A947-70E740481C1C}">
+                    <a14:useLocalDpi xmlns:a14="http://schemas.microsoft.com/office/drawing/2010/main" val="0"/>
+                  </a:ext>
+                </a:extLst>
+              </a:blip>
+              <a:stretch>
+                <a:fillRect/>
+              </a:stretch>
+            </p:blipFill>
+            <p:spPr>
+              <a:xfrm>
+                <a:off x="2227298" y="1631584"/>
+                <a:ext cx="427506" cy="427506"/>
+              </a:xfrm>
+              <a:prstGeom prst="rect">
+                <a:avLst/>
+              </a:prstGeom>
+            </p:spPr>
+          </p:pic>
+          <p:pic>
+            <p:nvPicPr>
+              <p:cNvPr id="15" name="図 14"/>
+              <p:cNvPicPr>
+                <a:picLocks noChangeAspect="1"/>
+              </p:cNvPicPr>
+              <p:nvPr/>
+            </p:nvPicPr>
+            <p:blipFill>
+              <a:blip r:embed="rId3" cstate="print">
+                <a:extLst>
+                  <a:ext uri="{28A0092B-C50C-407E-A947-70E740481C1C}">
+                    <a14:useLocalDpi xmlns:a14="http://schemas.microsoft.com/office/drawing/2010/main" val="0"/>
+                  </a:ext>
+                </a:extLst>
+              </a:blip>
+              <a:stretch>
+                <a:fillRect/>
+              </a:stretch>
+            </p:blipFill>
+            <p:spPr>
+              <a:xfrm>
+                <a:off x="2227298" y="2282514"/>
+                <a:ext cx="427506" cy="427506"/>
+              </a:xfrm>
+              <a:prstGeom prst="rect">
+                <a:avLst/>
+              </a:prstGeom>
+            </p:spPr>
+          </p:pic>
+          <p:cxnSp>
+            <p:nvCxnSpPr>
+              <p:cNvPr id="18" name="直線矢印コネクタ 17"/>
+              <p:cNvCxnSpPr>
+                <a:endCxn id="13" idx="1"/>
+              </p:cNvCxnSpPr>
+              <p:nvPr/>
+            </p:nvCxnSpPr>
+            <p:spPr>
+              <a:xfrm flipV="1">
+                <a:off x="1129085" y="1194407"/>
+                <a:ext cx="1098213" cy="592966"/>
+              </a:xfrm>
+              <a:prstGeom prst="straightConnector1">
+                <a:avLst/>
+              </a:prstGeom>
+              <a:ln>
+                <a:tailEnd type="triangle"/>
+              </a:ln>
+            </p:spPr>
+            <p:style>
+              <a:lnRef idx="1">
+                <a:schemeClr val="dk1"/>
+              </a:lnRef>
+              <a:fillRef idx="0">
+                <a:schemeClr val="dk1"/>
+              </a:fillRef>
+              <a:effectRef idx="0">
+                <a:schemeClr val="dk1"/>
+              </a:effectRef>
+              <a:fontRef idx="minor">
+                <a:schemeClr val="tx1"/>
+              </a:fontRef>
+            </p:style>
+          </p:cxnSp>
+          <p:cxnSp>
+            <p:nvCxnSpPr>
+              <p:cNvPr id="19" name="直線矢印コネクタ 18"/>
+              <p:cNvCxnSpPr>
+                <a:endCxn id="14" idx="1"/>
+              </p:cNvCxnSpPr>
+              <p:nvPr/>
+            </p:nvCxnSpPr>
+            <p:spPr>
+              <a:xfrm flipV="1">
+                <a:off x="1236036" y="1845337"/>
+                <a:ext cx="991262" cy="6530"/>
+              </a:xfrm>
+              <a:prstGeom prst="straightConnector1">
+                <a:avLst/>
+              </a:prstGeom>
+              <a:ln>
+                <a:tailEnd type="triangle"/>
+              </a:ln>
+            </p:spPr>
+            <p:style>
+              <a:lnRef idx="1">
+                <a:schemeClr val="dk1"/>
+              </a:lnRef>
+              <a:fillRef idx="0">
+                <a:schemeClr val="dk1"/>
+              </a:fillRef>
+              <a:effectRef idx="0">
+                <a:schemeClr val="dk1"/>
+              </a:effectRef>
+              <a:fontRef idx="minor">
+                <a:schemeClr val="tx1"/>
+              </a:fontRef>
+            </p:style>
+          </p:cxnSp>
+          <p:cxnSp>
+            <p:nvCxnSpPr>
+              <p:cNvPr id="22" name="直線矢印コネクタ 21"/>
+              <p:cNvCxnSpPr>
+                <a:endCxn id="15" idx="1"/>
+              </p:cNvCxnSpPr>
+              <p:nvPr/>
+            </p:nvCxnSpPr>
+            <p:spPr>
+              <a:xfrm>
+                <a:off x="1165995" y="1996167"/>
+                <a:ext cx="1061303" cy="500100"/>
+              </a:xfrm>
+              <a:prstGeom prst="straightConnector1">
+                <a:avLst/>
+              </a:prstGeom>
+              <a:ln>
+                <a:tailEnd type="triangle"/>
+              </a:ln>
+            </p:spPr>
+            <p:style>
+              <a:lnRef idx="1">
+                <a:schemeClr val="dk1"/>
+              </a:lnRef>
+              <a:fillRef idx="0">
+                <a:schemeClr val="dk1"/>
+              </a:fillRef>
+              <a:effectRef idx="0">
+                <a:schemeClr val="dk1"/>
+              </a:effectRef>
+              <a:fontRef idx="minor">
+                <a:schemeClr val="tx1"/>
+              </a:fontRef>
+            </p:style>
+          </p:cxnSp>
+          <p:sp>
+            <p:nvSpPr>
+              <p:cNvPr id="25" name="テキスト ボックス 24"/>
+              <p:cNvSpPr txBox="1"/>
+              <p:nvPr/>
+            </p:nvSpPr>
+            <p:spPr>
+              <a:xfrm>
+                <a:off x="1479470" y="2817901"/>
+                <a:ext cx="2189529" cy="923330"/>
+              </a:xfrm>
+              <a:prstGeom prst="rect">
+                <a:avLst/>
+              </a:prstGeom>
+              <a:noFill/>
+            </p:spPr>
+            <p:txBody>
+              <a:bodyPr wrap="square" rtlCol="0">
+                <a:spAutoFit/>
+              </a:bodyPr>
+              <a:lstStyle/>
+              <a:p>
+                <a:r>
+                  <a:rPr kumimoji="1" lang="ja-JP" altLang="en-US" dirty="0" smtClean="0"/>
+                  <a:t>複数の</a:t>
+                </a:r>
+                <a:r>
+                  <a:rPr kumimoji="1" lang="ja-JP" altLang="en-US" dirty="0" smtClean="0"/>
+                  <a:t>サーバーで</a:t>
+                </a:r>
+                <a:r>
+                  <a:rPr kumimoji="1" lang="en-US" altLang="ja-JP" dirty="0" smtClean="0"/>
+                  <a:t>CNN</a:t>
+                </a:r>
+                <a:r>
+                  <a:rPr kumimoji="1" lang="ja-JP" altLang="en-US" dirty="0" smtClean="0"/>
+                  <a:t>を利用し楽曲</a:t>
+                </a:r>
+                <a:r>
+                  <a:rPr kumimoji="1" lang="ja-JP" altLang="en-US" dirty="0" smtClean="0"/>
+                  <a:t>をジャンル分け</a:t>
+                </a:r>
+                <a:endParaRPr kumimoji="1" lang="ja-JP" altLang="en-US" dirty="0"/>
+              </a:p>
+            </p:txBody>
+          </p:sp>
+          <p:sp>
+            <p:nvSpPr>
+              <p:cNvPr id="26" name="フローチャート: 磁気ディスク 25"/>
+              <p:cNvSpPr/>
+              <p:nvPr/>
+            </p:nvSpPr>
+            <p:spPr>
+              <a:xfrm>
+                <a:off x="4691269" y="1066405"/>
+                <a:ext cx="1144990" cy="1643615"/>
+              </a:xfrm>
+              <a:prstGeom prst="flowChartMagneticDisk">
+                <a:avLst/>
+              </a:prstGeom>
+            </p:spPr>
+            <p:style>
+              <a:lnRef idx="3">
+                <a:schemeClr val="lt1"/>
+              </a:lnRef>
+              <a:fillRef idx="1">
+                <a:schemeClr val="accent5"/>
+              </a:fillRef>
+              <a:effectRef idx="1">
+                <a:schemeClr val="accent5"/>
+              </a:effectRef>
+              <a:fontRef idx="minor">
+                <a:schemeClr val="lt1"/>
+              </a:fontRef>
+            </p:style>
+            <p:txBody>
+              <a:bodyPr rtlCol="0" anchor="ctr"/>
+              <a:lstStyle/>
+              <a:p>
+                <a:pPr algn="ctr"/>
+                <a:r>
+                  <a:rPr kumimoji="1" lang="ja-JP" altLang="en-US" dirty="0" smtClean="0"/>
+                  <a:t>楽曲</a:t>
+                </a:r>
+                <a:endParaRPr kumimoji="1" lang="en-US" altLang="ja-JP" dirty="0" smtClean="0"/>
+              </a:p>
+              <a:p>
+                <a:pPr algn="ctr"/>
+                <a:r>
+                  <a:rPr kumimoji="1" lang="ja-JP" altLang="en-US" dirty="0" smtClean="0"/>
+                  <a:t>データベース</a:t>
+                </a:r>
+                <a:endParaRPr kumimoji="1" lang="ja-JP" altLang="en-US" dirty="0"/>
+              </a:p>
+            </p:txBody>
+          </p:sp>
+          <p:cxnSp>
+            <p:nvCxnSpPr>
+              <p:cNvPr id="27" name="直線矢印コネクタ 26"/>
+              <p:cNvCxnSpPr/>
+              <p:nvPr/>
+            </p:nvCxnSpPr>
+            <p:spPr>
+              <a:xfrm flipV="1">
+                <a:off x="2682388" y="1982175"/>
+                <a:ext cx="1841904" cy="542882"/>
+              </a:xfrm>
+              <a:prstGeom prst="straightConnector1">
+                <a:avLst/>
+              </a:prstGeom>
+              <a:ln>
+                <a:tailEnd type="triangle"/>
+              </a:ln>
+            </p:spPr>
+            <p:style>
+              <a:lnRef idx="1">
+                <a:schemeClr val="dk1"/>
+              </a:lnRef>
+              <a:fillRef idx="0">
+                <a:schemeClr val="dk1"/>
+              </a:fillRef>
+              <a:effectRef idx="0">
+                <a:schemeClr val="dk1"/>
+              </a:effectRef>
+              <a:fontRef idx="minor">
+                <a:schemeClr val="tx1"/>
+              </a:fontRef>
+            </p:style>
+          </p:cxnSp>
+          <p:cxnSp>
+            <p:nvCxnSpPr>
+              <p:cNvPr id="29" name="直線矢印コネクタ 28"/>
+              <p:cNvCxnSpPr/>
+              <p:nvPr/>
+            </p:nvCxnSpPr>
+            <p:spPr>
+              <a:xfrm flipV="1">
+                <a:off x="2710463" y="1770046"/>
+                <a:ext cx="1869488" cy="81821"/>
+              </a:xfrm>
+              <a:prstGeom prst="straightConnector1">
+                <a:avLst/>
+              </a:prstGeom>
+              <a:ln>
+                <a:tailEnd type="triangle"/>
+              </a:ln>
+            </p:spPr>
+            <p:style>
+              <a:lnRef idx="1">
+                <a:schemeClr val="dk1"/>
+              </a:lnRef>
+              <a:fillRef idx="0">
+                <a:schemeClr val="dk1"/>
+              </a:fillRef>
+              <a:effectRef idx="0">
+                <a:schemeClr val="dk1"/>
+              </a:effectRef>
+              <a:fontRef idx="minor">
+                <a:schemeClr val="tx1"/>
+              </a:fontRef>
+            </p:style>
+          </p:cxnSp>
+          <p:cxnSp>
+            <p:nvCxnSpPr>
+              <p:cNvPr id="31" name="直線矢印コネクタ 30"/>
+              <p:cNvCxnSpPr/>
+              <p:nvPr/>
+            </p:nvCxnSpPr>
+            <p:spPr>
+              <a:xfrm>
+                <a:off x="2680987" y="1196713"/>
+                <a:ext cx="1898964" cy="443025"/>
+              </a:xfrm>
+              <a:prstGeom prst="straightConnector1">
+                <a:avLst/>
+              </a:prstGeom>
+              <a:ln>
+                <a:tailEnd type="triangle"/>
+              </a:ln>
+            </p:spPr>
+            <p:style>
+              <a:lnRef idx="1">
+                <a:schemeClr val="dk1"/>
+              </a:lnRef>
+              <a:fillRef idx="0">
+                <a:schemeClr val="dk1"/>
+              </a:fillRef>
+              <a:effectRef idx="0">
+                <a:schemeClr val="dk1"/>
+              </a:effectRef>
+              <a:fontRef idx="minor">
+                <a:schemeClr val="tx1"/>
+              </a:fontRef>
+            </p:style>
+          </p:cxnSp>
+          <p:sp>
+            <p:nvSpPr>
+              <p:cNvPr id="34" name="テキスト ボックス 33"/>
+              <p:cNvSpPr txBox="1"/>
+              <p:nvPr/>
+            </p:nvSpPr>
+            <p:spPr>
+              <a:xfrm>
+                <a:off x="4424901" y="420074"/>
+                <a:ext cx="1677726" cy="646331"/>
+              </a:xfrm>
+              <a:prstGeom prst="rect">
+                <a:avLst/>
+              </a:prstGeom>
+              <a:noFill/>
+            </p:spPr>
+            <p:txBody>
+              <a:bodyPr wrap="square" rtlCol="0">
+                <a:spAutoFit/>
+              </a:bodyPr>
+              <a:lstStyle/>
+              <a:p>
+                <a:pPr algn="ctr"/>
+                <a:r>
+                  <a:rPr kumimoji="1" lang="ja-JP" altLang="en-US" dirty="0" smtClean="0"/>
+                  <a:t>データベースに保存</a:t>
+                </a:r>
+                <a:endParaRPr kumimoji="1" lang="ja-JP" altLang="en-US" dirty="0"/>
+              </a:p>
+            </p:txBody>
+          </p:sp>
+          <p:sp>
+            <p:nvSpPr>
+              <p:cNvPr id="37" name="フローチャート: 磁気ディスク 36"/>
+              <p:cNvSpPr/>
+              <p:nvPr/>
+            </p:nvSpPr>
+            <p:spPr>
+              <a:xfrm>
+                <a:off x="7211833" y="1066405"/>
+                <a:ext cx="1121134" cy="1643615"/>
+              </a:xfrm>
+              <a:prstGeom prst="flowChartMagneticDisk">
+                <a:avLst/>
+              </a:prstGeom>
+            </p:spPr>
+            <p:style>
+              <a:lnRef idx="3">
+                <a:schemeClr val="lt1"/>
+              </a:lnRef>
+              <a:fillRef idx="1">
+                <a:schemeClr val="accent6"/>
+              </a:fillRef>
+              <a:effectRef idx="1">
+                <a:schemeClr val="accent6"/>
+              </a:effectRef>
+              <a:fontRef idx="minor">
+                <a:schemeClr val="lt1"/>
+              </a:fontRef>
+            </p:style>
+            <p:txBody>
+              <a:bodyPr rtlCol="0" anchor="ctr"/>
+              <a:lstStyle/>
+              <a:p>
+                <a:pPr algn="ctr"/>
+                <a:r>
+                  <a:rPr kumimoji="1" lang="ja-JP" altLang="en-US" dirty="0" smtClean="0"/>
+                  <a:t>動画</a:t>
+                </a:r>
+                <a:r>
+                  <a:rPr lang="ja-JP" altLang="en-US" dirty="0"/>
+                  <a:t>データベース</a:t>
+                </a:r>
+                <a:endParaRPr kumimoji="1" lang="ja-JP" altLang="en-US" dirty="0"/>
+              </a:p>
+            </p:txBody>
+          </p:sp>
+          <p:pic>
+            <p:nvPicPr>
+              <p:cNvPr id="38" name="図 37"/>
+              <p:cNvPicPr>
+                <a:picLocks noChangeAspect="1"/>
+              </p:cNvPicPr>
+              <p:nvPr/>
+            </p:nvPicPr>
+            <p:blipFill>
+              <a:blip r:embed="rId3" cstate="print">
+                <a:extLst>
+                  <a:ext uri="{28A0092B-C50C-407E-A947-70E740481C1C}">
+                    <a14:useLocalDpi xmlns:a14="http://schemas.microsoft.com/office/drawing/2010/main" val="0"/>
+                  </a:ext>
+                </a:extLst>
+              </a:blip>
+              <a:stretch>
+                <a:fillRect/>
+              </a:stretch>
+            </p:blipFill>
+            <p:spPr>
+              <a:xfrm>
+                <a:off x="7558647" y="3295564"/>
+                <a:ext cx="427506" cy="427506"/>
+              </a:xfrm>
+              <a:prstGeom prst="rect">
+                <a:avLst/>
+              </a:prstGeom>
+            </p:spPr>
+          </p:pic>
+          <p:pic>
+            <p:nvPicPr>
+              <p:cNvPr id="39" name="図 38"/>
+              <p:cNvPicPr>
+                <a:picLocks noChangeAspect="1"/>
+              </p:cNvPicPr>
+              <p:nvPr/>
+            </p:nvPicPr>
+            <p:blipFill>
+              <a:blip r:embed="rId3" cstate="print">
+                <a:extLst>
+                  <a:ext uri="{28A0092B-C50C-407E-A947-70E740481C1C}">
+                    <a14:useLocalDpi xmlns:a14="http://schemas.microsoft.com/office/drawing/2010/main" val="0"/>
+                  </a:ext>
+                </a:extLst>
+              </a:blip>
+              <a:stretch>
+                <a:fillRect/>
+              </a:stretch>
+            </p:blipFill>
+            <p:spPr>
+              <a:xfrm>
+                <a:off x="6304329" y="3313725"/>
+                <a:ext cx="427506" cy="427506"/>
+              </a:xfrm>
+              <a:prstGeom prst="rect">
+                <a:avLst/>
+              </a:prstGeom>
+            </p:spPr>
+          </p:pic>
+          <p:pic>
+            <p:nvPicPr>
+              <p:cNvPr id="40" name="図 39"/>
+              <p:cNvPicPr>
+                <a:picLocks noChangeAspect="1"/>
+              </p:cNvPicPr>
+              <p:nvPr/>
+            </p:nvPicPr>
+            <p:blipFill>
+              <a:blip r:embed="rId3" cstate="print">
+                <a:extLst>
+                  <a:ext uri="{28A0092B-C50C-407E-A947-70E740481C1C}">
+                    <a14:useLocalDpi xmlns:a14="http://schemas.microsoft.com/office/drawing/2010/main" val="0"/>
+                  </a:ext>
+                </a:extLst>
+              </a:blip>
+              <a:stretch>
+                <a:fillRect/>
+              </a:stretch>
+            </p:blipFill>
+            <p:spPr>
+              <a:xfrm>
+                <a:off x="5050011" y="3313725"/>
+                <a:ext cx="427506" cy="427506"/>
+              </a:xfrm>
+              <a:prstGeom prst="rect">
+                <a:avLst/>
+              </a:prstGeom>
+            </p:spPr>
+          </p:pic>
+          <p:cxnSp>
+            <p:nvCxnSpPr>
+              <p:cNvPr id="42" name="直線矢印コネクタ 41"/>
+              <p:cNvCxnSpPr>
+                <a:endCxn id="40" idx="0"/>
+              </p:cNvCxnSpPr>
+              <p:nvPr/>
+            </p:nvCxnSpPr>
+            <p:spPr>
+              <a:xfrm flipH="1">
+                <a:off x="5263764" y="2710020"/>
+                <a:ext cx="933" cy="603705"/>
+              </a:xfrm>
+              <a:prstGeom prst="straightConnector1">
+                <a:avLst/>
+              </a:prstGeom>
+              <a:ln>
+                <a:tailEnd type="triangle"/>
+              </a:ln>
+            </p:spPr>
+            <p:style>
+              <a:lnRef idx="1">
+                <a:schemeClr val="accent1"/>
+              </a:lnRef>
+              <a:fillRef idx="0">
+                <a:schemeClr val="accent1"/>
+              </a:fillRef>
+              <a:effectRef idx="0">
+                <a:schemeClr val="accent1"/>
+              </a:effectRef>
+              <a:fontRef idx="minor">
+                <a:schemeClr val="tx1"/>
+              </a:fontRef>
+            </p:style>
+          </p:cxnSp>
+          <p:cxnSp>
+            <p:nvCxnSpPr>
+              <p:cNvPr id="44" name="直線矢印コネクタ 43"/>
+              <p:cNvCxnSpPr>
+                <a:stCxn id="26" idx="3"/>
+                <a:endCxn id="39" idx="0"/>
+              </p:cNvCxnSpPr>
+              <p:nvPr/>
+            </p:nvCxnSpPr>
+            <p:spPr>
+              <a:xfrm>
+                <a:off x="5263764" y="2710020"/>
+                <a:ext cx="1254318" cy="603705"/>
+              </a:xfrm>
+              <a:prstGeom prst="straightConnector1">
+                <a:avLst/>
+              </a:prstGeom>
+              <a:ln>
+                <a:tailEnd type="triangle"/>
+              </a:ln>
+            </p:spPr>
+            <p:style>
+              <a:lnRef idx="1">
+                <a:schemeClr val="accent1"/>
+              </a:lnRef>
+              <a:fillRef idx="0">
+                <a:schemeClr val="accent1"/>
+              </a:fillRef>
+              <a:effectRef idx="0">
+                <a:schemeClr val="accent1"/>
+              </a:effectRef>
+              <a:fontRef idx="minor">
+                <a:schemeClr val="tx1"/>
+              </a:fontRef>
+            </p:style>
+          </p:cxnSp>
+          <p:cxnSp>
+            <p:nvCxnSpPr>
+              <p:cNvPr id="45" name="直線矢印コネクタ 44"/>
+              <p:cNvCxnSpPr>
+                <a:stCxn id="26" idx="3"/>
+                <a:endCxn id="38" idx="0"/>
+              </p:cNvCxnSpPr>
+              <p:nvPr/>
+            </p:nvCxnSpPr>
+            <p:spPr>
+              <a:xfrm>
+                <a:off x="5263764" y="2710020"/>
+                <a:ext cx="2508636" cy="585544"/>
+              </a:xfrm>
+              <a:prstGeom prst="straightConnector1">
+                <a:avLst/>
+              </a:prstGeom>
+              <a:ln>
+                <a:tailEnd type="triangle"/>
+              </a:ln>
+            </p:spPr>
+            <p:style>
+              <a:lnRef idx="1">
+                <a:schemeClr val="accent1"/>
+              </a:lnRef>
+              <a:fillRef idx="0">
+                <a:schemeClr val="accent1"/>
+              </a:fillRef>
+              <a:effectRef idx="0">
+                <a:schemeClr val="accent1"/>
+              </a:effectRef>
+              <a:fontRef idx="minor">
+                <a:schemeClr val="tx1"/>
+              </a:fontRef>
+            </p:style>
+          </p:cxnSp>
+          <p:cxnSp>
+            <p:nvCxnSpPr>
+              <p:cNvPr id="50" name="直線矢印コネクタ 49"/>
+              <p:cNvCxnSpPr>
+                <a:stCxn id="37" idx="3"/>
+                <a:endCxn id="38" idx="0"/>
+              </p:cNvCxnSpPr>
+              <p:nvPr/>
+            </p:nvCxnSpPr>
+            <p:spPr>
+              <a:xfrm>
+                <a:off x="7772400" y="2710020"/>
+                <a:ext cx="0" cy="585544"/>
+              </a:xfrm>
+              <a:prstGeom prst="straightConnector1">
+                <a:avLst/>
+              </a:prstGeom>
+              <a:ln>
+                <a:tailEnd type="triangle"/>
+              </a:ln>
+            </p:spPr>
+            <p:style>
+              <a:lnRef idx="2">
+                <a:schemeClr val="accent6"/>
+              </a:lnRef>
+              <a:fillRef idx="0">
+                <a:schemeClr val="accent6"/>
+              </a:fillRef>
+              <a:effectRef idx="1">
+                <a:schemeClr val="accent6"/>
+              </a:effectRef>
+              <a:fontRef idx="minor">
+                <a:schemeClr val="tx1"/>
+              </a:fontRef>
+            </p:style>
+          </p:cxnSp>
+          <p:cxnSp>
+            <p:nvCxnSpPr>
+              <p:cNvPr id="53" name="直線矢印コネクタ 52"/>
+              <p:cNvCxnSpPr>
+                <a:stCxn id="37" idx="3"/>
+                <a:endCxn id="39" idx="0"/>
+              </p:cNvCxnSpPr>
+              <p:nvPr/>
+            </p:nvCxnSpPr>
+            <p:spPr>
+              <a:xfrm flipH="1">
+                <a:off x="6518082" y="2710020"/>
+                <a:ext cx="1254318" cy="603705"/>
+              </a:xfrm>
+              <a:prstGeom prst="straightConnector1">
+                <a:avLst/>
+              </a:prstGeom>
+              <a:ln>
+                <a:tailEnd type="triangle"/>
+              </a:ln>
+            </p:spPr>
+            <p:style>
+              <a:lnRef idx="2">
+                <a:schemeClr val="accent6"/>
+              </a:lnRef>
+              <a:fillRef idx="0">
+                <a:schemeClr val="accent6"/>
+              </a:fillRef>
+              <a:effectRef idx="1">
+                <a:schemeClr val="accent6"/>
+              </a:effectRef>
+              <a:fontRef idx="minor">
+                <a:schemeClr val="tx1"/>
+              </a:fontRef>
+            </p:style>
+          </p:cxnSp>
+          <p:cxnSp>
+            <p:nvCxnSpPr>
+              <p:cNvPr id="54" name="直線矢印コネクタ 53"/>
+              <p:cNvCxnSpPr>
+                <a:stCxn id="37" idx="3"/>
+                <a:endCxn id="40" idx="0"/>
+              </p:cNvCxnSpPr>
+              <p:nvPr/>
+            </p:nvCxnSpPr>
+            <p:spPr>
+              <a:xfrm flipH="1">
+                <a:off x="5263764" y="2710020"/>
+                <a:ext cx="2508636" cy="603705"/>
+              </a:xfrm>
+              <a:prstGeom prst="straightConnector1">
+                <a:avLst/>
+              </a:prstGeom>
+              <a:ln>
+                <a:tailEnd type="triangle"/>
+              </a:ln>
+            </p:spPr>
+            <p:style>
+              <a:lnRef idx="2">
+                <a:schemeClr val="accent6"/>
+              </a:lnRef>
+              <a:fillRef idx="0">
+                <a:schemeClr val="accent6"/>
+              </a:fillRef>
+              <a:effectRef idx="1">
+                <a:schemeClr val="accent6"/>
+              </a:effectRef>
+              <a:fontRef idx="minor">
+                <a:schemeClr val="tx1"/>
+              </a:fontRef>
+            </p:style>
+          </p:cxnSp>
+          <p:cxnSp>
+            <p:nvCxnSpPr>
+              <p:cNvPr id="61" name="直線矢印コネクタ 60"/>
+              <p:cNvCxnSpPr>
+                <a:stCxn id="40" idx="2"/>
+              </p:cNvCxnSpPr>
+              <p:nvPr/>
+            </p:nvCxnSpPr>
+            <p:spPr>
+              <a:xfrm>
+                <a:off x="5263764" y="3741231"/>
+                <a:ext cx="213753" cy="693757"/>
+              </a:xfrm>
+              <a:prstGeom prst="straightConnector1">
+                <a:avLst/>
+              </a:prstGeom>
+              <a:ln>
+                <a:tailEnd type="triangle"/>
+              </a:ln>
+            </p:spPr>
+            <p:style>
+              <a:lnRef idx="1">
+                <a:schemeClr val="accent2"/>
+              </a:lnRef>
+              <a:fillRef idx="0">
+                <a:schemeClr val="accent2"/>
+              </a:fillRef>
+              <a:effectRef idx="0">
+                <a:schemeClr val="accent2"/>
+              </a:effectRef>
+              <a:fontRef idx="minor">
+                <a:schemeClr val="tx1"/>
+              </a:fontRef>
+            </p:style>
+          </p:cxnSp>
+          <p:cxnSp>
+            <p:nvCxnSpPr>
+              <p:cNvPr id="62" name="直線矢印コネクタ 61"/>
+              <p:cNvCxnSpPr>
+                <a:stCxn id="39" idx="2"/>
+              </p:cNvCxnSpPr>
+              <p:nvPr/>
+            </p:nvCxnSpPr>
+            <p:spPr>
+              <a:xfrm>
+                <a:off x="6518082" y="3741231"/>
+                <a:ext cx="0" cy="603705"/>
+              </a:xfrm>
+              <a:prstGeom prst="straightConnector1">
+                <a:avLst/>
+              </a:prstGeom>
+              <a:ln>
+                <a:tailEnd type="triangle"/>
+              </a:ln>
+            </p:spPr>
+            <p:style>
+              <a:lnRef idx="1">
+                <a:schemeClr val="accent2"/>
+              </a:lnRef>
+              <a:fillRef idx="0">
+                <a:schemeClr val="accent2"/>
+              </a:fillRef>
+              <a:effectRef idx="0">
+                <a:schemeClr val="accent2"/>
+              </a:effectRef>
+              <a:fontRef idx="minor">
+                <a:schemeClr val="tx1"/>
+              </a:fontRef>
+            </p:style>
+          </p:cxnSp>
+          <p:cxnSp>
+            <p:nvCxnSpPr>
+              <p:cNvPr id="65" name="直線矢印コネクタ 64"/>
+              <p:cNvCxnSpPr>
+                <a:stCxn id="38" idx="2"/>
+              </p:cNvCxnSpPr>
+              <p:nvPr/>
+            </p:nvCxnSpPr>
+            <p:spPr>
+              <a:xfrm flipH="1">
+                <a:off x="7672419" y="3723070"/>
+                <a:ext cx="99981" cy="693757"/>
+              </a:xfrm>
+              <a:prstGeom prst="straightConnector1">
+                <a:avLst/>
+              </a:prstGeom>
+              <a:ln>
+                <a:tailEnd type="triangle"/>
+              </a:ln>
+            </p:spPr>
+            <p:style>
+              <a:lnRef idx="1">
+                <a:schemeClr val="accent2"/>
+              </a:lnRef>
+              <a:fillRef idx="0">
+                <a:schemeClr val="accent2"/>
+              </a:fillRef>
+              <a:effectRef idx="0">
+                <a:schemeClr val="accent2"/>
+              </a:effectRef>
+              <a:fontRef idx="minor">
+                <a:schemeClr val="tx1"/>
+              </a:fontRef>
+            </p:style>
+          </p:cxnSp>
+          <p:sp>
+            <p:nvSpPr>
+              <p:cNvPr id="71" name="テキスト ボックス 70"/>
+              <p:cNvSpPr txBox="1"/>
+              <p:nvPr/>
+            </p:nvSpPr>
+            <p:spPr>
+              <a:xfrm>
+                <a:off x="3218352" y="3917430"/>
+                <a:ext cx="2413098" cy="923330"/>
+              </a:xfrm>
+              <a:prstGeom prst="rect">
+                <a:avLst/>
+              </a:prstGeom>
+              <a:noFill/>
+            </p:spPr>
+            <p:txBody>
+              <a:bodyPr wrap="square" rtlCol="0">
+                <a:spAutoFit/>
+              </a:bodyPr>
+              <a:lstStyle/>
+              <a:p>
+                <a:r>
+                  <a:rPr kumimoji="1" lang="ja-JP" altLang="en-US" dirty="0" smtClean="0"/>
+                  <a:t>動画と楽曲を複数のサーバーでマッチング処理</a:t>
+                </a:r>
+                <a:endParaRPr kumimoji="1" lang="ja-JP" altLang="en-US" dirty="0"/>
+              </a:p>
+            </p:txBody>
+          </p:sp>
+        </p:grpSp>
       </p:grpSp>
-      <p:pic>
-        <p:nvPicPr>
-          <p:cNvPr id="13" name="図 12"/>
-          <p:cNvPicPr>
-            <a:picLocks noChangeAspect="1"/>
-          </p:cNvPicPr>
-          <p:nvPr/>
-        </p:nvPicPr>
-        <p:blipFill>
-          <a:blip r:embed="rId3" cstate="print">
-            <a:extLst>
-              <a:ext uri="{28A0092B-C50C-407E-A947-70E740481C1C}">
-                <a14:useLocalDpi xmlns:a14="http://schemas.microsoft.com/office/drawing/2010/main" val="0"/>
-              </a:ext>
-            </a:extLst>
-          </a:blip>
-          <a:stretch>
-            <a:fillRect/>
-          </a:stretch>
-        </p:blipFill>
-        <p:spPr>
-          <a:xfrm>
-            <a:off x="2227298" y="980654"/>
-            <a:ext cx="427506" cy="427506"/>
-          </a:xfrm>
-          <a:prstGeom prst="rect">
-            <a:avLst/>
-          </a:prstGeom>
-        </p:spPr>
-      </p:pic>
-      <p:pic>
-        <p:nvPicPr>
-          <p:cNvPr id="14" name="図 13"/>
-          <p:cNvPicPr>
-            <a:picLocks noChangeAspect="1"/>
-          </p:cNvPicPr>
-          <p:nvPr/>
-        </p:nvPicPr>
-        <p:blipFill>
-          <a:blip r:embed="rId3" cstate="print">
-            <a:extLst>
-              <a:ext uri="{28A0092B-C50C-407E-A947-70E740481C1C}">
-                <a14:useLocalDpi xmlns:a14="http://schemas.microsoft.com/office/drawing/2010/main" val="0"/>
-              </a:ext>
-            </a:extLst>
-          </a:blip>
-          <a:stretch>
-            <a:fillRect/>
-          </a:stretch>
-        </p:blipFill>
-        <p:spPr>
-          <a:xfrm>
-            <a:off x="2227298" y="1631584"/>
-            <a:ext cx="427506" cy="427506"/>
-          </a:xfrm>
-          <a:prstGeom prst="rect">
-            <a:avLst/>
-          </a:prstGeom>
-        </p:spPr>
-      </p:pic>
-      <p:pic>
-        <p:nvPicPr>
-          <p:cNvPr id="15" name="図 14"/>
-          <p:cNvPicPr>
-            <a:picLocks noChangeAspect="1"/>
-          </p:cNvPicPr>
-          <p:nvPr/>
-        </p:nvPicPr>
-        <p:blipFill>
-          <a:blip r:embed="rId3" cstate="print">
-            <a:extLst>
-              <a:ext uri="{28A0092B-C50C-407E-A947-70E740481C1C}">
-                <a14:useLocalDpi xmlns:a14="http://schemas.microsoft.com/office/drawing/2010/main" val="0"/>
-              </a:ext>
-            </a:extLst>
-          </a:blip>
-          <a:stretch>
-            <a:fillRect/>
-          </a:stretch>
-        </p:blipFill>
-        <p:spPr>
-          <a:xfrm>
-            <a:off x="2227298" y="2282514"/>
-            <a:ext cx="427506" cy="427506"/>
-          </a:xfrm>
-          <a:prstGeom prst="rect">
-            <a:avLst/>
-          </a:prstGeom>
-        </p:spPr>
-      </p:pic>
-      <p:cxnSp>
-        <p:nvCxnSpPr>
-          <p:cNvPr id="18" name="直線矢印コネクタ 17"/>
-          <p:cNvCxnSpPr>
-            <a:endCxn id="13" idx="1"/>
-          </p:cNvCxnSpPr>
-          <p:nvPr/>
-        </p:nvCxnSpPr>
-        <p:spPr>
-          <a:xfrm flipV="1">
-            <a:off x="1129085" y="1194407"/>
-            <a:ext cx="1098213" cy="592966"/>
-          </a:xfrm>
-          <a:prstGeom prst="straightConnector1">
-            <a:avLst/>
-          </a:prstGeom>
-          <a:ln>
-            <a:tailEnd type="triangle"/>
-          </a:ln>
-        </p:spPr>
-        <p:style>
-          <a:lnRef idx="1">
-            <a:schemeClr val="dk1"/>
-          </a:lnRef>
-          <a:fillRef idx="0">
-            <a:schemeClr val="dk1"/>
-          </a:fillRef>
-          <a:effectRef idx="0">
-            <a:schemeClr val="dk1"/>
-          </a:effectRef>
-          <a:fontRef idx="minor">
-            <a:schemeClr val="tx1"/>
-          </a:fontRef>
-        </p:style>
-      </p:cxnSp>
-      <p:cxnSp>
-        <p:nvCxnSpPr>
-          <p:cNvPr id="19" name="直線矢印コネクタ 18"/>
-          <p:cNvCxnSpPr>
-            <a:endCxn id="14" idx="1"/>
-          </p:cNvCxnSpPr>
-          <p:nvPr/>
-        </p:nvCxnSpPr>
-        <p:spPr>
-          <a:xfrm flipV="1">
-            <a:off x="1236036" y="1845337"/>
-            <a:ext cx="991262" cy="6530"/>
-          </a:xfrm>
-          <a:prstGeom prst="straightConnector1">
-            <a:avLst/>
-          </a:prstGeom>
-          <a:ln>
-            <a:tailEnd type="triangle"/>
-          </a:ln>
-        </p:spPr>
-        <p:style>
-          <a:lnRef idx="1">
-            <a:schemeClr val="dk1"/>
-          </a:lnRef>
-          <a:fillRef idx="0">
-            <a:schemeClr val="dk1"/>
-          </a:fillRef>
-          <a:effectRef idx="0">
-            <a:schemeClr val="dk1"/>
-          </a:effectRef>
-          <a:fontRef idx="minor">
-            <a:schemeClr val="tx1"/>
-          </a:fontRef>
-        </p:style>
-      </p:cxnSp>
-      <p:cxnSp>
-        <p:nvCxnSpPr>
-          <p:cNvPr id="22" name="直線矢印コネクタ 21"/>
-          <p:cNvCxnSpPr>
-            <a:endCxn id="15" idx="1"/>
-          </p:cNvCxnSpPr>
-          <p:nvPr/>
-        </p:nvCxnSpPr>
-        <p:spPr>
-          <a:xfrm>
-            <a:off x="1165995" y="1996167"/>
-            <a:ext cx="1061303" cy="500100"/>
-          </a:xfrm>
-          <a:prstGeom prst="straightConnector1">
-            <a:avLst/>
-          </a:prstGeom>
-          <a:ln>
-            <a:tailEnd type="triangle"/>
-          </a:ln>
-        </p:spPr>
-        <p:style>
-          <a:lnRef idx="1">
-            <a:schemeClr val="dk1"/>
-          </a:lnRef>
-          <a:fillRef idx="0">
-            <a:schemeClr val="dk1"/>
-          </a:fillRef>
-          <a:effectRef idx="0">
-            <a:schemeClr val="dk1"/>
-          </a:effectRef>
-          <a:fontRef idx="minor">
-            <a:schemeClr val="tx1"/>
-          </a:fontRef>
-        </p:style>
-      </p:cxnSp>
-      <p:sp>
-        <p:nvSpPr>
-          <p:cNvPr id="25" name="テキスト ボックス 24"/>
-          <p:cNvSpPr txBox="1"/>
-          <p:nvPr/>
-        </p:nvSpPr>
-        <p:spPr>
-          <a:xfrm>
-            <a:off x="1479470" y="2817901"/>
-            <a:ext cx="2189529" cy="646331"/>
-          </a:xfrm>
-          <a:prstGeom prst="rect">
-            <a:avLst/>
-          </a:prstGeom>
-          <a:noFill/>
-        </p:spPr>
-        <p:txBody>
-          <a:bodyPr wrap="square" rtlCol="0">
-            <a:spAutoFit/>
-          </a:bodyPr>
-          <a:lstStyle/>
-          <a:p>
-            <a:r>
-              <a:rPr kumimoji="1" lang="ja-JP" altLang="en-US" dirty="0" smtClean="0"/>
-              <a:t>複数のサーバーで楽曲をジャンル分け</a:t>
-            </a:r>
-            <a:endParaRPr kumimoji="1" lang="ja-JP" altLang="en-US" dirty="0"/>
-          </a:p>
-        </p:txBody>
-      </p:sp>
-      <p:sp>
-        <p:nvSpPr>
-          <p:cNvPr id="26" name="フローチャート: 磁気ディスク 25"/>
-          <p:cNvSpPr/>
-          <p:nvPr/>
-        </p:nvSpPr>
-        <p:spPr>
-          <a:xfrm>
-            <a:off x="4691269" y="1066405"/>
-            <a:ext cx="1144990" cy="1643615"/>
-          </a:xfrm>
-          <a:prstGeom prst="flowChartMagneticDisk">
-            <a:avLst/>
-          </a:prstGeom>
-        </p:spPr>
-        <p:style>
-          <a:lnRef idx="3">
-            <a:schemeClr val="lt1"/>
-          </a:lnRef>
-          <a:fillRef idx="1">
-            <a:schemeClr val="accent5"/>
-          </a:fillRef>
-          <a:effectRef idx="1">
-            <a:schemeClr val="accent5"/>
-          </a:effectRef>
-          <a:fontRef idx="minor">
-            <a:schemeClr val="lt1"/>
-          </a:fontRef>
-        </p:style>
-        <p:txBody>
-          <a:bodyPr rtlCol="0" anchor="ctr"/>
-          <a:lstStyle/>
-          <a:p>
-            <a:pPr algn="ctr"/>
-            <a:r>
-              <a:rPr kumimoji="1" lang="ja-JP" altLang="en-US" dirty="0" smtClean="0"/>
-              <a:t>楽曲</a:t>
-            </a:r>
-            <a:endParaRPr kumimoji="1" lang="en-US" altLang="ja-JP" dirty="0" smtClean="0"/>
-          </a:p>
-          <a:p>
-            <a:pPr algn="ctr"/>
-            <a:r>
-              <a:rPr kumimoji="1" lang="ja-JP" altLang="en-US" dirty="0" smtClean="0"/>
-              <a:t>データベース</a:t>
-            </a:r>
-            <a:endParaRPr kumimoji="1" lang="ja-JP" altLang="en-US" dirty="0"/>
-          </a:p>
-        </p:txBody>
-      </p:sp>
-      <p:cxnSp>
-        <p:nvCxnSpPr>
-          <p:cNvPr id="27" name="直線矢印コネクタ 26"/>
-          <p:cNvCxnSpPr/>
-          <p:nvPr/>
-        </p:nvCxnSpPr>
-        <p:spPr>
-          <a:xfrm flipV="1">
-            <a:off x="2682388" y="1982175"/>
-            <a:ext cx="1841904" cy="542882"/>
-          </a:xfrm>
-          <a:prstGeom prst="straightConnector1">
-            <a:avLst/>
-          </a:prstGeom>
-          <a:ln>
-            <a:tailEnd type="triangle"/>
-          </a:ln>
-        </p:spPr>
-        <p:style>
-          <a:lnRef idx="1">
-            <a:schemeClr val="dk1"/>
-          </a:lnRef>
-          <a:fillRef idx="0">
-            <a:schemeClr val="dk1"/>
-          </a:fillRef>
-          <a:effectRef idx="0">
-            <a:schemeClr val="dk1"/>
-          </a:effectRef>
-          <a:fontRef idx="minor">
-            <a:schemeClr val="tx1"/>
-          </a:fontRef>
-        </p:style>
-      </p:cxnSp>
-      <p:cxnSp>
-        <p:nvCxnSpPr>
-          <p:cNvPr id="29" name="直線矢印コネクタ 28"/>
-          <p:cNvCxnSpPr/>
-          <p:nvPr/>
-        </p:nvCxnSpPr>
-        <p:spPr>
-          <a:xfrm flipV="1">
-            <a:off x="2710463" y="1770046"/>
-            <a:ext cx="1869488" cy="81821"/>
-          </a:xfrm>
-          <a:prstGeom prst="straightConnector1">
-            <a:avLst/>
-          </a:prstGeom>
-          <a:ln>
-            <a:tailEnd type="triangle"/>
-          </a:ln>
-        </p:spPr>
-        <p:style>
-          <a:lnRef idx="1">
-            <a:schemeClr val="dk1"/>
-          </a:lnRef>
-          <a:fillRef idx="0">
-            <a:schemeClr val="dk1"/>
-          </a:fillRef>
-          <a:effectRef idx="0">
-            <a:schemeClr val="dk1"/>
-          </a:effectRef>
-          <a:fontRef idx="minor">
-            <a:schemeClr val="tx1"/>
-          </a:fontRef>
-        </p:style>
-      </p:cxnSp>
-      <p:cxnSp>
-        <p:nvCxnSpPr>
-          <p:cNvPr id="31" name="直線矢印コネクタ 30"/>
-          <p:cNvCxnSpPr/>
-          <p:nvPr/>
-        </p:nvCxnSpPr>
-        <p:spPr>
-          <a:xfrm>
-            <a:off x="2680987" y="1196713"/>
-            <a:ext cx="1898964" cy="443025"/>
-          </a:xfrm>
-          <a:prstGeom prst="straightConnector1">
-            <a:avLst/>
-          </a:prstGeom>
-          <a:ln>
-            <a:tailEnd type="triangle"/>
-          </a:ln>
-        </p:spPr>
-        <p:style>
-          <a:lnRef idx="1">
-            <a:schemeClr val="dk1"/>
-          </a:lnRef>
-          <a:fillRef idx="0">
-            <a:schemeClr val="dk1"/>
-          </a:fillRef>
-          <a:effectRef idx="0">
-            <a:schemeClr val="dk1"/>
-          </a:effectRef>
-          <a:fontRef idx="minor">
-            <a:schemeClr val="tx1"/>
-          </a:fontRef>
-        </p:style>
-      </p:cxnSp>
-      <p:sp>
-        <p:nvSpPr>
-          <p:cNvPr id="34" name="テキスト ボックス 33"/>
-          <p:cNvSpPr txBox="1"/>
-          <p:nvPr/>
-        </p:nvSpPr>
-        <p:spPr>
-          <a:xfrm>
-            <a:off x="4424901" y="420074"/>
-            <a:ext cx="1677726" cy="646331"/>
-          </a:xfrm>
-          <a:prstGeom prst="rect">
-            <a:avLst/>
-          </a:prstGeom>
-          <a:noFill/>
-        </p:spPr>
-        <p:txBody>
-          <a:bodyPr wrap="square" rtlCol="0">
-            <a:spAutoFit/>
-          </a:bodyPr>
-          <a:lstStyle/>
-          <a:p>
-            <a:pPr algn="ctr"/>
-            <a:r>
-              <a:rPr kumimoji="1" lang="ja-JP" altLang="en-US" dirty="0" smtClean="0"/>
-              <a:t>データベースに保存</a:t>
-            </a:r>
-            <a:endParaRPr kumimoji="1" lang="ja-JP" altLang="en-US" dirty="0"/>
-          </a:p>
-        </p:txBody>
-      </p:sp>
-      <p:sp>
-        <p:nvSpPr>
-          <p:cNvPr id="37" name="フローチャート: 磁気ディスク 36"/>
-          <p:cNvSpPr/>
-          <p:nvPr/>
-        </p:nvSpPr>
-        <p:spPr>
-          <a:xfrm>
-            <a:off x="7211833" y="1066405"/>
-            <a:ext cx="1121134" cy="1643615"/>
-          </a:xfrm>
-          <a:prstGeom prst="flowChartMagneticDisk">
-            <a:avLst/>
-          </a:prstGeom>
-        </p:spPr>
-        <p:style>
-          <a:lnRef idx="3">
-            <a:schemeClr val="lt1"/>
-          </a:lnRef>
-          <a:fillRef idx="1">
-            <a:schemeClr val="accent6"/>
-          </a:fillRef>
-          <a:effectRef idx="1">
-            <a:schemeClr val="accent6"/>
-          </a:effectRef>
-          <a:fontRef idx="minor">
-            <a:schemeClr val="lt1"/>
-          </a:fontRef>
-        </p:style>
-        <p:txBody>
-          <a:bodyPr rtlCol="0" anchor="ctr"/>
-          <a:lstStyle/>
-          <a:p>
-            <a:pPr algn="ctr"/>
-            <a:r>
-              <a:rPr kumimoji="1" lang="ja-JP" altLang="en-US" dirty="0" smtClean="0"/>
-              <a:t>観光地</a:t>
-            </a:r>
-            <a:endParaRPr kumimoji="1" lang="en-US" altLang="ja-JP" dirty="0" smtClean="0"/>
-          </a:p>
-          <a:p>
-            <a:pPr algn="ctr"/>
-            <a:r>
-              <a:rPr kumimoji="1" lang="ja-JP" altLang="en-US" dirty="0" smtClean="0"/>
-              <a:t>推薦</a:t>
-            </a:r>
-            <a:r>
-              <a:rPr kumimoji="1" lang="ja-JP" altLang="en-US" dirty="0" smtClean="0"/>
-              <a:t>動画</a:t>
-            </a:r>
-            <a:endParaRPr kumimoji="1" lang="ja-JP" altLang="en-US" dirty="0"/>
-          </a:p>
-        </p:txBody>
-      </p:sp>
-      <p:pic>
-        <p:nvPicPr>
-          <p:cNvPr id="38" name="図 37"/>
-          <p:cNvPicPr>
-            <a:picLocks noChangeAspect="1"/>
-          </p:cNvPicPr>
-          <p:nvPr/>
-        </p:nvPicPr>
-        <p:blipFill>
-          <a:blip r:embed="rId3" cstate="print">
-            <a:extLst>
-              <a:ext uri="{28A0092B-C50C-407E-A947-70E740481C1C}">
-                <a14:useLocalDpi xmlns:a14="http://schemas.microsoft.com/office/drawing/2010/main" val="0"/>
-              </a:ext>
-            </a:extLst>
-          </a:blip>
-          <a:stretch>
-            <a:fillRect/>
-          </a:stretch>
-        </p:blipFill>
-        <p:spPr>
-          <a:xfrm>
-            <a:off x="7558647" y="3295564"/>
-            <a:ext cx="427506" cy="427506"/>
-          </a:xfrm>
-          <a:prstGeom prst="rect">
-            <a:avLst/>
-          </a:prstGeom>
-        </p:spPr>
-      </p:pic>
-      <p:pic>
-        <p:nvPicPr>
-          <p:cNvPr id="39" name="図 38"/>
-          <p:cNvPicPr>
-            <a:picLocks noChangeAspect="1"/>
-          </p:cNvPicPr>
-          <p:nvPr/>
-        </p:nvPicPr>
-        <p:blipFill>
-          <a:blip r:embed="rId3" cstate="print">
-            <a:extLst>
-              <a:ext uri="{28A0092B-C50C-407E-A947-70E740481C1C}">
-                <a14:useLocalDpi xmlns:a14="http://schemas.microsoft.com/office/drawing/2010/main" val="0"/>
-              </a:ext>
-            </a:extLst>
-          </a:blip>
-          <a:stretch>
-            <a:fillRect/>
-          </a:stretch>
-        </p:blipFill>
-        <p:spPr>
-          <a:xfrm>
-            <a:off x="6304329" y="3313725"/>
-            <a:ext cx="427506" cy="427506"/>
-          </a:xfrm>
-          <a:prstGeom prst="rect">
-            <a:avLst/>
-          </a:prstGeom>
-        </p:spPr>
-      </p:pic>
-      <p:pic>
-        <p:nvPicPr>
-          <p:cNvPr id="40" name="図 39"/>
-          <p:cNvPicPr>
-            <a:picLocks noChangeAspect="1"/>
-          </p:cNvPicPr>
-          <p:nvPr/>
-        </p:nvPicPr>
-        <p:blipFill>
-          <a:blip r:embed="rId3" cstate="print">
-            <a:extLst>
-              <a:ext uri="{28A0092B-C50C-407E-A947-70E740481C1C}">
-                <a14:useLocalDpi xmlns:a14="http://schemas.microsoft.com/office/drawing/2010/main" val="0"/>
-              </a:ext>
-            </a:extLst>
-          </a:blip>
-          <a:stretch>
-            <a:fillRect/>
-          </a:stretch>
-        </p:blipFill>
-        <p:spPr>
-          <a:xfrm>
-            <a:off x="5050011" y="3313725"/>
-            <a:ext cx="427506" cy="427506"/>
-          </a:xfrm>
-          <a:prstGeom prst="rect">
-            <a:avLst/>
-          </a:prstGeom>
-        </p:spPr>
-      </p:pic>
-      <p:cxnSp>
-        <p:nvCxnSpPr>
-          <p:cNvPr id="42" name="直線矢印コネクタ 41"/>
-          <p:cNvCxnSpPr>
-            <a:endCxn id="40" idx="0"/>
-          </p:cNvCxnSpPr>
-          <p:nvPr/>
-        </p:nvCxnSpPr>
-        <p:spPr>
-          <a:xfrm flipH="1">
-            <a:off x="5263764" y="2710020"/>
-            <a:ext cx="933" cy="603705"/>
-          </a:xfrm>
-          <a:prstGeom prst="straightConnector1">
-            <a:avLst/>
-          </a:prstGeom>
-          <a:ln>
-            <a:tailEnd type="triangle"/>
-          </a:ln>
-        </p:spPr>
-        <p:style>
-          <a:lnRef idx="1">
-            <a:schemeClr val="accent1"/>
-          </a:lnRef>
-          <a:fillRef idx="0">
-            <a:schemeClr val="accent1"/>
-          </a:fillRef>
-          <a:effectRef idx="0">
-            <a:schemeClr val="accent1"/>
-          </a:effectRef>
-          <a:fontRef idx="minor">
-            <a:schemeClr val="tx1"/>
-          </a:fontRef>
-        </p:style>
-      </p:cxnSp>
-      <p:cxnSp>
-        <p:nvCxnSpPr>
-          <p:cNvPr id="44" name="直線矢印コネクタ 43"/>
-          <p:cNvCxnSpPr>
-            <a:stCxn id="26" idx="3"/>
-            <a:endCxn id="39" idx="0"/>
-          </p:cNvCxnSpPr>
-          <p:nvPr/>
-        </p:nvCxnSpPr>
-        <p:spPr>
-          <a:xfrm>
-            <a:off x="5263764" y="2710020"/>
-            <a:ext cx="1254318" cy="603705"/>
-          </a:xfrm>
-          <a:prstGeom prst="straightConnector1">
-            <a:avLst/>
-          </a:prstGeom>
-          <a:ln>
-            <a:tailEnd type="triangle"/>
-          </a:ln>
-        </p:spPr>
-        <p:style>
-          <a:lnRef idx="1">
-            <a:schemeClr val="accent1"/>
-          </a:lnRef>
-          <a:fillRef idx="0">
-            <a:schemeClr val="accent1"/>
-          </a:fillRef>
-          <a:effectRef idx="0">
-            <a:schemeClr val="accent1"/>
-          </a:effectRef>
-          <a:fontRef idx="minor">
-            <a:schemeClr val="tx1"/>
-          </a:fontRef>
-        </p:style>
-      </p:cxnSp>
-      <p:cxnSp>
-        <p:nvCxnSpPr>
-          <p:cNvPr id="45" name="直線矢印コネクタ 44"/>
-          <p:cNvCxnSpPr>
-            <a:stCxn id="26" idx="3"/>
-            <a:endCxn id="38" idx="0"/>
-          </p:cNvCxnSpPr>
-          <p:nvPr/>
-        </p:nvCxnSpPr>
-        <p:spPr>
-          <a:xfrm>
-            <a:off x="5263764" y="2710020"/>
-            <a:ext cx="2508636" cy="585544"/>
-          </a:xfrm>
-          <a:prstGeom prst="straightConnector1">
-            <a:avLst/>
-          </a:prstGeom>
-          <a:ln>
-            <a:tailEnd type="triangle"/>
-          </a:ln>
-        </p:spPr>
-        <p:style>
-          <a:lnRef idx="1">
-            <a:schemeClr val="accent1"/>
-          </a:lnRef>
-          <a:fillRef idx="0">
-            <a:schemeClr val="accent1"/>
-          </a:fillRef>
-          <a:effectRef idx="0">
-            <a:schemeClr val="accent1"/>
-          </a:effectRef>
-          <a:fontRef idx="minor">
-            <a:schemeClr val="tx1"/>
-          </a:fontRef>
-        </p:style>
-      </p:cxnSp>
-      <p:cxnSp>
-        <p:nvCxnSpPr>
-          <p:cNvPr id="50" name="直線矢印コネクタ 49"/>
-          <p:cNvCxnSpPr>
-            <a:stCxn id="37" idx="3"/>
-            <a:endCxn id="38" idx="0"/>
-          </p:cNvCxnSpPr>
-          <p:nvPr/>
-        </p:nvCxnSpPr>
-        <p:spPr>
-          <a:xfrm>
-            <a:off x="7772400" y="2710020"/>
-            <a:ext cx="0" cy="585544"/>
-          </a:xfrm>
-          <a:prstGeom prst="straightConnector1">
-            <a:avLst/>
-          </a:prstGeom>
-          <a:ln>
-            <a:tailEnd type="triangle"/>
-          </a:ln>
-        </p:spPr>
-        <p:style>
-          <a:lnRef idx="2">
-            <a:schemeClr val="accent6"/>
-          </a:lnRef>
-          <a:fillRef idx="0">
-            <a:schemeClr val="accent6"/>
-          </a:fillRef>
-          <a:effectRef idx="1">
-            <a:schemeClr val="accent6"/>
-          </a:effectRef>
-          <a:fontRef idx="minor">
-            <a:schemeClr val="tx1"/>
-          </a:fontRef>
-        </p:style>
-      </p:cxnSp>
-      <p:cxnSp>
-        <p:nvCxnSpPr>
-          <p:cNvPr id="53" name="直線矢印コネクタ 52"/>
-          <p:cNvCxnSpPr>
-            <a:stCxn id="37" idx="3"/>
-            <a:endCxn id="39" idx="0"/>
-          </p:cNvCxnSpPr>
-          <p:nvPr/>
-        </p:nvCxnSpPr>
-        <p:spPr>
-          <a:xfrm flipH="1">
-            <a:off x="6518082" y="2710020"/>
-            <a:ext cx="1254318" cy="603705"/>
-          </a:xfrm>
-          <a:prstGeom prst="straightConnector1">
-            <a:avLst/>
-          </a:prstGeom>
-          <a:ln>
-            <a:tailEnd type="triangle"/>
-          </a:ln>
-        </p:spPr>
-        <p:style>
-          <a:lnRef idx="2">
-            <a:schemeClr val="accent6"/>
-          </a:lnRef>
-          <a:fillRef idx="0">
-            <a:schemeClr val="accent6"/>
-          </a:fillRef>
-          <a:effectRef idx="1">
-            <a:schemeClr val="accent6"/>
-          </a:effectRef>
-          <a:fontRef idx="minor">
-            <a:schemeClr val="tx1"/>
-          </a:fontRef>
-        </p:style>
-      </p:cxnSp>
-      <p:cxnSp>
-        <p:nvCxnSpPr>
-          <p:cNvPr id="54" name="直線矢印コネクタ 53"/>
-          <p:cNvCxnSpPr>
-            <a:stCxn id="37" idx="3"/>
-            <a:endCxn id="40" idx="0"/>
-          </p:cNvCxnSpPr>
-          <p:nvPr/>
-        </p:nvCxnSpPr>
-        <p:spPr>
-          <a:xfrm flipH="1">
-            <a:off x="5263764" y="2710020"/>
-            <a:ext cx="2508636" cy="603705"/>
-          </a:xfrm>
-          <a:prstGeom prst="straightConnector1">
-            <a:avLst/>
-          </a:prstGeom>
-          <a:ln>
-            <a:tailEnd type="triangle"/>
-          </a:ln>
-        </p:spPr>
-        <p:style>
-          <a:lnRef idx="2">
-            <a:schemeClr val="accent6"/>
-          </a:lnRef>
-          <a:fillRef idx="0">
-            <a:schemeClr val="accent6"/>
-          </a:fillRef>
-          <a:effectRef idx="1">
-            <a:schemeClr val="accent6"/>
-          </a:effectRef>
-          <a:fontRef idx="minor">
-            <a:schemeClr val="tx1"/>
-          </a:fontRef>
-        </p:style>
-      </p:cxnSp>
-      <p:sp>
-        <p:nvSpPr>
-          <p:cNvPr id="59" name="フローチャート: 磁気ディスク 58"/>
-          <p:cNvSpPr/>
-          <p:nvPr/>
-        </p:nvSpPr>
-        <p:spPr>
-          <a:xfrm>
-            <a:off x="5050011" y="4416827"/>
-            <a:ext cx="3163686" cy="1335819"/>
-          </a:xfrm>
-          <a:prstGeom prst="flowChartMagneticDisk">
-            <a:avLst/>
-          </a:prstGeom>
-        </p:spPr>
-        <p:style>
-          <a:lnRef idx="3">
-            <a:schemeClr val="lt1"/>
-          </a:lnRef>
-          <a:fillRef idx="1">
-            <a:schemeClr val="accent2"/>
-          </a:fillRef>
-          <a:effectRef idx="1">
-            <a:schemeClr val="accent2"/>
-          </a:effectRef>
-          <a:fontRef idx="minor">
-            <a:schemeClr val="lt1"/>
-          </a:fontRef>
-        </p:style>
-        <p:txBody>
-          <a:bodyPr rtlCol="0" anchor="ctr"/>
-          <a:lstStyle/>
-          <a:p>
-            <a:pPr algn="ctr"/>
-            <a:r>
-              <a:rPr kumimoji="1" lang="en-US" altLang="ja-JP" dirty="0" smtClean="0"/>
-              <a:t>BGM</a:t>
-            </a:r>
-            <a:r>
-              <a:rPr kumimoji="1" lang="ja-JP" altLang="en-US" dirty="0" smtClean="0"/>
-              <a:t>付き観光地推薦動画</a:t>
-            </a:r>
-            <a:endParaRPr kumimoji="1" lang="ja-JP" altLang="en-US" dirty="0"/>
-          </a:p>
-        </p:txBody>
-      </p:sp>
-      <p:cxnSp>
-        <p:nvCxnSpPr>
-          <p:cNvPr id="61" name="直線矢印コネクタ 60"/>
-          <p:cNvCxnSpPr>
-            <a:stCxn id="40" idx="2"/>
-          </p:cNvCxnSpPr>
-          <p:nvPr/>
-        </p:nvCxnSpPr>
-        <p:spPr>
-          <a:xfrm>
-            <a:off x="5263764" y="3741231"/>
-            <a:ext cx="213753" cy="693757"/>
-          </a:xfrm>
-          <a:prstGeom prst="straightConnector1">
-            <a:avLst/>
-          </a:prstGeom>
-          <a:ln>
-            <a:tailEnd type="triangle"/>
-          </a:ln>
-        </p:spPr>
-        <p:style>
-          <a:lnRef idx="1">
-            <a:schemeClr val="accent2"/>
-          </a:lnRef>
-          <a:fillRef idx="0">
-            <a:schemeClr val="accent2"/>
-          </a:fillRef>
-          <a:effectRef idx="0">
-            <a:schemeClr val="accent2"/>
-          </a:effectRef>
-          <a:fontRef idx="minor">
-            <a:schemeClr val="tx1"/>
-          </a:fontRef>
-        </p:style>
-      </p:cxnSp>
-      <p:cxnSp>
-        <p:nvCxnSpPr>
-          <p:cNvPr id="62" name="直線矢印コネクタ 61"/>
-          <p:cNvCxnSpPr>
-            <a:stCxn id="39" idx="2"/>
-          </p:cNvCxnSpPr>
-          <p:nvPr/>
-        </p:nvCxnSpPr>
-        <p:spPr>
-          <a:xfrm>
-            <a:off x="6518082" y="3741231"/>
-            <a:ext cx="0" cy="603705"/>
-          </a:xfrm>
-          <a:prstGeom prst="straightConnector1">
-            <a:avLst/>
-          </a:prstGeom>
-          <a:ln>
-            <a:tailEnd type="triangle"/>
-          </a:ln>
-        </p:spPr>
-        <p:style>
-          <a:lnRef idx="1">
-            <a:schemeClr val="accent2"/>
-          </a:lnRef>
-          <a:fillRef idx="0">
-            <a:schemeClr val="accent2"/>
-          </a:fillRef>
-          <a:effectRef idx="0">
-            <a:schemeClr val="accent2"/>
-          </a:effectRef>
-          <a:fontRef idx="minor">
-            <a:schemeClr val="tx1"/>
-          </a:fontRef>
-        </p:style>
-      </p:cxnSp>
-      <p:cxnSp>
-        <p:nvCxnSpPr>
-          <p:cNvPr id="65" name="直線矢印コネクタ 64"/>
-          <p:cNvCxnSpPr>
-            <a:stCxn id="38" idx="2"/>
-          </p:cNvCxnSpPr>
-          <p:nvPr/>
-        </p:nvCxnSpPr>
-        <p:spPr>
-          <a:xfrm flipH="1">
-            <a:off x="7672419" y="3723070"/>
-            <a:ext cx="99981" cy="693757"/>
-          </a:xfrm>
-          <a:prstGeom prst="straightConnector1">
-            <a:avLst/>
-          </a:prstGeom>
-          <a:ln>
-            <a:tailEnd type="triangle"/>
-          </a:ln>
-        </p:spPr>
-        <p:style>
-          <a:lnRef idx="1">
-            <a:schemeClr val="accent2"/>
-          </a:lnRef>
-          <a:fillRef idx="0">
-            <a:schemeClr val="accent2"/>
-          </a:fillRef>
-          <a:effectRef idx="0">
-            <a:schemeClr val="accent2"/>
-          </a:effectRef>
-          <a:fontRef idx="minor">
-            <a:schemeClr val="tx1"/>
-          </a:fontRef>
-        </p:style>
-      </p:cxnSp>
-      <p:sp>
-        <p:nvSpPr>
-          <p:cNvPr id="71" name="テキスト ボックス 70"/>
-          <p:cNvSpPr txBox="1"/>
-          <p:nvPr/>
-        </p:nvSpPr>
-        <p:spPr>
-          <a:xfrm>
-            <a:off x="3218352" y="3917430"/>
-            <a:ext cx="2413098" cy="923330"/>
-          </a:xfrm>
-          <a:prstGeom prst="rect">
-            <a:avLst/>
-          </a:prstGeom>
-          <a:noFill/>
-        </p:spPr>
-        <p:txBody>
-          <a:bodyPr wrap="square" rtlCol="0">
-            <a:spAutoFit/>
-          </a:bodyPr>
-          <a:lstStyle/>
-          <a:p>
-            <a:r>
-              <a:rPr kumimoji="1" lang="ja-JP" altLang="en-US" dirty="0" smtClean="0"/>
-              <a:t>動画と楽曲を複数のサーバーで</a:t>
-            </a:r>
-            <a:r>
-              <a:rPr kumimoji="1" lang="ja-JP" altLang="en-US" dirty="0" smtClean="0"/>
-              <a:t>マッチング処理</a:t>
-            </a:r>
-            <a:endParaRPr kumimoji="1" lang="ja-JP" altLang="en-US" dirty="0"/>
-          </a:p>
-        </p:txBody>
-      </p:sp>
       <p:sp>
         <p:nvSpPr>
           <p:cNvPr id="2" name="テキスト ボックス 1"/>

--- a/発表用スライド/1821144_yoshii_thesis_ver.pptx
+++ b/発表用スライド/1821144_yoshii_thesis_ver.pptx
@@ -236,7 +236,7 @@
           <a:p>
             <a:fld id="{27571B5F-C8EC-4379-AD76-80FD414F3861}" type="datetimeFigureOut">
               <a:rPr kumimoji="1" lang="ja-JP" altLang="en-US" smtClean="0"/>
-              <a:t>2021/11/24</a:t>
+              <a:t>2021/11/29</a:t>
             </a:fld>
             <a:endParaRPr kumimoji="1" lang="ja-JP" altLang="en-US"/>
           </a:p>
@@ -750,7 +750,7 @@
           <a:p>
             <a:fld id="{22C6F9C5-C6AA-409B-AF03-98D7346F1423}" type="datetime1">
               <a:rPr kumimoji="1" lang="ja-JP" altLang="en-US" smtClean="0"/>
-              <a:t>2021/11/24</a:t>
+              <a:t>2021/11/29</a:t>
             </a:fld>
             <a:endParaRPr kumimoji="1" lang="ja-JP" altLang="en-US"/>
           </a:p>
@@ -953,7 +953,7 @@
           <a:p>
             <a:fld id="{22E0F957-B7A6-49B1-8F7C-E83B3F2002DA}" type="datetime1">
               <a:rPr kumimoji="1" lang="ja-JP" altLang="en-US" smtClean="0"/>
-              <a:t>2021/11/24</a:t>
+              <a:t>2021/11/29</a:t>
             </a:fld>
             <a:endParaRPr kumimoji="1" lang="ja-JP" altLang="en-US"/>
           </a:p>
@@ -1166,7 +1166,7 @@
           <a:p>
             <a:fld id="{DE6F7DB3-2648-413C-8B2E-93728F539CCD}" type="datetime1">
               <a:rPr kumimoji="1" lang="ja-JP" altLang="en-US" smtClean="0"/>
-              <a:t>2021/11/24</a:t>
+              <a:t>2021/11/29</a:t>
             </a:fld>
             <a:endParaRPr kumimoji="1" lang="ja-JP" altLang="en-US"/>
           </a:p>
@@ -1369,7 +1369,7 @@
           <a:p>
             <a:fld id="{A2D1DE2A-14E7-4A39-B37E-D38A93E354FC}" type="datetime1">
               <a:rPr kumimoji="1" lang="ja-JP" altLang="en-US" smtClean="0"/>
-              <a:t>2021/11/24</a:t>
+              <a:t>2021/11/29</a:t>
             </a:fld>
             <a:endParaRPr kumimoji="1" lang="ja-JP" altLang="en-US"/>
           </a:p>
@@ -1618,7 +1618,7 @@
           <a:p>
             <a:fld id="{991EEB29-6570-4D17-BF07-A0C0B34BA0FB}" type="datetime1">
               <a:rPr kumimoji="1" lang="ja-JP" altLang="en-US" smtClean="0"/>
-              <a:t>2021/11/24</a:t>
+              <a:t>2021/11/29</a:t>
             </a:fld>
             <a:endParaRPr kumimoji="1" lang="ja-JP" altLang="en-US"/>
           </a:p>
@@ -1915,7 +1915,7 @@
           <a:p>
             <a:fld id="{892B6420-66A4-43C3-BA46-EBDFB60516F0}" type="datetime1">
               <a:rPr kumimoji="1" lang="ja-JP" altLang="en-US" smtClean="0"/>
-              <a:t>2021/11/24</a:t>
+              <a:t>2021/11/29</a:t>
             </a:fld>
             <a:endParaRPr kumimoji="1" lang="ja-JP" altLang="en-US"/>
           </a:p>
@@ -2347,7 +2347,7 @@
           <a:p>
             <a:fld id="{5BE63C90-8833-49EB-8DFB-3A87587C56DF}" type="datetime1">
               <a:rPr kumimoji="1" lang="ja-JP" altLang="en-US" smtClean="0"/>
-              <a:t>2021/11/24</a:t>
+              <a:t>2021/11/29</a:t>
             </a:fld>
             <a:endParaRPr kumimoji="1" lang="ja-JP" altLang="en-US"/>
           </a:p>
@@ -2466,7 +2466,7 @@
           <a:p>
             <a:fld id="{FDB7B118-9258-4B93-98B1-2227223B18EF}" type="datetime1">
               <a:rPr kumimoji="1" lang="ja-JP" altLang="en-US" smtClean="0"/>
-              <a:t>2021/11/24</a:t>
+              <a:t>2021/11/29</a:t>
             </a:fld>
             <a:endParaRPr kumimoji="1" lang="ja-JP" altLang="en-US"/>
           </a:p>
@@ -2562,7 +2562,7 @@
           <a:p>
             <a:fld id="{9C334A37-8FFC-49D6-A0F3-FC06101E023C}" type="datetime1">
               <a:rPr kumimoji="1" lang="ja-JP" altLang="en-US" smtClean="0"/>
-              <a:t>2021/11/24</a:t>
+              <a:t>2021/11/29</a:t>
             </a:fld>
             <a:endParaRPr kumimoji="1" lang="ja-JP" altLang="en-US"/>
           </a:p>
@@ -2872,7 +2872,7 @@
           <a:p>
             <a:fld id="{0FAD949F-32A5-4343-9078-C3A89D3064D3}" type="datetime1">
               <a:rPr kumimoji="1" lang="ja-JP" altLang="en-US" smtClean="0"/>
-              <a:t>2021/11/24</a:t>
+              <a:t>2021/11/29</a:t>
             </a:fld>
             <a:endParaRPr kumimoji="1" lang="ja-JP" altLang="en-US"/>
           </a:p>
@@ -3130,7 +3130,7 @@
           <a:p>
             <a:fld id="{58C4534D-9999-497B-9C6B-5769B1D800E5}" type="datetime1">
               <a:rPr kumimoji="1" lang="ja-JP" altLang="en-US" smtClean="0"/>
-              <a:t>2021/11/24</a:t>
+              <a:t>2021/11/29</a:t>
             </a:fld>
             <a:endParaRPr kumimoji="1" lang="ja-JP" altLang="en-US"/>
           </a:p>
@@ -3376,7 +3376,7 @@
           <a:p>
             <a:fld id="{D73E1257-0E7D-4620-84B9-7FC7BB2FC946}" type="datetime1">
               <a:rPr kumimoji="1" lang="ja-JP" altLang="en-US" smtClean="0"/>
-              <a:t>2021/11/24</a:t>
+              <a:t>2021/11/29</a:t>
             </a:fld>
             <a:endParaRPr kumimoji="1" lang="ja-JP" altLang="en-US"/>
           </a:p>
@@ -4306,7 +4306,15 @@
             </a:pPr>
             <a:r>
               <a:rPr lang="ja-JP" altLang="en-US" dirty="0"/>
-              <a:t>スマートフォンなどで</a:t>
+              <a:t>コンピューター</a:t>
+            </a:r>
+            <a:r>
+              <a:rPr lang="ja-JP" altLang="en-US" dirty="0" smtClean="0"/>
+              <a:t>やインターネットの発達</a:t>
+            </a:r>
+            <a:r>
+              <a:rPr lang="ja-JP" altLang="en-US" dirty="0" smtClean="0"/>
+              <a:t>で</a:t>
             </a:r>
             <a:r>
               <a:rPr lang="ja-JP" altLang="en-US" dirty="0" smtClean="0"/>
@@ -6833,11 +6841,7 @@
               <a:p>
                 <a:r>
                   <a:rPr kumimoji="1" lang="ja-JP" altLang="en-US" dirty="0" smtClean="0"/>
-                  <a:t>複数の</a:t>
-                </a:r>
-                <a:r>
-                  <a:rPr kumimoji="1" lang="ja-JP" altLang="en-US" dirty="0" smtClean="0"/>
-                  <a:t>サーバーで</a:t>
+                  <a:t>複数のサーバーで</a:t>
                 </a:r>
                 <a:r>
                   <a:rPr kumimoji="1" lang="en-US" altLang="ja-JP" dirty="0" smtClean="0"/>
@@ -6845,11 +6849,7 @@
                 </a:r>
                 <a:r>
                   <a:rPr kumimoji="1" lang="ja-JP" altLang="en-US" dirty="0" smtClean="0"/>
-                  <a:t>を利用し楽曲</a:t>
-                </a:r>
-                <a:r>
-                  <a:rPr kumimoji="1" lang="ja-JP" altLang="en-US" dirty="0" smtClean="0"/>
-                  <a:t>をジャンル分け</a:t>
+                  <a:t>を利用し楽曲をジャンル分け</a:t>
                 </a:r>
                 <a:endParaRPr kumimoji="1" lang="ja-JP" altLang="en-US" dirty="0"/>
               </a:p>
@@ -7967,7 +7967,7 @@
         <p:spPr>
           <a:xfrm>
             <a:off x="314325" y="5454595"/>
-            <a:ext cx="8058398" cy="369332"/>
+            <a:ext cx="8058398" cy="1200329"/>
           </a:xfrm>
           <a:prstGeom prst="rect">
             <a:avLst/>
@@ -7982,7 +7982,28 @@
           <a:p>
             <a:r>
               <a:rPr kumimoji="1" lang="ja-JP" altLang="en-US" dirty="0" smtClean="0"/>
-              <a:t>使用するデータセットに基づいて以上の１０ジャンルでマッチング</a:t>
+              <a:t>使用するデータセットに基づいて以上の１０ジャンルで</a:t>
+            </a:r>
+            <a:r>
+              <a:rPr kumimoji="1" lang="ja-JP" altLang="en-US" dirty="0" smtClean="0"/>
+              <a:t>マッチング</a:t>
+            </a:r>
+            <a:endParaRPr kumimoji="1" lang="en-US" altLang="ja-JP" dirty="0" smtClean="0"/>
+          </a:p>
+          <a:p>
+            <a:endParaRPr lang="en-US" altLang="ja-JP" dirty="0"/>
+          </a:p>
+          <a:p>
+            <a:r>
+              <a:rPr kumimoji="1" lang="ja-JP" altLang="en-US" dirty="0" smtClean="0"/>
+              <a:t>いただいた意見</a:t>
+            </a:r>
+            <a:endParaRPr kumimoji="1" lang="en-US" altLang="ja-JP" dirty="0" smtClean="0"/>
+          </a:p>
+          <a:p>
+            <a:r>
+              <a:rPr kumimoji="1" lang="ja-JP" altLang="en-US" dirty="0" smtClean="0"/>
+              <a:t>ユーザーに動画とどのジャンルでマッチングしたいかを決めてもらう</a:t>
             </a:r>
             <a:endParaRPr kumimoji="1" lang="ja-JP" altLang="en-US" dirty="0"/>
           </a:p>

--- a/発表用スライド/1821144_yoshii_thesis_ver.pptx
+++ b/発表用スライド/1821144_yoshii_thesis_ver.pptx
@@ -236,7 +236,7 @@
           <a:p>
             <a:fld id="{27571B5F-C8EC-4379-AD76-80FD414F3861}" type="datetimeFigureOut">
               <a:rPr kumimoji="1" lang="ja-JP" altLang="en-US" smtClean="0"/>
-              <a:t>2021/11/29</a:t>
+              <a:t>2021/12/6</a:t>
             </a:fld>
             <a:endParaRPr kumimoji="1" lang="ja-JP" altLang="en-US"/>
           </a:p>
@@ -750,7 +750,7 @@
           <a:p>
             <a:fld id="{22C6F9C5-C6AA-409B-AF03-98D7346F1423}" type="datetime1">
               <a:rPr kumimoji="1" lang="ja-JP" altLang="en-US" smtClean="0"/>
-              <a:t>2021/11/29</a:t>
+              <a:t>2021/12/6</a:t>
             </a:fld>
             <a:endParaRPr kumimoji="1" lang="ja-JP" altLang="en-US"/>
           </a:p>
@@ -953,7 +953,7 @@
           <a:p>
             <a:fld id="{22E0F957-B7A6-49B1-8F7C-E83B3F2002DA}" type="datetime1">
               <a:rPr kumimoji="1" lang="ja-JP" altLang="en-US" smtClean="0"/>
-              <a:t>2021/11/29</a:t>
+              <a:t>2021/12/6</a:t>
             </a:fld>
             <a:endParaRPr kumimoji="1" lang="ja-JP" altLang="en-US"/>
           </a:p>
@@ -1166,7 +1166,7 @@
           <a:p>
             <a:fld id="{DE6F7DB3-2648-413C-8B2E-93728F539CCD}" type="datetime1">
               <a:rPr kumimoji="1" lang="ja-JP" altLang="en-US" smtClean="0"/>
-              <a:t>2021/11/29</a:t>
+              <a:t>2021/12/6</a:t>
             </a:fld>
             <a:endParaRPr kumimoji="1" lang="ja-JP" altLang="en-US"/>
           </a:p>
@@ -1369,7 +1369,7 @@
           <a:p>
             <a:fld id="{A2D1DE2A-14E7-4A39-B37E-D38A93E354FC}" type="datetime1">
               <a:rPr kumimoji="1" lang="ja-JP" altLang="en-US" smtClean="0"/>
-              <a:t>2021/11/29</a:t>
+              <a:t>2021/12/6</a:t>
             </a:fld>
             <a:endParaRPr kumimoji="1" lang="ja-JP" altLang="en-US"/>
           </a:p>
@@ -1618,7 +1618,7 @@
           <a:p>
             <a:fld id="{991EEB29-6570-4D17-BF07-A0C0B34BA0FB}" type="datetime1">
               <a:rPr kumimoji="1" lang="ja-JP" altLang="en-US" smtClean="0"/>
-              <a:t>2021/11/29</a:t>
+              <a:t>2021/12/6</a:t>
             </a:fld>
             <a:endParaRPr kumimoji="1" lang="ja-JP" altLang="en-US"/>
           </a:p>
@@ -1915,7 +1915,7 @@
           <a:p>
             <a:fld id="{892B6420-66A4-43C3-BA46-EBDFB60516F0}" type="datetime1">
               <a:rPr kumimoji="1" lang="ja-JP" altLang="en-US" smtClean="0"/>
-              <a:t>2021/11/29</a:t>
+              <a:t>2021/12/6</a:t>
             </a:fld>
             <a:endParaRPr kumimoji="1" lang="ja-JP" altLang="en-US"/>
           </a:p>
@@ -2347,7 +2347,7 @@
           <a:p>
             <a:fld id="{5BE63C90-8833-49EB-8DFB-3A87587C56DF}" type="datetime1">
               <a:rPr kumimoji="1" lang="ja-JP" altLang="en-US" smtClean="0"/>
-              <a:t>2021/11/29</a:t>
+              <a:t>2021/12/6</a:t>
             </a:fld>
             <a:endParaRPr kumimoji="1" lang="ja-JP" altLang="en-US"/>
           </a:p>
@@ -2466,7 +2466,7 @@
           <a:p>
             <a:fld id="{FDB7B118-9258-4B93-98B1-2227223B18EF}" type="datetime1">
               <a:rPr kumimoji="1" lang="ja-JP" altLang="en-US" smtClean="0"/>
-              <a:t>2021/11/29</a:t>
+              <a:t>2021/12/6</a:t>
             </a:fld>
             <a:endParaRPr kumimoji="1" lang="ja-JP" altLang="en-US"/>
           </a:p>
@@ -2562,7 +2562,7 @@
           <a:p>
             <a:fld id="{9C334A37-8FFC-49D6-A0F3-FC06101E023C}" type="datetime1">
               <a:rPr kumimoji="1" lang="ja-JP" altLang="en-US" smtClean="0"/>
-              <a:t>2021/11/29</a:t>
+              <a:t>2021/12/6</a:t>
             </a:fld>
             <a:endParaRPr kumimoji="1" lang="ja-JP" altLang="en-US"/>
           </a:p>
@@ -2872,7 +2872,7 @@
           <a:p>
             <a:fld id="{0FAD949F-32A5-4343-9078-C3A89D3064D3}" type="datetime1">
               <a:rPr kumimoji="1" lang="ja-JP" altLang="en-US" smtClean="0"/>
-              <a:t>2021/11/29</a:t>
+              <a:t>2021/12/6</a:t>
             </a:fld>
             <a:endParaRPr kumimoji="1" lang="ja-JP" altLang="en-US"/>
           </a:p>
@@ -3130,7 +3130,7 @@
           <a:p>
             <a:fld id="{58C4534D-9999-497B-9C6B-5769B1D800E5}" type="datetime1">
               <a:rPr kumimoji="1" lang="ja-JP" altLang="en-US" smtClean="0"/>
-              <a:t>2021/11/29</a:t>
+              <a:t>2021/12/6</a:t>
             </a:fld>
             <a:endParaRPr kumimoji="1" lang="ja-JP" altLang="en-US"/>
           </a:p>
@@ -3376,7 +3376,7 @@
           <a:p>
             <a:fld id="{D73E1257-0E7D-4620-84B9-7FC7BB2FC946}" type="datetime1">
               <a:rPr kumimoji="1" lang="ja-JP" altLang="en-US" smtClean="0"/>
-              <a:t>2021/11/29</a:t>
+              <a:t>2021/12/6</a:t>
             </a:fld>
             <a:endParaRPr kumimoji="1" lang="ja-JP" altLang="en-US"/>
           </a:p>
@@ -4295,7 +4295,7 @@
         </p:spPr>
         <p:txBody>
           <a:bodyPr>
-            <a:normAutofit lnSpcReduction="10000"/>
+            <a:normAutofit fontScale="92500" lnSpcReduction="20000"/>
           </a:bodyPr>
           <a:lstStyle/>
           <a:p>
@@ -4310,15 +4310,7 @@
             </a:r>
             <a:r>
               <a:rPr lang="ja-JP" altLang="en-US" dirty="0" smtClean="0"/>
-              <a:t>やインターネットの発達</a:t>
-            </a:r>
-            <a:r>
-              <a:rPr lang="ja-JP" altLang="en-US" dirty="0" smtClean="0"/>
-              <a:t>で</a:t>
-            </a:r>
-            <a:r>
-              <a:rPr lang="ja-JP" altLang="en-US" dirty="0" smtClean="0"/>
-              <a:t>誰でも</a:t>
+              <a:t>やインターネットの発達で誰でも</a:t>
             </a:r>
             <a:r>
               <a:rPr lang="ja-JP" altLang="en-US" dirty="0"/>
@@ -4338,15 +4330,31 @@
             </a:r>
             <a:r>
               <a:rPr lang="ja-JP" altLang="en-US" dirty="0"/>
-              <a:t>ことが可能になっている．そのため</a:t>
-            </a:r>
-            <a:r>
-              <a:rPr lang="en-US" altLang="ja-JP" dirty="0"/>
-              <a:t>SNS</a:t>
+              <a:t>ことが可能になっている．その</a:t>
+            </a:r>
+            <a:r>
+              <a:rPr lang="ja-JP" altLang="en-US" dirty="0" smtClean="0"/>
+              <a:t>ため</a:t>
+            </a:r>
+            <a:r>
+              <a:rPr lang="ja-JP" altLang="en-US" dirty="0" smtClean="0"/>
+              <a:t>ソーシャルネットワーキングサービス</a:t>
+            </a:r>
+            <a:r>
+              <a:rPr lang="en-US" altLang="ja-JP" dirty="0" smtClean="0"/>
+              <a:t>(</a:t>
+            </a:r>
+            <a:r>
+              <a:rPr lang="en-US" altLang="ja-JP" dirty="0" smtClean="0"/>
+              <a:t>SNS)</a:t>
+            </a:r>
+            <a:r>
+              <a:rPr lang="ja-JP" altLang="en-US" dirty="0" smtClean="0"/>
+              <a:t>など</a:t>
             </a:r>
             <a:r>
               <a:rPr lang="ja-JP" altLang="en-US" dirty="0"/>
-              <a:t>などに投稿される楽曲が大量になってきた．</a:t>
+              <a:t>に投稿される楽曲が大量になってきた．</a:t>
             </a:r>
             <a:endParaRPr lang="en-US" altLang="ja-JP" dirty="0"/>
           </a:p>
@@ -5245,16 +5253,20 @@
               <a:t>と</a:t>
             </a:r>
             <a:r>
+              <a:rPr lang="ja-JP" altLang="en-US" dirty="0" smtClean="0"/>
+              <a:t>処理</a:t>
+            </a:r>
+            <a:r>
               <a:rPr lang="ja-JP" altLang="en-US" dirty="0"/>
-              <a:t>処理</a:t>
+              <a:t>速度</a:t>
             </a:r>
             <a:r>
               <a:rPr lang="ja-JP" altLang="en-US" dirty="0" smtClean="0"/>
-              <a:t>時間</a:t>
+              <a:t>にも</a:t>
             </a:r>
             <a:r>
               <a:rPr lang="ja-JP" altLang="en-US" dirty="0"/>
-              <a:t>にも限界が生じるため，並列で処理する仕組みが必要である．</a:t>
+              <a:t>限界が生じるため，並列で処理する仕組みが必要である．</a:t>
             </a:r>
             <a:endParaRPr lang="en-US" altLang="ja-JP" dirty="0"/>
           </a:p>
@@ -7982,11 +7994,7 @@
           <a:p>
             <a:r>
               <a:rPr kumimoji="1" lang="ja-JP" altLang="en-US" dirty="0" smtClean="0"/>
-              <a:t>使用するデータセットに基づいて以上の１０ジャンルで</a:t>
-            </a:r>
-            <a:r>
-              <a:rPr kumimoji="1" lang="ja-JP" altLang="en-US" dirty="0" smtClean="0"/>
-              <a:t>マッチング</a:t>
+              <a:t>使用するデータセットに基づいて以上の１０ジャンルでマッチング</a:t>
             </a:r>
             <a:endParaRPr kumimoji="1" lang="en-US" altLang="ja-JP" dirty="0" smtClean="0"/>
           </a:p>

--- a/発表用スライド/1821144_yoshii_thesis_ver.pptx
+++ b/発表用スライド/1821144_yoshii_thesis_ver.pptx
@@ -236,7 +236,7 @@
           <a:p>
             <a:fld id="{27571B5F-C8EC-4379-AD76-80FD414F3861}" type="datetimeFigureOut">
               <a:rPr kumimoji="1" lang="ja-JP" altLang="en-US" smtClean="0"/>
-              <a:t>2021/12/6</a:t>
+              <a:t>2021/12/13</a:t>
             </a:fld>
             <a:endParaRPr kumimoji="1" lang="ja-JP" altLang="en-US"/>
           </a:p>
@@ -750,7 +750,7 @@
           <a:p>
             <a:fld id="{22C6F9C5-C6AA-409B-AF03-98D7346F1423}" type="datetime1">
               <a:rPr kumimoji="1" lang="ja-JP" altLang="en-US" smtClean="0"/>
-              <a:t>2021/12/6</a:t>
+              <a:t>2021/12/13</a:t>
             </a:fld>
             <a:endParaRPr kumimoji="1" lang="ja-JP" altLang="en-US"/>
           </a:p>
@@ -953,7 +953,7 @@
           <a:p>
             <a:fld id="{22E0F957-B7A6-49B1-8F7C-E83B3F2002DA}" type="datetime1">
               <a:rPr kumimoji="1" lang="ja-JP" altLang="en-US" smtClean="0"/>
-              <a:t>2021/12/6</a:t>
+              <a:t>2021/12/13</a:t>
             </a:fld>
             <a:endParaRPr kumimoji="1" lang="ja-JP" altLang="en-US"/>
           </a:p>
@@ -1166,7 +1166,7 @@
           <a:p>
             <a:fld id="{DE6F7DB3-2648-413C-8B2E-93728F539CCD}" type="datetime1">
               <a:rPr kumimoji="1" lang="ja-JP" altLang="en-US" smtClean="0"/>
-              <a:t>2021/12/6</a:t>
+              <a:t>2021/12/13</a:t>
             </a:fld>
             <a:endParaRPr kumimoji="1" lang="ja-JP" altLang="en-US"/>
           </a:p>
@@ -1369,7 +1369,7 @@
           <a:p>
             <a:fld id="{A2D1DE2A-14E7-4A39-B37E-D38A93E354FC}" type="datetime1">
               <a:rPr kumimoji="1" lang="ja-JP" altLang="en-US" smtClean="0"/>
-              <a:t>2021/12/6</a:t>
+              <a:t>2021/12/13</a:t>
             </a:fld>
             <a:endParaRPr kumimoji="1" lang="ja-JP" altLang="en-US"/>
           </a:p>
@@ -1618,7 +1618,7 @@
           <a:p>
             <a:fld id="{991EEB29-6570-4D17-BF07-A0C0B34BA0FB}" type="datetime1">
               <a:rPr kumimoji="1" lang="ja-JP" altLang="en-US" smtClean="0"/>
-              <a:t>2021/12/6</a:t>
+              <a:t>2021/12/13</a:t>
             </a:fld>
             <a:endParaRPr kumimoji="1" lang="ja-JP" altLang="en-US"/>
           </a:p>
@@ -1915,7 +1915,7 @@
           <a:p>
             <a:fld id="{892B6420-66A4-43C3-BA46-EBDFB60516F0}" type="datetime1">
               <a:rPr kumimoji="1" lang="ja-JP" altLang="en-US" smtClean="0"/>
-              <a:t>2021/12/6</a:t>
+              <a:t>2021/12/13</a:t>
             </a:fld>
             <a:endParaRPr kumimoji="1" lang="ja-JP" altLang="en-US"/>
           </a:p>
@@ -2347,7 +2347,7 @@
           <a:p>
             <a:fld id="{5BE63C90-8833-49EB-8DFB-3A87587C56DF}" type="datetime1">
               <a:rPr kumimoji="1" lang="ja-JP" altLang="en-US" smtClean="0"/>
-              <a:t>2021/12/6</a:t>
+              <a:t>2021/12/13</a:t>
             </a:fld>
             <a:endParaRPr kumimoji="1" lang="ja-JP" altLang="en-US"/>
           </a:p>
@@ -2466,7 +2466,7 @@
           <a:p>
             <a:fld id="{FDB7B118-9258-4B93-98B1-2227223B18EF}" type="datetime1">
               <a:rPr kumimoji="1" lang="ja-JP" altLang="en-US" smtClean="0"/>
-              <a:t>2021/12/6</a:t>
+              <a:t>2021/12/13</a:t>
             </a:fld>
             <a:endParaRPr kumimoji="1" lang="ja-JP" altLang="en-US"/>
           </a:p>
@@ -2562,7 +2562,7 @@
           <a:p>
             <a:fld id="{9C334A37-8FFC-49D6-A0F3-FC06101E023C}" type="datetime1">
               <a:rPr kumimoji="1" lang="ja-JP" altLang="en-US" smtClean="0"/>
-              <a:t>2021/12/6</a:t>
+              <a:t>2021/12/13</a:t>
             </a:fld>
             <a:endParaRPr kumimoji="1" lang="ja-JP" altLang="en-US"/>
           </a:p>
@@ -2872,7 +2872,7 @@
           <a:p>
             <a:fld id="{0FAD949F-32A5-4343-9078-C3A89D3064D3}" type="datetime1">
               <a:rPr kumimoji="1" lang="ja-JP" altLang="en-US" smtClean="0"/>
-              <a:t>2021/12/6</a:t>
+              <a:t>2021/12/13</a:t>
             </a:fld>
             <a:endParaRPr kumimoji="1" lang="ja-JP" altLang="en-US"/>
           </a:p>
@@ -3130,7 +3130,7 @@
           <a:p>
             <a:fld id="{58C4534D-9999-497B-9C6B-5769B1D800E5}" type="datetime1">
               <a:rPr kumimoji="1" lang="ja-JP" altLang="en-US" smtClean="0"/>
-              <a:t>2021/12/6</a:t>
+              <a:t>2021/12/13</a:t>
             </a:fld>
             <a:endParaRPr kumimoji="1" lang="ja-JP" altLang="en-US"/>
           </a:p>
@@ -3376,7 +3376,7 @@
           <a:p>
             <a:fld id="{D73E1257-0E7D-4620-84B9-7FC7BB2FC946}" type="datetime1">
               <a:rPr kumimoji="1" lang="ja-JP" altLang="en-US" smtClean="0"/>
-              <a:t>2021/12/6</a:t>
+              <a:t>2021/12/13</a:t>
             </a:fld>
             <a:endParaRPr kumimoji="1" lang="ja-JP" altLang="en-US"/>
           </a:p>
@@ -4334,19 +4334,11 @@
             </a:r>
             <a:r>
               <a:rPr lang="ja-JP" altLang="en-US" dirty="0" smtClean="0"/>
-              <a:t>ため</a:t>
-            </a:r>
-            <a:r>
-              <a:rPr lang="ja-JP" altLang="en-US" dirty="0" smtClean="0"/>
-              <a:t>ソーシャルネットワーキングサービス</a:t>
+              <a:t>ためソーシャルネットワーキングサービス</a:t>
             </a:r>
             <a:r>
               <a:rPr lang="en-US" altLang="ja-JP" dirty="0" smtClean="0"/>
-              <a:t>(</a:t>
-            </a:r>
-            <a:r>
-              <a:rPr lang="en-US" altLang="ja-JP" dirty="0" smtClean="0"/>
-              <a:t>SNS)</a:t>
+              <a:t>(SNS)</a:t>
             </a:r>
             <a:r>
               <a:rPr lang="ja-JP" altLang="en-US" dirty="0" smtClean="0"/>
@@ -4816,7 +4808,7 @@
         </p:spPr>
         <p:txBody>
           <a:bodyPr>
-            <a:normAutofit lnSpcReduction="10000"/>
+            <a:normAutofit fontScale="92500"/>
           </a:bodyPr>
           <a:lstStyle/>
           <a:p>
@@ -4832,6 +4824,12 @@
               </a:rPr>
               <a:t>印象評価データセット</a:t>
             </a:r>
+            <a:r>
+              <a:rPr lang="ja-JP" altLang="en-US" u="sng" dirty="0">
+                <a:latin typeface="+mn-ea"/>
+              </a:rPr>
+              <a:t>構築とその特性の調査</a:t>
+            </a:r>
             <a:endParaRPr lang="en-US" altLang="ja-JP" u="sng" dirty="0">
               <a:latin typeface="+mn-ea"/>
             </a:endParaRPr>
@@ -5055,16 +5053,10 @@
               <a:rPr lang="ja-JP" altLang="en-US" dirty="0">
                 <a:latin typeface="+mn-ea"/>
               </a:rPr>
-              <a:t>，「動画特徴量からの印象推定</a:t>
-            </a:r>
-            <a:r>
-              <a:rPr lang="ja-JP" altLang="en-US">
-                <a:latin typeface="+mn-ea"/>
-              </a:rPr>
-              <a:t>に</a:t>
-            </a:r>
-            <a:r>
-              <a:rPr lang="ja-JP" altLang="en-US" smtClean="0">
+              <a:t>，「動画特徴量からの印象推定に</a:t>
+            </a:r>
+            <a:r>
+              <a:rPr lang="ja-JP" altLang="en-US" dirty="0" smtClean="0">
                 <a:latin typeface="+mn-ea"/>
               </a:rPr>
               <a:t>基づく動画</a:t>
@@ -5250,11 +5242,7 @@
             </a:r>
             <a:r>
               <a:rPr lang="ja-JP" altLang="en-US" dirty="0" smtClean="0"/>
-              <a:t>と</a:t>
-            </a:r>
-            <a:r>
-              <a:rPr lang="ja-JP" altLang="en-US" dirty="0" smtClean="0"/>
-              <a:t>処理</a:t>
+              <a:t>と処理</a:t>
             </a:r>
             <a:r>
               <a:rPr lang="ja-JP" altLang="en-US" dirty="0"/>
@@ -5276,7 +5264,23 @@
           <a:p>
             <a:r>
               <a:rPr lang="ja-JP" altLang="en-US" dirty="0"/>
-              <a:t>また，楽曲と動画を合成するための方法も検討する必要がある．</a:t>
+              <a:t>また，楽曲と動画を合成するための方法も検討する必要がある</a:t>
+            </a:r>
+            <a:r>
+              <a:rPr lang="ja-JP" altLang="en-US" dirty="0" smtClean="0"/>
+              <a:t>．</a:t>
+            </a:r>
+            <a:r>
+              <a:rPr lang="en-US" altLang="ja-JP" dirty="0" smtClean="0"/>
+              <a:t>(</a:t>
+            </a:r>
+            <a:r>
+              <a:rPr lang="ja-JP" altLang="en-US" dirty="0" smtClean="0"/>
+              <a:t>展望に回す可能性</a:t>
+            </a:r>
+            <a:r>
+              <a:rPr lang="en-US" altLang="ja-JP" dirty="0" smtClean="0"/>
+              <a:t>)</a:t>
             </a:r>
             <a:endParaRPr lang="en-US" altLang="ja-JP" dirty="0"/>
           </a:p>
@@ -6031,8 +6035,18 @@
           <a:p>
             <a:r>
               <a:rPr lang="ja-JP" altLang="en-US" dirty="0"/>
-              <a:t>実験による，提案システムの実現可能性の評価</a:t>
-            </a:r>
+              <a:t>実験による，提案システムの実現可能性の</a:t>
+            </a:r>
+            <a:r>
+              <a:rPr lang="ja-JP" altLang="en-US" dirty="0" smtClean="0"/>
+              <a:t>評価</a:t>
+            </a:r>
+            <a:endParaRPr lang="en-US" altLang="ja-JP" dirty="0" smtClean="0"/>
+          </a:p>
+          <a:p>
+            <a:pPr marL="0" indent="0">
+              <a:buNone/>
+            </a:pPr>
             <a:endParaRPr kumimoji="1" lang="ja-JP" altLang="en-US" dirty="0"/>
           </a:p>
         </p:txBody>
@@ -7760,7 +7774,7 @@
           <p:nvPr>
             <p:extLst>
               <p:ext uri="{D42A27DB-BD31-4B8C-83A1-F6EECF244321}">
-                <p14:modId xmlns:p14="http://schemas.microsoft.com/office/powerpoint/2010/main" val="2012391842"/>
+                <p14:modId xmlns:p14="http://schemas.microsoft.com/office/powerpoint/2010/main" val="3826862040"/>
               </p:ext>
             </p:extLst>
           </p:nvPr>
@@ -7903,8 +7917,8 @@
                     <a:lstStyle/>
                     <a:p>
                       <a:r>
-                        <a:rPr kumimoji="1" lang="en-US" altLang="ja-JP" dirty="0" smtClean="0"/>
-                        <a:t>Noise</a:t>
+                        <a:rPr kumimoji="1" lang="en-US" altLang="ja-JP" dirty="0" err="1" smtClean="0"/>
+                        <a:t>Etc</a:t>
                       </a:r>
                       <a:endParaRPr kumimoji="1" lang="ja-JP" altLang="en-US" dirty="0"/>
                     </a:p>

--- a/発表用スライド/1821144_yoshii_thesis_ver.pptx
+++ b/発表用スライド/1821144_yoshii_thesis_ver.pptx
@@ -5,7 +5,7 @@
     <p:sldMasterId id="2147483660" r:id="rId1"/>
   </p:sldMasterIdLst>
   <p:notesMasterIdLst>
-    <p:notesMasterId r:id="rId13"/>
+    <p:notesMasterId r:id="rId15"/>
   </p:notesMasterIdLst>
   <p:sldIdLst>
     <p:sldId id="270" r:id="rId2"/>
@@ -14,11 +14,13 @@
     <p:sldId id="260" r:id="rId5"/>
     <p:sldId id="261" r:id="rId6"/>
     <p:sldId id="273" r:id="rId7"/>
-    <p:sldId id="275" r:id="rId8"/>
-    <p:sldId id="259" r:id="rId9"/>
-    <p:sldId id="265" r:id="rId10"/>
-    <p:sldId id="276" r:id="rId11"/>
-    <p:sldId id="274" r:id="rId12"/>
+    <p:sldId id="278" r:id="rId8"/>
+    <p:sldId id="274" r:id="rId9"/>
+    <p:sldId id="277" r:id="rId10"/>
+    <p:sldId id="275" r:id="rId11"/>
+    <p:sldId id="259" r:id="rId12"/>
+    <p:sldId id="265" r:id="rId13"/>
+    <p:sldId id="276" r:id="rId14"/>
   </p:sldIdLst>
   <p:sldSz cx="9144000" cy="6858000" type="screen4x3"/>
   <p:notesSz cx="6858000" cy="9144000"/>
@@ -600,7 +602,7 @@
           <a:p>
             <a:fld id="{9D828324-DCC9-430F-AD2C-1DD1805E2C40}" type="slidenum">
               <a:rPr kumimoji="1" lang="ja-JP" altLang="en-US" smtClean="0"/>
-              <a:t>8</a:t>
+              <a:t>11</a:t>
             </a:fld>
             <a:endParaRPr kumimoji="1" lang="ja-JP" altLang="en-US"/>
           </a:p>
@@ -3920,88 +3922,6 @@
       </p:grpSpPr>
       <p:sp>
         <p:nvSpPr>
-          <p:cNvPr id="2" name="タイトル 1"/>
-          <p:cNvSpPr>
-            <a:spLocks noGrp="1"/>
-          </p:cNvSpPr>
-          <p:nvPr>
-            <p:ph type="title"/>
-          </p:nvPr>
-        </p:nvSpPr>
-        <p:spPr>
-          <a:xfrm>
-            <a:off x="628650" y="365126"/>
-            <a:ext cx="7886700" cy="740105"/>
-          </a:xfrm>
-        </p:spPr>
-        <p:txBody>
-          <a:bodyPr/>
-          <a:lstStyle/>
-          <a:p>
-            <a:r>
-              <a:rPr kumimoji="1" lang="en-US" altLang="ja-JP" dirty="0" smtClean="0"/>
-              <a:t>Categorize.py</a:t>
-            </a:r>
-            <a:endParaRPr kumimoji="1" lang="ja-JP" altLang="en-US" dirty="0"/>
-          </a:p>
-        </p:txBody>
-      </p:sp>
-      <p:sp>
-        <p:nvSpPr>
-          <p:cNvPr id="3" name="コンテンツ プレースホルダー 2"/>
-          <p:cNvSpPr>
-            <a:spLocks noGrp="1"/>
-          </p:cNvSpPr>
-          <p:nvPr>
-            <p:ph idx="1"/>
-          </p:nvPr>
-        </p:nvSpPr>
-        <p:spPr>
-          <a:xfrm>
-            <a:off x="628650" y="1200647"/>
-            <a:ext cx="7886700" cy="4976316"/>
-          </a:xfrm>
-        </p:spPr>
-        <p:txBody>
-          <a:bodyPr/>
-          <a:lstStyle/>
-          <a:p>
-            <a:pPr marL="0" indent="0">
-              <a:buNone/>
-            </a:pPr>
-            <a:r>
-              <a:rPr kumimoji="1" lang="en-US" altLang="ja-JP" dirty="0" smtClean="0"/>
-              <a:t>FMA_SMALL</a:t>
-            </a:r>
-            <a:r>
-              <a:rPr kumimoji="1" lang="ja-JP" altLang="en-US" dirty="0" smtClean="0"/>
-              <a:t>というデータセットの一部を使用し</a:t>
-            </a:r>
-            <a:endParaRPr kumimoji="1" lang="en-US" altLang="ja-JP" dirty="0" smtClean="0"/>
-          </a:p>
-          <a:p>
-            <a:pPr marL="0" indent="0">
-              <a:buNone/>
-            </a:pPr>
-            <a:r>
-              <a:rPr kumimoji="1" lang="ja-JP" altLang="en-US" dirty="0" smtClean="0"/>
-              <a:t>音楽ジャンル分類をするモデルの作成・学習・評価をするプログラム</a:t>
-            </a:r>
-            <a:r>
-              <a:rPr kumimoji="1" lang="en-US" altLang="ja-JP" dirty="0" smtClean="0"/>
-              <a:t>.</a:t>
-            </a:r>
-          </a:p>
-          <a:p>
-            <a:pPr marL="0" indent="0">
-              <a:buNone/>
-            </a:pPr>
-            <a:endParaRPr kumimoji="1" lang="ja-JP" altLang="en-US" dirty="0"/>
-          </a:p>
-        </p:txBody>
-      </p:sp>
-      <p:sp>
-        <p:nvSpPr>
           <p:cNvPr id="4" name="スライド番号プレースホルダー 3"/>
           <p:cNvSpPr>
             <a:spLocks noGrp="1"/>
@@ -4019,2415 +3939,6 @@
               <a:rPr lang="ja-JP" altLang="en-US" smtClean="0"/>
               <a:pPr/>
               <a:t>10</a:t>
-            </a:fld>
-            <a:endParaRPr lang="ja-JP" altLang="en-US" dirty="0"/>
-          </a:p>
-        </p:txBody>
-      </p:sp>
-      <p:pic>
-        <p:nvPicPr>
-          <p:cNvPr id="5" name="図 4"/>
-          <p:cNvPicPr>
-            <a:picLocks noChangeAspect="1"/>
-          </p:cNvPicPr>
-          <p:nvPr/>
-        </p:nvPicPr>
-        <p:blipFill rotWithShape="1">
-          <a:blip r:embed="rId2"/>
-          <a:srcRect t="12508"/>
-          <a:stretch/>
-        </p:blipFill>
-        <p:spPr>
-          <a:xfrm>
-            <a:off x="628650" y="2697493"/>
-            <a:ext cx="7163628" cy="3569163"/>
-          </a:xfrm>
-          <a:prstGeom prst="rect">
-            <a:avLst/>
-          </a:prstGeom>
-        </p:spPr>
-      </p:pic>
-    </p:spTree>
-    <p:extLst>
-      <p:ext uri="{BB962C8B-B14F-4D97-AF65-F5344CB8AC3E}">
-        <p14:creationId xmlns:p14="http://schemas.microsoft.com/office/powerpoint/2010/main" val="1777437307"/>
-      </p:ext>
-    </p:extLst>
-  </p:cSld>
-  <p:clrMapOvr>
-    <a:masterClrMapping/>
-  </p:clrMapOvr>
-  <p:timing>
-    <p:tnLst>
-      <p:par>
-        <p:cTn id="1" dur="indefinite" restart="never" nodeType="tmRoot"/>
-      </p:par>
-    </p:tnLst>
-  </p:timing>
-</p:sld>
-</file>
-
-<file path=ppt/slides/slide11.xml><?xml version="1.0" encoding="utf-8"?>
-<p:sld xmlns:a="http://schemas.openxmlformats.org/drawingml/2006/main" xmlns:r="http://schemas.openxmlformats.org/officeDocument/2006/relationships" xmlns:p="http://schemas.openxmlformats.org/presentationml/2006/main">
-  <p:cSld>
-    <p:spTree>
-      <p:nvGrpSpPr>
-        <p:cNvPr id="1" name=""/>
-        <p:cNvGrpSpPr/>
-        <p:nvPr/>
-      </p:nvGrpSpPr>
-      <p:grpSpPr>
-        <a:xfrm>
-          <a:off x="0" y="0"/>
-          <a:ext cx="0" cy="0"/>
-          <a:chOff x="0" y="0"/>
-          <a:chExt cx="0" cy="0"/>
-        </a:xfrm>
-      </p:grpSpPr>
-      <p:sp>
-        <p:nvSpPr>
-          <p:cNvPr id="2" name="タイトル 1"/>
-          <p:cNvSpPr>
-            <a:spLocks noGrp="1"/>
-          </p:cNvSpPr>
-          <p:nvPr>
-            <p:ph type="title"/>
-          </p:nvPr>
-        </p:nvSpPr>
-        <p:spPr/>
-        <p:txBody>
-          <a:bodyPr/>
-          <a:lstStyle/>
-          <a:p>
-            <a:r>
-              <a:rPr kumimoji="1" lang="en-US" altLang="ja-JP" dirty="0" err="1" smtClean="0"/>
-              <a:t>LibROSA</a:t>
-            </a:r>
-            <a:endParaRPr kumimoji="1" lang="ja-JP" altLang="en-US" dirty="0"/>
-          </a:p>
-        </p:txBody>
-      </p:sp>
-      <p:sp>
-        <p:nvSpPr>
-          <p:cNvPr id="3" name="コンテンツ プレースホルダー 2"/>
-          <p:cNvSpPr>
-            <a:spLocks noGrp="1"/>
-          </p:cNvSpPr>
-          <p:nvPr>
-            <p:ph idx="1"/>
-          </p:nvPr>
-        </p:nvSpPr>
-        <p:spPr/>
-        <p:txBody>
-          <a:bodyPr/>
-          <a:lstStyle/>
-          <a:p>
-            <a:pPr marL="0" indent="0">
-              <a:buNone/>
-            </a:pPr>
-            <a:r>
-              <a:rPr kumimoji="1" lang="ja-JP" altLang="en-US" dirty="0" smtClean="0"/>
-              <a:t>上記二つのプログラムで使用したパッケージ</a:t>
-            </a:r>
-            <a:endParaRPr kumimoji="1" lang="en-US" altLang="ja-JP" dirty="0" smtClean="0"/>
-          </a:p>
-          <a:p>
-            <a:pPr marL="0" indent="0">
-              <a:buNone/>
-            </a:pPr>
-            <a:endParaRPr lang="en-US" altLang="ja-JP" dirty="0"/>
-          </a:p>
-          <a:p>
-            <a:pPr marL="0" indent="0">
-              <a:buNone/>
-            </a:pPr>
-            <a:r>
-              <a:rPr lang="ja-JP" altLang="en-US" dirty="0" smtClean="0"/>
-              <a:t>音楽</a:t>
-            </a:r>
-            <a:r>
-              <a:rPr lang="ja-JP" altLang="en-US" dirty="0"/>
-              <a:t>と音声の解析のため</a:t>
-            </a:r>
-            <a:r>
-              <a:rPr lang="ja-JP" altLang="en-US" dirty="0" smtClean="0"/>
-              <a:t>の</a:t>
-            </a:r>
-            <a:r>
-              <a:rPr lang="en-US" altLang="ja-JP" dirty="0" smtClean="0"/>
-              <a:t>python</a:t>
-            </a:r>
-            <a:r>
-              <a:rPr lang="ja-JP" altLang="en-US" dirty="0" smtClean="0"/>
-              <a:t>パッケージ</a:t>
-            </a:r>
-            <a:endParaRPr lang="en-US" altLang="ja-JP" dirty="0" smtClean="0"/>
-          </a:p>
-          <a:p>
-            <a:pPr marL="0" indent="0">
-              <a:buNone/>
-            </a:pPr>
-            <a:endParaRPr kumimoji="1" lang="en-US" altLang="ja-JP" dirty="0"/>
-          </a:p>
-          <a:p>
-            <a:pPr marL="0" indent="0">
-              <a:buNone/>
-            </a:pPr>
-            <a:r>
-              <a:rPr lang="ja-JP" altLang="en-US" dirty="0" smtClean="0"/>
-              <a:t>スペクトル解析、テンポの分析、画像出力など、音楽の分析に必要な機能があらかじめ実装されている。</a:t>
-            </a:r>
-            <a:endParaRPr kumimoji="1" lang="ja-JP" altLang="en-US" dirty="0"/>
-          </a:p>
-        </p:txBody>
-      </p:sp>
-      <p:sp>
-        <p:nvSpPr>
-          <p:cNvPr id="4" name="スライド番号プレースホルダー 3"/>
-          <p:cNvSpPr>
-            <a:spLocks noGrp="1"/>
-          </p:cNvSpPr>
-          <p:nvPr>
-            <p:ph type="sldNum" sz="quarter" idx="12"/>
-          </p:nvPr>
-        </p:nvSpPr>
-        <p:spPr/>
-        <p:txBody>
-          <a:bodyPr/>
-          <a:lstStyle/>
-          <a:p>
-            <a:fld id="{B4451160-128F-4DAD-AE29-4A8CC0E7B9E9}" type="slidenum">
-              <a:rPr lang="ja-JP" altLang="en-US" smtClean="0"/>
-              <a:pPr/>
-              <a:t>11</a:t>
-            </a:fld>
-            <a:endParaRPr lang="ja-JP" altLang="en-US" dirty="0"/>
-          </a:p>
-        </p:txBody>
-      </p:sp>
-    </p:spTree>
-    <p:extLst>
-      <p:ext uri="{BB962C8B-B14F-4D97-AF65-F5344CB8AC3E}">
-        <p14:creationId xmlns:p14="http://schemas.microsoft.com/office/powerpoint/2010/main" val="2966181659"/>
-      </p:ext>
-    </p:extLst>
-  </p:cSld>
-  <p:clrMapOvr>
-    <a:masterClrMapping/>
-  </p:clrMapOvr>
-  <p:timing>
-    <p:tnLst>
-      <p:par>
-        <p:cTn id="1" dur="indefinite" restart="never" nodeType="tmRoot"/>
-      </p:par>
-    </p:tnLst>
-  </p:timing>
-</p:sld>
-</file>
-
-<file path=ppt/slides/slide2.xml><?xml version="1.0" encoding="utf-8"?>
-<p:sld xmlns:a="http://schemas.openxmlformats.org/drawingml/2006/main" xmlns:r="http://schemas.openxmlformats.org/officeDocument/2006/relationships" xmlns:p="http://schemas.openxmlformats.org/presentationml/2006/main">
-  <p:cSld>
-    <p:bg>
-      <p:bgPr>
-        <a:solidFill>
-          <a:schemeClr val="bg1"/>
-        </a:solidFill>
-        <a:effectLst/>
-      </p:bgPr>
-    </p:bg>
-    <p:spTree>
-      <p:nvGrpSpPr>
-        <p:cNvPr id="1" name=""/>
-        <p:cNvGrpSpPr/>
-        <p:nvPr/>
-      </p:nvGrpSpPr>
-      <p:grpSpPr>
-        <a:xfrm>
-          <a:off x="0" y="0"/>
-          <a:ext cx="0" cy="0"/>
-          <a:chOff x="0" y="0"/>
-          <a:chExt cx="0" cy="0"/>
-        </a:xfrm>
-      </p:grpSpPr>
-      <p:sp>
-        <p:nvSpPr>
-          <p:cNvPr id="2" name="タイトル 1"/>
-          <p:cNvSpPr>
-            <a:spLocks noGrp="1"/>
-          </p:cNvSpPr>
-          <p:nvPr>
-            <p:ph type="title"/>
-          </p:nvPr>
-        </p:nvSpPr>
-        <p:spPr>
-          <a:xfrm>
-            <a:off x="386784" y="206825"/>
-            <a:ext cx="7886700" cy="1325563"/>
-          </a:xfrm>
-        </p:spPr>
-        <p:txBody>
-          <a:bodyPr/>
-          <a:lstStyle/>
-          <a:p>
-            <a:r>
-              <a:rPr kumimoji="1" lang="ja-JP" altLang="en-US" dirty="0"/>
-              <a:t>研究背景</a:t>
-            </a:r>
-          </a:p>
-        </p:txBody>
-      </p:sp>
-      <p:sp>
-        <p:nvSpPr>
-          <p:cNvPr id="3" name="コンテンツ プレースホルダー 2"/>
-          <p:cNvSpPr>
-            <a:spLocks noGrp="1"/>
-          </p:cNvSpPr>
-          <p:nvPr>
-            <p:ph idx="1"/>
-          </p:nvPr>
-        </p:nvSpPr>
-        <p:spPr>
-          <a:xfrm>
-            <a:off x="294198" y="1532388"/>
-            <a:ext cx="8221152" cy="3810073"/>
-          </a:xfrm>
-        </p:spPr>
-        <p:txBody>
-          <a:bodyPr>
-            <a:normAutofit fontScale="92500" lnSpcReduction="20000"/>
-          </a:bodyPr>
-          <a:lstStyle/>
-          <a:p>
-            <a:pPr algn="just">
-              <a:lnSpc>
-                <a:spcPct val="120000"/>
-              </a:lnSpc>
-            </a:pPr>
-            <a:r>
-              <a:rPr lang="ja-JP" altLang="en-US" dirty="0"/>
-              <a:t>コンピューター</a:t>
-            </a:r>
-            <a:r>
-              <a:rPr lang="ja-JP" altLang="en-US" dirty="0" smtClean="0"/>
-              <a:t>やインターネットの発達で誰でも</a:t>
-            </a:r>
-            <a:r>
-              <a:rPr lang="ja-JP" altLang="en-US" dirty="0"/>
-              <a:t>音楽</a:t>
-            </a:r>
-            <a:r>
-              <a:rPr lang="ja-JP" altLang="en-US" dirty="0" smtClean="0"/>
-              <a:t>を</a:t>
-            </a:r>
-            <a:r>
-              <a:rPr lang="ja-JP" altLang="en-US" dirty="0"/>
-              <a:t>投稿</a:t>
-            </a:r>
-            <a:r>
-              <a:rPr lang="ja-JP" altLang="en-US" dirty="0" smtClean="0"/>
-              <a:t>する</a:t>
-            </a:r>
-            <a:r>
-              <a:rPr lang="ja-JP" altLang="en-US" dirty="0"/>
-              <a:t>ことが可能になっている．その</a:t>
-            </a:r>
-            <a:r>
-              <a:rPr lang="ja-JP" altLang="en-US" dirty="0" smtClean="0"/>
-              <a:t>ためソーシャルネットワーキングサービス</a:t>
-            </a:r>
-            <a:r>
-              <a:rPr lang="en-US" altLang="ja-JP" dirty="0" smtClean="0"/>
-              <a:t>(SNS)</a:t>
-            </a:r>
-            <a:r>
-              <a:rPr lang="ja-JP" altLang="en-US" dirty="0" smtClean="0"/>
-              <a:t>など</a:t>
-            </a:r>
-            <a:r>
-              <a:rPr lang="ja-JP" altLang="en-US" dirty="0"/>
-              <a:t>に投稿される楽曲が大量になってきた．</a:t>
-            </a:r>
-            <a:endParaRPr lang="en-US" altLang="ja-JP" dirty="0"/>
-          </a:p>
-          <a:p>
-            <a:pPr algn="just">
-              <a:lnSpc>
-                <a:spcPct val="120000"/>
-              </a:lnSpc>
-            </a:pPr>
-            <a:r>
-              <a:rPr lang="ja-JP" altLang="en-US" dirty="0"/>
-              <a:t>同様に，動画共有を目的とした</a:t>
-            </a:r>
-            <a:r>
-              <a:rPr lang="en-US" altLang="ja-JP" dirty="0"/>
-              <a:t>SNS</a:t>
-            </a:r>
-            <a:r>
-              <a:rPr lang="ja-JP" altLang="en-US" dirty="0"/>
-              <a:t>が普及している．</a:t>
-            </a:r>
-            <a:endParaRPr lang="en-US" altLang="ja-JP" dirty="0"/>
-          </a:p>
-          <a:p>
-            <a:pPr algn="just">
-              <a:lnSpc>
-                <a:spcPct val="120000"/>
-              </a:lnSpc>
-            </a:pPr>
-            <a:r>
-              <a:rPr lang="ja-JP" altLang="en-US" dirty="0"/>
-              <a:t>これらの楽曲コンテンツや動画コンテンツを統合して，付加価値の高い新しいコンテンツを生成できると考えられる．</a:t>
-            </a:r>
-            <a:endParaRPr lang="en-US" altLang="ja-JP" dirty="0"/>
-          </a:p>
-          <a:p>
-            <a:pPr marL="0" indent="0">
-              <a:lnSpc>
-                <a:spcPct val="120000"/>
-              </a:lnSpc>
-              <a:buNone/>
-            </a:pPr>
-            <a:endParaRPr lang="en-US" altLang="ja-JP" dirty="0"/>
-          </a:p>
-          <a:p>
-            <a:pPr marL="0" indent="0">
-              <a:lnSpc>
-                <a:spcPct val="120000"/>
-              </a:lnSpc>
-              <a:buNone/>
-            </a:pPr>
-            <a:endParaRPr lang="en-US" altLang="ja-JP" dirty="0"/>
-          </a:p>
-          <a:p>
-            <a:pPr marL="0" indent="0">
-              <a:lnSpc>
-                <a:spcPct val="120000"/>
-              </a:lnSpc>
-              <a:buNone/>
-            </a:pPr>
-            <a:endParaRPr lang="en-US" altLang="ja-JP" dirty="0"/>
-          </a:p>
-          <a:p>
-            <a:pPr marL="0" indent="0">
-              <a:lnSpc>
-                <a:spcPct val="120000"/>
-              </a:lnSpc>
-              <a:buNone/>
-            </a:pPr>
-            <a:endParaRPr kumimoji="1" lang="en-US" altLang="ja-JP" dirty="0"/>
-          </a:p>
-          <a:p>
-            <a:pPr marL="0" indent="0">
-              <a:lnSpc>
-                <a:spcPct val="120000"/>
-              </a:lnSpc>
-              <a:buNone/>
-            </a:pPr>
-            <a:endParaRPr lang="en-US" altLang="ja-JP" dirty="0"/>
-          </a:p>
-        </p:txBody>
-      </p:sp>
-      <p:sp>
-        <p:nvSpPr>
-          <p:cNvPr id="4" name="スライド番号プレースホルダー 3"/>
-          <p:cNvSpPr>
-            <a:spLocks noGrp="1"/>
-          </p:cNvSpPr>
-          <p:nvPr>
-            <p:ph type="sldNum" sz="quarter" idx="12"/>
-          </p:nvPr>
-        </p:nvSpPr>
-        <p:spPr/>
-        <p:txBody>
-          <a:bodyPr/>
-          <a:lstStyle/>
-          <a:p>
-            <a:fld id="{B4451160-128F-4DAD-AE29-4A8CC0E7B9E9}" type="slidenum">
-              <a:rPr kumimoji="1" lang="ja-JP" altLang="en-US" smtClean="0"/>
-              <a:t>2</a:t>
-            </a:fld>
-            <a:endParaRPr kumimoji="1" lang="ja-JP" altLang="en-US" dirty="0"/>
-          </a:p>
-        </p:txBody>
-      </p:sp>
-      <p:pic>
-        <p:nvPicPr>
-          <p:cNvPr id="32" name="図 31"/>
-          <p:cNvPicPr>
-            <a:picLocks noChangeAspect="1"/>
-          </p:cNvPicPr>
-          <p:nvPr/>
-        </p:nvPicPr>
-        <p:blipFill>
-          <a:blip r:embed="rId2">
-            <a:extLst>
-              <a:ext uri="{28A0092B-C50C-407E-A947-70E740481C1C}">
-                <a14:useLocalDpi xmlns:a14="http://schemas.microsoft.com/office/drawing/2010/main" val="0"/>
-              </a:ext>
-            </a:extLst>
-          </a:blip>
-          <a:stretch>
-            <a:fillRect/>
-          </a:stretch>
-        </p:blipFill>
-        <p:spPr>
-          <a:xfrm>
-            <a:off x="1016235" y="5384739"/>
-            <a:ext cx="1004950" cy="1250842"/>
-          </a:xfrm>
-          <a:prstGeom prst="rect">
-            <a:avLst/>
-          </a:prstGeom>
-        </p:spPr>
-      </p:pic>
-      <p:sp>
-        <p:nvSpPr>
-          <p:cNvPr id="34" name="テキスト ボックス 33"/>
-          <p:cNvSpPr txBox="1"/>
-          <p:nvPr/>
-        </p:nvSpPr>
-        <p:spPr>
-          <a:xfrm>
-            <a:off x="2433474" y="5670353"/>
-            <a:ext cx="691763" cy="646331"/>
-          </a:xfrm>
-          <a:prstGeom prst="rect">
-            <a:avLst/>
-          </a:prstGeom>
-          <a:noFill/>
-        </p:spPr>
-        <p:txBody>
-          <a:bodyPr wrap="square" rtlCol="0">
-            <a:spAutoFit/>
-          </a:bodyPr>
-          <a:lstStyle/>
-          <a:p>
-            <a:r>
-              <a:rPr kumimoji="1" lang="ja-JP" altLang="en-US" sz="3600" dirty="0" smtClean="0"/>
-              <a:t>＋</a:t>
-            </a:r>
-            <a:endParaRPr kumimoji="1" lang="ja-JP" altLang="en-US" sz="3600" dirty="0"/>
-          </a:p>
-        </p:txBody>
-      </p:sp>
-      <p:pic>
-        <p:nvPicPr>
-          <p:cNvPr id="35" name="図 34"/>
-          <p:cNvPicPr>
-            <a:picLocks noChangeAspect="1"/>
-          </p:cNvPicPr>
-          <p:nvPr/>
-        </p:nvPicPr>
-        <p:blipFill>
-          <a:blip r:embed="rId3" cstate="print">
-            <a:extLst>
-              <a:ext uri="{28A0092B-C50C-407E-A947-70E740481C1C}">
-                <a14:useLocalDpi xmlns:a14="http://schemas.microsoft.com/office/drawing/2010/main" val="0"/>
-              </a:ext>
-            </a:extLst>
-          </a:blip>
-          <a:stretch>
-            <a:fillRect/>
-          </a:stretch>
-        </p:blipFill>
-        <p:spPr>
-          <a:xfrm>
-            <a:off x="3172638" y="5370657"/>
-            <a:ext cx="1485044" cy="1113783"/>
-          </a:xfrm>
-          <a:prstGeom prst="rect">
-            <a:avLst/>
-          </a:prstGeom>
-        </p:spPr>
-      </p:pic>
-      <p:sp>
-        <p:nvSpPr>
-          <p:cNvPr id="36" name="テキスト ボックス 35"/>
-          <p:cNvSpPr txBox="1"/>
-          <p:nvPr/>
-        </p:nvSpPr>
-        <p:spPr>
-          <a:xfrm>
-            <a:off x="3590257" y="6484440"/>
-            <a:ext cx="868942" cy="369332"/>
-          </a:xfrm>
-          <a:prstGeom prst="rect">
-            <a:avLst/>
-          </a:prstGeom>
-          <a:noFill/>
-        </p:spPr>
-        <p:txBody>
-          <a:bodyPr wrap="square" rtlCol="0">
-            <a:spAutoFit/>
-          </a:bodyPr>
-          <a:lstStyle/>
-          <a:p>
-            <a:r>
-              <a:rPr kumimoji="1" lang="ja-JP" altLang="en-US" dirty="0" smtClean="0"/>
-              <a:t>動画</a:t>
-            </a:r>
-            <a:endParaRPr kumimoji="1" lang="ja-JP" altLang="en-US" dirty="0"/>
-          </a:p>
-        </p:txBody>
-      </p:sp>
-      <p:pic>
-        <p:nvPicPr>
-          <p:cNvPr id="37" name="図 36"/>
-          <p:cNvPicPr>
-            <a:picLocks noChangeAspect="1"/>
-          </p:cNvPicPr>
-          <p:nvPr/>
-        </p:nvPicPr>
-        <p:blipFill>
-          <a:blip r:embed="rId3" cstate="print">
-            <a:extLst>
-              <a:ext uri="{28A0092B-C50C-407E-A947-70E740481C1C}">
-                <a14:useLocalDpi xmlns:a14="http://schemas.microsoft.com/office/drawing/2010/main" val="0"/>
-              </a:ext>
-            </a:extLst>
-          </a:blip>
-          <a:stretch>
-            <a:fillRect/>
-          </a:stretch>
-        </p:blipFill>
-        <p:spPr>
-          <a:xfrm>
-            <a:off x="6367205" y="5342461"/>
-            <a:ext cx="1485044" cy="1113783"/>
-          </a:xfrm>
-          <a:prstGeom prst="rect">
-            <a:avLst/>
-          </a:prstGeom>
-        </p:spPr>
-      </p:pic>
-      <p:pic>
-        <p:nvPicPr>
-          <p:cNvPr id="38" name="図 37"/>
-          <p:cNvPicPr>
-            <a:picLocks noChangeAspect="1"/>
-          </p:cNvPicPr>
-          <p:nvPr/>
-        </p:nvPicPr>
-        <p:blipFill>
-          <a:blip r:embed="rId4">
-            <a:extLst>
-              <a:ext uri="{BEBA8EAE-BF5A-486C-A8C5-ECC9F3942E4B}">
-                <a14:imgProps xmlns:a14="http://schemas.microsoft.com/office/drawing/2010/main">
-                  <a14:imgLayer r:embed="rId5">
-                    <a14:imgEffect>
-                      <a14:sharpenSoften amount="-50000"/>
-                    </a14:imgEffect>
-                  </a14:imgLayer>
-                </a14:imgProps>
-              </a:ext>
-              <a:ext uri="{28A0092B-C50C-407E-A947-70E740481C1C}">
-                <a14:useLocalDpi xmlns:a14="http://schemas.microsoft.com/office/drawing/2010/main" val="0"/>
-              </a:ext>
-            </a:extLst>
-          </a:blip>
-          <a:stretch>
-            <a:fillRect/>
-          </a:stretch>
-        </p:blipFill>
-        <p:spPr>
-          <a:xfrm>
-            <a:off x="6013690" y="5814294"/>
-            <a:ext cx="554560" cy="690250"/>
-          </a:xfrm>
-          <a:prstGeom prst="rect">
-            <a:avLst/>
-          </a:prstGeom>
-          <a:blipFill dpi="0" rotWithShape="1">
-            <a:blip r:embed="rId6"/>
-            <a:srcRect/>
-            <a:stretch>
-              <a:fillRect/>
-            </a:stretch>
-          </a:blipFill>
-          <a:effectLst>
-            <a:glow rad="127000">
-              <a:schemeClr val="accent1">
-                <a:alpha val="0"/>
-              </a:schemeClr>
-            </a:glow>
-            <a:outerShdw blurRad="50800" dist="50800" dir="5400000" algn="ctr" rotWithShape="0">
-              <a:srgbClr val="000000">
-                <a:alpha val="0"/>
-              </a:srgbClr>
-            </a:outerShdw>
-            <a:reflection stA="0" endPos="65000" dist="50800" dir="5400000" sy="-100000" algn="bl" rotWithShape="0"/>
-          </a:effectLst>
-        </p:spPr>
-      </p:pic>
-      <p:sp>
-        <p:nvSpPr>
-          <p:cNvPr id="39" name="テキスト ボックス 38"/>
-          <p:cNvSpPr txBox="1"/>
-          <p:nvPr/>
-        </p:nvSpPr>
-        <p:spPr>
-          <a:xfrm>
-            <a:off x="6162261" y="6508764"/>
-            <a:ext cx="1960480" cy="369332"/>
-          </a:xfrm>
-          <a:prstGeom prst="rect">
-            <a:avLst/>
-          </a:prstGeom>
-          <a:noFill/>
-        </p:spPr>
-        <p:txBody>
-          <a:bodyPr wrap="square" rtlCol="0">
-            <a:spAutoFit/>
-          </a:bodyPr>
-          <a:lstStyle/>
-          <a:p>
-            <a:r>
-              <a:rPr kumimoji="1" lang="ja-JP" altLang="en-US" dirty="0" smtClean="0"/>
-              <a:t>音楽付きの動画</a:t>
-            </a:r>
-            <a:endParaRPr kumimoji="1" lang="ja-JP" altLang="en-US" dirty="0"/>
-          </a:p>
-        </p:txBody>
-      </p:sp>
-      <p:sp>
-        <p:nvSpPr>
-          <p:cNvPr id="5" name="右矢印 4"/>
-          <p:cNvSpPr/>
-          <p:nvPr/>
-        </p:nvSpPr>
-        <p:spPr>
-          <a:xfrm>
-            <a:off x="4937760" y="5670353"/>
-            <a:ext cx="1043562" cy="685998"/>
-          </a:xfrm>
-          <a:prstGeom prst="rightArrow">
-            <a:avLst/>
-          </a:prstGeom>
-        </p:spPr>
-        <p:style>
-          <a:lnRef idx="2">
-            <a:schemeClr val="accent1">
-              <a:shade val="50000"/>
-            </a:schemeClr>
-          </a:lnRef>
-          <a:fillRef idx="1">
-            <a:schemeClr val="accent1"/>
-          </a:fillRef>
-          <a:effectRef idx="0">
-            <a:schemeClr val="accent1"/>
-          </a:effectRef>
-          <a:fontRef idx="minor">
-            <a:schemeClr val="lt1"/>
-          </a:fontRef>
-        </p:style>
-        <p:txBody>
-          <a:bodyPr rtlCol="0" anchor="ctr"/>
-          <a:lstStyle/>
-          <a:p>
-            <a:pPr algn="ctr"/>
-            <a:endParaRPr kumimoji="1" lang="ja-JP" altLang="en-US"/>
-          </a:p>
-        </p:txBody>
-      </p:sp>
-    </p:spTree>
-    <p:extLst>
-      <p:ext uri="{BB962C8B-B14F-4D97-AF65-F5344CB8AC3E}">
-        <p14:creationId xmlns:p14="http://schemas.microsoft.com/office/powerpoint/2010/main" val="2751752632"/>
-      </p:ext>
-    </p:extLst>
-  </p:cSld>
-  <p:clrMapOvr>
-    <a:masterClrMapping/>
-  </p:clrMapOvr>
-  <p:timing>
-    <p:tnLst>
-      <p:par>
-        <p:cTn id="1" dur="indefinite" restart="never" nodeType="tmRoot"/>
-      </p:par>
-    </p:tnLst>
-  </p:timing>
-</p:sld>
-</file>
-
-<file path=ppt/slides/slide3.xml><?xml version="1.0" encoding="utf-8"?>
-<p:sld xmlns:a="http://schemas.openxmlformats.org/drawingml/2006/main" xmlns:r="http://schemas.openxmlformats.org/officeDocument/2006/relationships" xmlns:p="http://schemas.openxmlformats.org/presentationml/2006/main">
-  <p:cSld>
-    <p:spTree>
-      <p:nvGrpSpPr>
-        <p:cNvPr id="1" name=""/>
-        <p:cNvGrpSpPr/>
-        <p:nvPr/>
-      </p:nvGrpSpPr>
-      <p:grpSpPr>
-        <a:xfrm>
-          <a:off x="0" y="0"/>
-          <a:ext cx="0" cy="0"/>
-          <a:chOff x="0" y="0"/>
-          <a:chExt cx="0" cy="0"/>
-        </a:xfrm>
-      </p:grpSpPr>
-      <p:sp>
-        <p:nvSpPr>
-          <p:cNvPr id="2" name="タイトル 1"/>
-          <p:cNvSpPr>
-            <a:spLocks noGrp="1"/>
-          </p:cNvSpPr>
-          <p:nvPr>
-            <p:ph type="title"/>
-          </p:nvPr>
-        </p:nvSpPr>
-        <p:spPr/>
-        <p:txBody>
-          <a:bodyPr/>
-          <a:lstStyle/>
-          <a:p>
-            <a:r>
-              <a:rPr kumimoji="1" lang="ja-JP" altLang="en-US" dirty="0"/>
-              <a:t>関連研究</a:t>
-            </a:r>
-          </a:p>
-        </p:txBody>
-      </p:sp>
-      <p:sp>
-        <p:nvSpPr>
-          <p:cNvPr id="3" name="コンテンツ プレースホルダー 2"/>
-          <p:cNvSpPr>
-            <a:spLocks noGrp="1"/>
-          </p:cNvSpPr>
-          <p:nvPr>
-            <p:ph idx="1"/>
-          </p:nvPr>
-        </p:nvSpPr>
-        <p:spPr>
-          <a:xfrm>
-            <a:off x="628650" y="1399430"/>
-            <a:ext cx="7886700" cy="5128591"/>
-          </a:xfrm>
-        </p:spPr>
-        <p:txBody>
-          <a:bodyPr>
-            <a:normAutofit fontScale="92500"/>
-          </a:bodyPr>
-          <a:lstStyle/>
-          <a:p>
-            <a:r>
-              <a:rPr lang="ja-JP" altLang="en-US" u="sng" dirty="0">
-                <a:latin typeface="+mn-ea"/>
-              </a:rPr>
-              <a:t>動画の</a:t>
-            </a:r>
-            <a:r>
-              <a:rPr lang="ja-JP" altLang="en-US" u="sng" dirty="0" smtClean="0">
-                <a:latin typeface="+mn-ea"/>
-              </a:rPr>
-              <a:t>印象評価データセット</a:t>
-            </a:r>
-            <a:r>
-              <a:rPr lang="ja-JP" altLang="en-US" u="sng" dirty="0">
-                <a:latin typeface="+mn-ea"/>
-              </a:rPr>
-              <a:t>構築とその特性の調査</a:t>
-            </a:r>
-            <a:endParaRPr lang="en-US" altLang="ja-JP" u="sng" dirty="0">
-              <a:latin typeface="+mn-ea"/>
-            </a:endParaRPr>
-          </a:p>
-          <a:p>
-            <a:pPr marL="0" indent="0">
-              <a:buNone/>
-            </a:pPr>
-            <a:r>
-              <a:rPr lang="en-US" altLang="ja-JP" dirty="0" smtClean="0">
-                <a:latin typeface="+mn-ea"/>
-              </a:rPr>
-              <a:t>[</a:t>
-            </a:r>
-            <a:r>
-              <a:rPr lang="en-US" altLang="ja-JP" dirty="0">
-                <a:latin typeface="+mn-ea"/>
-              </a:rPr>
-              <a:t>2015 </a:t>
-            </a:r>
-            <a:r>
-              <a:rPr lang="ja-JP" altLang="en-US" dirty="0">
-                <a:latin typeface="+mn-ea"/>
-              </a:rPr>
-              <a:t>大野</a:t>
-            </a:r>
-            <a:r>
-              <a:rPr lang="en-US" altLang="ja-JP" dirty="0">
-                <a:latin typeface="+mn-ea"/>
-              </a:rPr>
-              <a:t>]</a:t>
-            </a:r>
-            <a:r>
-              <a:rPr lang="ja-JP" altLang="en-US" dirty="0">
-                <a:latin typeface="+mn-ea"/>
-              </a:rPr>
-              <a:t>大野直樹，中村聡史，山本岳洋</a:t>
-            </a:r>
-            <a:r>
-              <a:rPr lang="ja-JP" altLang="en-US" dirty="0" smtClean="0">
-                <a:latin typeface="+mn-ea"/>
-              </a:rPr>
-              <a:t>，後藤</a:t>
-            </a:r>
-            <a:r>
-              <a:rPr lang="ja-JP" altLang="en-US" dirty="0">
-                <a:latin typeface="+mn-ea"/>
-              </a:rPr>
-              <a:t>真孝</a:t>
-            </a:r>
-            <a:r>
-              <a:rPr lang="ja-JP" altLang="en-US" dirty="0" smtClean="0">
-                <a:latin typeface="+mn-ea"/>
-              </a:rPr>
-              <a:t>，</a:t>
-            </a:r>
-            <a:endParaRPr lang="en-US" altLang="ja-JP" dirty="0" smtClean="0">
-              <a:latin typeface="+mn-ea"/>
-            </a:endParaRPr>
-          </a:p>
-          <a:p>
-            <a:pPr marL="0" indent="0">
-              <a:buNone/>
-            </a:pPr>
-            <a:r>
-              <a:rPr kumimoji="1" lang="ja-JP" altLang="en-US" dirty="0" smtClean="0">
-                <a:latin typeface="+mn-ea"/>
-              </a:rPr>
-              <a:t>「</a:t>
-            </a:r>
-            <a:r>
-              <a:rPr kumimoji="1" lang="ja-JP" altLang="en-US" dirty="0">
-                <a:latin typeface="+mn-ea"/>
-              </a:rPr>
-              <a:t>音楽動画への印象評価データセット構築とその特性の</a:t>
-            </a:r>
-            <a:r>
-              <a:rPr kumimoji="1" lang="ja-JP" altLang="en-US" dirty="0" smtClean="0">
-                <a:latin typeface="+mn-ea"/>
-              </a:rPr>
-              <a:t>調査</a:t>
-            </a:r>
-            <a:r>
-              <a:rPr kumimoji="1" lang="ja-JP" altLang="en-US" dirty="0">
-                <a:latin typeface="+mn-ea"/>
-              </a:rPr>
-              <a:t>」</a:t>
-            </a:r>
-            <a:r>
-              <a:rPr lang="ja-JP" altLang="en-US" dirty="0">
-                <a:latin typeface="+mn-ea"/>
-              </a:rPr>
-              <a:t>，情報処理学会，</a:t>
-            </a:r>
-            <a:r>
-              <a:rPr lang="en-US" altLang="ja-JP" dirty="0">
-                <a:latin typeface="+mn-ea"/>
-              </a:rPr>
-              <a:t>2015</a:t>
-            </a:r>
-            <a:endParaRPr kumimoji="1" lang="en-US" altLang="ja-JP" dirty="0">
-              <a:latin typeface="+mn-ea"/>
-            </a:endParaRPr>
-          </a:p>
-          <a:p>
-            <a:pPr marL="0" indent="0">
-              <a:buNone/>
-            </a:pPr>
-            <a:endParaRPr kumimoji="1" lang="en-US" altLang="ja-JP" dirty="0">
-              <a:latin typeface="+mn-ea"/>
-            </a:endParaRPr>
-          </a:p>
-          <a:p>
-            <a:r>
-              <a:rPr lang="ja-JP" altLang="en-US" u="sng" dirty="0" smtClean="0">
-                <a:latin typeface="+mn-ea"/>
-              </a:rPr>
-              <a:t>動画からの印象推定</a:t>
-            </a:r>
-            <a:endParaRPr lang="en-US" altLang="ja-JP" u="sng" dirty="0">
-              <a:latin typeface="+mn-ea"/>
-            </a:endParaRPr>
-          </a:p>
-          <a:p>
-            <a:pPr marL="0" indent="0">
-              <a:buNone/>
-            </a:pPr>
-            <a:r>
-              <a:rPr lang="en-US" altLang="ja-JP" dirty="0" smtClean="0">
-                <a:latin typeface="+mn-ea"/>
-              </a:rPr>
-              <a:t>[</a:t>
-            </a:r>
-            <a:r>
-              <a:rPr lang="en-US" altLang="ja-JP" dirty="0">
-                <a:latin typeface="+mn-ea"/>
-              </a:rPr>
-              <a:t>2016 </a:t>
-            </a:r>
-            <a:r>
-              <a:rPr lang="ja-JP" altLang="en-US" dirty="0">
-                <a:latin typeface="+mn-ea"/>
-              </a:rPr>
-              <a:t>清水</a:t>
-            </a:r>
-            <a:r>
-              <a:rPr lang="en-US" altLang="ja-JP" dirty="0">
-                <a:latin typeface="+mn-ea"/>
-              </a:rPr>
-              <a:t>]</a:t>
-            </a:r>
-            <a:r>
-              <a:rPr lang="ja-JP" altLang="en-US" dirty="0">
-                <a:latin typeface="+mn-ea"/>
-              </a:rPr>
-              <a:t>清水</a:t>
-            </a:r>
-            <a:r>
-              <a:rPr lang="ja-JP" altLang="en-US" dirty="0"/>
-              <a:t>柚里奈</a:t>
-            </a:r>
-            <a:r>
-              <a:rPr lang="ja-JP" altLang="en-US" dirty="0">
-                <a:latin typeface="+mn-ea"/>
-              </a:rPr>
-              <a:t>，菅野</a:t>
-            </a:r>
-            <a:r>
-              <a:rPr lang="ja-JP" altLang="en-US" dirty="0"/>
-              <a:t>沙也</a:t>
-            </a:r>
-            <a:r>
-              <a:rPr lang="ja-JP" altLang="en-US" dirty="0">
-                <a:latin typeface="+mn-ea"/>
-              </a:rPr>
-              <a:t>，伊藤</a:t>
-            </a:r>
-            <a:r>
-              <a:rPr lang="ja-JP" altLang="en-US" dirty="0"/>
-              <a:t>貴之</a:t>
-            </a:r>
-            <a:r>
-              <a:rPr lang="en-US" altLang="ja-JP" dirty="0"/>
-              <a:t> </a:t>
-            </a:r>
-            <a:r>
-              <a:rPr lang="ja-JP" altLang="en-US" dirty="0" err="1">
-                <a:latin typeface="+mn-ea"/>
-              </a:rPr>
-              <a:t>，</a:t>
-            </a:r>
-            <a:r>
-              <a:rPr lang="ja-JP" altLang="en-US" dirty="0" smtClean="0">
-                <a:latin typeface="+mn-ea"/>
-              </a:rPr>
-              <a:t>嵯峨山</a:t>
-            </a:r>
-            <a:endParaRPr lang="en-US" altLang="ja-JP" dirty="0" smtClean="0">
-              <a:latin typeface="+mn-ea"/>
-            </a:endParaRPr>
-          </a:p>
-          <a:p>
-            <a:pPr marL="0" indent="0">
-              <a:buNone/>
-            </a:pPr>
-            <a:r>
-              <a:rPr lang="ja-JP" altLang="en-US" dirty="0" smtClean="0"/>
-              <a:t>茂樹</a:t>
-            </a:r>
-            <a:r>
-              <a:rPr lang="ja-JP" altLang="en-US" dirty="0">
-                <a:latin typeface="+mn-ea"/>
-              </a:rPr>
-              <a:t>，高塚</a:t>
-            </a:r>
-            <a:r>
-              <a:rPr lang="ja-JP" altLang="en-US" dirty="0"/>
-              <a:t>正浩</a:t>
-            </a:r>
-            <a:r>
-              <a:rPr lang="ja-JP" altLang="en-US" dirty="0">
-                <a:latin typeface="+mn-ea"/>
-              </a:rPr>
-              <a:t>，「動画特徴量からの印象推定に</a:t>
-            </a:r>
-            <a:r>
-              <a:rPr lang="ja-JP" altLang="en-US" dirty="0" smtClean="0">
-                <a:latin typeface="+mn-ea"/>
-              </a:rPr>
-              <a:t>基づく動画</a:t>
-            </a:r>
-            <a:r>
-              <a:rPr lang="en-US" altLang="ja-JP" dirty="0">
-                <a:latin typeface="+mn-ea"/>
-              </a:rPr>
-              <a:t>BGM</a:t>
-            </a:r>
-            <a:r>
-              <a:rPr lang="ja-JP" altLang="en-US" dirty="0">
-                <a:latin typeface="+mn-ea"/>
-              </a:rPr>
-              <a:t>の自動素材選出」，</a:t>
-            </a:r>
-            <a:r>
-              <a:rPr lang="en-US" altLang="ja-JP" dirty="0">
-                <a:latin typeface="+mn-ea"/>
-              </a:rPr>
-              <a:t> NICOGRAPH 2016</a:t>
-            </a:r>
-          </a:p>
-          <a:p>
-            <a:pPr marL="0" indent="0">
-              <a:buNone/>
-            </a:pPr>
-            <a:endParaRPr lang="en-US" altLang="ja-JP" dirty="0">
-              <a:latin typeface="+mn-ea"/>
-            </a:endParaRPr>
-          </a:p>
-          <a:p>
-            <a:pPr marL="0" indent="0">
-              <a:buNone/>
-            </a:pPr>
-            <a:endParaRPr kumimoji="1" lang="en-US" altLang="ja-JP" dirty="0"/>
-          </a:p>
-          <a:p>
-            <a:pPr marL="0" indent="0">
-              <a:buNone/>
-            </a:pPr>
-            <a:endParaRPr kumimoji="1" lang="ja-JP" altLang="en-US" dirty="0"/>
-          </a:p>
-        </p:txBody>
-      </p:sp>
-      <p:sp>
-        <p:nvSpPr>
-          <p:cNvPr id="4" name="スライド番号プレースホルダー 3"/>
-          <p:cNvSpPr>
-            <a:spLocks noGrp="1"/>
-          </p:cNvSpPr>
-          <p:nvPr>
-            <p:ph type="sldNum" sz="quarter" idx="12"/>
-          </p:nvPr>
-        </p:nvSpPr>
-        <p:spPr/>
-        <p:txBody>
-          <a:bodyPr/>
-          <a:lstStyle/>
-          <a:p>
-            <a:fld id="{B4451160-128F-4DAD-AE29-4A8CC0E7B9E9}" type="slidenum">
-              <a:rPr kumimoji="1" lang="ja-JP" altLang="en-US" smtClean="0"/>
-              <a:t>3</a:t>
-            </a:fld>
-            <a:endParaRPr kumimoji="1" lang="ja-JP" altLang="en-US"/>
-          </a:p>
-        </p:txBody>
-      </p:sp>
-    </p:spTree>
-    <p:extLst>
-      <p:ext uri="{BB962C8B-B14F-4D97-AF65-F5344CB8AC3E}">
-        <p14:creationId xmlns:p14="http://schemas.microsoft.com/office/powerpoint/2010/main" val="3769541672"/>
-      </p:ext>
-    </p:extLst>
-  </p:cSld>
-  <p:clrMapOvr>
-    <a:masterClrMapping/>
-  </p:clrMapOvr>
-  <p:timing>
-    <p:tnLst>
-      <p:par>
-        <p:cTn id="1" dur="indefinite" restart="never" nodeType="tmRoot"/>
-      </p:par>
-    </p:tnLst>
-  </p:timing>
-</p:sld>
-</file>
-
-<file path=ppt/slides/slide4.xml><?xml version="1.0" encoding="utf-8"?>
-<p:sld xmlns:a="http://schemas.openxmlformats.org/drawingml/2006/main" xmlns:r="http://schemas.openxmlformats.org/officeDocument/2006/relationships" xmlns:p="http://schemas.openxmlformats.org/presentationml/2006/main">
-  <p:cSld>
-    <p:spTree>
-      <p:nvGrpSpPr>
-        <p:cNvPr id="1" name=""/>
-        <p:cNvGrpSpPr/>
-        <p:nvPr/>
-      </p:nvGrpSpPr>
-      <p:grpSpPr>
-        <a:xfrm>
-          <a:off x="0" y="0"/>
-          <a:ext cx="0" cy="0"/>
-          <a:chOff x="0" y="0"/>
-          <a:chExt cx="0" cy="0"/>
-        </a:xfrm>
-      </p:grpSpPr>
-      <p:sp>
-        <p:nvSpPr>
-          <p:cNvPr id="2" name="タイトル 1"/>
-          <p:cNvSpPr>
-            <a:spLocks noGrp="1"/>
-          </p:cNvSpPr>
-          <p:nvPr>
-            <p:ph type="title"/>
-          </p:nvPr>
-        </p:nvSpPr>
-        <p:spPr/>
-        <p:txBody>
-          <a:bodyPr/>
-          <a:lstStyle/>
-          <a:p>
-            <a:r>
-              <a:rPr kumimoji="1" lang="ja-JP" altLang="en-US" dirty="0"/>
-              <a:t>研究課題</a:t>
-            </a:r>
-          </a:p>
-        </p:txBody>
-      </p:sp>
-      <p:sp>
-        <p:nvSpPr>
-          <p:cNvPr id="3" name="コンテンツ プレースホルダー 2"/>
-          <p:cNvSpPr>
-            <a:spLocks noGrp="1"/>
-          </p:cNvSpPr>
-          <p:nvPr>
-            <p:ph idx="1"/>
-          </p:nvPr>
-        </p:nvSpPr>
-        <p:spPr>
-          <a:xfrm>
-            <a:off x="628650" y="1362723"/>
-            <a:ext cx="8354290" cy="3574731"/>
-          </a:xfrm>
-        </p:spPr>
-        <p:txBody>
-          <a:bodyPr>
-            <a:normAutofit fontScale="92500" lnSpcReduction="10000"/>
-          </a:bodyPr>
-          <a:lstStyle/>
-          <a:p>
-            <a:r>
-              <a:rPr lang="ja-JP" altLang="en-US" dirty="0"/>
-              <a:t>ユーザから投稿される大量のデータを合成する場合</a:t>
-            </a:r>
-            <a:r>
-              <a:rPr lang="ja-JP" altLang="en-US" dirty="0" smtClean="0"/>
-              <a:t>，</a:t>
-            </a:r>
-            <a:r>
-              <a:rPr lang="ja-JP" altLang="en-US" dirty="0"/>
-              <a:t>処理</a:t>
-            </a:r>
-            <a:r>
-              <a:rPr lang="ja-JP" altLang="en-US" dirty="0" smtClean="0"/>
-              <a:t>速度</a:t>
-            </a:r>
-            <a:r>
-              <a:rPr lang="ja-JP" altLang="en-US" dirty="0"/>
-              <a:t>をできるだけ早くすることが，サービス向上につながる．</a:t>
-            </a:r>
-            <a:endParaRPr lang="en-US" altLang="ja-JP" dirty="0"/>
-          </a:p>
-          <a:p>
-            <a:endParaRPr lang="en-US" altLang="ja-JP" dirty="0"/>
-          </a:p>
-          <a:p>
-            <a:r>
-              <a:rPr lang="en-US" altLang="ja-JP" dirty="0"/>
-              <a:t>1</a:t>
-            </a:r>
-            <a:r>
-              <a:rPr lang="ja-JP" altLang="en-US" dirty="0"/>
-              <a:t>台のサーバーで処理する</a:t>
-            </a:r>
-            <a:r>
-              <a:rPr lang="ja-JP" altLang="en-US" dirty="0" smtClean="0"/>
-              <a:t>と処理</a:t>
-            </a:r>
-            <a:r>
-              <a:rPr lang="ja-JP" altLang="en-US" dirty="0"/>
-              <a:t>速度</a:t>
-            </a:r>
-            <a:r>
-              <a:rPr lang="ja-JP" altLang="en-US" dirty="0" smtClean="0"/>
-              <a:t>にも</a:t>
-            </a:r>
-            <a:r>
-              <a:rPr lang="ja-JP" altLang="en-US" dirty="0"/>
-              <a:t>限界が生じるため，並列で処理する仕組みが必要である．</a:t>
-            </a:r>
-            <a:endParaRPr lang="en-US" altLang="ja-JP" dirty="0"/>
-          </a:p>
-          <a:p>
-            <a:endParaRPr lang="en-US" altLang="ja-JP" dirty="0"/>
-          </a:p>
-          <a:p>
-            <a:r>
-              <a:rPr lang="ja-JP" altLang="en-US" dirty="0"/>
-              <a:t>また，楽曲と動画を合成するための方法も検討する必要がある</a:t>
-            </a:r>
-            <a:r>
-              <a:rPr lang="ja-JP" altLang="en-US" dirty="0" smtClean="0"/>
-              <a:t>．</a:t>
-            </a:r>
-            <a:r>
-              <a:rPr lang="en-US" altLang="ja-JP" dirty="0" smtClean="0"/>
-              <a:t>(</a:t>
-            </a:r>
-            <a:r>
-              <a:rPr lang="ja-JP" altLang="en-US" dirty="0" smtClean="0"/>
-              <a:t>展望に回す可能性</a:t>
-            </a:r>
-            <a:r>
-              <a:rPr lang="en-US" altLang="ja-JP" dirty="0" smtClean="0"/>
-              <a:t>)</a:t>
-            </a:r>
-            <a:endParaRPr lang="en-US" altLang="ja-JP" dirty="0"/>
-          </a:p>
-          <a:p>
-            <a:endParaRPr lang="en-US" altLang="ja-JP" dirty="0"/>
-          </a:p>
-        </p:txBody>
-      </p:sp>
-      <p:sp>
-        <p:nvSpPr>
-          <p:cNvPr id="4" name="スライド番号プレースホルダー 3"/>
-          <p:cNvSpPr>
-            <a:spLocks noGrp="1"/>
-          </p:cNvSpPr>
-          <p:nvPr>
-            <p:ph type="sldNum" sz="quarter" idx="12"/>
-          </p:nvPr>
-        </p:nvSpPr>
-        <p:spPr/>
-        <p:txBody>
-          <a:bodyPr/>
-          <a:lstStyle/>
-          <a:p>
-            <a:fld id="{B4451160-128F-4DAD-AE29-4A8CC0E7B9E9}" type="slidenum">
-              <a:rPr kumimoji="1" lang="ja-JP" altLang="en-US" smtClean="0"/>
-              <a:t>4</a:t>
-            </a:fld>
-            <a:endParaRPr kumimoji="1" lang="ja-JP" altLang="en-US"/>
-          </a:p>
-        </p:txBody>
-      </p:sp>
-      <p:grpSp>
-        <p:nvGrpSpPr>
-          <p:cNvPr id="10" name="グループ化 9"/>
-          <p:cNvGrpSpPr/>
-          <p:nvPr/>
-        </p:nvGrpSpPr>
-        <p:grpSpPr>
-          <a:xfrm>
-            <a:off x="466648" y="4830578"/>
-            <a:ext cx="8327992" cy="2024499"/>
-            <a:chOff x="466648" y="4830578"/>
-            <a:chExt cx="8327992" cy="2024499"/>
-          </a:xfrm>
-        </p:grpSpPr>
-        <p:cxnSp>
-          <p:nvCxnSpPr>
-            <p:cNvPr id="43" name="直線矢印コネクタ 42"/>
-            <p:cNvCxnSpPr>
-              <a:stCxn id="30" idx="3"/>
-              <a:endCxn id="35" idx="1"/>
-            </p:cNvCxnSpPr>
-            <p:nvPr/>
-          </p:nvCxnSpPr>
-          <p:spPr>
-            <a:xfrm>
-              <a:off x="2629715" y="5317307"/>
-              <a:ext cx="1498878" cy="886664"/>
-            </a:xfrm>
-            <a:prstGeom prst="straightConnector1">
-              <a:avLst/>
-            </a:prstGeom>
-            <a:ln>
-              <a:tailEnd type="triangle"/>
-            </a:ln>
-          </p:spPr>
-          <p:style>
-            <a:lnRef idx="1">
-              <a:schemeClr val="accent1"/>
-            </a:lnRef>
-            <a:fillRef idx="0">
-              <a:schemeClr val="accent1"/>
-            </a:fillRef>
-            <a:effectRef idx="0">
-              <a:schemeClr val="accent1"/>
-            </a:effectRef>
-            <a:fontRef idx="minor">
-              <a:schemeClr val="tx1"/>
-            </a:fontRef>
-          </p:style>
-        </p:cxnSp>
-        <p:grpSp>
-          <p:nvGrpSpPr>
-            <p:cNvPr id="5" name="グループ化 4"/>
-            <p:cNvGrpSpPr/>
-            <p:nvPr/>
-          </p:nvGrpSpPr>
-          <p:grpSpPr>
-            <a:xfrm>
-              <a:off x="466648" y="4830578"/>
-              <a:ext cx="8327992" cy="2024499"/>
-              <a:chOff x="466648" y="4802063"/>
-              <a:chExt cx="8327992" cy="2024499"/>
-            </a:xfrm>
-          </p:grpSpPr>
-          <p:sp>
-            <p:nvSpPr>
-              <p:cNvPr id="30" name="正方形/長方形 29"/>
-              <p:cNvSpPr/>
-              <p:nvPr/>
-            </p:nvSpPr>
-            <p:spPr>
-              <a:xfrm>
-                <a:off x="467336" y="5084290"/>
-                <a:ext cx="2162379" cy="409003"/>
-              </a:xfrm>
-              <a:prstGeom prst="rect">
-                <a:avLst/>
-              </a:prstGeom>
-            </p:spPr>
-            <p:style>
-              <a:lnRef idx="1">
-                <a:schemeClr val="accent5"/>
-              </a:lnRef>
-              <a:fillRef idx="2">
-                <a:schemeClr val="accent5"/>
-              </a:fillRef>
-              <a:effectRef idx="1">
-                <a:schemeClr val="accent5"/>
-              </a:effectRef>
-              <a:fontRef idx="minor">
-                <a:schemeClr val="dk1"/>
-              </a:fontRef>
-            </p:style>
-            <p:txBody>
-              <a:bodyPr rtlCol="0" anchor="ctr"/>
-              <a:lstStyle/>
-              <a:p>
-                <a:pPr algn="ctr"/>
-                <a:r>
-                  <a:rPr kumimoji="1" lang="ja-JP" altLang="en-US" dirty="0" smtClean="0"/>
-                  <a:t>大量の楽曲データ</a:t>
-                </a:r>
-                <a:endParaRPr kumimoji="1" lang="en-US" altLang="ja-JP" dirty="0" smtClean="0"/>
-              </a:p>
-            </p:txBody>
-          </p:sp>
-          <p:pic>
-            <p:nvPicPr>
-              <p:cNvPr id="32" name="図 31"/>
-              <p:cNvPicPr>
-                <a:picLocks noChangeAspect="1"/>
-              </p:cNvPicPr>
-              <p:nvPr/>
-            </p:nvPicPr>
-            <p:blipFill>
-              <a:blip r:embed="rId2" cstate="print">
-                <a:extLst>
-                  <a:ext uri="{28A0092B-C50C-407E-A947-70E740481C1C}">
-                    <a14:useLocalDpi xmlns:a14="http://schemas.microsoft.com/office/drawing/2010/main" val="0"/>
-                  </a:ext>
-                </a:extLst>
-              </a:blip>
-              <a:stretch>
-                <a:fillRect/>
-              </a:stretch>
-            </p:blipFill>
-            <p:spPr>
-              <a:xfrm>
-                <a:off x="4120641" y="4802063"/>
-                <a:ext cx="427506" cy="427506"/>
-              </a:xfrm>
-              <a:prstGeom prst="rect">
-                <a:avLst/>
-              </a:prstGeom>
-            </p:spPr>
-          </p:pic>
-          <p:pic>
-            <p:nvPicPr>
-              <p:cNvPr id="35" name="図 34"/>
-              <p:cNvPicPr>
-                <a:picLocks noChangeAspect="1"/>
-              </p:cNvPicPr>
-              <p:nvPr/>
-            </p:nvPicPr>
-            <p:blipFill>
-              <a:blip r:embed="rId2" cstate="print">
-                <a:extLst>
-                  <a:ext uri="{28A0092B-C50C-407E-A947-70E740481C1C}">
-                    <a14:useLocalDpi xmlns:a14="http://schemas.microsoft.com/office/drawing/2010/main" val="0"/>
-                  </a:ext>
-                </a:extLst>
-              </a:blip>
-              <a:stretch>
-                <a:fillRect/>
-              </a:stretch>
-            </p:blipFill>
-            <p:spPr>
-              <a:xfrm>
-                <a:off x="4128593" y="5961703"/>
-                <a:ext cx="427506" cy="427506"/>
-              </a:xfrm>
-              <a:prstGeom prst="rect">
-                <a:avLst/>
-              </a:prstGeom>
-            </p:spPr>
-          </p:pic>
-          <p:pic>
-            <p:nvPicPr>
-              <p:cNvPr id="36" name="図 35"/>
-              <p:cNvPicPr>
-                <a:picLocks noChangeAspect="1"/>
-              </p:cNvPicPr>
-              <p:nvPr/>
-            </p:nvPicPr>
-            <p:blipFill>
-              <a:blip r:embed="rId2" cstate="print">
-                <a:extLst>
-                  <a:ext uri="{28A0092B-C50C-407E-A947-70E740481C1C}">
-                    <a14:useLocalDpi xmlns:a14="http://schemas.microsoft.com/office/drawing/2010/main" val="0"/>
-                  </a:ext>
-                </a:extLst>
-              </a:blip>
-              <a:stretch>
-                <a:fillRect/>
-              </a:stretch>
-            </p:blipFill>
-            <p:spPr>
-              <a:xfrm>
-                <a:off x="4120641" y="5380328"/>
-                <a:ext cx="427506" cy="427506"/>
-              </a:xfrm>
-              <a:prstGeom prst="rect">
-                <a:avLst/>
-              </a:prstGeom>
-            </p:spPr>
-          </p:pic>
-          <p:sp>
-            <p:nvSpPr>
-              <p:cNvPr id="37" name="テキスト ボックス 36"/>
-              <p:cNvSpPr txBox="1"/>
-              <p:nvPr/>
-            </p:nvSpPr>
-            <p:spPr>
-              <a:xfrm>
-                <a:off x="3156668" y="6457230"/>
-                <a:ext cx="2671638" cy="369332"/>
-              </a:xfrm>
-              <a:prstGeom prst="rect">
-                <a:avLst/>
-              </a:prstGeom>
-              <a:noFill/>
-            </p:spPr>
-            <p:txBody>
-              <a:bodyPr wrap="square" rtlCol="0">
-                <a:spAutoFit/>
-              </a:bodyPr>
-              <a:lstStyle/>
-              <a:p>
-                <a:r>
-                  <a:rPr kumimoji="1" lang="ja-JP" altLang="en-US" dirty="0" smtClean="0"/>
-                  <a:t>処理を分散するサーバー</a:t>
-                </a:r>
-                <a:endParaRPr kumimoji="1" lang="ja-JP" altLang="en-US" dirty="0"/>
-              </a:p>
-            </p:txBody>
-          </p:sp>
-          <p:cxnSp>
-            <p:nvCxnSpPr>
-              <p:cNvPr id="39" name="直線矢印コネクタ 38"/>
-              <p:cNvCxnSpPr>
-                <a:stCxn id="30" idx="3"/>
-                <a:endCxn id="32" idx="1"/>
-              </p:cNvCxnSpPr>
-              <p:nvPr/>
-            </p:nvCxnSpPr>
-            <p:spPr>
-              <a:xfrm flipV="1">
-                <a:off x="2629715" y="5015816"/>
-                <a:ext cx="1490926" cy="272976"/>
-              </a:xfrm>
-              <a:prstGeom prst="straightConnector1">
-                <a:avLst/>
-              </a:prstGeom>
-              <a:ln>
-                <a:tailEnd type="triangle"/>
-              </a:ln>
-            </p:spPr>
-            <p:style>
-              <a:lnRef idx="1">
-                <a:schemeClr val="accent1"/>
-              </a:lnRef>
-              <a:fillRef idx="0">
-                <a:schemeClr val="accent1"/>
-              </a:fillRef>
-              <a:effectRef idx="0">
-                <a:schemeClr val="accent1"/>
-              </a:effectRef>
-              <a:fontRef idx="minor">
-                <a:schemeClr val="tx1"/>
-              </a:fontRef>
-            </p:style>
-          </p:cxnSp>
-          <p:cxnSp>
-            <p:nvCxnSpPr>
-              <p:cNvPr id="41" name="直線矢印コネクタ 40"/>
-              <p:cNvCxnSpPr>
-                <a:stCxn id="30" idx="3"/>
-                <a:endCxn id="36" idx="1"/>
-              </p:cNvCxnSpPr>
-              <p:nvPr/>
-            </p:nvCxnSpPr>
-            <p:spPr>
-              <a:xfrm>
-                <a:off x="2629715" y="5288792"/>
-                <a:ext cx="1490926" cy="305289"/>
-              </a:xfrm>
-              <a:prstGeom prst="straightConnector1">
-                <a:avLst/>
-              </a:prstGeom>
-              <a:ln>
-                <a:tailEnd type="triangle"/>
-              </a:ln>
-            </p:spPr>
-            <p:style>
-              <a:lnRef idx="1">
-                <a:schemeClr val="accent1"/>
-              </a:lnRef>
-              <a:fillRef idx="0">
-                <a:schemeClr val="accent1"/>
-              </a:fillRef>
-              <a:effectRef idx="0">
-                <a:schemeClr val="accent1"/>
-              </a:effectRef>
-              <a:fontRef idx="minor">
-                <a:schemeClr val="tx1"/>
-              </a:fontRef>
-            </p:style>
-          </p:cxnSp>
-          <p:sp>
-            <p:nvSpPr>
-              <p:cNvPr id="78" name="正方形/長方形 77"/>
-              <p:cNvSpPr/>
-              <p:nvPr/>
-            </p:nvSpPr>
-            <p:spPr>
-              <a:xfrm>
-                <a:off x="466648" y="5932829"/>
-                <a:ext cx="2162379" cy="409003"/>
-              </a:xfrm>
-              <a:prstGeom prst="rect">
-                <a:avLst/>
-              </a:prstGeom>
-            </p:spPr>
-            <p:style>
-              <a:lnRef idx="1">
-                <a:schemeClr val="accent4"/>
-              </a:lnRef>
-              <a:fillRef idx="2">
-                <a:schemeClr val="accent4"/>
-              </a:fillRef>
-              <a:effectRef idx="1">
-                <a:schemeClr val="accent4"/>
-              </a:effectRef>
-              <a:fontRef idx="minor">
-                <a:schemeClr val="dk1"/>
-              </a:fontRef>
-            </p:style>
-            <p:txBody>
-              <a:bodyPr rtlCol="0" anchor="ctr"/>
-              <a:lstStyle/>
-              <a:p>
-                <a:pPr algn="ctr"/>
-                <a:r>
-                  <a:rPr kumimoji="1" lang="ja-JP" altLang="en-US" dirty="0" smtClean="0"/>
-                  <a:t>大量の動画データ</a:t>
-                </a:r>
-                <a:endParaRPr kumimoji="1" lang="en-US" altLang="ja-JP" dirty="0" smtClean="0"/>
-              </a:p>
-            </p:txBody>
-          </p:sp>
-          <p:cxnSp>
-            <p:nvCxnSpPr>
-              <p:cNvPr id="80" name="直線矢印コネクタ 79"/>
-              <p:cNvCxnSpPr>
-                <a:stCxn id="78" idx="3"/>
-                <a:endCxn id="35" idx="1"/>
-              </p:cNvCxnSpPr>
-              <p:nvPr/>
-            </p:nvCxnSpPr>
-            <p:spPr>
-              <a:xfrm>
-                <a:off x="2629027" y="6137331"/>
-                <a:ext cx="1499566" cy="38125"/>
-              </a:xfrm>
-              <a:prstGeom prst="straightConnector1">
-                <a:avLst/>
-              </a:prstGeom>
-              <a:ln>
-                <a:tailEnd type="triangle"/>
-              </a:ln>
-            </p:spPr>
-            <p:style>
-              <a:lnRef idx="1">
-                <a:schemeClr val="accent2"/>
-              </a:lnRef>
-              <a:fillRef idx="0">
-                <a:schemeClr val="accent2"/>
-              </a:fillRef>
-              <a:effectRef idx="0">
-                <a:schemeClr val="accent2"/>
-              </a:effectRef>
-              <a:fontRef idx="minor">
-                <a:schemeClr val="tx1"/>
-              </a:fontRef>
-            </p:style>
-          </p:cxnSp>
-          <p:cxnSp>
-            <p:nvCxnSpPr>
-              <p:cNvPr id="81" name="直線矢印コネクタ 80"/>
-              <p:cNvCxnSpPr>
-                <a:stCxn id="78" idx="3"/>
-                <a:endCxn id="32" idx="1"/>
-              </p:cNvCxnSpPr>
-              <p:nvPr/>
-            </p:nvCxnSpPr>
-            <p:spPr>
-              <a:xfrm flipV="1">
-                <a:off x="2629027" y="5015816"/>
-                <a:ext cx="1491614" cy="1121515"/>
-              </a:xfrm>
-              <a:prstGeom prst="straightConnector1">
-                <a:avLst/>
-              </a:prstGeom>
-              <a:ln>
-                <a:tailEnd type="triangle"/>
-              </a:ln>
-            </p:spPr>
-            <p:style>
-              <a:lnRef idx="1">
-                <a:schemeClr val="accent2"/>
-              </a:lnRef>
-              <a:fillRef idx="0">
-                <a:schemeClr val="accent2"/>
-              </a:fillRef>
-              <a:effectRef idx="0">
-                <a:schemeClr val="accent2"/>
-              </a:effectRef>
-              <a:fontRef idx="minor">
-                <a:schemeClr val="tx1"/>
-              </a:fontRef>
-            </p:style>
-          </p:cxnSp>
-          <p:cxnSp>
-            <p:nvCxnSpPr>
-              <p:cNvPr id="82" name="直線矢印コネクタ 81"/>
-              <p:cNvCxnSpPr>
-                <a:stCxn id="78" idx="3"/>
-                <a:endCxn id="36" idx="1"/>
-              </p:cNvCxnSpPr>
-              <p:nvPr/>
-            </p:nvCxnSpPr>
-            <p:spPr>
-              <a:xfrm flipV="1">
-                <a:off x="2629027" y="5594081"/>
-                <a:ext cx="1491614" cy="543250"/>
-              </a:xfrm>
-              <a:prstGeom prst="straightConnector1">
-                <a:avLst/>
-              </a:prstGeom>
-              <a:ln>
-                <a:tailEnd type="triangle"/>
-              </a:ln>
-            </p:spPr>
-            <p:style>
-              <a:lnRef idx="1">
-                <a:schemeClr val="accent2"/>
-              </a:lnRef>
-              <a:fillRef idx="0">
-                <a:schemeClr val="accent2"/>
-              </a:fillRef>
-              <a:effectRef idx="0">
-                <a:schemeClr val="accent2"/>
-              </a:effectRef>
-              <a:fontRef idx="minor">
-                <a:schemeClr val="tx1"/>
-              </a:fontRef>
-            </p:style>
-          </p:cxnSp>
-          <p:sp>
-            <p:nvSpPr>
-              <p:cNvPr id="87" name="正方形/長方形 86"/>
-              <p:cNvSpPr/>
-              <p:nvPr/>
-            </p:nvSpPr>
-            <p:spPr>
-              <a:xfrm>
-                <a:off x="6178660" y="5337957"/>
-                <a:ext cx="2615980" cy="721564"/>
-              </a:xfrm>
-              <a:prstGeom prst="rect">
-                <a:avLst/>
-              </a:prstGeom>
-            </p:spPr>
-            <p:style>
-              <a:lnRef idx="1">
-                <a:schemeClr val="accent6"/>
-              </a:lnRef>
-              <a:fillRef idx="2">
-                <a:schemeClr val="accent6"/>
-              </a:fillRef>
-              <a:effectRef idx="1">
-                <a:schemeClr val="accent6"/>
-              </a:effectRef>
-              <a:fontRef idx="minor">
-                <a:schemeClr val="dk1"/>
-              </a:fontRef>
-            </p:style>
-            <p:txBody>
-              <a:bodyPr rtlCol="0" anchor="ctr"/>
-              <a:lstStyle/>
-              <a:p>
-                <a:pPr algn="ctr"/>
-                <a:r>
-                  <a:rPr kumimoji="1" lang="ja-JP" altLang="en-US" dirty="0" smtClean="0"/>
-                  <a:t>合成されたデータ</a:t>
-                </a:r>
-                <a:endParaRPr kumimoji="1" lang="ja-JP" altLang="en-US" dirty="0"/>
-              </a:p>
-            </p:txBody>
-          </p:sp>
-          <p:cxnSp>
-            <p:nvCxnSpPr>
-              <p:cNvPr id="95" name="直線矢印コネクタ 94"/>
-              <p:cNvCxnSpPr>
-                <a:stCxn id="32" idx="3"/>
-                <a:endCxn id="87" idx="1"/>
-              </p:cNvCxnSpPr>
-              <p:nvPr/>
-            </p:nvCxnSpPr>
-            <p:spPr>
-              <a:xfrm>
-                <a:off x="4548147" y="5015816"/>
-                <a:ext cx="1630513" cy="682923"/>
-              </a:xfrm>
-              <a:prstGeom prst="straightConnector1">
-                <a:avLst/>
-              </a:prstGeom>
-              <a:ln>
-                <a:tailEnd type="triangle"/>
-              </a:ln>
-            </p:spPr>
-            <p:style>
-              <a:lnRef idx="1">
-                <a:schemeClr val="accent6"/>
-              </a:lnRef>
-              <a:fillRef idx="0">
-                <a:schemeClr val="accent6"/>
-              </a:fillRef>
-              <a:effectRef idx="0">
-                <a:schemeClr val="accent6"/>
-              </a:effectRef>
-              <a:fontRef idx="minor">
-                <a:schemeClr val="tx1"/>
-              </a:fontRef>
-            </p:style>
-          </p:cxnSp>
-          <p:cxnSp>
-            <p:nvCxnSpPr>
-              <p:cNvPr id="96" name="直線矢印コネクタ 95"/>
-              <p:cNvCxnSpPr>
-                <a:stCxn id="36" idx="3"/>
-                <a:endCxn id="87" idx="1"/>
-              </p:cNvCxnSpPr>
-              <p:nvPr/>
-            </p:nvCxnSpPr>
-            <p:spPr>
-              <a:xfrm>
-                <a:off x="4548147" y="5594081"/>
-                <a:ext cx="1630513" cy="104658"/>
-              </a:xfrm>
-              <a:prstGeom prst="straightConnector1">
-                <a:avLst/>
-              </a:prstGeom>
-              <a:ln>
-                <a:tailEnd type="triangle"/>
-              </a:ln>
-            </p:spPr>
-            <p:style>
-              <a:lnRef idx="1">
-                <a:schemeClr val="accent6"/>
-              </a:lnRef>
-              <a:fillRef idx="0">
-                <a:schemeClr val="accent6"/>
-              </a:fillRef>
-              <a:effectRef idx="0">
-                <a:schemeClr val="accent6"/>
-              </a:effectRef>
-              <a:fontRef idx="minor">
-                <a:schemeClr val="tx1"/>
-              </a:fontRef>
-            </p:style>
-          </p:cxnSp>
-          <p:cxnSp>
-            <p:nvCxnSpPr>
-              <p:cNvPr id="97" name="直線矢印コネクタ 96"/>
-              <p:cNvCxnSpPr>
-                <a:stCxn id="35" idx="3"/>
-                <a:endCxn id="87" idx="1"/>
-              </p:cNvCxnSpPr>
-              <p:nvPr/>
-            </p:nvCxnSpPr>
-            <p:spPr>
-              <a:xfrm flipV="1">
-                <a:off x="4556099" y="5698739"/>
-                <a:ext cx="1622561" cy="476717"/>
-              </a:xfrm>
-              <a:prstGeom prst="straightConnector1">
-                <a:avLst/>
-              </a:prstGeom>
-              <a:ln>
-                <a:tailEnd type="triangle"/>
-              </a:ln>
-            </p:spPr>
-            <p:style>
-              <a:lnRef idx="1">
-                <a:schemeClr val="accent6"/>
-              </a:lnRef>
-              <a:fillRef idx="0">
-                <a:schemeClr val="accent6"/>
-              </a:fillRef>
-              <a:effectRef idx="0">
-                <a:schemeClr val="accent6"/>
-              </a:effectRef>
-              <a:fontRef idx="minor">
-                <a:schemeClr val="tx1"/>
-              </a:fontRef>
-            </p:style>
-          </p:cxnSp>
-        </p:grpSp>
-      </p:grpSp>
-    </p:spTree>
-    <p:extLst>
-      <p:ext uri="{BB962C8B-B14F-4D97-AF65-F5344CB8AC3E}">
-        <p14:creationId xmlns:p14="http://schemas.microsoft.com/office/powerpoint/2010/main" val="3482704347"/>
-      </p:ext>
-    </p:extLst>
-  </p:cSld>
-  <p:clrMapOvr>
-    <a:masterClrMapping/>
-  </p:clrMapOvr>
-  <p:timing>
-    <p:tnLst>
-      <p:par>
-        <p:cTn id="1" dur="indefinite" restart="never" nodeType="tmRoot"/>
-      </p:par>
-    </p:tnLst>
-  </p:timing>
-</p:sld>
-</file>
-
-<file path=ppt/slides/slide5.xml><?xml version="1.0" encoding="utf-8"?>
-<p:sld xmlns:a="http://schemas.openxmlformats.org/drawingml/2006/main" xmlns:r="http://schemas.openxmlformats.org/officeDocument/2006/relationships" xmlns:p="http://schemas.openxmlformats.org/presentationml/2006/main">
-  <p:cSld>
-    <p:spTree>
-      <p:nvGrpSpPr>
-        <p:cNvPr id="1" name=""/>
-        <p:cNvGrpSpPr/>
-        <p:nvPr/>
-      </p:nvGrpSpPr>
-      <p:grpSpPr>
-        <a:xfrm>
-          <a:off x="0" y="0"/>
-          <a:ext cx="0" cy="0"/>
-          <a:chOff x="0" y="0"/>
-          <a:chExt cx="0" cy="0"/>
-        </a:xfrm>
-      </p:grpSpPr>
-      <p:sp>
-        <p:nvSpPr>
-          <p:cNvPr id="2" name="タイトル 1"/>
-          <p:cNvSpPr>
-            <a:spLocks noGrp="1"/>
-          </p:cNvSpPr>
-          <p:nvPr>
-            <p:ph type="title"/>
-          </p:nvPr>
-        </p:nvSpPr>
-        <p:spPr/>
-        <p:txBody>
-          <a:bodyPr/>
-          <a:lstStyle/>
-          <a:p>
-            <a:r>
-              <a:rPr kumimoji="1" lang="ja-JP" altLang="en-US" dirty="0"/>
-              <a:t>研究目的</a:t>
-            </a:r>
-          </a:p>
-        </p:txBody>
-      </p:sp>
-      <p:sp>
-        <p:nvSpPr>
-          <p:cNvPr id="3" name="コンテンツ プレースホルダー 2"/>
-          <p:cNvSpPr>
-            <a:spLocks noGrp="1"/>
-          </p:cNvSpPr>
-          <p:nvPr>
-            <p:ph idx="1"/>
-          </p:nvPr>
-        </p:nvSpPr>
-        <p:spPr>
-          <a:xfrm>
-            <a:off x="628650" y="1846645"/>
-            <a:ext cx="7886700" cy="4351338"/>
-          </a:xfrm>
-        </p:spPr>
-        <p:txBody>
-          <a:bodyPr/>
-          <a:lstStyle/>
-          <a:p>
-            <a:r>
-              <a:rPr lang="ja-JP" altLang="en-US" sz="2800" dirty="0"/>
-              <a:t>楽曲</a:t>
-            </a:r>
-            <a:r>
-              <a:rPr lang="en-US" altLang="ja-JP" sz="2800" dirty="0"/>
-              <a:t>SNS</a:t>
-            </a:r>
-            <a:r>
-              <a:rPr lang="ja-JP" altLang="en-US" sz="2800" dirty="0"/>
-              <a:t>における楽曲コンテンツと動画コンテンツの並列マッチング処理システムの</a:t>
-            </a:r>
-            <a:r>
-              <a:rPr lang="ja-JP" altLang="en-US" dirty="0"/>
-              <a:t>提案</a:t>
-            </a:r>
-            <a:endParaRPr kumimoji="1" lang="en-US" altLang="ja-JP" dirty="0"/>
-          </a:p>
-          <a:p>
-            <a:pPr marL="0" indent="0">
-              <a:buNone/>
-            </a:pPr>
-            <a:endParaRPr lang="en-US" altLang="ja-JP" dirty="0"/>
-          </a:p>
-          <a:p>
-            <a:r>
-              <a:rPr kumimoji="1" lang="ja-JP" altLang="en-US" dirty="0"/>
-              <a:t>実験システムの</a:t>
-            </a:r>
-            <a:r>
-              <a:rPr lang="ja-JP" altLang="en-US" dirty="0"/>
-              <a:t>構築</a:t>
-            </a:r>
-            <a:endParaRPr kumimoji="1" lang="en-US" altLang="ja-JP" dirty="0"/>
-          </a:p>
-          <a:p>
-            <a:pPr marL="0" indent="0">
-              <a:buNone/>
-            </a:pPr>
-            <a:endParaRPr kumimoji="1" lang="en-US" altLang="ja-JP" dirty="0"/>
-          </a:p>
-          <a:p>
-            <a:r>
-              <a:rPr lang="ja-JP" altLang="en-US" dirty="0"/>
-              <a:t>実験による，提案システムの実現可能性の</a:t>
-            </a:r>
-            <a:r>
-              <a:rPr lang="ja-JP" altLang="en-US" dirty="0" smtClean="0"/>
-              <a:t>評価</a:t>
-            </a:r>
-            <a:endParaRPr lang="en-US" altLang="ja-JP" dirty="0" smtClean="0"/>
-          </a:p>
-          <a:p>
-            <a:pPr marL="0" indent="0">
-              <a:buNone/>
-            </a:pPr>
-            <a:endParaRPr kumimoji="1" lang="ja-JP" altLang="en-US" dirty="0"/>
-          </a:p>
-        </p:txBody>
-      </p:sp>
-      <p:sp>
-        <p:nvSpPr>
-          <p:cNvPr id="4" name="スライド番号プレースホルダー 3"/>
-          <p:cNvSpPr>
-            <a:spLocks noGrp="1"/>
-          </p:cNvSpPr>
-          <p:nvPr>
-            <p:ph type="sldNum" sz="quarter" idx="12"/>
-          </p:nvPr>
-        </p:nvSpPr>
-        <p:spPr/>
-        <p:txBody>
-          <a:bodyPr/>
-          <a:lstStyle/>
-          <a:p>
-            <a:fld id="{B4451160-128F-4DAD-AE29-4A8CC0E7B9E9}" type="slidenum">
-              <a:rPr kumimoji="1" lang="ja-JP" altLang="en-US" smtClean="0"/>
-              <a:t>5</a:t>
-            </a:fld>
-            <a:endParaRPr kumimoji="1" lang="ja-JP" altLang="en-US"/>
-          </a:p>
-        </p:txBody>
-      </p:sp>
-    </p:spTree>
-    <p:extLst>
-      <p:ext uri="{BB962C8B-B14F-4D97-AF65-F5344CB8AC3E}">
-        <p14:creationId xmlns:p14="http://schemas.microsoft.com/office/powerpoint/2010/main" val="114472190"/>
-      </p:ext>
-    </p:extLst>
-  </p:cSld>
-  <p:clrMapOvr>
-    <a:masterClrMapping/>
-  </p:clrMapOvr>
-  <p:timing>
-    <p:tnLst>
-      <p:par>
-        <p:cTn id="1" dur="indefinite" restart="never" nodeType="tmRoot"/>
-      </p:par>
-    </p:tnLst>
-  </p:timing>
-</p:sld>
-</file>
-
-<file path=ppt/slides/slide6.xml><?xml version="1.0" encoding="utf-8"?>
-<p:sld xmlns:a="http://schemas.openxmlformats.org/drawingml/2006/main" xmlns:r="http://schemas.openxmlformats.org/officeDocument/2006/relationships" xmlns:p="http://schemas.openxmlformats.org/presentationml/2006/main">
-  <p:cSld>
-    <p:spTree>
-      <p:nvGrpSpPr>
-        <p:cNvPr id="1" name=""/>
-        <p:cNvGrpSpPr/>
-        <p:nvPr/>
-      </p:nvGrpSpPr>
-      <p:grpSpPr>
-        <a:xfrm>
-          <a:off x="0" y="0"/>
-          <a:ext cx="0" cy="0"/>
-          <a:chOff x="0" y="0"/>
-          <a:chExt cx="0" cy="0"/>
-        </a:xfrm>
-      </p:grpSpPr>
-      <p:sp>
-        <p:nvSpPr>
-          <p:cNvPr id="2" name="タイトル 1"/>
-          <p:cNvSpPr>
-            <a:spLocks noGrp="1"/>
-          </p:cNvSpPr>
-          <p:nvPr>
-            <p:ph type="title"/>
-          </p:nvPr>
-        </p:nvSpPr>
-        <p:spPr/>
-        <p:txBody>
-          <a:bodyPr/>
-          <a:lstStyle/>
-          <a:p>
-            <a:r>
-              <a:rPr kumimoji="1" lang="ja-JP" altLang="en-US" dirty="0" smtClean="0"/>
-              <a:t>実験環境</a:t>
-            </a:r>
-            <a:endParaRPr kumimoji="1" lang="ja-JP" altLang="en-US" dirty="0"/>
-          </a:p>
-        </p:txBody>
-      </p:sp>
-      <p:graphicFrame>
-        <p:nvGraphicFramePr>
-          <p:cNvPr id="7" name="コンテンツ プレースホルダー 6"/>
-          <p:cNvGraphicFramePr>
-            <a:graphicFrameLocks noGrp="1"/>
-          </p:cNvGraphicFramePr>
-          <p:nvPr>
-            <p:ph idx="1"/>
-            <p:extLst>
-              <p:ext uri="{D42A27DB-BD31-4B8C-83A1-F6EECF244321}">
-                <p14:modId xmlns:p14="http://schemas.microsoft.com/office/powerpoint/2010/main" val="253861860"/>
-              </p:ext>
-            </p:extLst>
-          </p:nvPr>
-        </p:nvGraphicFramePr>
-        <p:xfrm>
-          <a:off x="628650" y="1825625"/>
-          <a:ext cx="7799733" cy="741680"/>
-        </p:xfrm>
-        <a:graphic>
-          <a:graphicData uri="http://schemas.openxmlformats.org/drawingml/2006/table">
-            <a:tbl>
-              <a:tblPr firstRow="1" bandRow="1">
-                <a:tableStyleId>{5C22544A-7EE6-4342-B048-85BDC9FD1C3A}</a:tableStyleId>
-              </a:tblPr>
-              <a:tblGrid>
-                <a:gridCol w="2599911">
-                  <a:extLst>
-                    <a:ext uri="{9D8B030D-6E8A-4147-A177-3AD203B41FA5}">
-                      <a16:colId xmlns:a16="http://schemas.microsoft.com/office/drawing/2014/main" val="1402794385"/>
-                    </a:ext>
-                  </a:extLst>
-                </a:gridCol>
-                <a:gridCol w="2599911">
-                  <a:extLst>
-                    <a:ext uri="{9D8B030D-6E8A-4147-A177-3AD203B41FA5}">
-                      <a16:colId xmlns:a16="http://schemas.microsoft.com/office/drawing/2014/main" val="88355118"/>
-                    </a:ext>
-                  </a:extLst>
-                </a:gridCol>
-                <a:gridCol w="2599911">
-                  <a:extLst>
-                    <a:ext uri="{9D8B030D-6E8A-4147-A177-3AD203B41FA5}">
-                      <a16:colId xmlns:a16="http://schemas.microsoft.com/office/drawing/2014/main" val="1273748139"/>
-                    </a:ext>
-                  </a:extLst>
-                </a:gridCol>
-              </a:tblGrid>
-              <a:tr h="370840">
-                <a:tc>
-                  <a:txBody>
-                    <a:bodyPr/>
-                    <a:lstStyle/>
-                    <a:p>
-                      <a:r>
-                        <a:rPr kumimoji="1" lang="ja-JP" altLang="en-US" dirty="0" smtClean="0"/>
-                        <a:t>機器名</a:t>
-                      </a:r>
-                      <a:endParaRPr kumimoji="1" lang="ja-JP" altLang="en-US" dirty="0"/>
-                    </a:p>
-                  </a:txBody>
-                  <a:tcPr/>
-                </a:tc>
-                <a:tc>
-                  <a:txBody>
-                    <a:bodyPr/>
-                    <a:lstStyle/>
-                    <a:p>
-                      <a:r>
-                        <a:rPr kumimoji="1" lang="ja-JP" altLang="en-US" dirty="0" smtClean="0"/>
-                        <a:t>台数</a:t>
-                      </a:r>
-                      <a:endParaRPr kumimoji="1" lang="ja-JP" altLang="en-US" dirty="0"/>
-                    </a:p>
-                  </a:txBody>
-                  <a:tcPr/>
-                </a:tc>
-                <a:tc>
-                  <a:txBody>
-                    <a:bodyPr/>
-                    <a:lstStyle/>
-                    <a:p>
-                      <a:r>
-                        <a:rPr kumimoji="1" lang="en-US" altLang="ja-JP" dirty="0" smtClean="0"/>
-                        <a:t>OS</a:t>
-                      </a:r>
-                      <a:endParaRPr kumimoji="1" lang="ja-JP" altLang="en-US" dirty="0"/>
-                    </a:p>
-                  </a:txBody>
-                  <a:tcPr/>
-                </a:tc>
-                <a:extLst>
-                  <a:ext uri="{0D108BD9-81ED-4DB2-BD59-A6C34878D82A}">
-                    <a16:rowId xmlns:a16="http://schemas.microsoft.com/office/drawing/2014/main" val="3682346588"/>
-                  </a:ext>
-                </a:extLst>
-              </a:tr>
-              <a:tr h="370840">
-                <a:tc>
-                  <a:txBody>
-                    <a:bodyPr/>
-                    <a:lstStyle/>
-                    <a:p>
-                      <a:r>
-                        <a:rPr kumimoji="1" lang="en-US" altLang="ja-JP" dirty="0" smtClean="0"/>
-                        <a:t>Raspberry</a:t>
-                      </a:r>
-                      <a:r>
-                        <a:rPr kumimoji="1" lang="en-US" altLang="ja-JP" baseline="0" dirty="0" smtClean="0"/>
-                        <a:t> pi 4B 2G</a:t>
-                      </a:r>
-                      <a:endParaRPr kumimoji="1" lang="ja-JP" altLang="en-US" dirty="0"/>
-                    </a:p>
-                  </a:txBody>
-                  <a:tcPr/>
-                </a:tc>
-                <a:tc>
-                  <a:txBody>
-                    <a:bodyPr/>
-                    <a:lstStyle/>
-                    <a:p>
-                      <a:r>
-                        <a:rPr kumimoji="1" lang="en-US" altLang="ja-JP" dirty="0" smtClean="0"/>
-                        <a:t>2</a:t>
-                      </a:r>
-                      <a:endParaRPr kumimoji="1" lang="ja-JP" altLang="en-US" dirty="0"/>
-                    </a:p>
-                  </a:txBody>
-                  <a:tcPr/>
-                </a:tc>
-                <a:tc>
-                  <a:txBody>
-                    <a:bodyPr/>
-                    <a:lstStyle/>
-                    <a:p>
-                      <a:r>
-                        <a:rPr kumimoji="1" lang="en-US" altLang="ja-JP" dirty="0" err="1" smtClean="0"/>
-                        <a:t>Raspbian</a:t>
-                      </a:r>
-                      <a:endParaRPr kumimoji="1" lang="en-US" altLang="ja-JP" dirty="0" smtClean="0"/>
-                    </a:p>
-                  </a:txBody>
-                  <a:tcPr/>
-                </a:tc>
-                <a:extLst>
-                  <a:ext uri="{0D108BD9-81ED-4DB2-BD59-A6C34878D82A}">
-                    <a16:rowId xmlns:a16="http://schemas.microsoft.com/office/drawing/2014/main" val="1746402446"/>
-                  </a:ext>
-                </a:extLst>
-              </a:tr>
-            </a:tbl>
-          </a:graphicData>
-        </a:graphic>
-      </p:graphicFrame>
-      <p:sp>
-        <p:nvSpPr>
-          <p:cNvPr id="4" name="スライド番号プレースホルダー 3"/>
-          <p:cNvSpPr>
-            <a:spLocks noGrp="1"/>
-          </p:cNvSpPr>
-          <p:nvPr>
-            <p:ph type="sldNum" sz="quarter" idx="12"/>
-          </p:nvPr>
-        </p:nvSpPr>
-        <p:spPr/>
-        <p:txBody>
-          <a:bodyPr/>
-          <a:lstStyle/>
-          <a:p>
-            <a:fld id="{B4451160-128F-4DAD-AE29-4A8CC0E7B9E9}" type="slidenum">
-              <a:rPr lang="ja-JP" altLang="en-US" smtClean="0"/>
-              <a:pPr/>
-              <a:t>6</a:t>
-            </a:fld>
-            <a:endParaRPr lang="ja-JP" altLang="en-US" dirty="0"/>
-          </a:p>
-        </p:txBody>
-      </p:sp>
-      <p:sp>
-        <p:nvSpPr>
-          <p:cNvPr id="3" name="テキスト ボックス 2"/>
-          <p:cNvSpPr txBox="1"/>
-          <p:nvPr/>
-        </p:nvSpPr>
-        <p:spPr>
-          <a:xfrm>
-            <a:off x="739471" y="3427012"/>
-            <a:ext cx="7474226" cy="923330"/>
-          </a:xfrm>
-          <a:prstGeom prst="rect">
-            <a:avLst/>
-          </a:prstGeom>
-          <a:noFill/>
-        </p:spPr>
-        <p:txBody>
-          <a:bodyPr wrap="square" rtlCol="0">
-            <a:spAutoFit/>
-          </a:bodyPr>
-          <a:lstStyle/>
-          <a:p>
-            <a:r>
-              <a:rPr kumimoji="1" lang="ja-JP" altLang="en-US" dirty="0" smtClean="0"/>
-              <a:t>・ジャンル分け・動画と音楽の合成での並列処理で</a:t>
-            </a:r>
-            <a:r>
-              <a:rPr lang="ja-JP" altLang="en-US" dirty="0"/>
-              <a:t>使用</a:t>
-            </a:r>
-            <a:r>
-              <a:rPr lang="ja-JP" altLang="en-US" dirty="0" smtClean="0"/>
-              <a:t>する</a:t>
-            </a:r>
-            <a:r>
-              <a:rPr lang="en-US" altLang="ja-JP" dirty="0" smtClean="0"/>
-              <a:t>.</a:t>
-            </a:r>
-            <a:endParaRPr lang="en-US" altLang="ja-JP" dirty="0"/>
-          </a:p>
-          <a:p>
-            <a:endParaRPr lang="en-US" altLang="ja-JP" dirty="0" smtClean="0"/>
-          </a:p>
-          <a:p>
-            <a:r>
-              <a:rPr lang="en-US" altLang="ja-JP" dirty="0" smtClean="0"/>
-              <a:t>Python </a:t>
-            </a:r>
-            <a:r>
-              <a:rPr lang="ja-JP" altLang="en-US" dirty="0" smtClean="0"/>
-              <a:t>のバージョンは</a:t>
-            </a:r>
-            <a:r>
-              <a:rPr lang="en-US" altLang="ja-JP" dirty="0" smtClean="0"/>
-              <a:t>3.7.3</a:t>
-            </a:r>
-            <a:endParaRPr lang="en-US" altLang="ja-JP" dirty="0"/>
-          </a:p>
-        </p:txBody>
-      </p:sp>
-    </p:spTree>
-    <p:extLst>
-      <p:ext uri="{BB962C8B-B14F-4D97-AF65-F5344CB8AC3E}">
-        <p14:creationId xmlns:p14="http://schemas.microsoft.com/office/powerpoint/2010/main" val="857118555"/>
-      </p:ext>
-    </p:extLst>
-  </p:cSld>
-  <p:clrMapOvr>
-    <a:masterClrMapping/>
-  </p:clrMapOvr>
-  <p:timing>
-    <p:tnLst>
-      <p:par>
-        <p:cTn id="1" dur="indefinite" restart="never" nodeType="tmRoot"/>
-      </p:par>
-    </p:tnLst>
-  </p:timing>
-</p:sld>
-</file>
-
-<file path=ppt/slides/slide7.xml><?xml version="1.0" encoding="utf-8"?>
-<p:sld xmlns:a="http://schemas.openxmlformats.org/drawingml/2006/main" xmlns:r="http://schemas.openxmlformats.org/officeDocument/2006/relationships" xmlns:p="http://schemas.openxmlformats.org/presentationml/2006/main">
-  <p:cSld>
-    <p:spTree>
-      <p:nvGrpSpPr>
-        <p:cNvPr id="1" name=""/>
-        <p:cNvGrpSpPr/>
-        <p:nvPr/>
-      </p:nvGrpSpPr>
-      <p:grpSpPr>
-        <a:xfrm>
-          <a:off x="0" y="0"/>
-          <a:ext cx="0" cy="0"/>
-          <a:chOff x="0" y="0"/>
-          <a:chExt cx="0" cy="0"/>
-        </a:xfrm>
-      </p:grpSpPr>
-      <p:sp>
-        <p:nvSpPr>
-          <p:cNvPr id="4" name="スライド番号プレースホルダー 3"/>
-          <p:cNvSpPr>
-            <a:spLocks noGrp="1"/>
-          </p:cNvSpPr>
-          <p:nvPr>
-            <p:ph type="sldNum" sz="quarter" idx="12"/>
-          </p:nvPr>
-        </p:nvSpPr>
-        <p:spPr/>
-        <p:txBody>
-          <a:bodyPr/>
-          <a:lstStyle/>
-          <a:p>
-            <a:fld id="{B4451160-128F-4DAD-AE29-4A8CC0E7B9E9}" type="slidenum">
-              <a:rPr lang="ja-JP" altLang="en-US" smtClean="0"/>
-              <a:pPr/>
-              <a:t>7</a:t>
             </a:fld>
             <a:endParaRPr lang="ja-JP" altLang="en-US" dirty="0"/>
           </a:p>
@@ -7599,7 +5110,7 @@
 </p:sld>
 </file>
 
-<file path=ppt/slides/slide8.xml><?xml version="1.0" encoding="utf-8"?>
+<file path=ppt/slides/slide11.xml><?xml version="1.0" encoding="utf-8"?>
 <p:sld xmlns:a="http://schemas.openxmlformats.org/drawingml/2006/main" xmlns:r="http://schemas.openxmlformats.org/officeDocument/2006/relationships" xmlns:p="http://schemas.openxmlformats.org/presentationml/2006/main">
   <p:cSld>
     <p:spTree>
@@ -7662,12 +5173,12 @@
         <p:spPr>
           <a:xfrm>
             <a:off x="314325" y="1847851"/>
-            <a:ext cx="8515350" cy="3228646"/>
+            <a:ext cx="8515350" cy="2580154"/>
           </a:xfrm>
         </p:spPr>
         <p:txBody>
           <a:bodyPr>
-            <a:normAutofit/>
+            <a:normAutofit fontScale="92500" lnSpcReduction="10000"/>
           </a:bodyPr>
           <a:lstStyle/>
           <a:p>
@@ -7726,6 +5237,37 @@
               <a:rPr lang="ja-JP" altLang="en-US" dirty="0" smtClean="0"/>
               <a:t>楽曲</a:t>
             </a:r>
+            <a:r>
+              <a:rPr lang="en-US" altLang="ja-JP" dirty="0" smtClean="0"/>
+              <a:t>:</a:t>
+            </a:r>
+            <a:r>
+              <a:rPr lang="ja-JP" altLang="en-US" dirty="0" smtClean="0"/>
+              <a:t>使用</a:t>
+            </a:r>
+            <a:r>
+              <a:rPr lang="ja-JP" altLang="en-US" dirty="0"/>
+              <a:t>するデータセットに基づいて下記の１０ジャンルでマッチング</a:t>
+            </a:r>
+            <a:endParaRPr lang="en-US" altLang="ja-JP" dirty="0"/>
+          </a:p>
+          <a:p>
+            <a:endParaRPr lang="en-US" altLang="ja-JP" dirty="0"/>
+          </a:p>
+          <a:p>
+            <a:r>
+              <a:rPr lang="ja-JP" altLang="en-US" dirty="0"/>
+              <a:t>ユーザーに動画とどの音楽ジャンルでマッチングしたいかを決めてもらう</a:t>
+            </a:r>
+          </a:p>
+          <a:p>
+            <a:pPr marL="457200" lvl="1" indent="0">
+              <a:buNone/>
+            </a:pPr>
+            <a:endParaRPr lang="en-US" altLang="ja-JP" dirty="0" smtClean="0"/>
+          </a:p>
+          <a:p>
+            <a:pPr lvl="1"/>
             <a:endParaRPr lang="en-US" altLang="ja-JP" dirty="0" smtClean="0"/>
           </a:p>
           <a:p>
@@ -7759,7 +5301,7 @@
           <a:p>
             <a:fld id="{B4451160-128F-4DAD-AE29-4A8CC0E7B9E9}" type="slidenum">
               <a:rPr kumimoji="1" lang="ja-JP" altLang="en-US" smtClean="0"/>
-              <a:t>8</a:t>
+              <a:t>11</a:t>
             </a:fld>
             <a:endParaRPr kumimoji="1" lang="ja-JP" altLang="en-US"/>
           </a:p>
@@ -7774,13 +5316,13 @@
           <p:nvPr>
             <p:extLst>
               <p:ext uri="{D42A27DB-BD31-4B8C-83A1-F6EECF244321}">
-                <p14:modId xmlns:p14="http://schemas.microsoft.com/office/powerpoint/2010/main" val="3826862040"/>
+                <p14:modId xmlns:p14="http://schemas.microsoft.com/office/powerpoint/2010/main" val="2213826750"/>
               </p:ext>
             </p:extLst>
           </p:nvPr>
         </p:nvGraphicFramePr>
         <p:xfrm>
-          <a:off x="314325" y="3148152"/>
+          <a:off x="258665" y="4610568"/>
           <a:ext cx="8114058" cy="1928345"/>
         </p:xfrm>
         <a:graphic>
@@ -7984,53 +5526,6 @@
           </a:graphicData>
         </a:graphic>
       </p:graphicFrame>
-      <p:sp>
-        <p:nvSpPr>
-          <p:cNvPr id="7" name="テキスト ボックス 6"/>
-          <p:cNvSpPr txBox="1"/>
-          <p:nvPr/>
-        </p:nvSpPr>
-        <p:spPr>
-          <a:xfrm>
-            <a:off x="314325" y="5454595"/>
-            <a:ext cx="8058398" cy="1200329"/>
-          </a:xfrm>
-          <a:prstGeom prst="rect">
-            <a:avLst/>
-          </a:prstGeom>
-          <a:noFill/>
-        </p:spPr>
-        <p:txBody>
-          <a:bodyPr wrap="square" rtlCol="0">
-            <a:spAutoFit/>
-          </a:bodyPr>
-          <a:lstStyle/>
-          <a:p>
-            <a:r>
-              <a:rPr kumimoji="1" lang="ja-JP" altLang="en-US" dirty="0" smtClean="0"/>
-              <a:t>使用するデータセットに基づいて以上の１０ジャンルでマッチング</a:t>
-            </a:r>
-            <a:endParaRPr kumimoji="1" lang="en-US" altLang="ja-JP" dirty="0" smtClean="0"/>
-          </a:p>
-          <a:p>
-            <a:endParaRPr lang="en-US" altLang="ja-JP" dirty="0"/>
-          </a:p>
-          <a:p>
-            <a:r>
-              <a:rPr kumimoji="1" lang="ja-JP" altLang="en-US" dirty="0" smtClean="0"/>
-              <a:t>いただいた意見</a:t>
-            </a:r>
-            <a:endParaRPr kumimoji="1" lang="en-US" altLang="ja-JP" dirty="0" smtClean="0"/>
-          </a:p>
-          <a:p>
-            <a:r>
-              <a:rPr kumimoji="1" lang="ja-JP" altLang="en-US" dirty="0" smtClean="0"/>
-              <a:t>ユーザーに動画とどのジャンルでマッチングしたいかを決めてもらう</a:t>
-            </a:r>
-            <a:endParaRPr kumimoji="1" lang="ja-JP" altLang="en-US" dirty="0"/>
-          </a:p>
-        </p:txBody>
-      </p:sp>
     </p:spTree>
     <p:extLst>
       <p:ext uri="{BB962C8B-B14F-4D97-AF65-F5344CB8AC3E}">
@@ -8051,7 +5546,7 @@
 </p:sld>
 </file>
 
-<file path=ppt/slides/slide9.xml><?xml version="1.0" encoding="utf-8"?>
+<file path=ppt/slides/slide12.xml><?xml version="1.0" encoding="utf-8"?>
 <p:sld xmlns:a="http://schemas.openxmlformats.org/drawingml/2006/main" xmlns:r="http://schemas.openxmlformats.org/officeDocument/2006/relationships" xmlns:p="http://schemas.openxmlformats.org/presentationml/2006/main">
   <p:cSld>
     <p:spTree>
@@ -8190,7 +5685,7 @@
             <a:fld id="{B4451160-128F-4DAD-AE29-4A8CC0E7B9E9}" type="slidenum">
               <a:rPr lang="ja-JP" altLang="en-US" smtClean="0"/>
               <a:pPr/>
-              <a:t>9</a:t>
+              <a:t>12</a:t>
             </a:fld>
             <a:endParaRPr lang="ja-JP" altLang="en-US" dirty="0"/>
           </a:p>
@@ -8243,6 +5738,3895 @@
       </p:par>
     </p:tnLst>
   </p:timing>
+</p:sld>
+</file>
+
+<file path=ppt/slides/slide13.xml><?xml version="1.0" encoding="utf-8"?>
+<p:sld xmlns:a="http://schemas.openxmlformats.org/drawingml/2006/main" xmlns:r="http://schemas.openxmlformats.org/officeDocument/2006/relationships" xmlns:p="http://schemas.openxmlformats.org/presentationml/2006/main">
+  <p:cSld>
+    <p:spTree>
+      <p:nvGrpSpPr>
+        <p:cNvPr id="1" name=""/>
+        <p:cNvGrpSpPr/>
+        <p:nvPr/>
+      </p:nvGrpSpPr>
+      <p:grpSpPr>
+        <a:xfrm>
+          <a:off x="0" y="0"/>
+          <a:ext cx="0" cy="0"/>
+          <a:chOff x="0" y="0"/>
+          <a:chExt cx="0" cy="0"/>
+        </a:xfrm>
+      </p:grpSpPr>
+      <p:sp>
+        <p:nvSpPr>
+          <p:cNvPr id="2" name="タイトル 1"/>
+          <p:cNvSpPr>
+            <a:spLocks noGrp="1"/>
+          </p:cNvSpPr>
+          <p:nvPr>
+            <p:ph type="title"/>
+          </p:nvPr>
+        </p:nvSpPr>
+        <p:spPr>
+          <a:xfrm>
+            <a:off x="628650" y="365126"/>
+            <a:ext cx="7886700" cy="740105"/>
+          </a:xfrm>
+        </p:spPr>
+        <p:txBody>
+          <a:bodyPr/>
+          <a:lstStyle/>
+          <a:p>
+            <a:r>
+              <a:rPr kumimoji="1" lang="en-US" altLang="ja-JP" dirty="0" smtClean="0"/>
+              <a:t>Categorize.py</a:t>
+            </a:r>
+            <a:endParaRPr kumimoji="1" lang="ja-JP" altLang="en-US" dirty="0"/>
+          </a:p>
+        </p:txBody>
+      </p:sp>
+      <p:sp>
+        <p:nvSpPr>
+          <p:cNvPr id="3" name="コンテンツ プレースホルダー 2"/>
+          <p:cNvSpPr>
+            <a:spLocks noGrp="1"/>
+          </p:cNvSpPr>
+          <p:nvPr>
+            <p:ph idx="1"/>
+          </p:nvPr>
+        </p:nvSpPr>
+        <p:spPr>
+          <a:xfrm>
+            <a:off x="628650" y="1200647"/>
+            <a:ext cx="7886700" cy="4976316"/>
+          </a:xfrm>
+        </p:spPr>
+        <p:txBody>
+          <a:bodyPr/>
+          <a:lstStyle/>
+          <a:p>
+            <a:pPr marL="0" indent="0">
+              <a:buNone/>
+            </a:pPr>
+            <a:r>
+              <a:rPr kumimoji="1" lang="en-US" altLang="ja-JP" dirty="0" smtClean="0"/>
+              <a:t>FMA_SMALL</a:t>
+            </a:r>
+            <a:r>
+              <a:rPr kumimoji="1" lang="ja-JP" altLang="en-US" dirty="0" smtClean="0"/>
+              <a:t>というデータセットの一部を使用し</a:t>
+            </a:r>
+            <a:endParaRPr kumimoji="1" lang="en-US" altLang="ja-JP" dirty="0" smtClean="0"/>
+          </a:p>
+          <a:p>
+            <a:pPr marL="0" indent="0">
+              <a:buNone/>
+            </a:pPr>
+            <a:r>
+              <a:rPr kumimoji="1" lang="ja-JP" altLang="en-US" dirty="0" smtClean="0"/>
+              <a:t>音楽ジャンル分類をするモデルの作成・学習・評価をするプログラム</a:t>
+            </a:r>
+            <a:r>
+              <a:rPr kumimoji="1" lang="en-US" altLang="ja-JP" dirty="0" smtClean="0"/>
+              <a:t>.</a:t>
+            </a:r>
+          </a:p>
+          <a:p>
+            <a:pPr marL="0" indent="0">
+              <a:buNone/>
+            </a:pPr>
+            <a:endParaRPr kumimoji="1" lang="ja-JP" altLang="en-US" dirty="0"/>
+          </a:p>
+        </p:txBody>
+      </p:sp>
+      <p:sp>
+        <p:nvSpPr>
+          <p:cNvPr id="4" name="スライド番号プレースホルダー 3"/>
+          <p:cNvSpPr>
+            <a:spLocks noGrp="1"/>
+          </p:cNvSpPr>
+          <p:nvPr>
+            <p:ph type="sldNum" sz="quarter" idx="12"/>
+          </p:nvPr>
+        </p:nvSpPr>
+        <p:spPr/>
+        <p:txBody>
+          <a:bodyPr/>
+          <a:lstStyle/>
+          <a:p>
+            <a:fld id="{B4451160-128F-4DAD-AE29-4A8CC0E7B9E9}" type="slidenum">
+              <a:rPr lang="ja-JP" altLang="en-US" smtClean="0"/>
+              <a:pPr/>
+              <a:t>13</a:t>
+            </a:fld>
+            <a:endParaRPr lang="ja-JP" altLang="en-US" dirty="0"/>
+          </a:p>
+        </p:txBody>
+      </p:sp>
+      <p:pic>
+        <p:nvPicPr>
+          <p:cNvPr id="5" name="図 4"/>
+          <p:cNvPicPr>
+            <a:picLocks noChangeAspect="1"/>
+          </p:cNvPicPr>
+          <p:nvPr/>
+        </p:nvPicPr>
+        <p:blipFill rotWithShape="1">
+          <a:blip r:embed="rId2"/>
+          <a:srcRect t="12508"/>
+          <a:stretch/>
+        </p:blipFill>
+        <p:spPr>
+          <a:xfrm>
+            <a:off x="628650" y="2697493"/>
+            <a:ext cx="7163628" cy="3569163"/>
+          </a:xfrm>
+          <a:prstGeom prst="rect">
+            <a:avLst/>
+          </a:prstGeom>
+        </p:spPr>
+      </p:pic>
+    </p:spTree>
+    <p:extLst>
+      <p:ext uri="{BB962C8B-B14F-4D97-AF65-F5344CB8AC3E}">
+        <p14:creationId xmlns:p14="http://schemas.microsoft.com/office/powerpoint/2010/main" val="1777437307"/>
+      </p:ext>
+    </p:extLst>
+  </p:cSld>
+  <p:clrMapOvr>
+    <a:masterClrMapping/>
+  </p:clrMapOvr>
+  <p:timing>
+    <p:tnLst>
+      <p:par>
+        <p:cTn id="1" dur="indefinite" restart="never" nodeType="tmRoot"/>
+      </p:par>
+    </p:tnLst>
+  </p:timing>
+</p:sld>
+</file>
+
+<file path=ppt/slides/slide2.xml><?xml version="1.0" encoding="utf-8"?>
+<p:sld xmlns:a="http://schemas.openxmlformats.org/drawingml/2006/main" xmlns:r="http://schemas.openxmlformats.org/officeDocument/2006/relationships" xmlns:p="http://schemas.openxmlformats.org/presentationml/2006/main">
+  <p:cSld>
+    <p:bg>
+      <p:bgPr>
+        <a:solidFill>
+          <a:schemeClr val="bg1"/>
+        </a:solidFill>
+        <a:effectLst/>
+      </p:bgPr>
+    </p:bg>
+    <p:spTree>
+      <p:nvGrpSpPr>
+        <p:cNvPr id="1" name=""/>
+        <p:cNvGrpSpPr/>
+        <p:nvPr/>
+      </p:nvGrpSpPr>
+      <p:grpSpPr>
+        <a:xfrm>
+          <a:off x="0" y="0"/>
+          <a:ext cx="0" cy="0"/>
+          <a:chOff x="0" y="0"/>
+          <a:chExt cx="0" cy="0"/>
+        </a:xfrm>
+      </p:grpSpPr>
+      <p:sp>
+        <p:nvSpPr>
+          <p:cNvPr id="2" name="タイトル 1"/>
+          <p:cNvSpPr>
+            <a:spLocks noGrp="1"/>
+          </p:cNvSpPr>
+          <p:nvPr>
+            <p:ph type="title"/>
+          </p:nvPr>
+        </p:nvSpPr>
+        <p:spPr>
+          <a:xfrm>
+            <a:off x="386784" y="206825"/>
+            <a:ext cx="7886700" cy="1325563"/>
+          </a:xfrm>
+        </p:spPr>
+        <p:txBody>
+          <a:bodyPr/>
+          <a:lstStyle/>
+          <a:p>
+            <a:r>
+              <a:rPr kumimoji="1" lang="ja-JP" altLang="en-US" dirty="0"/>
+              <a:t>研究背景</a:t>
+            </a:r>
+          </a:p>
+        </p:txBody>
+      </p:sp>
+      <p:sp>
+        <p:nvSpPr>
+          <p:cNvPr id="3" name="コンテンツ プレースホルダー 2"/>
+          <p:cNvSpPr>
+            <a:spLocks noGrp="1"/>
+          </p:cNvSpPr>
+          <p:nvPr>
+            <p:ph idx="1"/>
+          </p:nvPr>
+        </p:nvSpPr>
+        <p:spPr>
+          <a:xfrm>
+            <a:off x="294198" y="1532388"/>
+            <a:ext cx="8221152" cy="3810073"/>
+          </a:xfrm>
+        </p:spPr>
+        <p:txBody>
+          <a:bodyPr>
+            <a:normAutofit fontScale="85000" lnSpcReduction="20000"/>
+          </a:bodyPr>
+          <a:lstStyle/>
+          <a:p>
+            <a:pPr algn="just">
+              <a:lnSpc>
+                <a:spcPct val="120000"/>
+              </a:lnSpc>
+            </a:pPr>
+            <a:r>
+              <a:rPr lang="ja-JP" altLang="en-US" dirty="0"/>
+              <a:t>コンピューター</a:t>
+            </a:r>
+            <a:r>
+              <a:rPr lang="ja-JP" altLang="en-US" dirty="0" smtClean="0"/>
+              <a:t>やインターネットの発達で誰でも</a:t>
+            </a:r>
+            <a:r>
+              <a:rPr lang="ja-JP" altLang="en-US" dirty="0"/>
+              <a:t>音楽</a:t>
+            </a:r>
+            <a:r>
+              <a:rPr lang="ja-JP" altLang="en-US" dirty="0" smtClean="0"/>
+              <a:t>を</a:t>
+            </a:r>
+            <a:r>
+              <a:rPr lang="ja-JP" altLang="en-US" dirty="0"/>
+              <a:t>投稿</a:t>
+            </a:r>
+            <a:r>
+              <a:rPr lang="ja-JP" altLang="en-US" dirty="0" smtClean="0"/>
+              <a:t>する</a:t>
+            </a:r>
+            <a:r>
+              <a:rPr lang="ja-JP" altLang="en-US" dirty="0"/>
+              <a:t>ことが可能になっている．その</a:t>
+            </a:r>
+            <a:r>
+              <a:rPr lang="ja-JP" altLang="en-US" dirty="0" smtClean="0"/>
+              <a:t>ためソーシャルネットワーキングサービス</a:t>
+            </a:r>
+            <a:r>
+              <a:rPr lang="en-US" altLang="ja-JP" dirty="0" smtClean="0"/>
+              <a:t>(SNS)</a:t>
+            </a:r>
+            <a:r>
+              <a:rPr lang="ja-JP" altLang="en-US" dirty="0" smtClean="0"/>
+              <a:t>など</a:t>
+            </a:r>
+            <a:r>
+              <a:rPr lang="ja-JP" altLang="en-US" dirty="0"/>
+              <a:t>に投稿される楽曲が大量になって</a:t>
+            </a:r>
+            <a:r>
+              <a:rPr lang="ja-JP" altLang="en-US" dirty="0" smtClean="0"/>
+              <a:t>きた</a:t>
+            </a:r>
+            <a:r>
+              <a:rPr lang="ja-JP" altLang="en-US" dirty="0"/>
+              <a:t>．</a:t>
+            </a:r>
+            <a:endParaRPr lang="en-US" altLang="ja-JP" dirty="0" smtClean="0"/>
+          </a:p>
+          <a:p>
+            <a:pPr algn="just">
+              <a:lnSpc>
+                <a:spcPct val="120000"/>
+              </a:lnSpc>
+            </a:pPr>
+            <a:r>
+              <a:rPr lang="ja-JP" altLang="en-US" dirty="0" smtClean="0"/>
+              <a:t>これに伴いデータ</a:t>
+            </a:r>
+            <a:r>
+              <a:rPr lang="ja-JP" altLang="en-US" dirty="0"/>
+              <a:t>を処理する</a:t>
+            </a:r>
+            <a:r>
+              <a:rPr lang="ja-JP" altLang="en-US" dirty="0" smtClean="0"/>
+              <a:t>際に掛かる負荷が増え，処理</a:t>
+            </a:r>
+            <a:endParaRPr lang="en-US" altLang="ja-JP" dirty="0" smtClean="0"/>
+          </a:p>
+          <a:p>
+            <a:pPr marL="0" indent="0" algn="just">
+              <a:lnSpc>
+                <a:spcPct val="120000"/>
+              </a:lnSpc>
+              <a:buNone/>
+            </a:pPr>
+            <a:r>
+              <a:rPr lang="ja-JP" altLang="en-US" dirty="0" smtClean="0"/>
+              <a:t>速度が</a:t>
+            </a:r>
+            <a:r>
+              <a:rPr lang="ja-JP" altLang="en-US" dirty="0" err="1" smtClean="0"/>
+              <a:t>遅る</a:t>
+            </a:r>
+            <a:r>
+              <a:rPr lang="ja-JP" altLang="en-US" dirty="0" smtClean="0"/>
+              <a:t>可能性が考えられる</a:t>
+            </a:r>
+            <a:r>
+              <a:rPr lang="ja-JP" altLang="en-US" dirty="0" smtClean="0"/>
+              <a:t>．</a:t>
+            </a:r>
+            <a:endParaRPr lang="en-US" altLang="ja-JP" dirty="0" smtClean="0"/>
+          </a:p>
+          <a:p>
+            <a:pPr algn="just">
+              <a:lnSpc>
+                <a:spcPct val="120000"/>
+              </a:lnSpc>
+            </a:pPr>
+            <a:r>
+              <a:rPr lang="ja-JP" altLang="en-US" dirty="0" smtClean="0"/>
+              <a:t>同様</a:t>
+            </a:r>
+            <a:r>
+              <a:rPr lang="ja-JP" altLang="en-US" dirty="0"/>
+              <a:t>に，動画共有を目的とした</a:t>
+            </a:r>
+            <a:r>
+              <a:rPr lang="en-US" altLang="ja-JP" dirty="0"/>
+              <a:t>SNS</a:t>
+            </a:r>
+            <a:r>
+              <a:rPr lang="ja-JP" altLang="en-US" dirty="0"/>
+              <a:t>が普及している．</a:t>
+            </a:r>
+            <a:endParaRPr lang="en-US" altLang="ja-JP" dirty="0"/>
+          </a:p>
+          <a:p>
+            <a:pPr algn="just">
+              <a:lnSpc>
+                <a:spcPct val="120000"/>
+              </a:lnSpc>
+            </a:pPr>
+            <a:r>
+              <a:rPr lang="ja-JP" altLang="en-US" dirty="0"/>
+              <a:t>これらの楽曲コンテンツや動画コンテンツを統合して，付加価値の高い新しいコンテンツを生成できると考えられる．</a:t>
+            </a:r>
+            <a:endParaRPr lang="en-US" altLang="ja-JP" dirty="0"/>
+          </a:p>
+          <a:p>
+            <a:pPr marL="0" indent="0">
+              <a:lnSpc>
+                <a:spcPct val="120000"/>
+              </a:lnSpc>
+              <a:buNone/>
+            </a:pPr>
+            <a:endParaRPr lang="en-US" altLang="ja-JP" dirty="0"/>
+          </a:p>
+          <a:p>
+            <a:pPr marL="0" indent="0">
+              <a:lnSpc>
+                <a:spcPct val="120000"/>
+              </a:lnSpc>
+              <a:buNone/>
+            </a:pPr>
+            <a:endParaRPr lang="en-US" altLang="ja-JP" dirty="0"/>
+          </a:p>
+          <a:p>
+            <a:pPr marL="0" indent="0">
+              <a:lnSpc>
+                <a:spcPct val="120000"/>
+              </a:lnSpc>
+              <a:buNone/>
+            </a:pPr>
+            <a:endParaRPr lang="en-US" altLang="ja-JP" dirty="0"/>
+          </a:p>
+          <a:p>
+            <a:pPr marL="0" indent="0">
+              <a:lnSpc>
+                <a:spcPct val="120000"/>
+              </a:lnSpc>
+              <a:buNone/>
+            </a:pPr>
+            <a:endParaRPr kumimoji="1" lang="en-US" altLang="ja-JP" dirty="0"/>
+          </a:p>
+          <a:p>
+            <a:pPr marL="0" indent="0">
+              <a:lnSpc>
+                <a:spcPct val="120000"/>
+              </a:lnSpc>
+              <a:buNone/>
+            </a:pPr>
+            <a:endParaRPr lang="en-US" altLang="ja-JP" dirty="0"/>
+          </a:p>
+        </p:txBody>
+      </p:sp>
+      <p:sp>
+        <p:nvSpPr>
+          <p:cNvPr id="4" name="スライド番号プレースホルダー 3"/>
+          <p:cNvSpPr>
+            <a:spLocks noGrp="1"/>
+          </p:cNvSpPr>
+          <p:nvPr>
+            <p:ph type="sldNum" sz="quarter" idx="12"/>
+          </p:nvPr>
+        </p:nvSpPr>
+        <p:spPr/>
+        <p:txBody>
+          <a:bodyPr/>
+          <a:lstStyle/>
+          <a:p>
+            <a:fld id="{B4451160-128F-4DAD-AE29-4A8CC0E7B9E9}" type="slidenum">
+              <a:rPr kumimoji="1" lang="ja-JP" altLang="en-US" smtClean="0"/>
+              <a:t>2</a:t>
+            </a:fld>
+            <a:endParaRPr kumimoji="1" lang="ja-JP" altLang="en-US" dirty="0"/>
+          </a:p>
+        </p:txBody>
+      </p:sp>
+      <p:pic>
+        <p:nvPicPr>
+          <p:cNvPr id="32" name="図 31"/>
+          <p:cNvPicPr>
+            <a:picLocks noChangeAspect="1"/>
+          </p:cNvPicPr>
+          <p:nvPr/>
+        </p:nvPicPr>
+        <p:blipFill>
+          <a:blip r:embed="rId2">
+            <a:extLst>
+              <a:ext uri="{28A0092B-C50C-407E-A947-70E740481C1C}">
+                <a14:useLocalDpi xmlns:a14="http://schemas.microsoft.com/office/drawing/2010/main" val="0"/>
+              </a:ext>
+            </a:extLst>
+          </a:blip>
+          <a:stretch>
+            <a:fillRect/>
+          </a:stretch>
+        </p:blipFill>
+        <p:spPr>
+          <a:xfrm>
+            <a:off x="1016235" y="5384739"/>
+            <a:ext cx="1004950" cy="1250842"/>
+          </a:xfrm>
+          <a:prstGeom prst="rect">
+            <a:avLst/>
+          </a:prstGeom>
+        </p:spPr>
+      </p:pic>
+      <p:sp>
+        <p:nvSpPr>
+          <p:cNvPr id="34" name="テキスト ボックス 33"/>
+          <p:cNvSpPr txBox="1"/>
+          <p:nvPr/>
+        </p:nvSpPr>
+        <p:spPr>
+          <a:xfrm>
+            <a:off x="2433474" y="5670353"/>
+            <a:ext cx="691763" cy="646331"/>
+          </a:xfrm>
+          <a:prstGeom prst="rect">
+            <a:avLst/>
+          </a:prstGeom>
+          <a:noFill/>
+        </p:spPr>
+        <p:txBody>
+          <a:bodyPr wrap="square" rtlCol="0">
+            <a:spAutoFit/>
+          </a:bodyPr>
+          <a:lstStyle/>
+          <a:p>
+            <a:r>
+              <a:rPr kumimoji="1" lang="ja-JP" altLang="en-US" sz="3600" dirty="0" smtClean="0"/>
+              <a:t>＋</a:t>
+            </a:r>
+            <a:endParaRPr kumimoji="1" lang="ja-JP" altLang="en-US" sz="3600" dirty="0"/>
+          </a:p>
+        </p:txBody>
+      </p:sp>
+      <p:pic>
+        <p:nvPicPr>
+          <p:cNvPr id="35" name="図 34"/>
+          <p:cNvPicPr>
+            <a:picLocks noChangeAspect="1"/>
+          </p:cNvPicPr>
+          <p:nvPr/>
+        </p:nvPicPr>
+        <p:blipFill>
+          <a:blip r:embed="rId3" cstate="print">
+            <a:extLst>
+              <a:ext uri="{28A0092B-C50C-407E-A947-70E740481C1C}">
+                <a14:useLocalDpi xmlns:a14="http://schemas.microsoft.com/office/drawing/2010/main" val="0"/>
+              </a:ext>
+            </a:extLst>
+          </a:blip>
+          <a:stretch>
+            <a:fillRect/>
+          </a:stretch>
+        </p:blipFill>
+        <p:spPr>
+          <a:xfrm>
+            <a:off x="3172638" y="5370657"/>
+            <a:ext cx="1485044" cy="1113783"/>
+          </a:xfrm>
+          <a:prstGeom prst="rect">
+            <a:avLst/>
+          </a:prstGeom>
+        </p:spPr>
+      </p:pic>
+      <p:sp>
+        <p:nvSpPr>
+          <p:cNvPr id="36" name="テキスト ボックス 35"/>
+          <p:cNvSpPr txBox="1"/>
+          <p:nvPr/>
+        </p:nvSpPr>
+        <p:spPr>
+          <a:xfrm>
+            <a:off x="3590257" y="6484440"/>
+            <a:ext cx="868942" cy="369332"/>
+          </a:xfrm>
+          <a:prstGeom prst="rect">
+            <a:avLst/>
+          </a:prstGeom>
+          <a:noFill/>
+        </p:spPr>
+        <p:txBody>
+          <a:bodyPr wrap="square" rtlCol="0">
+            <a:spAutoFit/>
+          </a:bodyPr>
+          <a:lstStyle/>
+          <a:p>
+            <a:r>
+              <a:rPr kumimoji="1" lang="ja-JP" altLang="en-US" dirty="0" smtClean="0"/>
+              <a:t>動画</a:t>
+            </a:r>
+            <a:endParaRPr kumimoji="1" lang="ja-JP" altLang="en-US" dirty="0"/>
+          </a:p>
+        </p:txBody>
+      </p:sp>
+      <p:pic>
+        <p:nvPicPr>
+          <p:cNvPr id="37" name="図 36"/>
+          <p:cNvPicPr>
+            <a:picLocks noChangeAspect="1"/>
+          </p:cNvPicPr>
+          <p:nvPr/>
+        </p:nvPicPr>
+        <p:blipFill>
+          <a:blip r:embed="rId3" cstate="print">
+            <a:extLst>
+              <a:ext uri="{28A0092B-C50C-407E-A947-70E740481C1C}">
+                <a14:useLocalDpi xmlns:a14="http://schemas.microsoft.com/office/drawing/2010/main" val="0"/>
+              </a:ext>
+            </a:extLst>
+          </a:blip>
+          <a:stretch>
+            <a:fillRect/>
+          </a:stretch>
+        </p:blipFill>
+        <p:spPr>
+          <a:xfrm>
+            <a:off x="6367205" y="5342461"/>
+            <a:ext cx="1485044" cy="1113783"/>
+          </a:xfrm>
+          <a:prstGeom prst="rect">
+            <a:avLst/>
+          </a:prstGeom>
+        </p:spPr>
+      </p:pic>
+      <p:pic>
+        <p:nvPicPr>
+          <p:cNvPr id="38" name="図 37"/>
+          <p:cNvPicPr>
+            <a:picLocks noChangeAspect="1"/>
+          </p:cNvPicPr>
+          <p:nvPr/>
+        </p:nvPicPr>
+        <p:blipFill>
+          <a:blip r:embed="rId4">
+            <a:extLst>
+              <a:ext uri="{BEBA8EAE-BF5A-486C-A8C5-ECC9F3942E4B}">
+                <a14:imgProps xmlns:a14="http://schemas.microsoft.com/office/drawing/2010/main">
+                  <a14:imgLayer r:embed="rId5">
+                    <a14:imgEffect>
+                      <a14:sharpenSoften amount="-50000"/>
+                    </a14:imgEffect>
+                  </a14:imgLayer>
+                </a14:imgProps>
+              </a:ext>
+              <a:ext uri="{28A0092B-C50C-407E-A947-70E740481C1C}">
+                <a14:useLocalDpi xmlns:a14="http://schemas.microsoft.com/office/drawing/2010/main" val="0"/>
+              </a:ext>
+            </a:extLst>
+          </a:blip>
+          <a:stretch>
+            <a:fillRect/>
+          </a:stretch>
+        </p:blipFill>
+        <p:spPr>
+          <a:xfrm>
+            <a:off x="6013690" y="5814294"/>
+            <a:ext cx="554560" cy="690250"/>
+          </a:xfrm>
+          <a:prstGeom prst="rect">
+            <a:avLst/>
+          </a:prstGeom>
+          <a:blipFill dpi="0" rotWithShape="1">
+            <a:blip r:embed="rId6"/>
+            <a:srcRect/>
+            <a:stretch>
+              <a:fillRect/>
+            </a:stretch>
+          </a:blipFill>
+          <a:effectLst>
+            <a:glow rad="127000">
+              <a:schemeClr val="accent1">
+                <a:alpha val="0"/>
+              </a:schemeClr>
+            </a:glow>
+            <a:outerShdw blurRad="50800" dist="50800" dir="5400000" algn="ctr" rotWithShape="0">
+              <a:srgbClr val="000000">
+                <a:alpha val="0"/>
+              </a:srgbClr>
+            </a:outerShdw>
+            <a:reflection stA="0" endPos="65000" dist="50800" dir="5400000" sy="-100000" algn="bl" rotWithShape="0"/>
+          </a:effectLst>
+        </p:spPr>
+      </p:pic>
+      <p:sp>
+        <p:nvSpPr>
+          <p:cNvPr id="39" name="テキスト ボックス 38"/>
+          <p:cNvSpPr txBox="1"/>
+          <p:nvPr/>
+        </p:nvSpPr>
+        <p:spPr>
+          <a:xfrm>
+            <a:off x="6162261" y="6508764"/>
+            <a:ext cx="1960480" cy="369332"/>
+          </a:xfrm>
+          <a:prstGeom prst="rect">
+            <a:avLst/>
+          </a:prstGeom>
+          <a:noFill/>
+        </p:spPr>
+        <p:txBody>
+          <a:bodyPr wrap="square" rtlCol="0">
+            <a:spAutoFit/>
+          </a:bodyPr>
+          <a:lstStyle/>
+          <a:p>
+            <a:r>
+              <a:rPr kumimoji="1" lang="ja-JP" altLang="en-US" dirty="0" smtClean="0"/>
+              <a:t>音楽付きの動画</a:t>
+            </a:r>
+            <a:endParaRPr kumimoji="1" lang="ja-JP" altLang="en-US" dirty="0"/>
+          </a:p>
+        </p:txBody>
+      </p:sp>
+      <p:sp>
+        <p:nvSpPr>
+          <p:cNvPr id="5" name="右矢印 4"/>
+          <p:cNvSpPr/>
+          <p:nvPr/>
+        </p:nvSpPr>
+        <p:spPr>
+          <a:xfrm>
+            <a:off x="4937760" y="5670353"/>
+            <a:ext cx="1043562" cy="685998"/>
+          </a:xfrm>
+          <a:prstGeom prst="rightArrow">
+            <a:avLst/>
+          </a:prstGeom>
+        </p:spPr>
+        <p:style>
+          <a:lnRef idx="2">
+            <a:schemeClr val="accent1">
+              <a:shade val="50000"/>
+            </a:schemeClr>
+          </a:lnRef>
+          <a:fillRef idx="1">
+            <a:schemeClr val="accent1"/>
+          </a:fillRef>
+          <a:effectRef idx="0">
+            <a:schemeClr val="accent1"/>
+          </a:effectRef>
+          <a:fontRef idx="minor">
+            <a:schemeClr val="lt1"/>
+          </a:fontRef>
+        </p:style>
+        <p:txBody>
+          <a:bodyPr rtlCol="0" anchor="ctr"/>
+          <a:lstStyle/>
+          <a:p>
+            <a:pPr algn="ctr"/>
+            <a:endParaRPr kumimoji="1" lang="ja-JP" altLang="en-US"/>
+          </a:p>
+        </p:txBody>
+      </p:sp>
+    </p:spTree>
+    <p:extLst>
+      <p:ext uri="{BB962C8B-B14F-4D97-AF65-F5344CB8AC3E}">
+        <p14:creationId xmlns:p14="http://schemas.microsoft.com/office/powerpoint/2010/main" val="2751752632"/>
+      </p:ext>
+    </p:extLst>
+  </p:cSld>
+  <p:clrMapOvr>
+    <a:masterClrMapping/>
+  </p:clrMapOvr>
+  <p:timing>
+    <p:tnLst>
+      <p:par>
+        <p:cTn id="1" dur="indefinite" restart="never" nodeType="tmRoot"/>
+      </p:par>
+    </p:tnLst>
+  </p:timing>
+</p:sld>
+</file>
+
+<file path=ppt/slides/slide3.xml><?xml version="1.0" encoding="utf-8"?>
+<p:sld xmlns:a="http://schemas.openxmlformats.org/drawingml/2006/main" xmlns:r="http://schemas.openxmlformats.org/officeDocument/2006/relationships" xmlns:p="http://schemas.openxmlformats.org/presentationml/2006/main">
+  <p:cSld>
+    <p:spTree>
+      <p:nvGrpSpPr>
+        <p:cNvPr id="1" name=""/>
+        <p:cNvGrpSpPr/>
+        <p:nvPr/>
+      </p:nvGrpSpPr>
+      <p:grpSpPr>
+        <a:xfrm>
+          <a:off x="0" y="0"/>
+          <a:ext cx="0" cy="0"/>
+          <a:chOff x="0" y="0"/>
+          <a:chExt cx="0" cy="0"/>
+        </a:xfrm>
+      </p:grpSpPr>
+      <p:sp>
+        <p:nvSpPr>
+          <p:cNvPr id="2" name="タイトル 1"/>
+          <p:cNvSpPr>
+            <a:spLocks noGrp="1"/>
+          </p:cNvSpPr>
+          <p:nvPr>
+            <p:ph type="title"/>
+          </p:nvPr>
+        </p:nvSpPr>
+        <p:spPr/>
+        <p:txBody>
+          <a:bodyPr/>
+          <a:lstStyle/>
+          <a:p>
+            <a:r>
+              <a:rPr kumimoji="1" lang="ja-JP" altLang="en-US" dirty="0"/>
+              <a:t>関連研究</a:t>
+            </a:r>
+          </a:p>
+        </p:txBody>
+      </p:sp>
+      <p:sp>
+        <p:nvSpPr>
+          <p:cNvPr id="3" name="コンテンツ プレースホルダー 2"/>
+          <p:cNvSpPr>
+            <a:spLocks noGrp="1"/>
+          </p:cNvSpPr>
+          <p:nvPr>
+            <p:ph idx="1"/>
+          </p:nvPr>
+        </p:nvSpPr>
+        <p:spPr>
+          <a:xfrm>
+            <a:off x="628650" y="1399430"/>
+            <a:ext cx="7886700" cy="5128591"/>
+          </a:xfrm>
+        </p:spPr>
+        <p:txBody>
+          <a:bodyPr>
+            <a:normAutofit fontScale="92500"/>
+          </a:bodyPr>
+          <a:lstStyle/>
+          <a:p>
+            <a:r>
+              <a:rPr lang="ja-JP" altLang="en-US" u="sng" dirty="0">
+                <a:latin typeface="+mn-ea"/>
+              </a:rPr>
+              <a:t>動画の</a:t>
+            </a:r>
+            <a:r>
+              <a:rPr lang="ja-JP" altLang="en-US" u="sng" dirty="0" smtClean="0">
+                <a:latin typeface="+mn-ea"/>
+              </a:rPr>
+              <a:t>印象評価データセット</a:t>
+            </a:r>
+            <a:r>
+              <a:rPr lang="ja-JP" altLang="en-US" u="sng" dirty="0">
+                <a:latin typeface="+mn-ea"/>
+              </a:rPr>
+              <a:t>構築とその特性の調査</a:t>
+            </a:r>
+            <a:endParaRPr lang="en-US" altLang="ja-JP" u="sng" dirty="0">
+              <a:latin typeface="+mn-ea"/>
+            </a:endParaRPr>
+          </a:p>
+          <a:p>
+            <a:pPr marL="0" indent="0">
+              <a:buNone/>
+            </a:pPr>
+            <a:r>
+              <a:rPr lang="en-US" altLang="ja-JP" dirty="0" smtClean="0">
+                <a:latin typeface="+mn-ea"/>
+              </a:rPr>
+              <a:t>[</a:t>
+            </a:r>
+            <a:r>
+              <a:rPr lang="en-US" altLang="ja-JP" dirty="0">
+                <a:latin typeface="+mn-ea"/>
+              </a:rPr>
+              <a:t>2015 </a:t>
+            </a:r>
+            <a:r>
+              <a:rPr lang="ja-JP" altLang="en-US" dirty="0">
+                <a:latin typeface="+mn-ea"/>
+              </a:rPr>
+              <a:t>大野</a:t>
+            </a:r>
+            <a:r>
+              <a:rPr lang="en-US" altLang="ja-JP" dirty="0">
+                <a:latin typeface="+mn-ea"/>
+              </a:rPr>
+              <a:t>]</a:t>
+            </a:r>
+            <a:r>
+              <a:rPr lang="ja-JP" altLang="en-US" dirty="0">
+                <a:latin typeface="+mn-ea"/>
+              </a:rPr>
+              <a:t>大野直樹，中村聡史，山本岳洋</a:t>
+            </a:r>
+            <a:r>
+              <a:rPr lang="ja-JP" altLang="en-US" dirty="0" smtClean="0">
+                <a:latin typeface="+mn-ea"/>
+              </a:rPr>
+              <a:t>，後藤</a:t>
+            </a:r>
+            <a:r>
+              <a:rPr lang="ja-JP" altLang="en-US" dirty="0">
+                <a:latin typeface="+mn-ea"/>
+              </a:rPr>
+              <a:t>真孝</a:t>
+            </a:r>
+            <a:r>
+              <a:rPr lang="ja-JP" altLang="en-US" dirty="0" smtClean="0">
+                <a:latin typeface="+mn-ea"/>
+              </a:rPr>
+              <a:t>，</a:t>
+            </a:r>
+            <a:endParaRPr lang="en-US" altLang="ja-JP" dirty="0" smtClean="0">
+              <a:latin typeface="+mn-ea"/>
+            </a:endParaRPr>
+          </a:p>
+          <a:p>
+            <a:pPr marL="0" indent="0">
+              <a:buNone/>
+            </a:pPr>
+            <a:r>
+              <a:rPr kumimoji="1" lang="ja-JP" altLang="en-US" dirty="0" smtClean="0">
+                <a:latin typeface="+mn-ea"/>
+              </a:rPr>
+              <a:t>「</a:t>
+            </a:r>
+            <a:r>
+              <a:rPr kumimoji="1" lang="ja-JP" altLang="en-US" dirty="0">
+                <a:latin typeface="+mn-ea"/>
+              </a:rPr>
+              <a:t>音楽動画への印象評価データセット構築とその特性の</a:t>
+            </a:r>
+            <a:r>
+              <a:rPr kumimoji="1" lang="ja-JP" altLang="en-US" dirty="0" smtClean="0">
+                <a:latin typeface="+mn-ea"/>
+              </a:rPr>
+              <a:t>調査</a:t>
+            </a:r>
+            <a:r>
+              <a:rPr kumimoji="1" lang="ja-JP" altLang="en-US" dirty="0">
+                <a:latin typeface="+mn-ea"/>
+              </a:rPr>
+              <a:t>」</a:t>
+            </a:r>
+            <a:r>
+              <a:rPr lang="ja-JP" altLang="en-US" dirty="0">
+                <a:latin typeface="+mn-ea"/>
+              </a:rPr>
+              <a:t>，情報処理学会，</a:t>
+            </a:r>
+            <a:r>
+              <a:rPr lang="en-US" altLang="ja-JP" dirty="0">
+                <a:latin typeface="+mn-ea"/>
+              </a:rPr>
+              <a:t>2015</a:t>
+            </a:r>
+            <a:endParaRPr kumimoji="1" lang="en-US" altLang="ja-JP" dirty="0">
+              <a:latin typeface="+mn-ea"/>
+            </a:endParaRPr>
+          </a:p>
+          <a:p>
+            <a:pPr marL="0" indent="0">
+              <a:buNone/>
+            </a:pPr>
+            <a:endParaRPr kumimoji="1" lang="en-US" altLang="ja-JP" dirty="0">
+              <a:latin typeface="+mn-ea"/>
+            </a:endParaRPr>
+          </a:p>
+          <a:p>
+            <a:r>
+              <a:rPr lang="ja-JP" altLang="en-US" u="sng" dirty="0" smtClean="0">
+                <a:latin typeface="+mn-ea"/>
+              </a:rPr>
+              <a:t>動画からの印象推定</a:t>
+            </a:r>
+            <a:endParaRPr lang="en-US" altLang="ja-JP" u="sng" dirty="0">
+              <a:latin typeface="+mn-ea"/>
+            </a:endParaRPr>
+          </a:p>
+          <a:p>
+            <a:pPr marL="0" indent="0">
+              <a:buNone/>
+            </a:pPr>
+            <a:r>
+              <a:rPr lang="en-US" altLang="ja-JP" dirty="0" smtClean="0">
+                <a:latin typeface="+mn-ea"/>
+              </a:rPr>
+              <a:t>[</a:t>
+            </a:r>
+            <a:r>
+              <a:rPr lang="en-US" altLang="ja-JP" dirty="0">
+                <a:latin typeface="+mn-ea"/>
+              </a:rPr>
+              <a:t>2016 </a:t>
+            </a:r>
+            <a:r>
+              <a:rPr lang="ja-JP" altLang="en-US" dirty="0">
+                <a:latin typeface="+mn-ea"/>
+              </a:rPr>
+              <a:t>清水</a:t>
+            </a:r>
+            <a:r>
+              <a:rPr lang="en-US" altLang="ja-JP" dirty="0">
+                <a:latin typeface="+mn-ea"/>
+              </a:rPr>
+              <a:t>]</a:t>
+            </a:r>
+            <a:r>
+              <a:rPr lang="ja-JP" altLang="en-US" dirty="0">
+                <a:latin typeface="+mn-ea"/>
+              </a:rPr>
+              <a:t>清水</a:t>
+            </a:r>
+            <a:r>
+              <a:rPr lang="ja-JP" altLang="en-US" dirty="0"/>
+              <a:t>柚里奈</a:t>
+            </a:r>
+            <a:r>
+              <a:rPr lang="ja-JP" altLang="en-US" dirty="0">
+                <a:latin typeface="+mn-ea"/>
+              </a:rPr>
+              <a:t>，菅野</a:t>
+            </a:r>
+            <a:r>
+              <a:rPr lang="ja-JP" altLang="en-US" dirty="0"/>
+              <a:t>沙也</a:t>
+            </a:r>
+            <a:r>
+              <a:rPr lang="ja-JP" altLang="en-US" dirty="0">
+                <a:latin typeface="+mn-ea"/>
+              </a:rPr>
+              <a:t>，伊藤</a:t>
+            </a:r>
+            <a:r>
+              <a:rPr lang="ja-JP" altLang="en-US" dirty="0"/>
+              <a:t>貴之</a:t>
+            </a:r>
+            <a:r>
+              <a:rPr lang="en-US" altLang="ja-JP" dirty="0"/>
+              <a:t> </a:t>
+            </a:r>
+            <a:r>
+              <a:rPr lang="ja-JP" altLang="en-US" dirty="0" err="1">
+                <a:latin typeface="+mn-ea"/>
+              </a:rPr>
+              <a:t>，</a:t>
+            </a:r>
+            <a:r>
+              <a:rPr lang="ja-JP" altLang="en-US" dirty="0" smtClean="0">
+                <a:latin typeface="+mn-ea"/>
+              </a:rPr>
+              <a:t>嵯峨山</a:t>
+            </a:r>
+            <a:endParaRPr lang="en-US" altLang="ja-JP" dirty="0" smtClean="0">
+              <a:latin typeface="+mn-ea"/>
+            </a:endParaRPr>
+          </a:p>
+          <a:p>
+            <a:pPr marL="0" indent="0">
+              <a:buNone/>
+            </a:pPr>
+            <a:r>
+              <a:rPr lang="ja-JP" altLang="en-US" dirty="0" smtClean="0"/>
+              <a:t>茂樹</a:t>
+            </a:r>
+            <a:r>
+              <a:rPr lang="ja-JP" altLang="en-US" dirty="0">
+                <a:latin typeface="+mn-ea"/>
+              </a:rPr>
+              <a:t>，高塚</a:t>
+            </a:r>
+            <a:r>
+              <a:rPr lang="ja-JP" altLang="en-US" dirty="0"/>
+              <a:t>正浩</a:t>
+            </a:r>
+            <a:r>
+              <a:rPr lang="ja-JP" altLang="en-US" dirty="0">
+                <a:latin typeface="+mn-ea"/>
+              </a:rPr>
+              <a:t>，「動画特徴量からの印象推定に</a:t>
+            </a:r>
+            <a:r>
+              <a:rPr lang="ja-JP" altLang="en-US" dirty="0" smtClean="0">
+                <a:latin typeface="+mn-ea"/>
+              </a:rPr>
+              <a:t>基づく動画</a:t>
+            </a:r>
+            <a:r>
+              <a:rPr lang="en-US" altLang="ja-JP" dirty="0">
+                <a:latin typeface="+mn-ea"/>
+              </a:rPr>
+              <a:t>BGM</a:t>
+            </a:r>
+            <a:r>
+              <a:rPr lang="ja-JP" altLang="en-US" dirty="0">
+                <a:latin typeface="+mn-ea"/>
+              </a:rPr>
+              <a:t>の自動素材選出」，</a:t>
+            </a:r>
+            <a:r>
+              <a:rPr lang="en-US" altLang="ja-JP" dirty="0">
+                <a:latin typeface="+mn-ea"/>
+              </a:rPr>
+              <a:t> NICOGRAPH 2016</a:t>
+            </a:r>
+          </a:p>
+          <a:p>
+            <a:pPr marL="0" indent="0">
+              <a:buNone/>
+            </a:pPr>
+            <a:endParaRPr lang="en-US" altLang="ja-JP" dirty="0">
+              <a:latin typeface="+mn-ea"/>
+            </a:endParaRPr>
+          </a:p>
+          <a:p>
+            <a:pPr marL="0" indent="0">
+              <a:buNone/>
+            </a:pPr>
+            <a:endParaRPr kumimoji="1" lang="en-US" altLang="ja-JP" dirty="0"/>
+          </a:p>
+          <a:p>
+            <a:pPr marL="0" indent="0">
+              <a:buNone/>
+            </a:pPr>
+            <a:endParaRPr kumimoji="1" lang="ja-JP" altLang="en-US" dirty="0"/>
+          </a:p>
+        </p:txBody>
+      </p:sp>
+      <p:sp>
+        <p:nvSpPr>
+          <p:cNvPr id="4" name="スライド番号プレースホルダー 3"/>
+          <p:cNvSpPr>
+            <a:spLocks noGrp="1"/>
+          </p:cNvSpPr>
+          <p:nvPr>
+            <p:ph type="sldNum" sz="quarter" idx="12"/>
+          </p:nvPr>
+        </p:nvSpPr>
+        <p:spPr/>
+        <p:txBody>
+          <a:bodyPr/>
+          <a:lstStyle/>
+          <a:p>
+            <a:fld id="{B4451160-128F-4DAD-AE29-4A8CC0E7B9E9}" type="slidenum">
+              <a:rPr kumimoji="1" lang="ja-JP" altLang="en-US" smtClean="0"/>
+              <a:t>3</a:t>
+            </a:fld>
+            <a:endParaRPr kumimoji="1" lang="ja-JP" altLang="en-US"/>
+          </a:p>
+        </p:txBody>
+      </p:sp>
+    </p:spTree>
+    <p:extLst>
+      <p:ext uri="{BB962C8B-B14F-4D97-AF65-F5344CB8AC3E}">
+        <p14:creationId xmlns:p14="http://schemas.microsoft.com/office/powerpoint/2010/main" val="3769541672"/>
+      </p:ext>
+    </p:extLst>
+  </p:cSld>
+  <p:clrMapOvr>
+    <a:masterClrMapping/>
+  </p:clrMapOvr>
+  <p:timing>
+    <p:tnLst>
+      <p:par>
+        <p:cTn id="1" dur="indefinite" restart="never" nodeType="tmRoot"/>
+      </p:par>
+    </p:tnLst>
+  </p:timing>
+</p:sld>
+</file>
+
+<file path=ppt/slides/slide4.xml><?xml version="1.0" encoding="utf-8"?>
+<p:sld xmlns:a="http://schemas.openxmlformats.org/drawingml/2006/main" xmlns:r="http://schemas.openxmlformats.org/officeDocument/2006/relationships" xmlns:p="http://schemas.openxmlformats.org/presentationml/2006/main">
+  <p:cSld>
+    <p:spTree>
+      <p:nvGrpSpPr>
+        <p:cNvPr id="1" name=""/>
+        <p:cNvGrpSpPr/>
+        <p:nvPr/>
+      </p:nvGrpSpPr>
+      <p:grpSpPr>
+        <a:xfrm>
+          <a:off x="0" y="0"/>
+          <a:ext cx="0" cy="0"/>
+          <a:chOff x="0" y="0"/>
+          <a:chExt cx="0" cy="0"/>
+        </a:xfrm>
+      </p:grpSpPr>
+      <p:sp>
+        <p:nvSpPr>
+          <p:cNvPr id="2" name="タイトル 1"/>
+          <p:cNvSpPr>
+            <a:spLocks noGrp="1"/>
+          </p:cNvSpPr>
+          <p:nvPr>
+            <p:ph type="title"/>
+          </p:nvPr>
+        </p:nvSpPr>
+        <p:spPr/>
+        <p:txBody>
+          <a:bodyPr/>
+          <a:lstStyle/>
+          <a:p>
+            <a:r>
+              <a:rPr kumimoji="1" lang="ja-JP" altLang="en-US" dirty="0"/>
+              <a:t>研究課題</a:t>
+            </a:r>
+          </a:p>
+        </p:txBody>
+      </p:sp>
+      <p:sp>
+        <p:nvSpPr>
+          <p:cNvPr id="3" name="コンテンツ プレースホルダー 2"/>
+          <p:cNvSpPr>
+            <a:spLocks noGrp="1"/>
+          </p:cNvSpPr>
+          <p:nvPr>
+            <p:ph idx="1"/>
+          </p:nvPr>
+        </p:nvSpPr>
+        <p:spPr>
+          <a:xfrm>
+            <a:off x="628650" y="1362723"/>
+            <a:ext cx="8354290" cy="3574731"/>
+          </a:xfrm>
+        </p:spPr>
+        <p:txBody>
+          <a:bodyPr>
+            <a:normAutofit fontScale="92500" lnSpcReduction="10000"/>
+          </a:bodyPr>
+          <a:lstStyle/>
+          <a:p>
+            <a:r>
+              <a:rPr lang="ja-JP" altLang="en-US" dirty="0"/>
+              <a:t>ユーザから投稿される大量のデータを合成する場合</a:t>
+            </a:r>
+            <a:r>
+              <a:rPr lang="ja-JP" altLang="en-US" dirty="0" smtClean="0"/>
+              <a:t>，</a:t>
+            </a:r>
+            <a:r>
+              <a:rPr lang="ja-JP" altLang="en-US" dirty="0"/>
+              <a:t>処理</a:t>
+            </a:r>
+            <a:r>
+              <a:rPr lang="ja-JP" altLang="en-US" dirty="0" smtClean="0"/>
+              <a:t>速度</a:t>
+            </a:r>
+            <a:r>
+              <a:rPr lang="ja-JP" altLang="en-US" dirty="0"/>
+              <a:t>をできるだけ早くすることが，サービス向上につながる．</a:t>
+            </a:r>
+            <a:endParaRPr lang="en-US" altLang="ja-JP" dirty="0"/>
+          </a:p>
+          <a:p>
+            <a:endParaRPr lang="en-US" altLang="ja-JP" dirty="0"/>
+          </a:p>
+          <a:p>
+            <a:r>
+              <a:rPr lang="en-US" altLang="ja-JP" dirty="0"/>
+              <a:t>1</a:t>
+            </a:r>
+            <a:r>
+              <a:rPr lang="ja-JP" altLang="en-US" dirty="0"/>
+              <a:t>台のサーバーで処理する</a:t>
+            </a:r>
+            <a:r>
+              <a:rPr lang="ja-JP" altLang="en-US" dirty="0" smtClean="0"/>
+              <a:t>と処理</a:t>
+            </a:r>
+            <a:r>
+              <a:rPr lang="ja-JP" altLang="en-US" dirty="0"/>
+              <a:t>速度</a:t>
+            </a:r>
+            <a:r>
+              <a:rPr lang="ja-JP" altLang="en-US" dirty="0" smtClean="0"/>
+              <a:t>にも</a:t>
+            </a:r>
+            <a:r>
+              <a:rPr lang="ja-JP" altLang="en-US" dirty="0"/>
+              <a:t>限界が生じるため，並列で処理する仕組みが必要である．</a:t>
+            </a:r>
+            <a:endParaRPr lang="en-US" altLang="ja-JP" dirty="0"/>
+          </a:p>
+          <a:p>
+            <a:endParaRPr lang="en-US" altLang="ja-JP" dirty="0"/>
+          </a:p>
+          <a:p>
+            <a:r>
+              <a:rPr lang="ja-JP" altLang="en-US" dirty="0"/>
+              <a:t>また，楽曲と動画を合成するための方法も検討する必要がある</a:t>
+            </a:r>
+            <a:r>
+              <a:rPr lang="ja-JP" altLang="en-US" dirty="0" smtClean="0"/>
+              <a:t>．</a:t>
+            </a:r>
+            <a:r>
+              <a:rPr lang="en-US" altLang="ja-JP" dirty="0" smtClean="0"/>
+              <a:t>(</a:t>
+            </a:r>
+            <a:r>
+              <a:rPr lang="ja-JP" altLang="en-US" dirty="0" smtClean="0"/>
+              <a:t>展望に回す可能性</a:t>
+            </a:r>
+            <a:r>
+              <a:rPr lang="en-US" altLang="ja-JP" dirty="0" smtClean="0"/>
+              <a:t>)</a:t>
+            </a:r>
+            <a:endParaRPr lang="en-US" altLang="ja-JP" dirty="0"/>
+          </a:p>
+          <a:p>
+            <a:endParaRPr lang="en-US" altLang="ja-JP" dirty="0"/>
+          </a:p>
+        </p:txBody>
+      </p:sp>
+      <p:sp>
+        <p:nvSpPr>
+          <p:cNvPr id="4" name="スライド番号プレースホルダー 3"/>
+          <p:cNvSpPr>
+            <a:spLocks noGrp="1"/>
+          </p:cNvSpPr>
+          <p:nvPr>
+            <p:ph type="sldNum" sz="quarter" idx="12"/>
+          </p:nvPr>
+        </p:nvSpPr>
+        <p:spPr/>
+        <p:txBody>
+          <a:bodyPr/>
+          <a:lstStyle/>
+          <a:p>
+            <a:fld id="{B4451160-128F-4DAD-AE29-4A8CC0E7B9E9}" type="slidenum">
+              <a:rPr kumimoji="1" lang="ja-JP" altLang="en-US" smtClean="0"/>
+              <a:t>4</a:t>
+            </a:fld>
+            <a:endParaRPr kumimoji="1" lang="ja-JP" altLang="en-US"/>
+          </a:p>
+        </p:txBody>
+      </p:sp>
+      <p:grpSp>
+        <p:nvGrpSpPr>
+          <p:cNvPr id="10" name="グループ化 9"/>
+          <p:cNvGrpSpPr/>
+          <p:nvPr/>
+        </p:nvGrpSpPr>
+        <p:grpSpPr>
+          <a:xfrm>
+            <a:off x="466648" y="4830578"/>
+            <a:ext cx="8327992" cy="2024499"/>
+            <a:chOff x="466648" y="4830578"/>
+            <a:chExt cx="8327992" cy="2024499"/>
+          </a:xfrm>
+        </p:grpSpPr>
+        <p:cxnSp>
+          <p:nvCxnSpPr>
+            <p:cNvPr id="43" name="直線矢印コネクタ 42"/>
+            <p:cNvCxnSpPr>
+              <a:stCxn id="30" idx="3"/>
+              <a:endCxn id="35" idx="1"/>
+            </p:cNvCxnSpPr>
+            <p:nvPr/>
+          </p:nvCxnSpPr>
+          <p:spPr>
+            <a:xfrm>
+              <a:off x="2629715" y="5317307"/>
+              <a:ext cx="1498878" cy="886664"/>
+            </a:xfrm>
+            <a:prstGeom prst="straightConnector1">
+              <a:avLst/>
+            </a:prstGeom>
+            <a:ln>
+              <a:tailEnd type="triangle"/>
+            </a:ln>
+          </p:spPr>
+          <p:style>
+            <a:lnRef idx="1">
+              <a:schemeClr val="accent1"/>
+            </a:lnRef>
+            <a:fillRef idx="0">
+              <a:schemeClr val="accent1"/>
+            </a:fillRef>
+            <a:effectRef idx="0">
+              <a:schemeClr val="accent1"/>
+            </a:effectRef>
+            <a:fontRef idx="minor">
+              <a:schemeClr val="tx1"/>
+            </a:fontRef>
+          </p:style>
+        </p:cxnSp>
+        <p:grpSp>
+          <p:nvGrpSpPr>
+            <p:cNvPr id="5" name="グループ化 4"/>
+            <p:cNvGrpSpPr/>
+            <p:nvPr/>
+          </p:nvGrpSpPr>
+          <p:grpSpPr>
+            <a:xfrm>
+              <a:off x="466648" y="4830578"/>
+              <a:ext cx="8327992" cy="2024499"/>
+              <a:chOff x="466648" y="4802063"/>
+              <a:chExt cx="8327992" cy="2024499"/>
+            </a:xfrm>
+          </p:grpSpPr>
+          <p:sp>
+            <p:nvSpPr>
+              <p:cNvPr id="30" name="正方形/長方形 29"/>
+              <p:cNvSpPr/>
+              <p:nvPr/>
+            </p:nvSpPr>
+            <p:spPr>
+              <a:xfrm>
+                <a:off x="467336" y="5084290"/>
+                <a:ext cx="2162379" cy="409003"/>
+              </a:xfrm>
+              <a:prstGeom prst="rect">
+                <a:avLst/>
+              </a:prstGeom>
+            </p:spPr>
+            <p:style>
+              <a:lnRef idx="1">
+                <a:schemeClr val="accent5"/>
+              </a:lnRef>
+              <a:fillRef idx="2">
+                <a:schemeClr val="accent5"/>
+              </a:fillRef>
+              <a:effectRef idx="1">
+                <a:schemeClr val="accent5"/>
+              </a:effectRef>
+              <a:fontRef idx="minor">
+                <a:schemeClr val="dk1"/>
+              </a:fontRef>
+            </p:style>
+            <p:txBody>
+              <a:bodyPr rtlCol="0" anchor="ctr"/>
+              <a:lstStyle/>
+              <a:p>
+                <a:pPr algn="ctr"/>
+                <a:r>
+                  <a:rPr kumimoji="1" lang="ja-JP" altLang="en-US" dirty="0" smtClean="0"/>
+                  <a:t>大量の楽曲データ</a:t>
+                </a:r>
+                <a:endParaRPr kumimoji="1" lang="en-US" altLang="ja-JP" dirty="0" smtClean="0"/>
+              </a:p>
+            </p:txBody>
+          </p:sp>
+          <p:pic>
+            <p:nvPicPr>
+              <p:cNvPr id="32" name="図 31"/>
+              <p:cNvPicPr>
+                <a:picLocks noChangeAspect="1"/>
+              </p:cNvPicPr>
+              <p:nvPr/>
+            </p:nvPicPr>
+            <p:blipFill>
+              <a:blip r:embed="rId2" cstate="print">
+                <a:extLst>
+                  <a:ext uri="{28A0092B-C50C-407E-A947-70E740481C1C}">
+                    <a14:useLocalDpi xmlns:a14="http://schemas.microsoft.com/office/drawing/2010/main" val="0"/>
+                  </a:ext>
+                </a:extLst>
+              </a:blip>
+              <a:stretch>
+                <a:fillRect/>
+              </a:stretch>
+            </p:blipFill>
+            <p:spPr>
+              <a:xfrm>
+                <a:off x="4120641" y="4802063"/>
+                <a:ext cx="427506" cy="427506"/>
+              </a:xfrm>
+              <a:prstGeom prst="rect">
+                <a:avLst/>
+              </a:prstGeom>
+            </p:spPr>
+          </p:pic>
+          <p:pic>
+            <p:nvPicPr>
+              <p:cNvPr id="35" name="図 34"/>
+              <p:cNvPicPr>
+                <a:picLocks noChangeAspect="1"/>
+              </p:cNvPicPr>
+              <p:nvPr/>
+            </p:nvPicPr>
+            <p:blipFill>
+              <a:blip r:embed="rId2" cstate="print">
+                <a:extLst>
+                  <a:ext uri="{28A0092B-C50C-407E-A947-70E740481C1C}">
+                    <a14:useLocalDpi xmlns:a14="http://schemas.microsoft.com/office/drawing/2010/main" val="0"/>
+                  </a:ext>
+                </a:extLst>
+              </a:blip>
+              <a:stretch>
+                <a:fillRect/>
+              </a:stretch>
+            </p:blipFill>
+            <p:spPr>
+              <a:xfrm>
+                <a:off x="4128593" y="5961703"/>
+                <a:ext cx="427506" cy="427506"/>
+              </a:xfrm>
+              <a:prstGeom prst="rect">
+                <a:avLst/>
+              </a:prstGeom>
+            </p:spPr>
+          </p:pic>
+          <p:pic>
+            <p:nvPicPr>
+              <p:cNvPr id="36" name="図 35"/>
+              <p:cNvPicPr>
+                <a:picLocks noChangeAspect="1"/>
+              </p:cNvPicPr>
+              <p:nvPr/>
+            </p:nvPicPr>
+            <p:blipFill>
+              <a:blip r:embed="rId2" cstate="print">
+                <a:extLst>
+                  <a:ext uri="{28A0092B-C50C-407E-A947-70E740481C1C}">
+                    <a14:useLocalDpi xmlns:a14="http://schemas.microsoft.com/office/drawing/2010/main" val="0"/>
+                  </a:ext>
+                </a:extLst>
+              </a:blip>
+              <a:stretch>
+                <a:fillRect/>
+              </a:stretch>
+            </p:blipFill>
+            <p:spPr>
+              <a:xfrm>
+                <a:off x="4120641" y="5380328"/>
+                <a:ext cx="427506" cy="427506"/>
+              </a:xfrm>
+              <a:prstGeom prst="rect">
+                <a:avLst/>
+              </a:prstGeom>
+            </p:spPr>
+          </p:pic>
+          <p:sp>
+            <p:nvSpPr>
+              <p:cNvPr id="37" name="テキスト ボックス 36"/>
+              <p:cNvSpPr txBox="1"/>
+              <p:nvPr/>
+            </p:nvSpPr>
+            <p:spPr>
+              <a:xfrm>
+                <a:off x="3156668" y="6457230"/>
+                <a:ext cx="2671638" cy="369332"/>
+              </a:xfrm>
+              <a:prstGeom prst="rect">
+                <a:avLst/>
+              </a:prstGeom>
+              <a:noFill/>
+            </p:spPr>
+            <p:txBody>
+              <a:bodyPr wrap="square" rtlCol="0">
+                <a:spAutoFit/>
+              </a:bodyPr>
+              <a:lstStyle/>
+              <a:p>
+                <a:r>
+                  <a:rPr kumimoji="1" lang="ja-JP" altLang="en-US" dirty="0" smtClean="0"/>
+                  <a:t>処理を分散するサーバー</a:t>
+                </a:r>
+                <a:endParaRPr kumimoji="1" lang="ja-JP" altLang="en-US" dirty="0"/>
+              </a:p>
+            </p:txBody>
+          </p:sp>
+          <p:cxnSp>
+            <p:nvCxnSpPr>
+              <p:cNvPr id="39" name="直線矢印コネクタ 38"/>
+              <p:cNvCxnSpPr>
+                <a:stCxn id="30" idx="3"/>
+                <a:endCxn id="32" idx="1"/>
+              </p:cNvCxnSpPr>
+              <p:nvPr/>
+            </p:nvCxnSpPr>
+            <p:spPr>
+              <a:xfrm flipV="1">
+                <a:off x="2629715" y="5015816"/>
+                <a:ext cx="1490926" cy="272976"/>
+              </a:xfrm>
+              <a:prstGeom prst="straightConnector1">
+                <a:avLst/>
+              </a:prstGeom>
+              <a:ln>
+                <a:tailEnd type="triangle"/>
+              </a:ln>
+            </p:spPr>
+            <p:style>
+              <a:lnRef idx="1">
+                <a:schemeClr val="accent1"/>
+              </a:lnRef>
+              <a:fillRef idx="0">
+                <a:schemeClr val="accent1"/>
+              </a:fillRef>
+              <a:effectRef idx="0">
+                <a:schemeClr val="accent1"/>
+              </a:effectRef>
+              <a:fontRef idx="minor">
+                <a:schemeClr val="tx1"/>
+              </a:fontRef>
+            </p:style>
+          </p:cxnSp>
+          <p:cxnSp>
+            <p:nvCxnSpPr>
+              <p:cNvPr id="41" name="直線矢印コネクタ 40"/>
+              <p:cNvCxnSpPr>
+                <a:stCxn id="30" idx="3"/>
+                <a:endCxn id="36" idx="1"/>
+              </p:cNvCxnSpPr>
+              <p:nvPr/>
+            </p:nvCxnSpPr>
+            <p:spPr>
+              <a:xfrm>
+                <a:off x="2629715" y="5288792"/>
+                <a:ext cx="1490926" cy="305289"/>
+              </a:xfrm>
+              <a:prstGeom prst="straightConnector1">
+                <a:avLst/>
+              </a:prstGeom>
+              <a:ln>
+                <a:tailEnd type="triangle"/>
+              </a:ln>
+            </p:spPr>
+            <p:style>
+              <a:lnRef idx="1">
+                <a:schemeClr val="accent1"/>
+              </a:lnRef>
+              <a:fillRef idx="0">
+                <a:schemeClr val="accent1"/>
+              </a:fillRef>
+              <a:effectRef idx="0">
+                <a:schemeClr val="accent1"/>
+              </a:effectRef>
+              <a:fontRef idx="minor">
+                <a:schemeClr val="tx1"/>
+              </a:fontRef>
+            </p:style>
+          </p:cxnSp>
+          <p:sp>
+            <p:nvSpPr>
+              <p:cNvPr id="78" name="正方形/長方形 77"/>
+              <p:cNvSpPr/>
+              <p:nvPr/>
+            </p:nvSpPr>
+            <p:spPr>
+              <a:xfrm>
+                <a:off x="466648" y="5932829"/>
+                <a:ext cx="2162379" cy="409003"/>
+              </a:xfrm>
+              <a:prstGeom prst="rect">
+                <a:avLst/>
+              </a:prstGeom>
+            </p:spPr>
+            <p:style>
+              <a:lnRef idx="1">
+                <a:schemeClr val="accent4"/>
+              </a:lnRef>
+              <a:fillRef idx="2">
+                <a:schemeClr val="accent4"/>
+              </a:fillRef>
+              <a:effectRef idx="1">
+                <a:schemeClr val="accent4"/>
+              </a:effectRef>
+              <a:fontRef idx="minor">
+                <a:schemeClr val="dk1"/>
+              </a:fontRef>
+            </p:style>
+            <p:txBody>
+              <a:bodyPr rtlCol="0" anchor="ctr"/>
+              <a:lstStyle/>
+              <a:p>
+                <a:pPr algn="ctr"/>
+                <a:r>
+                  <a:rPr kumimoji="1" lang="ja-JP" altLang="en-US" dirty="0" smtClean="0"/>
+                  <a:t>大量の動画データ</a:t>
+                </a:r>
+                <a:endParaRPr kumimoji="1" lang="en-US" altLang="ja-JP" dirty="0" smtClean="0"/>
+              </a:p>
+            </p:txBody>
+          </p:sp>
+          <p:cxnSp>
+            <p:nvCxnSpPr>
+              <p:cNvPr id="80" name="直線矢印コネクタ 79"/>
+              <p:cNvCxnSpPr>
+                <a:stCxn id="78" idx="3"/>
+                <a:endCxn id="35" idx="1"/>
+              </p:cNvCxnSpPr>
+              <p:nvPr/>
+            </p:nvCxnSpPr>
+            <p:spPr>
+              <a:xfrm>
+                <a:off x="2629027" y="6137331"/>
+                <a:ext cx="1499566" cy="38125"/>
+              </a:xfrm>
+              <a:prstGeom prst="straightConnector1">
+                <a:avLst/>
+              </a:prstGeom>
+              <a:ln>
+                <a:tailEnd type="triangle"/>
+              </a:ln>
+            </p:spPr>
+            <p:style>
+              <a:lnRef idx="1">
+                <a:schemeClr val="accent2"/>
+              </a:lnRef>
+              <a:fillRef idx="0">
+                <a:schemeClr val="accent2"/>
+              </a:fillRef>
+              <a:effectRef idx="0">
+                <a:schemeClr val="accent2"/>
+              </a:effectRef>
+              <a:fontRef idx="minor">
+                <a:schemeClr val="tx1"/>
+              </a:fontRef>
+            </p:style>
+          </p:cxnSp>
+          <p:cxnSp>
+            <p:nvCxnSpPr>
+              <p:cNvPr id="81" name="直線矢印コネクタ 80"/>
+              <p:cNvCxnSpPr>
+                <a:stCxn id="78" idx="3"/>
+                <a:endCxn id="32" idx="1"/>
+              </p:cNvCxnSpPr>
+              <p:nvPr/>
+            </p:nvCxnSpPr>
+            <p:spPr>
+              <a:xfrm flipV="1">
+                <a:off x="2629027" y="5015816"/>
+                <a:ext cx="1491614" cy="1121515"/>
+              </a:xfrm>
+              <a:prstGeom prst="straightConnector1">
+                <a:avLst/>
+              </a:prstGeom>
+              <a:ln>
+                <a:tailEnd type="triangle"/>
+              </a:ln>
+            </p:spPr>
+            <p:style>
+              <a:lnRef idx="1">
+                <a:schemeClr val="accent2"/>
+              </a:lnRef>
+              <a:fillRef idx="0">
+                <a:schemeClr val="accent2"/>
+              </a:fillRef>
+              <a:effectRef idx="0">
+                <a:schemeClr val="accent2"/>
+              </a:effectRef>
+              <a:fontRef idx="minor">
+                <a:schemeClr val="tx1"/>
+              </a:fontRef>
+            </p:style>
+          </p:cxnSp>
+          <p:cxnSp>
+            <p:nvCxnSpPr>
+              <p:cNvPr id="82" name="直線矢印コネクタ 81"/>
+              <p:cNvCxnSpPr>
+                <a:stCxn id="78" idx="3"/>
+                <a:endCxn id="36" idx="1"/>
+              </p:cNvCxnSpPr>
+              <p:nvPr/>
+            </p:nvCxnSpPr>
+            <p:spPr>
+              <a:xfrm flipV="1">
+                <a:off x="2629027" y="5594081"/>
+                <a:ext cx="1491614" cy="543250"/>
+              </a:xfrm>
+              <a:prstGeom prst="straightConnector1">
+                <a:avLst/>
+              </a:prstGeom>
+              <a:ln>
+                <a:tailEnd type="triangle"/>
+              </a:ln>
+            </p:spPr>
+            <p:style>
+              <a:lnRef idx="1">
+                <a:schemeClr val="accent2"/>
+              </a:lnRef>
+              <a:fillRef idx="0">
+                <a:schemeClr val="accent2"/>
+              </a:fillRef>
+              <a:effectRef idx="0">
+                <a:schemeClr val="accent2"/>
+              </a:effectRef>
+              <a:fontRef idx="minor">
+                <a:schemeClr val="tx1"/>
+              </a:fontRef>
+            </p:style>
+          </p:cxnSp>
+          <p:sp>
+            <p:nvSpPr>
+              <p:cNvPr id="87" name="正方形/長方形 86"/>
+              <p:cNvSpPr/>
+              <p:nvPr/>
+            </p:nvSpPr>
+            <p:spPr>
+              <a:xfrm>
+                <a:off x="6178660" y="5337957"/>
+                <a:ext cx="2615980" cy="721564"/>
+              </a:xfrm>
+              <a:prstGeom prst="rect">
+                <a:avLst/>
+              </a:prstGeom>
+            </p:spPr>
+            <p:style>
+              <a:lnRef idx="1">
+                <a:schemeClr val="accent6"/>
+              </a:lnRef>
+              <a:fillRef idx="2">
+                <a:schemeClr val="accent6"/>
+              </a:fillRef>
+              <a:effectRef idx="1">
+                <a:schemeClr val="accent6"/>
+              </a:effectRef>
+              <a:fontRef idx="minor">
+                <a:schemeClr val="dk1"/>
+              </a:fontRef>
+            </p:style>
+            <p:txBody>
+              <a:bodyPr rtlCol="0" anchor="ctr"/>
+              <a:lstStyle/>
+              <a:p>
+                <a:pPr algn="ctr"/>
+                <a:r>
+                  <a:rPr kumimoji="1" lang="ja-JP" altLang="en-US" dirty="0" smtClean="0"/>
+                  <a:t>合成されたデータ</a:t>
+                </a:r>
+                <a:endParaRPr kumimoji="1" lang="ja-JP" altLang="en-US" dirty="0"/>
+              </a:p>
+            </p:txBody>
+          </p:sp>
+          <p:cxnSp>
+            <p:nvCxnSpPr>
+              <p:cNvPr id="95" name="直線矢印コネクタ 94"/>
+              <p:cNvCxnSpPr>
+                <a:stCxn id="32" idx="3"/>
+                <a:endCxn id="87" idx="1"/>
+              </p:cNvCxnSpPr>
+              <p:nvPr/>
+            </p:nvCxnSpPr>
+            <p:spPr>
+              <a:xfrm>
+                <a:off x="4548147" y="5015816"/>
+                <a:ext cx="1630513" cy="682923"/>
+              </a:xfrm>
+              <a:prstGeom prst="straightConnector1">
+                <a:avLst/>
+              </a:prstGeom>
+              <a:ln>
+                <a:tailEnd type="triangle"/>
+              </a:ln>
+            </p:spPr>
+            <p:style>
+              <a:lnRef idx="1">
+                <a:schemeClr val="accent6"/>
+              </a:lnRef>
+              <a:fillRef idx="0">
+                <a:schemeClr val="accent6"/>
+              </a:fillRef>
+              <a:effectRef idx="0">
+                <a:schemeClr val="accent6"/>
+              </a:effectRef>
+              <a:fontRef idx="minor">
+                <a:schemeClr val="tx1"/>
+              </a:fontRef>
+            </p:style>
+          </p:cxnSp>
+          <p:cxnSp>
+            <p:nvCxnSpPr>
+              <p:cNvPr id="96" name="直線矢印コネクタ 95"/>
+              <p:cNvCxnSpPr>
+                <a:stCxn id="36" idx="3"/>
+                <a:endCxn id="87" idx="1"/>
+              </p:cNvCxnSpPr>
+              <p:nvPr/>
+            </p:nvCxnSpPr>
+            <p:spPr>
+              <a:xfrm>
+                <a:off x="4548147" y="5594081"/>
+                <a:ext cx="1630513" cy="104658"/>
+              </a:xfrm>
+              <a:prstGeom prst="straightConnector1">
+                <a:avLst/>
+              </a:prstGeom>
+              <a:ln>
+                <a:tailEnd type="triangle"/>
+              </a:ln>
+            </p:spPr>
+            <p:style>
+              <a:lnRef idx="1">
+                <a:schemeClr val="accent6"/>
+              </a:lnRef>
+              <a:fillRef idx="0">
+                <a:schemeClr val="accent6"/>
+              </a:fillRef>
+              <a:effectRef idx="0">
+                <a:schemeClr val="accent6"/>
+              </a:effectRef>
+              <a:fontRef idx="minor">
+                <a:schemeClr val="tx1"/>
+              </a:fontRef>
+            </p:style>
+          </p:cxnSp>
+          <p:cxnSp>
+            <p:nvCxnSpPr>
+              <p:cNvPr id="97" name="直線矢印コネクタ 96"/>
+              <p:cNvCxnSpPr>
+                <a:stCxn id="35" idx="3"/>
+                <a:endCxn id="87" idx="1"/>
+              </p:cNvCxnSpPr>
+              <p:nvPr/>
+            </p:nvCxnSpPr>
+            <p:spPr>
+              <a:xfrm flipV="1">
+                <a:off x="4556099" y="5698739"/>
+                <a:ext cx="1622561" cy="476717"/>
+              </a:xfrm>
+              <a:prstGeom prst="straightConnector1">
+                <a:avLst/>
+              </a:prstGeom>
+              <a:ln>
+                <a:tailEnd type="triangle"/>
+              </a:ln>
+            </p:spPr>
+            <p:style>
+              <a:lnRef idx="1">
+                <a:schemeClr val="accent6"/>
+              </a:lnRef>
+              <a:fillRef idx="0">
+                <a:schemeClr val="accent6"/>
+              </a:fillRef>
+              <a:effectRef idx="0">
+                <a:schemeClr val="accent6"/>
+              </a:effectRef>
+              <a:fontRef idx="minor">
+                <a:schemeClr val="tx1"/>
+              </a:fontRef>
+            </p:style>
+          </p:cxnSp>
+        </p:grpSp>
+      </p:grpSp>
+    </p:spTree>
+    <p:extLst>
+      <p:ext uri="{BB962C8B-B14F-4D97-AF65-F5344CB8AC3E}">
+        <p14:creationId xmlns:p14="http://schemas.microsoft.com/office/powerpoint/2010/main" val="3482704347"/>
+      </p:ext>
+    </p:extLst>
+  </p:cSld>
+  <p:clrMapOvr>
+    <a:masterClrMapping/>
+  </p:clrMapOvr>
+  <p:timing>
+    <p:tnLst>
+      <p:par>
+        <p:cTn id="1" dur="indefinite" restart="never" nodeType="tmRoot"/>
+      </p:par>
+    </p:tnLst>
+  </p:timing>
+</p:sld>
+</file>
+
+<file path=ppt/slides/slide5.xml><?xml version="1.0" encoding="utf-8"?>
+<p:sld xmlns:a="http://schemas.openxmlformats.org/drawingml/2006/main" xmlns:r="http://schemas.openxmlformats.org/officeDocument/2006/relationships" xmlns:p="http://schemas.openxmlformats.org/presentationml/2006/main">
+  <p:cSld>
+    <p:spTree>
+      <p:nvGrpSpPr>
+        <p:cNvPr id="1" name=""/>
+        <p:cNvGrpSpPr/>
+        <p:nvPr/>
+      </p:nvGrpSpPr>
+      <p:grpSpPr>
+        <a:xfrm>
+          <a:off x="0" y="0"/>
+          <a:ext cx="0" cy="0"/>
+          <a:chOff x="0" y="0"/>
+          <a:chExt cx="0" cy="0"/>
+        </a:xfrm>
+      </p:grpSpPr>
+      <p:sp>
+        <p:nvSpPr>
+          <p:cNvPr id="2" name="タイトル 1"/>
+          <p:cNvSpPr>
+            <a:spLocks noGrp="1"/>
+          </p:cNvSpPr>
+          <p:nvPr>
+            <p:ph type="title"/>
+          </p:nvPr>
+        </p:nvSpPr>
+        <p:spPr/>
+        <p:txBody>
+          <a:bodyPr/>
+          <a:lstStyle/>
+          <a:p>
+            <a:r>
+              <a:rPr kumimoji="1" lang="ja-JP" altLang="en-US" dirty="0"/>
+              <a:t>研究目的</a:t>
+            </a:r>
+          </a:p>
+        </p:txBody>
+      </p:sp>
+      <p:sp>
+        <p:nvSpPr>
+          <p:cNvPr id="3" name="コンテンツ プレースホルダー 2"/>
+          <p:cNvSpPr>
+            <a:spLocks noGrp="1"/>
+          </p:cNvSpPr>
+          <p:nvPr>
+            <p:ph idx="1"/>
+          </p:nvPr>
+        </p:nvSpPr>
+        <p:spPr>
+          <a:xfrm>
+            <a:off x="628650" y="1846645"/>
+            <a:ext cx="7886700" cy="4351338"/>
+          </a:xfrm>
+        </p:spPr>
+        <p:txBody>
+          <a:bodyPr/>
+          <a:lstStyle/>
+          <a:p>
+            <a:r>
+              <a:rPr lang="ja-JP" altLang="en-US" sz="2800" dirty="0"/>
+              <a:t>楽曲</a:t>
+            </a:r>
+            <a:r>
+              <a:rPr lang="en-US" altLang="ja-JP" sz="2800" dirty="0"/>
+              <a:t>SNS</a:t>
+            </a:r>
+            <a:r>
+              <a:rPr lang="ja-JP" altLang="en-US" sz="2800" dirty="0"/>
+              <a:t>における楽曲コンテンツと動画コンテンツの並列マッチング処理システムの</a:t>
+            </a:r>
+            <a:r>
+              <a:rPr lang="ja-JP" altLang="en-US" dirty="0"/>
+              <a:t>提案</a:t>
+            </a:r>
+            <a:endParaRPr kumimoji="1" lang="en-US" altLang="ja-JP" dirty="0"/>
+          </a:p>
+          <a:p>
+            <a:pPr marL="0" indent="0">
+              <a:buNone/>
+            </a:pPr>
+            <a:endParaRPr lang="en-US" altLang="ja-JP" dirty="0"/>
+          </a:p>
+          <a:p>
+            <a:r>
+              <a:rPr kumimoji="1" lang="ja-JP" altLang="en-US" dirty="0"/>
+              <a:t>実験システムの</a:t>
+            </a:r>
+            <a:r>
+              <a:rPr lang="ja-JP" altLang="en-US" dirty="0"/>
+              <a:t>構築</a:t>
+            </a:r>
+            <a:endParaRPr kumimoji="1" lang="en-US" altLang="ja-JP" dirty="0"/>
+          </a:p>
+          <a:p>
+            <a:pPr marL="0" indent="0">
+              <a:buNone/>
+            </a:pPr>
+            <a:endParaRPr kumimoji="1" lang="en-US" altLang="ja-JP" dirty="0"/>
+          </a:p>
+          <a:p>
+            <a:r>
+              <a:rPr lang="ja-JP" altLang="en-US" dirty="0"/>
+              <a:t>実験による，提案システムの実現可能性の</a:t>
+            </a:r>
+            <a:r>
+              <a:rPr lang="ja-JP" altLang="en-US" dirty="0" smtClean="0"/>
+              <a:t>評価</a:t>
+            </a:r>
+            <a:endParaRPr lang="en-US" altLang="ja-JP" dirty="0" smtClean="0"/>
+          </a:p>
+          <a:p>
+            <a:pPr marL="0" indent="0">
+              <a:buNone/>
+            </a:pPr>
+            <a:endParaRPr kumimoji="1" lang="ja-JP" altLang="en-US" dirty="0"/>
+          </a:p>
+        </p:txBody>
+      </p:sp>
+      <p:sp>
+        <p:nvSpPr>
+          <p:cNvPr id="4" name="スライド番号プレースホルダー 3"/>
+          <p:cNvSpPr>
+            <a:spLocks noGrp="1"/>
+          </p:cNvSpPr>
+          <p:nvPr>
+            <p:ph type="sldNum" sz="quarter" idx="12"/>
+          </p:nvPr>
+        </p:nvSpPr>
+        <p:spPr/>
+        <p:txBody>
+          <a:bodyPr/>
+          <a:lstStyle/>
+          <a:p>
+            <a:fld id="{B4451160-128F-4DAD-AE29-4A8CC0E7B9E9}" type="slidenum">
+              <a:rPr kumimoji="1" lang="ja-JP" altLang="en-US" smtClean="0"/>
+              <a:t>5</a:t>
+            </a:fld>
+            <a:endParaRPr kumimoji="1" lang="ja-JP" altLang="en-US"/>
+          </a:p>
+        </p:txBody>
+      </p:sp>
+    </p:spTree>
+    <p:extLst>
+      <p:ext uri="{BB962C8B-B14F-4D97-AF65-F5344CB8AC3E}">
+        <p14:creationId xmlns:p14="http://schemas.microsoft.com/office/powerpoint/2010/main" val="114472190"/>
+      </p:ext>
+    </p:extLst>
+  </p:cSld>
+  <p:clrMapOvr>
+    <a:masterClrMapping/>
+  </p:clrMapOvr>
+  <p:timing>
+    <p:tnLst>
+      <p:par>
+        <p:cTn id="1" dur="indefinite" restart="never" nodeType="tmRoot"/>
+      </p:par>
+    </p:tnLst>
+  </p:timing>
+</p:sld>
+</file>
+
+<file path=ppt/slides/slide6.xml><?xml version="1.0" encoding="utf-8"?>
+<p:sld xmlns:a="http://schemas.openxmlformats.org/drawingml/2006/main" xmlns:r="http://schemas.openxmlformats.org/officeDocument/2006/relationships" xmlns:p="http://schemas.openxmlformats.org/presentationml/2006/main">
+  <p:cSld>
+    <p:spTree>
+      <p:nvGrpSpPr>
+        <p:cNvPr id="1" name=""/>
+        <p:cNvGrpSpPr/>
+        <p:nvPr/>
+      </p:nvGrpSpPr>
+      <p:grpSpPr>
+        <a:xfrm>
+          <a:off x="0" y="0"/>
+          <a:ext cx="0" cy="0"/>
+          <a:chOff x="0" y="0"/>
+          <a:chExt cx="0" cy="0"/>
+        </a:xfrm>
+      </p:grpSpPr>
+      <p:sp>
+        <p:nvSpPr>
+          <p:cNvPr id="2" name="タイトル 1"/>
+          <p:cNvSpPr>
+            <a:spLocks noGrp="1"/>
+          </p:cNvSpPr>
+          <p:nvPr>
+            <p:ph type="title"/>
+          </p:nvPr>
+        </p:nvSpPr>
+        <p:spPr/>
+        <p:txBody>
+          <a:bodyPr/>
+          <a:lstStyle/>
+          <a:p>
+            <a:r>
+              <a:rPr kumimoji="1" lang="ja-JP" altLang="en-US" dirty="0" smtClean="0"/>
+              <a:t>実験環境</a:t>
+            </a:r>
+            <a:endParaRPr kumimoji="1" lang="ja-JP" altLang="en-US" dirty="0"/>
+          </a:p>
+        </p:txBody>
+      </p:sp>
+      <p:graphicFrame>
+        <p:nvGraphicFramePr>
+          <p:cNvPr id="7" name="コンテンツ プレースホルダー 6"/>
+          <p:cNvGraphicFramePr>
+            <a:graphicFrameLocks noGrp="1"/>
+          </p:cNvGraphicFramePr>
+          <p:nvPr>
+            <p:ph idx="1"/>
+            <p:extLst>
+              <p:ext uri="{D42A27DB-BD31-4B8C-83A1-F6EECF244321}">
+                <p14:modId xmlns:p14="http://schemas.microsoft.com/office/powerpoint/2010/main" val="253861860"/>
+              </p:ext>
+            </p:extLst>
+          </p:nvPr>
+        </p:nvGraphicFramePr>
+        <p:xfrm>
+          <a:off x="628650" y="1825625"/>
+          <a:ext cx="7799733" cy="741680"/>
+        </p:xfrm>
+        <a:graphic>
+          <a:graphicData uri="http://schemas.openxmlformats.org/drawingml/2006/table">
+            <a:tbl>
+              <a:tblPr firstRow="1" bandRow="1">
+                <a:tableStyleId>{5C22544A-7EE6-4342-B048-85BDC9FD1C3A}</a:tableStyleId>
+              </a:tblPr>
+              <a:tblGrid>
+                <a:gridCol w="2599911">
+                  <a:extLst>
+                    <a:ext uri="{9D8B030D-6E8A-4147-A177-3AD203B41FA5}">
+                      <a16:colId xmlns:a16="http://schemas.microsoft.com/office/drawing/2014/main" val="1402794385"/>
+                    </a:ext>
+                  </a:extLst>
+                </a:gridCol>
+                <a:gridCol w="2599911">
+                  <a:extLst>
+                    <a:ext uri="{9D8B030D-6E8A-4147-A177-3AD203B41FA5}">
+                      <a16:colId xmlns:a16="http://schemas.microsoft.com/office/drawing/2014/main" val="88355118"/>
+                    </a:ext>
+                  </a:extLst>
+                </a:gridCol>
+                <a:gridCol w="2599911">
+                  <a:extLst>
+                    <a:ext uri="{9D8B030D-6E8A-4147-A177-3AD203B41FA5}">
+                      <a16:colId xmlns:a16="http://schemas.microsoft.com/office/drawing/2014/main" val="1273748139"/>
+                    </a:ext>
+                  </a:extLst>
+                </a:gridCol>
+              </a:tblGrid>
+              <a:tr h="370840">
+                <a:tc>
+                  <a:txBody>
+                    <a:bodyPr/>
+                    <a:lstStyle/>
+                    <a:p>
+                      <a:r>
+                        <a:rPr kumimoji="1" lang="ja-JP" altLang="en-US" dirty="0" smtClean="0"/>
+                        <a:t>機器名</a:t>
+                      </a:r>
+                      <a:endParaRPr kumimoji="1" lang="ja-JP" altLang="en-US" dirty="0"/>
+                    </a:p>
+                  </a:txBody>
+                  <a:tcPr/>
+                </a:tc>
+                <a:tc>
+                  <a:txBody>
+                    <a:bodyPr/>
+                    <a:lstStyle/>
+                    <a:p>
+                      <a:r>
+                        <a:rPr kumimoji="1" lang="ja-JP" altLang="en-US" dirty="0" smtClean="0"/>
+                        <a:t>台数</a:t>
+                      </a:r>
+                      <a:endParaRPr kumimoji="1" lang="ja-JP" altLang="en-US" dirty="0"/>
+                    </a:p>
+                  </a:txBody>
+                  <a:tcPr/>
+                </a:tc>
+                <a:tc>
+                  <a:txBody>
+                    <a:bodyPr/>
+                    <a:lstStyle/>
+                    <a:p>
+                      <a:r>
+                        <a:rPr kumimoji="1" lang="en-US" altLang="ja-JP" dirty="0" smtClean="0"/>
+                        <a:t>OS</a:t>
+                      </a:r>
+                      <a:endParaRPr kumimoji="1" lang="ja-JP" altLang="en-US" dirty="0"/>
+                    </a:p>
+                  </a:txBody>
+                  <a:tcPr/>
+                </a:tc>
+                <a:extLst>
+                  <a:ext uri="{0D108BD9-81ED-4DB2-BD59-A6C34878D82A}">
+                    <a16:rowId xmlns:a16="http://schemas.microsoft.com/office/drawing/2014/main" val="3682346588"/>
+                  </a:ext>
+                </a:extLst>
+              </a:tr>
+              <a:tr h="370840">
+                <a:tc>
+                  <a:txBody>
+                    <a:bodyPr/>
+                    <a:lstStyle/>
+                    <a:p>
+                      <a:r>
+                        <a:rPr kumimoji="1" lang="en-US" altLang="ja-JP" dirty="0" smtClean="0"/>
+                        <a:t>Raspberry</a:t>
+                      </a:r>
+                      <a:r>
+                        <a:rPr kumimoji="1" lang="en-US" altLang="ja-JP" baseline="0" dirty="0" smtClean="0"/>
+                        <a:t> pi 4B 2G</a:t>
+                      </a:r>
+                      <a:endParaRPr kumimoji="1" lang="ja-JP" altLang="en-US" dirty="0"/>
+                    </a:p>
+                  </a:txBody>
+                  <a:tcPr/>
+                </a:tc>
+                <a:tc>
+                  <a:txBody>
+                    <a:bodyPr/>
+                    <a:lstStyle/>
+                    <a:p>
+                      <a:r>
+                        <a:rPr kumimoji="1" lang="en-US" altLang="ja-JP" dirty="0" smtClean="0"/>
+                        <a:t>2</a:t>
+                      </a:r>
+                      <a:endParaRPr kumimoji="1" lang="ja-JP" altLang="en-US" dirty="0"/>
+                    </a:p>
+                  </a:txBody>
+                  <a:tcPr/>
+                </a:tc>
+                <a:tc>
+                  <a:txBody>
+                    <a:bodyPr/>
+                    <a:lstStyle/>
+                    <a:p>
+                      <a:r>
+                        <a:rPr kumimoji="1" lang="en-US" altLang="ja-JP" dirty="0" err="1" smtClean="0"/>
+                        <a:t>Raspbian</a:t>
+                      </a:r>
+                      <a:endParaRPr kumimoji="1" lang="en-US" altLang="ja-JP" dirty="0" smtClean="0"/>
+                    </a:p>
+                  </a:txBody>
+                  <a:tcPr/>
+                </a:tc>
+                <a:extLst>
+                  <a:ext uri="{0D108BD9-81ED-4DB2-BD59-A6C34878D82A}">
+                    <a16:rowId xmlns:a16="http://schemas.microsoft.com/office/drawing/2014/main" val="1746402446"/>
+                  </a:ext>
+                </a:extLst>
+              </a:tr>
+            </a:tbl>
+          </a:graphicData>
+        </a:graphic>
+      </p:graphicFrame>
+      <p:sp>
+        <p:nvSpPr>
+          <p:cNvPr id="4" name="スライド番号プレースホルダー 3"/>
+          <p:cNvSpPr>
+            <a:spLocks noGrp="1"/>
+          </p:cNvSpPr>
+          <p:nvPr>
+            <p:ph type="sldNum" sz="quarter" idx="12"/>
+          </p:nvPr>
+        </p:nvSpPr>
+        <p:spPr/>
+        <p:txBody>
+          <a:bodyPr/>
+          <a:lstStyle/>
+          <a:p>
+            <a:fld id="{B4451160-128F-4DAD-AE29-4A8CC0E7B9E9}" type="slidenum">
+              <a:rPr lang="ja-JP" altLang="en-US" smtClean="0"/>
+              <a:pPr/>
+              <a:t>6</a:t>
+            </a:fld>
+            <a:endParaRPr lang="ja-JP" altLang="en-US" dirty="0"/>
+          </a:p>
+        </p:txBody>
+      </p:sp>
+      <p:sp>
+        <p:nvSpPr>
+          <p:cNvPr id="3" name="テキスト ボックス 2"/>
+          <p:cNvSpPr txBox="1"/>
+          <p:nvPr/>
+        </p:nvSpPr>
+        <p:spPr>
+          <a:xfrm>
+            <a:off x="739471" y="3427012"/>
+            <a:ext cx="7474226" cy="1477328"/>
+          </a:xfrm>
+          <a:prstGeom prst="rect">
+            <a:avLst/>
+          </a:prstGeom>
+          <a:noFill/>
+        </p:spPr>
+        <p:txBody>
+          <a:bodyPr wrap="square" rtlCol="0">
+            <a:spAutoFit/>
+          </a:bodyPr>
+          <a:lstStyle/>
+          <a:p>
+            <a:r>
+              <a:rPr kumimoji="1" lang="ja-JP" altLang="en-US" dirty="0" smtClean="0"/>
+              <a:t>・ジャンル分け・動画と音楽の合成での並列処理で</a:t>
+            </a:r>
+            <a:r>
+              <a:rPr lang="ja-JP" altLang="en-US" dirty="0"/>
+              <a:t>使用</a:t>
+            </a:r>
+            <a:r>
+              <a:rPr lang="ja-JP" altLang="en-US" dirty="0" smtClean="0"/>
+              <a:t>する</a:t>
+            </a:r>
+            <a:r>
+              <a:rPr lang="en-US" altLang="ja-JP" dirty="0" smtClean="0"/>
+              <a:t>.</a:t>
+            </a:r>
+            <a:endParaRPr lang="en-US" altLang="ja-JP" dirty="0"/>
+          </a:p>
+          <a:p>
+            <a:endParaRPr lang="en-US" altLang="ja-JP" dirty="0" smtClean="0"/>
+          </a:p>
+          <a:p>
+            <a:r>
+              <a:rPr lang="ja-JP" altLang="en-US" dirty="0" smtClean="0"/>
+              <a:t>楽曲のジャンル推定時に使用したデータセット：</a:t>
+            </a:r>
+            <a:r>
+              <a:rPr lang="en-US" altLang="ja-JP" dirty="0" smtClean="0"/>
+              <a:t>FMA_SMALL</a:t>
+            </a:r>
+          </a:p>
+          <a:p>
+            <a:endParaRPr lang="en-US" altLang="ja-JP" dirty="0" smtClean="0"/>
+          </a:p>
+          <a:p>
+            <a:r>
+              <a:rPr lang="en-US" altLang="ja-JP" dirty="0" smtClean="0"/>
+              <a:t>Python </a:t>
+            </a:r>
+            <a:r>
+              <a:rPr lang="ja-JP" altLang="en-US" dirty="0" smtClean="0"/>
+              <a:t>のバージョンは</a:t>
+            </a:r>
+            <a:r>
+              <a:rPr lang="en-US" altLang="ja-JP" dirty="0" smtClean="0"/>
+              <a:t>3.7.3</a:t>
+            </a:r>
+            <a:endParaRPr lang="en-US" altLang="ja-JP" dirty="0"/>
+          </a:p>
+        </p:txBody>
+      </p:sp>
+    </p:spTree>
+    <p:extLst>
+      <p:ext uri="{BB962C8B-B14F-4D97-AF65-F5344CB8AC3E}">
+        <p14:creationId xmlns:p14="http://schemas.microsoft.com/office/powerpoint/2010/main" val="857118555"/>
+      </p:ext>
+    </p:extLst>
+  </p:cSld>
+  <p:clrMapOvr>
+    <a:masterClrMapping/>
+  </p:clrMapOvr>
+  <p:timing>
+    <p:tnLst>
+      <p:par>
+        <p:cTn id="1" dur="indefinite" restart="never" nodeType="tmRoot"/>
+      </p:par>
+    </p:tnLst>
+  </p:timing>
+</p:sld>
+</file>
+
+<file path=ppt/slides/slide7.xml><?xml version="1.0" encoding="utf-8"?>
+<p:sld xmlns:a="http://schemas.openxmlformats.org/drawingml/2006/main" xmlns:r="http://schemas.openxmlformats.org/officeDocument/2006/relationships" xmlns:p="http://schemas.openxmlformats.org/presentationml/2006/main">
+  <p:cSld>
+    <p:spTree>
+      <p:nvGrpSpPr>
+        <p:cNvPr id="1" name=""/>
+        <p:cNvGrpSpPr/>
+        <p:nvPr/>
+      </p:nvGrpSpPr>
+      <p:grpSpPr>
+        <a:xfrm>
+          <a:off x="0" y="0"/>
+          <a:ext cx="0" cy="0"/>
+          <a:chOff x="0" y="0"/>
+          <a:chExt cx="0" cy="0"/>
+        </a:xfrm>
+      </p:grpSpPr>
+      <p:sp>
+        <p:nvSpPr>
+          <p:cNvPr id="2" name="タイトル 1"/>
+          <p:cNvSpPr>
+            <a:spLocks noGrp="1"/>
+          </p:cNvSpPr>
+          <p:nvPr>
+            <p:ph type="title"/>
+          </p:nvPr>
+        </p:nvSpPr>
+        <p:spPr/>
+        <p:txBody>
+          <a:bodyPr/>
+          <a:lstStyle/>
+          <a:p>
+            <a:r>
+              <a:rPr kumimoji="1" lang="ja-JP" altLang="en-US" dirty="0" smtClean="0"/>
+              <a:t>実験環境</a:t>
+            </a:r>
+            <a:endParaRPr kumimoji="1" lang="ja-JP" altLang="en-US" dirty="0"/>
+          </a:p>
+        </p:txBody>
+      </p:sp>
+      <p:graphicFrame>
+        <p:nvGraphicFramePr>
+          <p:cNvPr id="5" name="コンテンツ プレースホルダー 4"/>
+          <p:cNvGraphicFramePr>
+            <a:graphicFrameLocks noGrp="1"/>
+          </p:cNvGraphicFramePr>
+          <p:nvPr>
+            <p:ph idx="1"/>
+            <p:extLst>
+              <p:ext uri="{D42A27DB-BD31-4B8C-83A1-F6EECF244321}">
+                <p14:modId xmlns:p14="http://schemas.microsoft.com/office/powerpoint/2010/main" val="3972872404"/>
+              </p:ext>
+            </p:extLst>
+          </p:nvPr>
+        </p:nvGraphicFramePr>
+        <p:xfrm>
+          <a:off x="318051" y="1690685"/>
+          <a:ext cx="8587410" cy="4272793"/>
+        </p:xfrm>
+        <a:graphic>
+          <a:graphicData uri="http://schemas.openxmlformats.org/drawingml/2006/table">
+            <a:tbl>
+              <a:tblPr firstRow="1" firstCol="1" bandRow="1">
+                <a:tableStyleId>{5C22544A-7EE6-4342-B048-85BDC9FD1C3A}</a:tableStyleId>
+              </a:tblPr>
+              <a:tblGrid>
+                <a:gridCol w="2861858">
+                  <a:extLst>
+                    <a:ext uri="{9D8B030D-6E8A-4147-A177-3AD203B41FA5}">
+                      <a16:colId xmlns:a16="http://schemas.microsoft.com/office/drawing/2014/main" val="2664710140"/>
+                    </a:ext>
+                  </a:extLst>
+                </a:gridCol>
+                <a:gridCol w="1302265">
+                  <a:extLst>
+                    <a:ext uri="{9D8B030D-6E8A-4147-A177-3AD203B41FA5}">
+                      <a16:colId xmlns:a16="http://schemas.microsoft.com/office/drawing/2014/main" val="990136204"/>
+                    </a:ext>
+                  </a:extLst>
+                </a:gridCol>
+                <a:gridCol w="4423287">
+                  <a:extLst>
+                    <a:ext uri="{9D8B030D-6E8A-4147-A177-3AD203B41FA5}">
+                      <a16:colId xmlns:a16="http://schemas.microsoft.com/office/drawing/2014/main" val="2289225409"/>
+                    </a:ext>
+                  </a:extLst>
+                </a:gridCol>
+              </a:tblGrid>
+              <a:tr h="251341">
+                <a:tc>
+                  <a:txBody>
+                    <a:bodyPr/>
+                    <a:lstStyle/>
+                    <a:p>
+                      <a:pPr algn="just">
+                        <a:spcAft>
+                          <a:spcPts val="0"/>
+                        </a:spcAft>
+                      </a:pPr>
+                      <a:r>
+                        <a:rPr lang="ja-JP" sz="1400" kern="100">
+                          <a:effectLst/>
+                        </a:rPr>
+                        <a:t>ライブラリ名</a:t>
+                      </a:r>
+                      <a:endParaRPr lang="ja-JP" sz="1400" kern="100">
+                        <a:effectLst/>
+                        <a:latin typeface="Century" panose="02040604050505020304" pitchFamily="18" charset="0"/>
+                        <a:ea typeface="ＭＳ 明朝" panose="02020609040205080304" pitchFamily="17" charset="-128"/>
+                        <a:cs typeface="Times New Roman" panose="02020603050405020304" pitchFamily="18" charset="0"/>
+                      </a:endParaRPr>
+                    </a:p>
+                  </a:txBody>
+                  <a:tcPr marL="68580" marR="68580" marT="0" marB="0"/>
+                </a:tc>
+                <a:tc>
+                  <a:txBody>
+                    <a:bodyPr/>
+                    <a:lstStyle/>
+                    <a:p>
+                      <a:pPr algn="just">
+                        <a:spcAft>
+                          <a:spcPts val="0"/>
+                        </a:spcAft>
+                      </a:pPr>
+                      <a:r>
+                        <a:rPr lang="ja-JP" sz="1400" kern="100">
+                          <a:effectLst/>
+                        </a:rPr>
+                        <a:t>バージョン</a:t>
+                      </a:r>
+                      <a:endParaRPr lang="ja-JP" sz="1400" kern="100">
+                        <a:effectLst/>
+                        <a:latin typeface="Century" panose="02040604050505020304" pitchFamily="18" charset="0"/>
+                        <a:ea typeface="ＭＳ 明朝" panose="02020609040205080304" pitchFamily="17" charset="-128"/>
+                        <a:cs typeface="Times New Roman" panose="02020603050405020304" pitchFamily="18" charset="0"/>
+                      </a:endParaRPr>
+                    </a:p>
+                  </a:txBody>
+                  <a:tcPr marL="68580" marR="68580" marT="0" marB="0"/>
+                </a:tc>
+                <a:tc>
+                  <a:txBody>
+                    <a:bodyPr/>
+                    <a:lstStyle/>
+                    <a:p>
+                      <a:pPr algn="just">
+                        <a:spcAft>
+                          <a:spcPts val="0"/>
+                        </a:spcAft>
+                      </a:pPr>
+                      <a:r>
+                        <a:rPr lang="ja-JP" sz="1400" kern="100">
+                          <a:effectLst/>
+                        </a:rPr>
+                        <a:t>備考</a:t>
+                      </a:r>
+                      <a:endParaRPr lang="ja-JP" sz="1400" kern="100">
+                        <a:effectLst/>
+                        <a:latin typeface="Century" panose="02040604050505020304" pitchFamily="18" charset="0"/>
+                        <a:ea typeface="ＭＳ 明朝" panose="02020609040205080304" pitchFamily="17" charset="-128"/>
+                        <a:cs typeface="Times New Roman" panose="02020603050405020304" pitchFamily="18" charset="0"/>
+                      </a:endParaRPr>
+                    </a:p>
+                  </a:txBody>
+                  <a:tcPr marL="68580" marR="68580" marT="0" marB="0"/>
+                </a:tc>
+                <a:extLst>
+                  <a:ext uri="{0D108BD9-81ED-4DB2-BD59-A6C34878D82A}">
+                    <a16:rowId xmlns:a16="http://schemas.microsoft.com/office/drawing/2014/main" val="1575752077"/>
+                  </a:ext>
+                </a:extLst>
+              </a:tr>
+              <a:tr h="251341">
+                <a:tc>
+                  <a:txBody>
+                    <a:bodyPr/>
+                    <a:lstStyle/>
+                    <a:p>
+                      <a:pPr algn="just">
+                        <a:spcAft>
+                          <a:spcPts val="0"/>
+                        </a:spcAft>
+                      </a:pPr>
+                      <a:r>
+                        <a:rPr lang="en-US" sz="1400" kern="100">
+                          <a:effectLst/>
+                        </a:rPr>
+                        <a:t>pandas</a:t>
+                      </a:r>
+                      <a:endParaRPr lang="ja-JP" sz="1400" kern="100">
+                        <a:effectLst/>
+                        <a:latin typeface="Century" panose="02040604050505020304" pitchFamily="18" charset="0"/>
+                        <a:ea typeface="ＭＳ 明朝" panose="02020609040205080304" pitchFamily="17" charset="-128"/>
+                        <a:cs typeface="Times New Roman" panose="02020603050405020304" pitchFamily="18" charset="0"/>
+                      </a:endParaRPr>
+                    </a:p>
+                  </a:txBody>
+                  <a:tcPr marL="68580" marR="68580" marT="0" marB="0"/>
+                </a:tc>
+                <a:tc>
+                  <a:txBody>
+                    <a:bodyPr/>
+                    <a:lstStyle/>
+                    <a:p>
+                      <a:pPr algn="just">
+                        <a:spcAft>
+                          <a:spcPts val="0"/>
+                        </a:spcAft>
+                      </a:pPr>
+                      <a:r>
+                        <a:rPr lang="en-US" sz="1400" kern="100">
+                          <a:effectLst/>
+                        </a:rPr>
+                        <a:t>1.3.4</a:t>
+                      </a:r>
+                      <a:endParaRPr lang="ja-JP" sz="1400" kern="100">
+                        <a:effectLst/>
+                        <a:latin typeface="Century" panose="02040604050505020304" pitchFamily="18" charset="0"/>
+                        <a:ea typeface="ＭＳ 明朝" panose="02020609040205080304" pitchFamily="17" charset="-128"/>
+                        <a:cs typeface="Times New Roman" panose="02020603050405020304" pitchFamily="18" charset="0"/>
+                      </a:endParaRPr>
+                    </a:p>
+                  </a:txBody>
+                  <a:tcPr marL="68580" marR="68580" marT="0" marB="0"/>
+                </a:tc>
+                <a:tc>
+                  <a:txBody>
+                    <a:bodyPr/>
+                    <a:lstStyle/>
+                    <a:p>
+                      <a:pPr algn="just">
+                        <a:spcAft>
+                          <a:spcPts val="0"/>
+                        </a:spcAft>
+                      </a:pPr>
+                      <a:r>
+                        <a:rPr lang="ja-JP" sz="1400" kern="100">
+                          <a:effectLst/>
+                        </a:rPr>
+                        <a:t>データ解析を容易にする</a:t>
+                      </a:r>
+                      <a:endParaRPr lang="ja-JP" sz="1400" kern="100">
+                        <a:effectLst/>
+                        <a:latin typeface="Century" panose="02040604050505020304" pitchFamily="18" charset="0"/>
+                        <a:ea typeface="ＭＳ 明朝" panose="02020609040205080304" pitchFamily="17" charset="-128"/>
+                        <a:cs typeface="Times New Roman" panose="02020603050405020304" pitchFamily="18" charset="0"/>
+                      </a:endParaRPr>
+                    </a:p>
+                  </a:txBody>
+                  <a:tcPr marL="68580" marR="68580" marT="0" marB="0"/>
+                </a:tc>
+                <a:extLst>
+                  <a:ext uri="{0D108BD9-81ED-4DB2-BD59-A6C34878D82A}">
+                    <a16:rowId xmlns:a16="http://schemas.microsoft.com/office/drawing/2014/main" val="4033978976"/>
+                  </a:ext>
+                </a:extLst>
+              </a:tr>
+              <a:tr h="251341">
+                <a:tc>
+                  <a:txBody>
+                    <a:bodyPr/>
+                    <a:lstStyle/>
+                    <a:p>
+                      <a:pPr algn="just">
+                        <a:spcAft>
+                          <a:spcPts val="0"/>
+                        </a:spcAft>
+                      </a:pPr>
+                      <a:r>
+                        <a:rPr lang="en-US" sz="1400" kern="100">
+                          <a:effectLst/>
+                        </a:rPr>
+                        <a:t>numpy</a:t>
+                      </a:r>
+                      <a:endParaRPr lang="ja-JP" sz="1400" kern="100">
+                        <a:effectLst/>
+                        <a:latin typeface="Century" panose="02040604050505020304" pitchFamily="18" charset="0"/>
+                        <a:ea typeface="ＭＳ 明朝" panose="02020609040205080304" pitchFamily="17" charset="-128"/>
+                        <a:cs typeface="Times New Roman" panose="02020603050405020304" pitchFamily="18" charset="0"/>
+                      </a:endParaRPr>
+                    </a:p>
+                  </a:txBody>
+                  <a:tcPr marL="68580" marR="68580" marT="0" marB="0"/>
+                </a:tc>
+                <a:tc>
+                  <a:txBody>
+                    <a:bodyPr/>
+                    <a:lstStyle/>
+                    <a:p>
+                      <a:pPr algn="just">
+                        <a:spcAft>
+                          <a:spcPts val="0"/>
+                        </a:spcAft>
+                      </a:pPr>
+                      <a:r>
+                        <a:rPr lang="en-US" sz="1400" kern="100">
+                          <a:effectLst/>
+                        </a:rPr>
+                        <a:t>1.21.3</a:t>
+                      </a:r>
+                      <a:endParaRPr lang="ja-JP" sz="1400" kern="100">
+                        <a:effectLst/>
+                        <a:latin typeface="Century" panose="02040604050505020304" pitchFamily="18" charset="0"/>
+                        <a:ea typeface="ＭＳ 明朝" panose="02020609040205080304" pitchFamily="17" charset="-128"/>
+                        <a:cs typeface="Times New Roman" panose="02020603050405020304" pitchFamily="18" charset="0"/>
+                      </a:endParaRPr>
+                    </a:p>
+                  </a:txBody>
+                  <a:tcPr marL="68580" marR="68580" marT="0" marB="0"/>
+                </a:tc>
+                <a:tc>
+                  <a:txBody>
+                    <a:bodyPr/>
+                    <a:lstStyle/>
+                    <a:p>
+                      <a:pPr algn="just">
+                        <a:spcAft>
+                          <a:spcPts val="0"/>
+                        </a:spcAft>
+                      </a:pPr>
+                      <a:r>
+                        <a:rPr lang="ja-JP" sz="1400" kern="100">
+                          <a:effectLst/>
+                        </a:rPr>
+                        <a:t>機械学習の計算を早く効率的に行えるようにする</a:t>
+                      </a:r>
+                      <a:endParaRPr lang="ja-JP" sz="1400" kern="100">
+                        <a:effectLst/>
+                        <a:latin typeface="Century" panose="02040604050505020304" pitchFamily="18" charset="0"/>
+                        <a:ea typeface="ＭＳ 明朝" panose="02020609040205080304" pitchFamily="17" charset="-128"/>
+                        <a:cs typeface="Times New Roman" panose="02020603050405020304" pitchFamily="18" charset="0"/>
+                      </a:endParaRPr>
+                    </a:p>
+                  </a:txBody>
+                  <a:tcPr marL="68580" marR="68580" marT="0" marB="0"/>
+                </a:tc>
+                <a:extLst>
+                  <a:ext uri="{0D108BD9-81ED-4DB2-BD59-A6C34878D82A}">
+                    <a16:rowId xmlns:a16="http://schemas.microsoft.com/office/drawing/2014/main" val="2800085580"/>
+                  </a:ext>
+                </a:extLst>
+              </a:tr>
+              <a:tr h="251341">
+                <a:tc>
+                  <a:txBody>
+                    <a:bodyPr/>
+                    <a:lstStyle/>
+                    <a:p>
+                      <a:pPr algn="just">
+                        <a:spcAft>
+                          <a:spcPts val="0"/>
+                        </a:spcAft>
+                      </a:pPr>
+                      <a:r>
+                        <a:rPr lang="en-US" sz="1400" kern="100">
+                          <a:effectLst/>
+                        </a:rPr>
+                        <a:t>matplotlib</a:t>
+                      </a:r>
+                      <a:endParaRPr lang="ja-JP" sz="1400" kern="100">
+                        <a:effectLst/>
+                        <a:latin typeface="Century" panose="02040604050505020304" pitchFamily="18" charset="0"/>
+                        <a:ea typeface="ＭＳ 明朝" panose="02020609040205080304" pitchFamily="17" charset="-128"/>
+                        <a:cs typeface="Times New Roman" panose="02020603050405020304" pitchFamily="18" charset="0"/>
+                      </a:endParaRPr>
+                    </a:p>
+                  </a:txBody>
+                  <a:tcPr marL="68580" marR="68580" marT="0" marB="0"/>
+                </a:tc>
+                <a:tc>
+                  <a:txBody>
+                    <a:bodyPr/>
+                    <a:lstStyle/>
+                    <a:p>
+                      <a:pPr algn="just">
+                        <a:spcAft>
+                          <a:spcPts val="0"/>
+                        </a:spcAft>
+                      </a:pPr>
+                      <a:r>
+                        <a:rPr lang="en-US" sz="1400" kern="100">
+                          <a:effectLst/>
+                        </a:rPr>
+                        <a:t>3.4.3</a:t>
+                      </a:r>
+                      <a:endParaRPr lang="ja-JP" sz="1400" kern="100">
+                        <a:effectLst/>
+                        <a:latin typeface="Century" panose="02040604050505020304" pitchFamily="18" charset="0"/>
+                        <a:ea typeface="ＭＳ 明朝" panose="02020609040205080304" pitchFamily="17" charset="-128"/>
+                        <a:cs typeface="Times New Roman" panose="02020603050405020304" pitchFamily="18" charset="0"/>
+                      </a:endParaRPr>
+                    </a:p>
+                  </a:txBody>
+                  <a:tcPr marL="68580" marR="68580" marT="0" marB="0"/>
+                </a:tc>
+                <a:tc>
+                  <a:txBody>
+                    <a:bodyPr/>
+                    <a:lstStyle/>
+                    <a:p>
+                      <a:pPr algn="just">
+                        <a:spcAft>
+                          <a:spcPts val="0"/>
+                        </a:spcAft>
+                      </a:pPr>
+                      <a:r>
+                        <a:rPr lang="en-US" sz="1400" kern="100">
+                          <a:effectLst/>
+                        </a:rPr>
+                        <a:t>Python</a:t>
+                      </a:r>
+                      <a:r>
+                        <a:rPr lang="ja-JP" sz="1400" kern="100">
+                          <a:effectLst/>
+                        </a:rPr>
+                        <a:t>でグラフを描画する</a:t>
+                      </a:r>
+                      <a:endParaRPr lang="ja-JP" sz="1400" kern="100">
+                        <a:effectLst/>
+                        <a:latin typeface="Century" panose="02040604050505020304" pitchFamily="18" charset="0"/>
+                        <a:ea typeface="ＭＳ 明朝" panose="02020609040205080304" pitchFamily="17" charset="-128"/>
+                        <a:cs typeface="Times New Roman" panose="02020603050405020304" pitchFamily="18" charset="0"/>
+                      </a:endParaRPr>
+                    </a:p>
+                  </a:txBody>
+                  <a:tcPr marL="68580" marR="68580" marT="0" marB="0"/>
+                </a:tc>
+                <a:extLst>
+                  <a:ext uri="{0D108BD9-81ED-4DB2-BD59-A6C34878D82A}">
+                    <a16:rowId xmlns:a16="http://schemas.microsoft.com/office/drawing/2014/main" val="2857545889"/>
+                  </a:ext>
+                </a:extLst>
+              </a:tr>
+              <a:tr h="502681">
+                <a:tc>
+                  <a:txBody>
+                    <a:bodyPr/>
+                    <a:lstStyle/>
+                    <a:p>
+                      <a:pPr algn="just">
+                        <a:spcAft>
+                          <a:spcPts val="0"/>
+                        </a:spcAft>
+                      </a:pPr>
+                      <a:r>
+                        <a:rPr lang="en-US" sz="1400" kern="100">
+                          <a:effectLst/>
+                        </a:rPr>
+                        <a:t>seaborn</a:t>
+                      </a:r>
+                      <a:endParaRPr lang="ja-JP" sz="1400" kern="100">
+                        <a:effectLst/>
+                        <a:latin typeface="Century" panose="02040604050505020304" pitchFamily="18" charset="0"/>
+                        <a:ea typeface="ＭＳ 明朝" panose="02020609040205080304" pitchFamily="17" charset="-128"/>
+                        <a:cs typeface="Times New Roman" panose="02020603050405020304" pitchFamily="18" charset="0"/>
+                      </a:endParaRPr>
+                    </a:p>
+                  </a:txBody>
+                  <a:tcPr marL="68580" marR="68580" marT="0" marB="0"/>
+                </a:tc>
+                <a:tc>
+                  <a:txBody>
+                    <a:bodyPr/>
+                    <a:lstStyle/>
+                    <a:p>
+                      <a:pPr algn="just">
+                        <a:spcAft>
+                          <a:spcPts val="0"/>
+                        </a:spcAft>
+                      </a:pPr>
+                      <a:r>
+                        <a:rPr lang="en-US" sz="1400" kern="100">
+                          <a:effectLst/>
+                        </a:rPr>
+                        <a:t>0.11.2</a:t>
+                      </a:r>
+                      <a:endParaRPr lang="ja-JP" sz="1400" kern="100">
+                        <a:effectLst/>
+                        <a:latin typeface="Century" panose="02040604050505020304" pitchFamily="18" charset="0"/>
+                        <a:ea typeface="ＭＳ 明朝" panose="02020609040205080304" pitchFamily="17" charset="-128"/>
+                        <a:cs typeface="Times New Roman" panose="02020603050405020304" pitchFamily="18" charset="0"/>
+                      </a:endParaRPr>
+                    </a:p>
+                  </a:txBody>
+                  <a:tcPr marL="68580" marR="68580" marT="0" marB="0"/>
+                </a:tc>
+                <a:tc>
+                  <a:txBody>
+                    <a:bodyPr/>
+                    <a:lstStyle/>
+                    <a:p>
+                      <a:pPr algn="just">
+                        <a:spcAft>
+                          <a:spcPts val="0"/>
+                        </a:spcAft>
+                      </a:pPr>
+                      <a:r>
+                        <a:rPr lang="en-US" sz="1400" kern="100">
+                          <a:effectLst/>
+                        </a:rPr>
+                        <a:t>matplotlib</a:t>
+                      </a:r>
+                      <a:r>
+                        <a:rPr lang="ja-JP" sz="1400" kern="100">
+                          <a:effectLst/>
+                        </a:rPr>
+                        <a:t>の内部で動く．少ないコードで洗礼された図を描く</a:t>
+                      </a:r>
+                      <a:endParaRPr lang="ja-JP" sz="1400" kern="100">
+                        <a:effectLst/>
+                        <a:latin typeface="Century" panose="02040604050505020304" pitchFamily="18" charset="0"/>
+                        <a:ea typeface="ＭＳ 明朝" panose="02020609040205080304" pitchFamily="17" charset="-128"/>
+                        <a:cs typeface="Times New Roman" panose="02020603050405020304" pitchFamily="18" charset="0"/>
+                      </a:endParaRPr>
+                    </a:p>
+                  </a:txBody>
+                  <a:tcPr marL="68580" marR="68580" marT="0" marB="0"/>
+                </a:tc>
+                <a:extLst>
+                  <a:ext uri="{0D108BD9-81ED-4DB2-BD59-A6C34878D82A}">
+                    <a16:rowId xmlns:a16="http://schemas.microsoft.com/office/drawing/2014/main" val="1787391923"/>
+                  </a:ext>
+                </a:extLst>
+              </a:tr>
+              <a:tr h="502681">
+                <a:tc>
+                  <a:txBody>
+                    <a:bodyPr/>
+                    <a:lstStyle/>
+                    <a:p>
+                      <a:pPr algn="just">
+                        <a:spcAft>
+                          <a:spcPts val="0"/>
+                        </a:spcAft>
+                      </a:pPr>
+                      <a:r>
+                        <a:rPr lang="en-US" sz="1400" kern="100">
+                          <a:effectLst/>
+                        </a:rPr>
+                        <a:t>FFmpeg</a:t>
+                      </a:r>
+                      <a:endParaRPr lang="ja-JP" sz="1400" kern="100">
+                        <a:effectLst/>
+                        <a:latin typeface="Century" panose="02040604050505020304" pitchFamily="18" charset="0"/>
+                        <a:ea typeface="ＭＳ 明朝" panose="02020609040205080304" pitchFamily="17" charset="-128"/>
+                        <a:cs typeface="Times New Roman" panose="02020603050405020304" pitchFamily="18" charset="0"/>
+                      </a:endParaRPr>
+                    </a:p>
+                  </a:txBody>
+                  <a:tcPr marL="68580" marR="68580" marT="0" marB="0"/>
+                </a:tc>
+                <a:tc>
+                  <a:txBody>
+                    <a:bodyPr/>
+                    <a:lstStyle/>
+                    <a:p>
+                      <a:pPr algn="just">
+                        <a:spcAft>
+                          <a:spcPts val="0"/>
+                        </a:spcAft>
+                      </a:pPr>
+                      <a:r>
+                        <a:rPr lang="en-US" sz="1400" kern="100">
+                          <a:effectLst/>
+                        </a:rPr>
+                        <a:t> </a:t>
+                      </a:r>
+                      <a:endParaRPr lang="ja-JP" sz="1400" kern="100">
+                        <a:effectLst/>
+                        <a:latin typeface="Century" panose="02040604050505020304" pitchFamily="18" charset="0"/>
+                        <a:ea typeface="ＭＳ 明朝" panose="02020609040205080304" pitchFamily="17" charset="-128"/>
+                        <a:cs typeface="Times New Roman" panose="02020603050405020304" pitchFamily="18" charset="0"/>
+                      </a:endParaRPr>
+                    </a:p>
+                  </a:txBody>
+                  <a:tcPr marL="68580" marR="68580" marT="0" marB="0"/>
+                </a:tc>
+                <a:tc>
+                  <a:txBody>
+                    <a:bodyPr/>
+                    <a:lstStyle/>
+                    <a:p>
+                      <a:pPr algn="just">
+                        <a:spcAft>
+                          <a:spcPts val="0"/>
+                        </a:spcAft>
+                      </a:pPr>
+                      <a:r>
+                        <a:rPr lang="ja-JP" sz="1400" kern="100" dirty="0">
+                          <a:effectLst/>
+                        </a:rPr>
+                        <a:t>動画と音声を記録・変換・再生するためのソフトウェア</a:t>
+                      </a:r>
+                      <a:endParaRPr lang="ja-JP" sz="1400" kern="100" dirty="0">
+                        <a:effectLst/>
+                        <a:latin typeface="Century" panose="02040604050505020304" pitchFamily="18" charset="0"/>
+                        <a:ea typeface="ＭＳ 明朝" panose="02020609040205080304" pitchFamily="17" charset="-128"/>
+                        <a:cs typeface="Times New Roman" panose="02020603050405020304" pitchFamily="18" charset="0"/>
+                      </a:endParaRPr>
+                    </a:p>
+                  </a:txBody>
+                  <a:tcPr marL="68580" marR="68580" marT="0" marB="0"/>
+                </a:tc>
+                <a:extLst>
+                  <a:ext uri="{0D108BD9-81ED-4DB2-BD59-A6C34878D82A}">
+                    <a16:rowId xmlns:a16="http://schemas.microsoft.com/office/drawing/2014/main" val="357639853"/>
+                  </a:ext>
+                </a:extLst>
+              </a:tr>
+              <a:tr h="251341">
+                <a:tc>
+                  <a:txBody>
+                    <a:bodyPr/>
+                    <a:lstStyle/>
+                    <a:p>
+                      <a:pPr algn="just">
+                        <a:spcAft>
+                          <a:spcPts val="0"/>
+                        </a:spcAft>
+                      </a:pPr>
+                      <a:r>
+                        <a:rPr lang="en-US" sz="1400" kern="100" dirty="0" err="1">
+                          <a:effectLst/>
+                        </a:rPr>
+                        <a:t>llvmlite</a:t>
+                      </a:r>
+                      <a:endParaRPr lang="ja-JP" sz="1400" kern="100" dirty="0">
+                        <a:effectLst/>
+                        <a:latin typeface="Century" panose="02040604050505020304" pitchFamily="18" charset="0"/>
+                        <a:ea typeface="ＭＳ 明朝" panose="02020609040205080304" pitchFamily="17" charset="-128"/>
+                        <a:cs typeface="Times New Roman" panose="02020603050405020304" pitchFamily="18" charset="0"/>
+                      </a:endParaRPr>
+                    </a:p>
+                  </a:txBody>
+                  <a:tcPr marL="68580" marR="68580" marT="0" marB="0"/>
+                </a:tc>
+                <a:tc>
+                  <a:txBody>
+                    <a:bodyPr/>
+                    <a:lstStyle/>
+                    <a:p>
+                      <a:pPr algn="just">
+                        <a:spcAft>
+                          <a:spcPts val="0"/>
+                        </a:spcAft>
+                      </a:pPr>
+                      <a:r>
+                        <a:rPr lang="en-US" sz="1400" kern="100">
+                          <a:effectLst/>
+                        </a:rPr>
+                        <a:t>0.32.1</a:t>
+                      </a:r>
+                      <a:endParaRPr lang="ja-JP" sz="1400" kern="100">
+                        <a:effectLst/>
+                        <a:latin typeface="Century" panose="02040604050505020304" pitchFamily="18" charset="0"/>
+                        <a:ea typeface="ＭＳ 明朝" panose="02020609040205080304" pitchFamily="17" charset="-128"/>
+                        <a:cs typeface="Times New Roman" panose="02020603050405020304" pitchFamily="18" charset="0"/>
+                      </a:endParaRPr>
+                    </a:p>
+                  </a:txBody>
+                  <a:tcPr marL="68580" marR="68580" marT="0" marB="0"/>
+                </a:tc>
+                <a:tc>
+                  <a:txBody>
+                    <a:bodyPr/>
+                    <a:lstStyle/>
+                    <a:p>
+                      <a:pPr algn="just">
+                        <a:spcAft>
+                          <a:spcPts val="0"/>
+                        </a:spcAft>
+                      </a:pPr>
+                      <a:r>
+                        <a:rPr lang="ja-JP" sz="1400" kern="100">
+                          <a:effectLst/>
+                        </a:rPr>
+                        <a:t>後述する</a:t>
+                      </a:r>
+                      <a:r>
+                        <a:rPr lang="en-US" sz="1400" kern="100">
+                          <a:effectLst/>
+                        </a:rPr>
+                        <a:t>numba</a:t>
+                      </a:r>
+                      <a:r>
+                        <a:rPr lang="ja-JP" sz="1400" kern="100">
+                          <a:effectLst/>
+                        </a:rPr>
+                        <a:t>と</a:t>
+                      </a:r>
+                      <a:r>
+                        <a:rPr lang="en-US" sz="1400" kern="100">
+                          <a:effectLst/>
+                        </a:rPr>
+                        <a:t>librosa</a:t>
+                      </a:r>
+                      <a:r>
+                        <a:rPr lang="ja-JP" sz="1400" kern="100">
+                          <a:effectLst/>
+                        </a:rPr>
+                        <a:t>のインストールに必要</a:t>
+                      </a:r>
+                      <a:endParaRPr lang="ja-JP" sz="1400" kern="100">
+                        <a:effectLst/>
+                        <a:latin typeface="Century" panose="02040604050505020304" pitchFamily="18" charset="0"/>
+                        <a:ea typeface="ＭＳ 明朝" panose="02020609040205080304" pitchFamily="17" charset="-128"/>
+                        <a:cs typeface="Times New Roman" panose="02020603050405020304" pitchFamily="18" charset="0"/>
+                      </a:endParaRPr>
+                    </a:p>
+                  </a:txBody>
+                  <a:tcPr marL="68580" marR="68580" marT="0" marB="0"/>
+                </a:tc>
+                <a:extLst>
+                  <a:ext uri="{0D108BD9-81ED-4DB2-BD59-A6C34878D82A}">
+                    <a16:rowId xmlns:a16="http://schemas.microsoft.com/office/drawing/2014/main" val="3324655291"/>
+                  </a:ext>
+                </a:extLst>
+              </a:tr>
+              <a:tr h="251341">
+                <a:tc>
+                  <a:txBody>
+                    <a:bodyPr/>
+                    <a:lstStyle/>
+                    <a:p>
+                      <a:pPr algn="just">
+                        <a:spcAft>
+                          <a:spcPts val="0"/>
+                        </a:spcAft>
+                      </a:pPr>
+                      <a:r>
+                        <a:rPr lang="en-US" sz="1400" kern="100">
+                          <a:effectLst/>
+                        </a:rPr>
+                        <a:t>numba</a:t>
+                      </a:r>
+                      <a:endParaRPr lang="ja-JP" sz="1400" kern="100">
+                        <a:effectLst/>
+                        <a:latin typeface="Century" panose="02040604050505020304" pitchFamily="18" charset="0"/>
+                        <a:ea typeface="ＭＳ 明朝" panose="02020609040205080304" pitchFamily="17" charset="-128"/>
+                        <a:cs typeface="Times New Roman" panose="02020603050405020304" pitchFamily="18" charset="0"/>
+                      </a:endParaRPr>
+                    </a:p>
+                  </a:txBody>
+                  <a:tcPr marL="68580" marR="68580" marT="0" marB="0"/>
+                </a:tc>
+                <a:tc>
+                  <a:txBody>
+                    <a:bodyPr/>
+                    <a:lstStyle/>
+                    <a:p>
+                      <a:pPr algn="just">
+                        <a:spcAft>
+                          <a:spcPts val="0"/>
+                        </a:spcAft>
+                      </a:pPr>
+                      <a:r>
+                        <a:rPr lang="en-US" sz="1400" kern="100">
+                          <a:effectLst/>
+                        </a:rPr>
+                        <a:t>0.49.0</a:t>
+                      </a:r>
+                      <a:endParaRPr lang="ja-JP" sz="1400" kern="100">
+                        <a:effectLst/>
+                        <a:latin typeface="Century" panose="02040604050505020304" pitchFamily="18" charset="0"/>
+                        <a:ea typeface="ＭＳ 明朝" panose="02020609040205080304" pitchFamily="17" charset="-128"/>
+                        <a:cs typeface="Times New Roman" panose="02020603050405020304" pitchFamily="18" charset="0"/>
+                      </a:endParaRPr>
+                    </a:p>
+                  </a:txBody>
+                  <a:tcPr marL="68580" marR="68580" marT="0" marB="0"/>
+                </a:tc>
+                <a:tc>
+                  <a:txBody>
+                    <a:bodyPr/>
+                    <a:lstStyle/>
+                    <a:p>
+                      <a:pPr algn="just">
+                        <a:spcAft>
+                          <a:spcPts val="0"/>
+                        </a:spcAft>
+                      </a:pPr>
+                      <a:r>
+                        <a:rPr lang="en-US" sz="1400" kern="100">
+                          <a:effectLst/>
+                        </a:rPr>
+                        <a:t>Python</a:t>
+                      </a:r>
+                      <a:r>
+                        <a:rPr lang="ja-JP" sz="1400" kern="100">
+                          <a:effectLst/>
+                        </a:rPr>
+                        <a:t>の関数を高速にするライブラリ</a:t>
+                      </a:r>
+                      <a:endParaRPr lang="ja-JP" sz="1400" kern="100">
+                        <a:effectLst/>
+                        <a:latin typeface="Century" panose="02040604050505020304" pitchFamily="18" charset="0"/>
+                        <a:ea typeface="ＭＳ 明朝" panose="02020609040205080304" pitchFamily="17" charset="-128"/>
+                        <a:cs typeface="Times New Roman" panose="02020603050405020304" pitchFamily="18" charset="0"/>
+                      </a:endParaRPr>
+                    </a:p>
+                  </a:txBody>
+                  <a:tcPr marL="68580" marR="68580" marT="0" marB="0"/>
+                </a:tc>
+                <a:extLst>
+                  <a:ext uri="{0D108BD9-81ED-4DB2-BD59-A6C34878D82A}">
+                    <a16:rowId xmlns:a16="http://schemas.microsoft.com/office/drawing/2014/main" val="808232943"/>
+                  </a:ext>
+                </a:extLst>
+              </a:tr>
+              <a:tr h="754022">
+                <a:tc>
+                  <a:txBody>
+                    <a:bodyPr/>
+                    <a:lstStyle/>
+                    <a:p>
+                      <a:pPr algn="just">
+                        <a:spcAft>
+                          <a:spcPts val="0"/>
+                        </a:spcAft>
+                      </a:pPr>
+                      <a:r>
+                        <a:rPr lang="en-US" sz="1400" kern="100">
+                          <a:effectLst/>
+                        </a:rPr>
+                        <a:t>LibROSA</a:t>
+                      </a:r>
+                      <a:endParaRPr lang="ja-JP" sz="1400" kern="100">
+                        <a:effectLst/>
+                        <a:latin typeface="Century" panose="02040604050505020304" pitchFamily="18" charset="0"/>
+                        <a:ea typeface="ＭＳ 明朝" panose="02020609040205080304" pitchFamily="17" charset="-128"/>
+                        <a:cs typeface="Times New Roman" panose="02020603050405020304" pitchFamily="18" charset="0"/>
+                      </a:endParaRPr>
+                    </a:p>
+                  </a:txBody>
+                  <a:tcPr marL="68580" marR="68580" marT="0" marB="0"/>
+                </a:tc>
+                <a:tc>
+                  <a:txBody>
+                    <a:bodyPr/>
+                    <a:lstStyle/>
+                    <a:p>
+                      <a:pPr algn="just">
+                        <a:spcAft>
+                          <a:spcPts val="0"/>
+                        </a:spcAft>
+                      </a:pPr>
+                      <a:r>
+                        <a:rPr lang="en-US" sz="1400" kern="100" dirty="0">
+                          <a:effectLst/>
+                        </a:rPr>
+                        <a:t>0.8.1</a:t>
+                      </a:r>
+                      <a:endParaRPr lang="ja-JP" sz="1400" kern="100" dirty="0">
+                        <a:effectLst/>
+                        <a:latin typeface="Century" panose="02040604050505020304" pitchFamily="18" charset="0"/>
+                        <a:ea typeface="ＭＳ 明朝" panose="02020609040205080304" pitchFamily="17" charset="-128"/>
+                        <a:cs typeface="Times New Roman" panose="02020603050405020304" pitchFamily="18" charset="0"/>
+                      </a:endParaRPr>
+                    </a:p>
+                  </a:txBody>
+                  <a:tcPr marL="68580" marR="68580" marT="0" marB="0"/>
+                </a:tc>
+                <a:tc>
+                  <a:txBody>
+                    <a:bodyPr/>
+                    <a:lstStyle/>
+                    <a:p>
+                      <a:pPr algn="just">
+                        <a:spcAft>
+                          <a:spcPts val="0"/>
+                        </a:spcAft>
+                      </a:pPr>
+                      <a:r>
+                        <a:rPr lang="ja-JP" sz="1400" kern="100" dirty="0">
+                          <a:effectLst/>
+                        </a:rPr>
+                        <a:t>音楽と音声の解析のための</a:t>
+                      </a:r>
+                      <a:r>
+                        <a:rPr lang="en-US" sz="1400" kern="100" dirty="0">
+                          <a:effectLst/>
+                        </a:rPr>
+                        <a:t>Python</a:t>
+                      </a:r>
+                      <a:r>
+                        <a:rPr lang="ja-JP" sz="1400" kern="100" dirty="0">
+                          <a:effectLst/>
+                        </a:rPr>
+                        <a:t>パッケージ．スペクトル解析，テンポの分析，画像出力など音楽の分析に必要な機能があらかじめ実装されている．</a:t>
+                      </a:r>
+                      <a:endParaRPr lang="ja-JP" sz="1400" kern="100" dirty="0">
+                        <a:effectLst/>
+                        <a:latin typeface="Century" panose="02040604050505020304" pitchFamily="18" charset="0"/>
+                        <a:ea typeface="ＭＳ 明朝" panose="02020609040205080304" pitchFamily="17" charset="-128"/>
+                        <a:cs typeface="Times New Roman" panose="02020603050405020304" pitchFamily="18" charset="0"/>
+                      </a:endParaRPr>
+                    </a:p>
+                  </a:txBody>
+                  <a:tcPr marL="68580" marR="68580" marT="0" marB="0"/>
+                </a:tc>
+                <a:extLst>
+                  <a:ext uri="{0D108BD9-81ED-4DB2-BD59-A6C34878D82A}">
+                    <a16:rowId xmlns:a16="http://schemas.microsoft.com/office/drawing/2014/main" val="1770110002"/>
+                  </a:ext>
+                </a:extLst>
+              </a:tr>
+              <a:tr h="251341">
+                <a:tc>
+                  <a:txBody>
+                    <a:bodyPr/>
+                    <a:lstStyle/>
+                    <a:p>
+                      <a:pPr algn="just">
+                        <a:spcAft>
+                          <a:spcPts val="0"/>
+                        </a:spcAft>
+                      </a:pPr>
+                      <a:r>
+                        <a:rPr lang="en-US" sz="1400" kern="100">
+                          <a:effectLst/>
+                        </a:rPr>
+                        <a:t>TensorFlow</a:t>
+                      </a:r>
+                      <a:endParaRPr lang="ja-JP" sz="1400" kern="100">
+                        <a:effectLst/>
+                        <a:latin typeface="Century" panose="02040604050505020304" pitchFamily="18" charset="0"/>
+                        <a:ea typeface="ＭＳ 明朝" panose="02020609040205080304" pitchFamily="17" charset="-128"/>
+                        <a:cs typeface="Times New Roman" panose="02020603050405020304" pitchFamily="18" charset="0"/>
+                      </a:endParaRPr>
+                    </a:p>
+                  </a:txBody>
+                  <a:tcPr marL="68580" marR="68580" marT="0" marB="0"/>
+                </a:tc>
+                <a:tc>
+                  <a:txBody>
+                    <a:bodyPr/>
+                    <a:lstStyle/>
+                    <a:p>
+                      <a:pPr algn="just">
+                        <a:spcAft>
+                          <a:spcPts val="0"/>
+                        </a:spcAft>
+                      </a:pPr>
+                      <a:r>
+                        <a:rPr lang="en-US" sz="1400" kern="100">
+                          <a:effectLst/>
+                        </a:rPr>
+                        <a:t>2.1.1</a:t>
+                      </a:r>
+                      <a:endParaRPr lang="ja-JP" sz="1400" kern="100">
+                        <a:effectLst/>
+                        <a:latin typeface="Century" panose="02040604050505020304" pitchFamily="18" charset="0"/>
+                        <a:ea typeface="ＭＳ 明朝" panose="02020609040205080304" pitchFamily="17" charset="-128"/>
+                        <a:cs typeface="Times New Roman" panose="02020603050405020304" pitchFamily="18" charset="0"/>
+                      </a:endParaRPr>
+                    </a:p>
+                  </a:txBody>
+                  <a:tcPr marL="68580" marR="68580" marT="0" marB="0"/>
+                </a:tc>
+                <a:tc>
+                  <a:txBody>
+                    <a:bodyPr/>
+                    <a:lstStyle/>
+                    <a:p>
+                      <a:pPr algn="just">
+                        <a:spcAft>
+                          <a:spcPts val="0"/>
+                        </a:spcAft>
+                      </a:pPr>
+                      <a:r>
+                        <a:rPr lang="en-US" sz="1400" kern="100">
+                          <a:effectLst/>
+                        </a:rPr>
+                        <a:t>Google</a:t>
+                      </a:r>
+                      <a:r>
+                        <a:rPr lang="ja-JP" sz="1400" kern="100">
+                          <a:effectLst/>
+                        </a:rPr>
+                        <a:t>が開発した機械学習のソフトウェアライブラリ</a:t>
+                      </a:r>
+                      <a:endParaRPr lang="ja-JP" sz="1400" kern="100">
+                        <a:effectLst/>
+                        <a:latin typeface="Century" panose="02040604050505020304" pitchFamily="18" charset="0"/>
+                        <a:ea typeface="ＭＳ 明朝" panose="02020609040205080304" pitchFamily="17" charset="-128"/>
+                        <a:cs typeface="Times New Roman" panose="02020603050405020304" pitchFamily="18" charset="0"/>
+                      </a:endParaRPr>
+                    </a:p>
+                  </a:txBody>
+                  <a:tcPr marL="68580" marR="68580" marT="0" marB="0"/>
+                </a:tc>
+                <a:extLst>
+                  <a:ext uri="{0D108BD9-81ED-4DB2-BD59-A6C34878D82A}">
+                    <a16:rowId xmlns:a16="http://schemas.microsoft.com/office/drawing/2014/main" val="737174651"/>
+                  </a:ext>
+                </a:extLst>
+              </a:tr>
+              <a:tr h="754022">
+                <a:tc>
+                  <a:txBody>
+                    <a:bodyPr/>
+                    <a:lstStyle/>
+                    <a:p>
+                      <a:pPr algn="just">
+                        <a:spcAft>
+                          <a:spcPts val="0"/>
+                        </a:spcAft>
+                      </a:pPr>
+                      <a:r>
+                        <a:rPr lang="en-US" sz="1400" kern="100">
+                          <a:effectLst/>
+                        </a:rPr>
+                        <a:t>keras</a:t>
+                      </a:r>
+                      <a:endParaRPr lang="ja-JP" sz="1400" kern="100">
+                        <a:effectLst/>
+                        <a:latin typeface="Century" panose="02040604050505020304" pitchFamily="18" charset="0"/>
+                        <a:ea typeface="ＭＳ 明朝" panose="02020609040205080304" pitchFamily="17" charset="-128"/>
+                        <a:cs typeface="Times New Roman" panose="02020603050405020304" pitchFamily="18" charset="0"/>
+                      </a:endParaRPr>
+                    </a:p>
+                  </a:txBody>
+                  <a:tcPr marL="68580" marR="68580" marT="0" marB="0"/>
+                </a:tc>
+                <a:tc>
+                  <a:txBody>
+                    <a:bodyPr/>
+                    <a:lstStyle/>
+                    <a:p>
+                      <a:pPr algn="just">
+                        <a:spcAft>
+                          <a:spcPts val="0"/>
+                        </a:spcAft>
+                      </a:pPr>
+                      <a:r>
+                        <a:rPr lang="en-US" sz="1400" kern="100">
+                          <a:effectLst/>
+                        </a:rPr>
+                        <a:t>2.3.1</a:t>
+                      </a:r>
+                      <a:endParaRPr lang="ja-JP" sz="1400" kern="100">
+                        <a:effectLst/>
+                        <a:latin typeface="Century" panose="02040604050505020304" pitchFamily="18" charset="0"/>
+                        <a:ea typeface="ＭＳ 明朝" panose="02020609040205080304" pitchFamily="17" charset="-128"/>
+                        <a:cs typeface="Times New Roman" panose="02020603050405020304" pitchFamily="18" charset="0"/>
+                      </a:endParaRPr>
+                    </a:p>
+                  </a:txBody>
+                  <a:tcPr marL="68580" marR="68580" marT="0" marB="0"/>
+                </a:tc>
+                <a:tc>
+                  <a:txBody>
+                    <a:bodyPr/>
+                    <a:lstStyle/>
+                    <a:p>
+                      <a:pPr algn="just">
+                        <a:spcAft>
+                          <a:spcPts val="0"/>
+                        </a:spcAft>
+                      </a:pPr>
+                      <a:r>
+                        <a:rPr lang="en-US" sz="1400" kern="100" dirty="0">
+                          <a:effectLst/>
+                        </a:rPr>
+                        <a:t>Python</a:t>
+                      </a:r>
+                      <a:r>
+                        <a:rPr lang="ja-JP" sz="1400" kern="100" dirty="0" smtClean="0">
+                          <a:effectLst/>
+                        </a:rPr>
+                        <a:t>でかかれた</a:t>
+                      </a:r>
+                      <a:r>
+                        <a:rPr lang="ja-JP" altLang="en-US" sz="1400" kern="100" dirty="0" smtClean="0">
+                          <a:effectLst/>
+                        </a:rPr>
+                        <a:t>，</a:t>
+                      </a:r>
+                      <a:r>
+                        <a:rPr lang="en-US" sz="1400" kern="100" dirty="0" err="1" smtClean="0">
+                          <a:effectLst/>
+                        </a:rPr>
+                        <a:t>TensorFlow</a:t>
+                      </a:r>
+                      <a:r>
+                        <a:rPr lang="ja-JP" sz="1400" kern="100" dirty="0">
+                          <a:effectLst/>
+                        </a:rPr>
+                        <a:t>上で実行可能な高水準のニューラルネットワークライブラリ</a:t>
+                      </a:r>
+                      <a:endParaRPr lang="ja-JP" sz="1400" kern="100" dirty="0">
+                        <a:effectLst/>
+                        <a:latin typeface="Century" panose="02040604050505020304" pitchFamily="18" charset="0"/>
+                        <a:ea typeface="ＭＳ 明朝" panose="02020609040205080304" pitchFamily="17" charset="-128"/>
+                        <a:cs typeface="Times New Roman" panose="02020603050405020304" pitchFamily="18" charset="0"/>
+                      </a:endParaRPr>
+                    </a:p>
+                  </a:txBody>
+                  <a:tcPr marL="68580" marR="68580" marT="0" marB="0"/>
+                </a:tc>
+                <a:extLst>
+                  <a:ext uri="{0D108BD9-81ED-4DB2-BD59-A6C34878D82A}">
+                    <a16:rowId xmlns:a16="http://schemas.microsoft.com/office/drawing/2014/main" val="4191996399"/>
+                  </a:ext>
+                </a:extLst>
+              </a:tr>
+            </a:tbl>
+          </a:graphicData>
+        </a:graphic>
+      </p:graphicFrame>
+      <p:sp>
+        <p:nvSpPr>
+          <p:cNvPr id="4" name="スライド番号プレースホルダー 3"/>
+          <p:cNvSpPr>
+            <a:spLocks noGrp="1"/>
+          </p:cNvSpPr>
+          <p:nvPr>
+            <p:ph type="sldNum" sz="quarter" idx="12"/>
+          </p:nvPr>
+        </p:nvSpPr>
+        <p:spPr/>
+        <p:txBody>
+          <a:bodyPr/>
+          <a:lstStyle/>
+          <a:p>
+            <a:fld id="{B4451160-128F-4DAD-AE29-4A8CC0E7B9E9}" type="slidenum">
+              <a:rPr lang="ja-JP" altLang="en-US" smtClean="0"/>
+              <a:pPr/>
+              <a:t>7</a:t>
+            </a:fld>
+            <a:endParaRPr lang="ja-JP" altLang="en-US" dirty="0"/>
+          </a:p>
+        </p:txBody>
+      </p:sp>
+    </p:spTree>
+    <p:extLst>
+      <p:ext uri="{BB962C8B-B14F-4D97-AF65-F5344CB8AC3E}">
+        <p14:creationId xmlns:p14="http://schemas.microsoft.com/office/powerpoint/2010/main" val="1042694165"/>
+      </p:ext>
+    </p:extLst>
+  </p:cSld>
+  <p:clrMapOvr>
+    <a:masterClrMapping/>
+  </p:clrMapOvr>
+</p:sld>
+</file>
+
+<file path=ppt/slides/slide8.xml><?xml version="1.0" encoding="utf-8"?>
+<p:sld xmlns:a="http://schemas.openxmlformats.org/drawingml/2006/main" xmlns:r="http://schemas.openxmlformats.org/officeDocument/2006/relationships" xmlns:p="http://schemas.openxmlformats.org/presentationml/2006/main">
+  <p:cSld>
+    <p:spTree>
+      <p:nvGrpSpPr>
+        <p:cNvPr id="1" name=""/>
+        <p:cNvGrpSpPr/>
+        <p:nvPr/>
+      </p:nvGrpSpPr>
+      <p:grpSpPr>
+        <a:xfrm>
+          <a:off x="0" y="0"/>
+          <a:ext cx="0" cy="0"/>
+          <a:chOff x="0" y="0"/>
+          <a:chExt cx="0" cy="0"/>
+        </a:xfrm>
+      </p:grpSpPr>
+      <p:sp>
+        <p:nvSpPr>
+          <p:cNvPr id="2" name="タイトル 1"/>
+          <p:cNvSpPr>
+            <a:spLocks noGrp="1"/>
+          </p:cNvSpPr>
+          <p:nvPr>
+            <p:ph type="title"/>
+          </p:nvPr>
+        </p:nvSpPr>
+        <p:spPr/>
+        <p:txBody>
+          <a:bodyPr/>
+          <a:lstStyle/>
+          <a:p>
+            <a:r>
+              <a:rPr kumimoji="1" lang="en-US" altLang="ja-JP" dirty="0" err="1" smtClean="0"/>
+              <a:t>LibROSA</a:t>
+            </a:r>
+            <a:endParaRPr kumimoji="1" lang="ja-JP" altLang="en-US" dirty="0"/>
+          </a:p>
+        </p:txBody>
+      </p:sp>
+      <p:sp>
+        <p:nvSpPr>
+          <p:cNvPr id="3" name="コンテンツ プレースホルダー 2"/>
+          <p:cNvSpPr>
+            <a:spLocks noGrp="1"/>
+          </p:cNvSpPr>
+          <p:nvPr>
+            <p:ph idx="1"/>
+          </p:nvPr>
+        </p:nvSpPr>
+        <p:spPr/>
+        <p:txBody>
+          <a:bodyPr/>
+          <a:lstStyle/>
+          <a:p>
+            <a:pPr marL="0" indent="0">
+              <a:buNone/>
+            </a:pPr>
+            <a:r>
+              <a:rPr kumimoji="1" lang="ja-JP" altLang="en-US" dirty="0" smtClean="0"/>
+              <a:t>上記二つのプログラムで使用したパッケージ</a:t>
+            </a:r>
+            <a:endParaRPr kumimoji="1" lang="en-US" altLang="ja-JP" dirty="0" smtClean="0"/>
+          </a:p>
+          <a:p>
+            <a:pPr marL="0" indent="0">
+              <a:buNone/>
+            </a:pPr>
+            <a:endParaRPr lang="en-US" altLang="ja-JP" dirty="0"/>
+          </a:p>
+          <a:p>
+            <a:pPr marL="0" indent="0">
+              <a:buNone/>
+            </a:pPr>
+            <a:r>
+              <a:rPr lang="ja-JP" altLang="en-US" dirty="0" smtClean="0"/>
+              <a:t>音楽</a:t>
+            </a:r>
+            <a:r>
+              <a:rPr lang="ja-JP" altLang="en-US" dirty="0"/>
+              <a:t>と音声の解析のため</a:t>
+            </a:r>
+            <a:r>
+              <a:rPr lang="ja-JP" altLang="en-US" dirty="0" smtClean="0"/>
+              <a:t>の</a:t>
+            </a:r>
+            <a:r>
+              <a:rPr lang="en-US" altLang="ja-JP" dirty="0" smtClean="0"/>
+              <a:t>python</a:t>
+            </a:r>
+            <a:r>
+              <a:rPr lang="ja-JP" altLang="en-US" dirty="0" smtClean="0"/>
+              <a:t>パッケージ</a:t>
+            </a:r>
+            <a:endParaRPr lang="en-US" altLang="ja-JP" dirty="0" smtClean="0"/>
+          </a:p>
+          <a:p>
+            <a:pPr marL="0" indent="0">
+              <a:buNone/>
+            </a:pPr>
+            <a:endParaRPr kumimoji="1" lang="en-US" altLang="ja-JP" dirty="0"/>
+          </a:p>
+          <a:p>
+            <a:pPr marL="0" indent="0">
+              <a:buNone/>
+            </a:pPr>
+            <a:r>
+              <a:rPr lang="ja-JP" altLang="en-US" dirty="0" smtClean="0"/>
+              <a:t>スペクトル解析、テンポの分析、画像出力など、音楽の分析に必要な機能があらかじめ実装されている。</a:t>
+            </a:r>
+            <a:endParaRPr kumimoji="1" lang="ja-JP" altLang="en-US" dirty="0"/>
+          </a:p>
+        </p:txBody>
+      </p:sp>
+      <p:sp>
+        <p:nvSpPr>
+          <p:cNvPr id="4" name="スライド番号プレースホルダー 3"/>
+          <p:cNvSpPr>
+            <a:spLocks noGrp="1"/>
+          </p:cNvSpPr>
+          <p:nvPr>
+            <p:ph type="sldNum" sz="quarter" idx="12"/>
+          </p:nvPr>
+        </p:nvSpPr>
+        <p:spPr/>
+        <p:txBody>
+          <a:bodyPr/>
+          <a:lstStyle/>
+          <a:p>
+            <a:fld id="{B4451160-128F-4DAD-AE29-4A8CC0E7B9E9}" type="slidenum">
+              <a:rPr lang="ja-JP" altLang="en-US" smtClean="0"/>
+              <a:pPr/>
+              <a:t>8</a:t>
+            </a:fld>
+            <a:endParaRPr lang="ja-JP" altLang="en-US" dirty="0"/>
+          </a:p>
+        </p:txBody>
+      </p:sp>
+    </p:spTree>
+    <p:extLst>
+      <p:ext uri="{BB962C8B-B14F-4D97-AF65-F5344CB8AC3E}">
+        <p14:creationId xmlns:p14="http://schemas.microsoft.com/office/powerpoint/2010/main" val="2966181659"/>
+      </p:ext>
+    </p:extLst>
+  </p:cSld>
+  <p:clrMapOvr>
+    <a:masterClrMapping/>
+  </p:clrMapOvr>
+  <p:timing>
+    <p:tnLst>
+      <p:par>
+        <p:cTn id="1" dur="indefinite" restart="never" nodeType="tmRoot"/>
+      </p:par>
+    </p:tnLst>
+  </p:timing>
+</p:sld>
+</file>
+
+<file path=ppt/slides/slide9.xml><?xml version="1.0" encoding="utf-8"?>
+<p:sld xmlns:a="http://schemas.openxmlformats.org/drawingml/2006/main" xmlns:r="http://schemas.openxmlformats.org/officeDocument/2006/relationships" xmlns:p="http://schemas.openxmlformats.org/presentationml/2006/main">
+  <p:cSld>
+    <p:spTree>
+      <p:nvGrpSpPr>
+        <p:cNvPr id="1" name=""/>
+        <p:cNvGrpSpPr/>
+        <p:nvPr/>
+      </p:nvGrpSpPr>
+      <p:grpSpPr>
+        <a:xfrm>
+          <a:off x="0" y="0"/>
+          <a:ext cx="0" cy="0"/>
+          <a:chOff x="0" y="0"/>
+          <a:chExt cx="0" cy="0"/>
+        </a:xfrm>
+      </p:grpSpPr>
+      <p:sp>
+        <p:nvSpPr>
+          <p:cNvPr id="2" name="タイトル 1"/>
+          <p:cNvSpPr>
+            <a:spLocks noGrp="1"/>
+          </p:cNvSpPr>
+          <p:nvPr>
+            <p:ph type="title"/>
+          </p:nvPr>
+        </p:nvSpPr>
+        <p:spPr/>
+        <p:txBody>
+          <a:bodyPr/>
+          <a:lstStyle/>
+          <a:p>
+            <a:r>
+              <a:rPr lang="ja-JP" altLang="en-US" dirty="0" smtClean="0"/>
+              <a:t>提案システム</a:t>
+            </a:r>
+            <a:endParaRPr kumimoji="1" lang="ja-JP" altLang="en-US" dirty="0"/>
+          </a:p>
+        </p:txBody>
+      </p:sp>
+      <p:sp>
+        <p:nvSpPr>
+          <p:cNvPr id="3" name="コンテンツ プレースホルダー 2"/>
+          <p:cNvSpPr>
+            <a:spLocks noGrp="1"/>
+          </p:cNvSpPr>
+          <p:nvPr>
+            <p:ph idx="1"/>
+          </p:nvPr>
+        </p:nvSpPr>
+        <p:spPr/>
+        <p:txBody>
+          <a:bodyPr/>
+          <a:lstStyle/>
+          <a:p>
+            <a:pPr marL="514350" indent="-514350">
+              <a:buFont typeface="+mj-lt"/>
+              <a:buAutoNum type="arabicPeriod"/>
+            </a:pPr>
+            <a:r>
+              <a:rPr kumimoji="1" lang="ja-JP" altLang="en-US" dirty="0" smtClean="0"/>
+              <a:t>ユーザからアップロードされた楽曲を</a:t>
+            </a:r>
+            <a:r>
+              <a:rPr lang="en-US" altLang="ja-JP" dirty="0"/>
+              <a:t>CNN(Convolutional Neural </a:t>
+            </a:r>
+            <a:r>
+              <a:rPr lang="en-US" altLang="ja-JP" dirty="0" smtClean="0"/>
+              <a:t>Network)</a:t>
+            </a:r>
+            <a:r>
+              <a:rPr lang="ja-JP" altLang="en-US" dirty="0" smtClean="0"/>
+              <a:t>を利用し，</a:t>
+            </a:r>
+            <a:r>
+              <a:rPr lang="en-US" altLang="ja-JP" dirty="0"/>
+              <a:t/>
+            </a:r>
+            <a:br>
+              <a:rPr lang="en-US" altLang="ja-JP" dirty="0"/>
+            </a:br>
+            <a:r>
+              <a:rPr lang="ja-JP" altLang="en-US" dirty="0" smtClean="0"/>
+              <a:t>複数のサーバーで楽曲をジャンル推定</a:t>
+            </a:r>
+            <a:endParaRPr lang="en-US" altLang="ja-JP" dirty="0" smtClean="0"/>
+          </a:p>
+          <a:p>
+            <a:pPr marL="514350" indent="-514350">
+              <a:buFont typeface="+mj-lt"/>
+              <a:buAutoNum type="arabicPeriod"/>
+            </a:pPr>
+            <a:endParaRPr lang="en-US" altLang="ja-JP" dirty="0" smtClean="0"/>
+          </a:p>
+          <a:p>
+            <a:pPr marL="514350" indent="-514350">
+              <a:buFont typeface="+mj-lt"/>
+              <a:buAutoNum type="arabicPeriod"/>
+            </a:pPr>
+            <a:r>
+              <a:rPr lang="ja-JP" altLang="en-US" dirty="0" smtClean="0"/>
+              <a:t>ジャンル推定した楽曲を楽曲データベースに</a:t>
+            </a:r>
+            <a:r>
+              <a:rPr lang="en-US" altLang="ja-JP" dirty="0" smtClean="0"/>
+              <a:t/>
+            </a:r>
+            <a:br>
+              <a:rPr lang="en-US" altLang="ja-JP" dirty="0" smtClean="0"/>
+            </a:br>
+            <a:r>
+              <a:rPr lang="ja-JP" altLang="en-US" dirty="0" smtClean="0"/>
+              <a:t>保存</a:t>
+            </a:r>
+            <a:endParaRPr lang="en-US" altLang="ja-JP" dirty="0" smtClean="0"/>
+          </a:p>
+          <a:p>
+            <a:pPr marL="514350" indent="-514350">
+              <a:buFont typeface="+mj-lt"/>
+              <a:buAutoNum type="arabicPeriod"/>
+            </a:pPr>
+            <a:endParaRPr lang="en-US" altLang="ja-JP" dirty="0" smtClean="0"/>
+          </a:p>
+          <a:p>
+            <a:pPr marL="514350" indent="-514350">
+              <a:buFont typeface="+mj-lt"/>
+              <a:buAutoNum type="arabicPeriod"/>
+            </a:pPr>
+            <a:r>
+              <a:rPr lang="ja-JP" altLang="en-US" dirty="0" smtClean="0"/>
+              <a:t>動画と楽曲を複数のサーバーでマッチング処理</a:t>
+            </a:r>
+            <a:endParaRPr lang="en-US" altLang="ja-JP" dirty="0" smtClean="0"/>
+          </a:p>
+          <a:p>
+            <a:pPr marL="0" indent="0">
+              <a:buNone/>
+            </a:pPr>
+            <a:endParaRPr lang="en-US" altLang="ja-JP" dirty="0" smtClean="0"/>
+          </a:p>
+        </p:txBody>
+      </p:sp>
+      <p:sp>
+        <p:nvSpPr>
+          <p:cNvPr id="4" name="スライド番号プレースホルダー 3"/>
+          <p:cNvSpPr>
+            <a:spLocks noGrp="1"/>
+          </p:cNvSpPr>
+          <p:nvPr>
+            <p:ph type="sldNum" sz="quarter" idx="12"/>
+          </p:nvPr>
+        </p:nvSpPr>
+        <p:spPr/>
+        <p:txBody>
+          <a:bodyPr/>
+          <a:lstStyle/>
+          <a:p>
+            <a:fld id="{B4451160-128F-4DAD-AE29-4A8CC0E7B9E9}" type="slidenum">
+              <a:rPr lang="ja-JP" altLang="en-US" smtClean="0"/>
+              <a:pPr/>
+              <a:t>9</a:t>
+            </a:fld>
+            <a:endParaRPr lang="ja-JP" altLang="en-US" dirty="0"/>
+          </a:p>
+        </p:txBody>
+      </p:sp>
+    </p:spTree>
+    <p:extLst>
+      <p:ext uri="{BB962C8B-B14F-4D97-AF65-F5344CB8AC3E}">
+        <p14:creationId xmlns:p14="http://schemas.microsoft.com/office/powerpoint/2010/main" val="1631647955"/>
+      </p:ext>
+    </p:extLst>
+  </p:cSld>
+  <p:clrMapOvr>
+    <a:masterClrMapping/>
+  </p:clrMapOvr>
 </p:sld>
 </file>
 

--- a/発表用スライド/1821144_yoshii_thesis_ver.pptx
+++ b/発表用スライド/1821144_yoshii_thesis_ver.pptx
@@ -4377,8 +4377,20 @@
               <a:lstStyle/>
               <a:p>
                 <a:r>
+                  <a:rPr kumimoji="1" lang="en-US" altLang="ja-JP" dirty="0" smtClean="0"/>
+                  <a:t>1</a:t>
+                </a:r>
+                <a:r>
+                  <a:rPr kumimoji="1" lang="ja-JP" altLang="en-US" dirty="0" err="1" smtClean="0"/>
+                  <a:t>．</a:t>
+                </a:r>
+                <a:r>
                   <a:rPr kumimoji="1" lang="ja-JP" altLang="en-US" dirty="0" smtClean="0"/>
-                  <a:t>複数のサーバーで</a:t>
+                  <a:t>複数</a:t>
+                </a:r>
+                <a:r>
+                  <a:rPr kumimoji="1" lang="ja-JP" altLang="en-US" dirty="0" smtClean="0"/>
+                  <a:t>のサーバーで</a:t>
                 </a:r>
                 <a:r>
                   <a:rPr kumimoji="1" lang="en-US" altLang="ja-JP" dirty="0" smtClean="0"/>
@@ -4566,7 +4578,11 @@
                 <a:pPr algn="ctr"/>
                 <a:r>
                   <a:rPr kumimoji="1" lang="ja-JP" altLang="en-US" dirty="0" smtClean="0"/>
-                  <a:t>データベースに保存</a:t>
+                  <a:t>２．データベース</a:t>
+                </a:r>
+                <a:r>
+                  <a:rPr kumimoji="1" lang="ja-JP" altLang="en-US" dirty="0" smtClean="0"/>
+                  <a:t>に保存</a:t>
                 </a:r>
                 <a:endParaRPr kumimoji="1" lang="ja-JP" altLang="en-US" dirty="0"/>
               </a:p>
@@ -5052,7 +5068,11 @@
               <a:p>
                 <a:r>
                   <a:rPr kumimoji="1" lang="ja-JP" altLang="en-US" dirty="0" smtClean="0"/>
-                  <a:t>動画と楽曲を複数のサーバーでマッチング処理</a:t>
+                  <a:t>３．動画</a:t>
+                </a:r>
+                <a:r>
+                  <a:rPr kumimoji="1" lang="ja-JP" altLang="en-US" dirty="0" smtClean="0"/>
+                  <a:t>と楽曲を複数のサーバーでマッチング処理</a:t>
                 </a:r>
                 <a:endParaRPr kumimoji="1" lang="ja-JP" altLang="en-US" dirty="0"/>
               </a:p>
@@ -5178,7 +5198,7 @@
         </p:spPr>
         <p:txBody>
           <a:bodyPr>
-            <a:normAutofit fontScale="92500" lnSpcReduction="10000"/>
+            <a:normAutofit fontScale="85000" lnSpcReduction="20000"/>
           </a:bodyPr>
           <a:lstStyle/>
           <a:p>
@@ -5257,8 +5277,31 @@
           <a:p>
             <a:r>
               <a:rPr lang="ja-JP" altLang="en-US" dirty="0"/>
-              <a:t>ユーザーに動画とどの音楽ジャンルでマッチングしたいかを決めてもらう</a:t>
-            </a:r>
+              <a:t>ユーザーに動画とどの音楽ジャンルでマッチングしたいかを決めて</a:t>
+            </a:r>
+            <a:r>
+              <a:rPr lang="ja-JP" altLang="en-US" dirty="0" smtClean="0"/>
+              <a:t>もらう．</a:t>
+            </a:r>
+            <a:endParaRPr lang="en-US" altLang="ja-JP" dirty="0" smtClean="0"/>
+          </a:p>
+          <a:p>
+            <a:pPr marL="0" indent="0">
+              <a:buNone/>
+            </a:pPr>
+            <a:r>
+              <a:rPr lang="ja-JP" altLang="en-US" dirty="0" smtClean="0"/>
+              <a:t>→ユーザー</a:t>
+            </a:r>
+            <a:r>
+              <a:rPr lang="ja-JP" altLang="en-US" dirty="0"/>
+              <a:t>の趣向に</a:t>
+            </a:r>
+            <a:r>
+              <a:rPr lang="ja-JP" altLang="en-US" dirty="0" smtClean="0"/>
+              <a:t>合わせて楽曲付き動画を合成することができるため．</a:t>
+            </a:r>
+            <a:endParaRPr lang="ja-JP" altLang="en-US" dirty="0"/>
           </a:p>
           <a:p>
             <a:pPr marL="457200" lvl="1" indent="0">
@@ -5316,13 +5359,13 @@
           <p:nvPr>
             <p:extLst>
               <p:ext uri="{D42A27DB-BD31-4B8C-83A1-F6EECF244321}">
-                <p14:modId xmlns:p14="http://schemas.microsoft.com/office/powerpoint/2010/main" val="2213826750"/>
+                <p14:modId xmlns:p14="http://schemas.microsoft.com/office/powerpoint/2010/main" val="76483992"/>
               </p:ext>
             </p:extLst>
           </p:nvPr>
         </p:nvGraphicFramePr>
         <p:xfrm>
-          <a:off x="258665" y="4610568"/>
+          <a:off x="258665" y="4491299"/>
           <a:ext cx="8114058" cy="1928345"/>
         </p:xfrm>
         <a:graphic>
@@ -5977,7 +6020,7 @@
         </p:spPr>
         <p:txBody>
           <a:bodyPr>
-            <a:normAutofit fontScale="85000" lnSpcReduction="20000"/>
+            <a:normAutofit fontScale="85000" lnSpcReduction="10000"/>
           </a:bodyPr>
           <a:lstStyle/>
           <a:p>
@@ -6047,43 +6090,22 @@
               </a:lnSpc>
             </a:pPr>
             <a:r>
-              <a:rPr lang="ja-JP" altLang="en-US" dirty="0" smtClean="0"/>
-              <a:t>これに伴いデータ</a:t>
-            </a:r>
-            <a:r>
               <a:rPr lang="ja-JP" altLang="en-US" dirty="0"/>
-              <a:t>を処理する</a:t>
-            </a:r>
-            <a:r>
-              <a:rPr lang="ja-JP" altLang="en-US" dirty="0" smtClean="0"/>
-              <a:t>際に掛かる負荷が増え，処理</a:t>
-            </a:r>
-            <a:endParaRPr lang="en-US" altLang="ja-JP" dirty="0" smtClean="0"/>
-          </a:p>
-          <a:p>
-            <a:pPr marL="0" indent="0" algn="just">
-              <a:lnSpc>
-                <a:spcPct val="120000"/>
-              </a:lnSpc>
-              <a:buNone/>
-            </a:pPr>
-            <a:r>
-              <a:rPr lang="ja-JP" altLang="en-US" dirty="0" smtClean="0"/>
-              <a:t>速度が</a:t>
-            </a:r>
-            <a:r>
-              <a:rPr lang="ja-JP" altLang="en-US" dirty="0" err="1" smtClean="0"/>
-              <a:t>遅る</a:t>
-            </a:r>
-            <a:r>
-              <a:rPr lang="ja-JP" altLang="en-US" dirty="0" smtClean="0"/>
-              <a:t>可能性が考えられる</a:t>
-            </a:r>
-            <a:r>
-              <a:rPr lang="ja-JP" altLang="en-US" dirty="0" smtClean="0"/>
-              <a:t>．</a:t>
-            </a:r>
-            <a:endParaRPr lang="en-US" altLang="ja-JP" dirty="0" smtClean="0"/>
+              <a:t>同様に，動画共有を目的とした</a:t>
+            </a:r>
+            <a:r>
+              <a:rPr lang="en-US" altLang="ja-JP" dirty="0"/>
+              <a:t>SNS</a:t>
+            </a:r>
+            <a:r>
+              <a:rPr lang="ja-JP" altLang="en-US" dirty="0" err="1"/>
+              <a:t>が普</a:t>
+            </a:r>
+            <a:r>
+              <a:rPr lang="ja-JP" altLang="en-US" dirty="0"/>
+              <a:t>及している．</a:t>
+            </a:r>
+            <a:endParaRPr lang="en-US" altLang="ja-JP" dirty="0"/>
           </a:p>
           <a:p>
             <a:pPr algn="just">
@@ -6093,21 +6115,48 @@
             </a:pPr>
             <a:r>
               <a:rPr lang="ja-JP" altLang="en-US" dirty="0" smtClean="0"/>
-              <a:t>同様</a:t>
+              <a:t>これ</a:t>
+            </a:r>
+            <a:r>
+              <a:rPr lang="ja-JP" altLang="en-US" dirty="0" smtClean="0"/>
+              <a:t>に伴いデータ</a:t>
             </a:r>
             <a:r>
               <a:rPr lang="ja-JP" altLang="en-US" dirty="0"/>
-              <a:t>に，動画共有を目的とした</a:t>
+              <a:t>を処理する</a:t>
+            </a:r>
+            <a:r>
+              <a:rPr lang="ja-JP" altLang="en-US" dirty="0" smtClean="0"/>
+              <a:t>際に掛かる負荷が増え，</a:t>
+            </a:r>
+            <a:r>
+              <a:rPr lang="ja-JP" altLang="en-US" dirty="0" smtClean="0"/>
+              <a:t>処理</a:t>
             </a:r>
             <a:r>
               <a:rPr lang="en-US" altLang="ja-JP" dirty="0"/>
-              <a:t>SNS</a:t>
+              <a:t/>
+            </a:r>
+            <a:br>
+              <a:rPr lang="en-US" altLang="ja-JP" dirty="0"/>
+            </a:br>
+            <a:r>
+              <a:rPr lang="ja-JP" altLang="en-US" dirty="0" smtClean="0"/>
+              <a:t>速度が</a:t>
             </a:r>
             <a:r>
               <a:rPr lang="ja-JP" altLang="en-US" dirty="0"/>
-              <a:t>が普及している．</a:t>
-            </a:r>
-            <a:endParaRPr lang="en-US" altLang="ja-JP" dirty="0"/>
+              <a:t>遅くなる</a:t>
+            </a:r>
+            <a:r>
+              <a:rPr lang="ja-JP" altLang="en-US" dirty="0" smtClean="0"/>
+              <a:t>可能性</a:t>
+            </a:r>
+            <a:r>
+              <a:rPr lang="ja-JP" altLang="en-US" dirty="0" smtClean="0"/>
+              <a:t>が考えられる．</a:t>
+            </a:r>
+            <a:endParaRPr lang="en-US" altLang="ja-JP" dirty="0" smtClean="0"/>
           </a:p>
           <a:p>
             <a:pPr algn="just">
@@ -6116,8 +6165,12 @@
               </a:lnSpc>
             </a:pPr>
             <a:r>
+              <a:rPr lang="ja-JP" altLang="en-US" dirty="0" smtClean="0"/>
+              <a:t>これら</a:t>
+            </a:r>
+            <a:r>
               <a:rPr lang="ja-JP" altLang="en-US" dirty="0"/>
-              <a:t>これらの楽曲コンテンツや動画コンテンツを統合して，付加価値の高い新しいコンテンツを生成できると考えられる．</a:t>
+              <a:t>の楽曲コンテンツや動画コンテンツを統合して，付加価値の高い新しいコンテンツを生成できると考えられる．</a:t>
             </a:r>
             <a:endParaRPr lang="en-US" altLang="ja-JP" dirty="0"/>
           </a:p>
@@ -6941,7 +6994,7 @@
         </p:spPr>
         <p:txBody>
           <a:bodyPr>
-            <a:normAutofit fontScale="92500" lnSpcReduction="10000"/>
+            <a:normAutofit/>
           </a:bodyPr>
           <a:lstStyle/>
           <a:p>
@@ -6993,37 +7046,27 @@
             </a:r>
             <a:r>
               <a:rPr lang="ja-JP" altLang="en-US" dirty="0"/>
-              <a:t>限界が生じるため，並列で処理する仕組みが必要である．</a:t>
-            </a:r>
-            <a:endParaRPr lang="en-US" altLang="ja-JP" dirty="0"/>
-          </a:p>
-          <a:p>
-            <a:endParaRPr lang="en-US" altLang="ja-JP" dirty="0"/>
-          </a:p>
-          <a:p>
-            <a:r>
-              <a:rPr lang="ja-JP" altLang="en-US" dirty="0"/>
-              <a:t>また，楽曲と動画を合成するための方法も検討する必要がある</a:t>
+              <a:t>限界が生じるため，並列で処理する仕組みが必要である</a:t>
             </a:r>
             <a:r>
               <a:rPr lang="ja-JP" altLang="en-US" dirty="0" smtClean="0"/>
               <a:t>．</a:t>
             </a:r>
-            <a:r>
-              <a:rPr lang="en-US" altLang="ja-JP" dirty="0" smtClean="0"/>
-              <a:t>(</a:t>
-            </a:r>
-            <a:r>
-              <a:rPr lang="ja-JP" altLang="en-US" dirty="0" smtClean="0"/>
-              <a:t>展望に回す可能性</a:t>
-            </a:r>
-            <a:r>
-              <a:rPr lang="en-US" altLang="ja-JP" dirty="0" smtClean="0"/>
-              <a:t>)</a:t>
-            </a:r>
+            <a:endParaRPr lang="en-US" altLang="ja-JP" dirty="0" smtClean="0"/>
+          </a:p>
+          <a:p>
             <a:endParaRPr lang="en-US" altLang="ja-JP" dirty="0"/>
           </a:p>
           <a:p>
+            <a:endParaRPr lang="en-US" altLang="ja-JP" dirty="0"/>
+          </a:p>
+          <a:p>
+            <a:endParaRPr lang="en-US" altLang="ja-JP" dirty="0"/>
+          </a:p>
+          <a:p>
+            <a:pPr marL="0" indent="0">
+              <a:buNone/>
+            </a:pPr>
             <a:endParaRPr lang="en-US" altLang="ja-JP" dirty="0"/>
           </a:p>
         </p:txBody>
@@ -9351,22 +9394,6 @@
               <a:buNone/>
             </a:pPr>
             <a:r>
-              <a:rPr kumimoji="1" lang="ja-JP" altLang="en-US" dirty="0" smtClean="0"/>
-              <a:t>上記二つのプログラムで使用したパッケージ</a:t>
-            </a:r>
-            <a:endParaRPr kumimoji="1" lang="en-US" altLang="ja-JP" dirty="0" smtClean="0"/>
-          </a:p>
-          <a:p>
-            <a:pPr marL="0" indent="0">
-              <a:buNone/>
-            </a:pPr>
-            <a:endParaRPr lang="en-US" altLang="ja-JP" dirty="0"/>
-          </a:p>
-          <a:p>
-            <a:pPr marL="0" indent="0">
-              <a:buNone/>
-            </a:pPr>
-            <a:r>
               <a:rPr lang="ja-JP" altLang="en-US" dirty="0" smtClean="0"/>
               <a:t>音楽</a:t>
             </a:r>

--- a/発表用スライド/1821144_yoshii_thesis_ver.pptx
+++ b/発表用スライド/1821144_yoshii_thesis_ver.pptx
@@ -5,7 +5,7 @@
     <p:sldMasterId id="2147483660" r:id="rId1"/>
   </p:sldMasterIdLst>
   <p:notesMasterIdLst>
-    <p:notesMasterId r:id="rId15"/>
+    <p:notesMasterId r:id="rId16"/>
   </p:notesMasterIdLst>
   <p:sldIdLst>
     <p:sldId id="270" r:id="rId2"/>
@@ -21,6 +21,7 @@
     <p:sldId id="259" r:id="rId12"/>
     <p:sldId id="265" r:id="rId13"/>
     <p:sldId id="276" r:id="rId14"/>
+    <p:sldId id="279" r:id="rId15"/>
   </p:sldIdLst>
   <p:sldSz cx="9144000" cy="6858000" type="screen4x3"/>
   <p:notesSz cx="6858000" cy="9144000"/>
@@ -238,7 +239,7 @@
           <a:p>
             <a:fld id="{27571B5F-C8EC-4379-AD76-80FD414F3861}" type="datetimeFigureOut">
               <a:rPr kumimoji="1" lang="ja-JP" altLang="en-US" smtClean="0"/>
-              <a:t>2021/12/13</a:t>
+              <a:t>2021/12/14</a:t>
             </a:fld>
             <a:endParaRPr kumimoji="1" lang="ja-JP" altLang="en-US"/>
           </a:p>
@@ -752,7 +753,7 @@
           <a:p>
             <a:fld id="{22C6F9C5-C6AA-409B-AF03-98D7346F1423}" type="datetime1">
               <a:rPr kumimoji="1" lang="ja-JP" altLang="en-US" smtClean="0"/>
-              <a:t>2021/12/13</a:t>
+              <a:t>2021/12/14</a:t>
             </a:fld>
             <a:endParaRPr kumimoji="1" lang="ja-JP" altLang="en-US"/>
           </a:p>
@@ -955,7 +956,7 @@
           <a:p>
             <a:fld id="{22E0F957-B7A6-49B1-8F7C-E83B3F2002DA}" type="datetime1">
               <a:rPr kumimoji="1" lang="ja-JP" altLang="en-US" smtClean="0"/>
-              <a:t>2021/12/13</a:t>
+              <a:t>2021/12/14</a:t>
             </a:fld>
             <a:endParaRPr kumimoji="1" lang="ja-JP" altLang="en-US"/>
           </a:p>
@@ -1168,7 +1169,7 @@
           <a:p>
             <a:fld id="{DE6F7DB3-2648-413C-8B2E-93728F539CCD}" type="datetime1">
               <a:rPr kumimoji="1" lang="ja-JP" altLang="en-US" smtClean="0"/>
-              <a:t>2021/12/13</a:t>
+              <a:t>2021/12/14</a:t>
             </a:fld>
             <a:endParaRPr kumimoji="1" lang="ja-JP" altLang="en-US"/>
           </a:p>
@@ -1371,7 +1372,7 @@
           <a:p>
             <a:fld id="{A2D1DE2A-14E7-4A39-B37E-D38A93E354FC}" type="datetime1">
               <a:rPr kumimoji="1" lang="ja-JP" altLang="en-US" smtClean="0"/>
-              <a:t>2021/12/13</a:t>
+              <a:t>2021/12/14</a:t>
             </a:fld>
             <a:endParaRPr kumimoji="1" lang="ja-JP" altLang="en-US"/>
           </a:p>
@@ -1620,7 +1621,7 @@
           <a:p>
             <a:fld id="{991EEB29-6570-4D17-BF07-A0C0B34BA0FB}" type="datetime1">
               <a:rPr kumimoji="1" lang="ja-JP" altLang="en-US" smtClean="0"/>
-              <a:t>2021/12/13</a:t>
+              <a:t>2021/12/14</a:t>
             </a:fld>
             <a:endParaRPr kumimoji="1" lang="ja-JP" altLang="en-US"/>
           </a:p>
@@ -1917,7 +1918,7 @@
           <a:p>
             <a:fld id="{892B6420-66A4-43C3-BA46-EBDFB60516F0}" type="datetime1">
               <a:rPr kumimoji="1" lang="ja-JP" altLang="en-US" smtClean="0"/>
-              <a:t>2021/12/13</a:t>
+              <a:t>2021/12/14</a:t>
             </a:fld>
             <a:endParaRPr kumimoji="1" lang="ja-JP" altLang="en-US"/>
           </a:p>
@@ -2349,7 +2350,7 @@
           <a:p>
             <a:fld id="{5BE63C90-8833-49EB-8DFB-3A87587C56DF}" type="datetime1">
               <a:rPr kumimoji="1" lang="ja-JP" altLang="en-US" smtClean="0"/>
-              <a:t>2021/12/13</a:t>
+              <a:t>2021/12/14</a:t>
             </a:fld>
             <a:endParaRPr kumimoji="1" lang="ja-JP" altLang="en-US"/>
           </a:p>
@@ -2468,7 +2469,7 @@
           <a:p>
             <a:fld id="{FDB7B118-9258-4B93-98B1-2227223B18EF}" type="datetime1">
               <a:rPr kumimoji="1" lang="ja-JP" altLang="en-US" smtClean="0"/>
-              <a:t>2021/12/13</a:t>
+              <a:t>2021/12/14</a:t>
             </a:fld>
             <a:endParaRPr kumimoji="1" lang="ja-JP" altLang="en-US"/>
           </a:p>
@@ -2564,7 +2565,7 @@
           <a:p>
             <a:fld id="{9C334A37-8FFC-49D6-A0F3-FC06101E023C}" type="datetime1">
               <a:rPr kumimoji="1" lang="ja-JP" altLang="en-US" smtClean="0"/>
-              <a:t>2021/12/13</a:t>
+              <a:t>2021/12/14</a:t>
             </a:fld>
             <a:endParaRPr kumimoji="1" lang="ja-JP" altLang="en-US"/>
           </a:p>
@@ -2874,7 +2875,7 @@
           <a:p>
             <a:fld id="{0FAD949F-32A5-4343-9078-C3A89D3064D3}" type="datetime1">
               <a:rPr kumimoji="1" lang="ja-JP" altLang="en-US" smtClean="0"/>
-              <a:t>2021/12/13</a:t>
+              <a:t>2021/12/14</a:t>
             </a:fld>
             <a:endParaRPr kumimoji="1" lang="ja-JP" altLang="en-US"/>
           </a:p>
@@ -3132,7 +3133,7 @@
           <a:p>
             <a:fld id="{58C4534D-9999-497B-9C6B-5769B1D800E5}" type="datetime1">
               <a:rPr kumimoji="1" lang="ja-JP" altLang="en-US" smtClean="0"/>
-              <a:t>2021/12/13</a:t>
+              <a:t>2021/12/14</a:t>
             </a:fld>
             <a:endParaRPr kumimoji="1" lang="ja-JP" altLang="en-US"/>
           </a:p>
@@ -3378,7 +3379,7 @@
           <a:p>
             <a:fld id="{D73E1257-0E7D-4620-84B9-7FC7BB2FC946}" type="datetime1">
               <a:rPr kumimoji="1" lang="ja-JP" altLang="en-US" smtClean="0"/>
-              <a:t>2021/12/13</a:t>
+              <a:t>2021/12/14</a:t>
             </a:fld>
             <a:endParaRPr kumimoji="1" lang="ja-JP" altLang="en-US"/>
           </a:p>
@@ -4386,11 +4387,7 @@
                 </a:r>
                 <a:r>
                   <a:rPr kumimoji="1" lang="ja-JP" altLang="en-US" dirty="0" smtClean="0"/>
-                  <a:t>複数</a:t>
-                </a:r>
-                <a:r>
-                  <a:rPr kumimoji="1" lang="ja-JP" altLang="en-US" dirty="0" smtClean="0"/>
-                  <a:t>のサーバーで</a:t>
+                  <a:t>複数のサーバーで</a:t>
                 </a:r>
                 <a:r>
                   <a:rPr kumimoji="1" lang="en-US" altLang="ja-JP" dirty="0" smtClean="0"/>
@@ -4578,11 +4575,7 @@
                 <a:pPr algn="ctr"/>
                 <a:r>
                   <a:rPr kumimoji="1" lang="ja-JP" altLang="en-US" dirty="0" smtClean="0"/>
-                  <a:t>２．データベース</a:t>
-                </a:r>
-                <a:r>
-                  <a:rPr kumimoji="1" lang="ja-JP" altLang="en-US" dirty="0" smtClean="0"/>
-                  <a:t>に保存</a:t>
+                  <a:t>２．データベースに保存</a:t>
                 </a:r>
                 <a:endParaRPr kumimoji="1" lang="ja-JP" altLang="en-US" dirty="0"/>
               </a:p>
@@ -5068,11 +5061,7 @@
               <a:p>
                 <a:r>
                   <a:rPr kumimoji="1" lang="ja-JP" altLang="en-US" dirty="0" smtClean="0"/>
-                  <a:t>３．動画</a:t>
-                </a:r>
-                <a:r>
-                  <a:rPr kumimoji="1" lang="ja-JP" altLang="en-US" dirty="0" smtClean="0"/>
-                  <a:t>と楽曲を複数のサーバーでマッチング処理</a:t>
+                  <a:t>３．動画と楽曲を複数のサーバーでマッチング処理</a:t>
                 </a:r>
                 <a:endParaRPr kumimoji="1" lang="ja-JP" altLang="en-US" dirty="0"/>
               </a:p>
@@ -5950,6 +5939,158 @@
 </p:sld>
 </file>
 
+<file path=ppt/slides/slide14.xml><?xml version="1.0" encoding="utf-8"?>
+<p:sld xmlns:a="http://schemas.openxmlformats.org/drawingml/2006/main" xmlns:r="http://schemas.openxmlformats.org/officeDocument/2006/relationships" xmlns:p="http://schemas.openxmlformats.org/presentationml/2006/main">
+  <p:cSld>
+    <p:spTree>
+      <p:nvGrpSpPr>
+        <p:cNvPr id="1" name=""/>
+        <p:cNvGrpSpPr/>
+        <p:nvPr/>
+      </p:nvGrpSpPr>
+      <p:grpSpPr>
+        <a:xfrm>
+          <a:off x="0" y="0"/>
+          <a:ext cx="0" cy="0"/>
+          <a:chOff x="0" y="0"/>
+          <a:chExt cx="0" cy="0"/>
+        </a:xfrm>
+      </p:grpSpPr>
+      <p:sp>
+        <p:nvSpPr>
+          <p:cNvPr id="2" name="タイトル 1"/>
+          <p:cNvSpPr>
+            <a:spLocks noGrp="1"/>
+          </p:cNvSpPr>
+          <p:nvPr>
+            <p:ph type="title"/>
+          </p:nvPr>
+        </p:nvSpPr>
+        <p:spPr/>
+        <p:txBody>
+          <a:bodyPr/>
+          <a:lstStyle/>
+          <a:p>
+            <a:endParaRPr kumimoji="1" lang="ja-JP" altLang="en-US"/>
+          </a:p>
+        </p:txBody>
+      </p:sp>
+      <p:sp>
+        <p:nvSpPr>
+          <p:cNvPr id="3" name="コンテンツ プレースホルダー 2"/>
+          <p:cNvSpPr>
+            <a:spLocks noGrp="1"/>
+          </p:cNvSpPr>
+          <p:nvPr>
+            <p:ph idx="1"/>
+          </p:nvPr>
+        </p:nvSpPr>
+        <p:spPr/>
+        <p:txBody>
+          <a:bodyPr>
+            <a:normAutofit/>
+          </a:bodyPr>
+          <a:lstStyle/>
+          <a:p>
+            <a:r>
+              <a:rPr lang="en-US" altLang="ja-JP" dirty="0" smtClean="0"/>
+              <a:t>CNN</a:t>
+            </a:r>
+            <a:r>
+              <a:rPr lang="ja-JP" altLang="en-US" dirty="0"/>
+              <a:t>を利用した楽曲ジャンル推定プログラムの分散処理</a:t>
+            </a:r>
+            <a:r>
+              <a:rPr lang="ja-JP" altLang="en-US" dirty="0" smtClean="0"/>
+              <a:t>システム</a:t>
+            </a:r>
+            <a:endParaRPr lang="en-US" altLang="ja-JP" dirty="0" smtClean="0"/>
+          </a:p>
+          <a:p>
+            <a:endParaRPr lang="en-US" altLang="ja-JP" dirty="0"/>
+          </a:p>
+          <a:p>
+            <a:r>
+              <a:rPr lang="ja-JP" altLang="en-US" dirty="0"/>
+              <a:t>楽曲</a:t>
+            </a:r>
+            <a:r>
+              <a:rPr lang="en-US" altLang="ja-JP" dirty="0"/>
+              <a:t>SNS</a:t>
+            </a:r>
+            <a:r>
+              <a:rPr lang="ja-JP" altLang="en-US" dirty="0"/>
+              <a:t>における楽曲コンテンツと動画コンテンツの並列マッチング処理</a:t>
+            </a:r>
+            <a:r>
+              <a:rPr lang="ja-JP" altLang="en-US" dirty="0" smtClean="0"/>
+              <a:t>システム</a:t>
+            </a:r>
+            <a:endParaRPr lang="en-US" altLang="ja-JP" dirty="0" smtClean="0"/>
+          </a:p>
+          <a:p>
+            <a:pPr marL="0" indent="0">
+              <a:buNone/>
+            </a:pPr>
+            <a:endParaRPr lang="en-US" altLang="ja-JP" dirty="0"/>
+          </a:p>
+          <a:p>
+            <a:r>
+              <a:rPr lang="ja-JP" altLang="en-US" dirty="0" smtClean="0"/>
+              <a:t>楽曲</a:t>
+            </a:r>
+            <a:r>
+              <a:rPr lang="en-US" altLang="ja-JP" dirty="0" smtClean="0"/>
+              <a:t>SNS</a:t>
+            </a:r>
+            <a:r>
+              <a:rPr lang="ja-JP" altLang="en-US" dirty="0" smtClean="0"/>
+              <a:t>における楽曲コンテンツのジャンル推定並列処理システム</a:t>
+            </a:r>
+            <a:endParaRPr lang="en-US" altLang="ja-JP" dirty="0"/>
+          </a:p>
+          <a:p>
+            <a:endParaRPr kumimoji="1" lang="ja-JP" altLang="en-US" dirty="0"/>
+          </a:p>
+        </p:txBody>
+      </p:sp>
+      <p:sp>
+        <p:nvSpPr>
+          <p:cNvPr id="4" name="スライド番号プレースホルダー 3"/>
+          <p:cNvSpPr>
+            <a:spLocks noGrp="1"/>
+          </p:cNvSpPr>
+          <p:nvPr>
+            <p:ph type="sldNum" sz="quarter" idx="12"/>
+          </p:nvPr>
+        </p:nvSpPr>
+        <p:spPr/>
+        <p:txBody>
+          <a:bodyPr/>
+          <a:lstStyle/>
+          <a:p>
+            <a:fld id="{B4451160-128F-4DAD-AE29-4A8CC0E7B9E9}" type="slidenum">
+              <a:rPr lang="ja-JP" altLang="en-US" smtClean="0"/>
+              <a:pPr/>
+              <a:t>14</a:t>
+            </a:fld>
+            <a:endParaRPr lang="ja-JP" altLang="en-US" dirty="0"/>
+          </a:p>
+        </p:txBody>
+      </p:sp>
+    </p:spTree>
+    <p:extLst>
+      <p:ext uri="{BB962C8B-B14F-4D97-AF65-F5344CB8AC3E}">
+        <p14:creationId xmlns:p14="http://schemas.microsoft.com/office/powerpoint/2010/main" val="3197487522"/>
+      </p:ext>
+    </p:extLst>
+  </p:cSld>
+  <p:clrMapOvr>
+    <a:masterClrMapping/>
+  </p:clrMapOvr>
+</p:sld>
+</file>
+
 <file path=ppt/slides/slide2.xml><?xml version="1.0" encoding="utf-8"?>
 <p:sld xmlns:a="http://schemas.openxmlformats.org/drawingml/2006/main" xmlns:r="http://schemas.openxmlformats.org/officeDocument/2006/relationships" xmlns:p="http://schemas.openxmlformats.org/presentationml/2006/main">
   <p:cSld>
@@ -6115,11 +6256,7 @@
             </a:pPr>
             <a:r>
               <a:rPr lang="ja-JP" altLang="en-US" dirty="0" smtClean="0"/>
-              <a:t>これ</a:t>
-            </a:r>
-            <a:r>
-              <a:rPr lang="ja-JP" altLang="en-US" dirty="0" smtClean="0"/>
-              <a:t>に伴いデータ</a:t>
+              <a:t>これに伴いデータ</a:t>
             </a:r>
             <a:r>
               <a:rPr lang="ja-JP" altLang="en-US" dirty="0"/>
@@ -6127,11 +6264,7 @@
             </a:r>
             <a:r>
               <a:rPr lang="ja-JP" altLang="en-US" dirty="0" smtClean="0"/>
-              <a:t>際に掛かる負荷が増え，</a:t>
-            </a:r>
-            <a:r>
-              <a:rPr lang="ja-JP" altLang="en-US" dirty="0" smtClean="0"/>
-              <a:t>処理</a:t>
+              <a:t>際に掛かる負荷が増え，処理</a:t>
             </a:r>
             <a:r>
               <a:rPr lang="en-US" altLang="ja-JP" dirty="0"/>
@@ -6150,11 +6283,7 @@
             </a:r>
             <a:r>
               <a:rPr lang="ja-JP" altLang="en-US" dirty="0" smtClean="0"/>
-              <a:t>可能性</a:t>
-            </a:r>
-            <a:r>
-              <a:rPr lang="ja-JP" altLang="en-US" dirty="0" smtClean="0"/>
-              <a:t>が考えられる．</a:t>
+              <a:t>可能性が考えられる．</a:t>
             </a:r>
             <a:endParaRPr lang="en-US" altLang="ja-JP" dirty="0" smtClean="0"/>
           </a:p>
@@ -7052,6 +7181,15 @@
               <a:rPr lang="ja-JP" altLang="en-US" dirty="0" smtClean="0"/>
               <a:t>．</a:t>
             </a:r>
+            <a:endParaRPr lang="en-US" altLang="ja-JP" dirty="0" smtClean="0"/>
+          </a:p>
+          <a:p>
+            <a:endParaRPr lang="en-US" altLang="ja-JP" dirty="0"/>
+          </a:p>
+          <a:p>
+            <a:pPr marL="0" indent="0">
+              <a:buNone/>
+            </a:pPr>
             <a:endParaRPr lang="en-US" altLang="ja-JP" dirty="0" smtClean="0"/>
           </a:p>
           <a:p>

--- a/発表用スライド/1821144_yoshii_thesis_ver.pptx
+++ b/発表用スライド/1821144_yoshii_thesis_ver.pptx
@@ -5,7 +5,7 @@
     <p:sldMasterId id="2147483660" r:id="rId1"/>
   </p:sldMasterIdLst>
   <p:notesMasterIdLst>
-    <p:notesMasterId r:id="rId16"/>
+    <p:notesMasterId r:id="rId19"/>
   </p:notesMasterIdLst>
   <p:sldIdLst>
     <p:sldId id="270" r:id="rId2"/>
@@ -22,6 +22,9 @@
     <p:sldId id="265" r:id="rId13"/>
     <p:sldId id="276" r:id="rId14"/>
     <p:sldId id="279" r:id="rId15"/>
+    <p:sldId id="280" r:id="rId16"/>
+    <p:sldId id="281" r:id="rId17"/>
+    <p:sldId id="282" r:id="rId18"/>
   </p:sldIdLst>
   <p:sldSz cx="9144000" cy="6858000" type="screen4x3"/>
   <p:notesSz cx="6858000" cy="9144000"/>
@@ -239,7 +242,7 @@
           <a:p>
             <a:fld id="{27571B5F-C8EC-4379-AD76-80FD414F3861}" type="datetimeFigureOut">
               <a:rPr kumimoji="1" lang="ja-JP" altLang="en-US" smtClean="0"/>
-              <a:t>2021/12/14</a:t>
+              <a:t>2021/12/20</a:t>
             </a:fld>
             <a:endParaRPr kumimoji="1" lang="ja-JP" altLang="en-US"/>
           </a:p>
@@ -753,7 +756,7 @@
           <a:p>
             <a:fld id="{22C6F9C5-C6AA-409B-AF03-98D7346F1423}" type="datetime1">
               <a:rPr kumimoji="1" lang="ja-JP" altLang="en-US" smtClean="0"/>
-              <a:t>2021/12/14</a:t>
+              <a:t>2021/12/20</a:t>
             </a:fld>
             <a:endParaRPr kumimoji="1" lang="ja-JP" altLang="en-US"/>
           </a:p>
@@ -956,7 +959,7 @@
           <a:p>
             <a:fld id="{22E0F957-B7A6-49B1-8F7C-E83B3F2002DA}" type="datetime1">
               <a:rPr kumimoji="1" lang="ja-JP" altLang="en-US" smtClean="0"/>
-              <a:t>2021/12/14</a:t>
+              <a:t>2021/12/20</a:t>
             </a:fld>
             <a:endParaRPr kumimoji="1" lang="ja-JP" altLang="en-US"/>
           </a:p>
@@ -1169,7 +1172,7 @@
           <a:p>
             <a:fld id="{DE6F7DB3-2648-413C-8B2E-93728F539CCD}" type="datetime1">
               <a:rPr kumimoji="1" lang="ja-JP" altLang="en-US" smtClean="0"/>
-              <a:t>2021/12/14</a:t>
+              <a:t>2021/12/20</a:t>
             </a:fld>
             <a:endParaRPr kumimoji="1" lang="ja-JP" altLang="en-US"/>
           </a:p>
@@ -1372,7 +1375,7 @@
           <a:p>
             <a:fld id="{A2D1DE2A-14E7-4A39-B37E-D38A93E354FC}" type="datetime1">
               <a:rPr kumimoji="1" lang="ja-JP" altLang="en-US" smtClean="0"/>
-              <a:t>2021/12/14</a:t>
+              <a:t>2021/12/20</a:t>
             </a:fld>
             <a:endParaRPr kumimoji="1" lang="ja-JP" altLang="en-US"/>
           </a:p>
@@ -1621,7 +1624,7 @@
           <a:p>
             <a:fld id="{991EEB29-6570-4D17-BF07-A0C0B34BA0FB}" type="datetime1">
               <a:rPr kumimoji="1" lang="ja-JP" altLang="en-US" smtClean="0"/>
-              <a:t>2021/12/14</a:t>
+              <a:t>2021/12/20</a:t>
             </a:fld>
             <a:endParaRPr kumimoji="1" lang="ja-JP" altLang="en-US"/>
           </a:p>
@@ -1918,7 +1921,7 @@
           <a:p>
             <a:fld id="{892B6420-66A4-43C3-BA46-EBDFB60516F0}" type="datetime1">
               <a:rPr kumimoji="1" lang="ja-JP" altLang="en-US" smtClean="0"/>
-              <a:t>2021/12/14</a:t>
+              <a:t>2021/12/20</a:t>
             </a:fld>
             <a:endParaRPr kumimoji="1" lang="ja-JP" altLang="en-US"/>
           </a:p>
@@ -2350,7 +2353,7 @@
           <a:p>
             <a:fld id="{5BE63C90-8833-49EB-8DFB-3A87587C56DF}" type="datetime1">
               <a:rPr kumimoji="1" lang="ja-JP" altLang="en-US" smtClean="0"/>
-              <a:t>2021/12/14</a:t>
+              <a:t>2021/12/20</a:t>
             </a:fld>
             <a:endParaRPr kumimoji="1" lang="ja-JP" altLang="en-US"/>
           </a:p>
@@ -2469,7 +2472,7 @@
           <a:p>
             <a:fld id="{FDB7B118-9258-4B93-98B1-2227223B18EF}" type="datetime1">
               <a:rPr kumimoji="1" lang="ja-JP" altLang="en-US" smtClean="0"/>
-              <a:t>2021/12/14</a:t>
+              <a:t>2021/12/20</a:t>
             </a:fld>
             <a:endParaRPr kumimoji="1" lang="ja-JP" altLang="en-US"/>
           </a:p>
@@ -2565,7 +2568,7 @@
           <a:p>
             <a:fld id="{9C334A37-8FFC-49D6-A0F3-FC06101E023C}" type="datetime1">
               <a:rPr kumimoji="1" lang="ja-JP" altLang="en-US" smtClean="0"/>
-              <a:t>2021/12/14</a:t>
+              <a:t>2021/12/20</a:t>
             </a:fld>
             <a:endParaRPr kumimoji="1" lang="ja-JP" altLang="en-US"/>
           </a:p>
@@ -2875,7 +2878,7 @@
           <a:p>
             <a:fld id="{0FAD949F-32A5-4343-9078-C3A89D3064D3}" type="datetime1">
               <a:rPr kumimoji="1" lang="ja-JP" altLang="en-US" smtClean="0"/>
-              <a:t>2021/12/14</a:t>
+              <a:t>2021/12/20</a:t>
             </a:fld>
             <a:endParaRPr kumimoji="1" lang="ja-JP" altLang="en-US"/>
           </a:p>
@@ -3133,7 +3136,7 @@
           <a:p>
             <a:fld id="{58C4534D-9999-497B-9C6B-5769B1D800E5}" type="datetime1">
               <a:rPr kumimoji="1" lang="ja-JP" altLang="en-US" smtClean="0"/>
-              <a:t>2021/12/14</a:t>
+              <a:t>2021/12/20</a:t>
             </a:fld>
             <a:endParaRPr kumimoji="1" lang="ja-JP" altLang="en-US"/>
           </a:p>
@@ -3379,7 +3382,7 @@
           <a:p>
             <a:fld id="{D73E1257-0E7D-4620-84B9-7FC7BB2FC946}" type="datetime1">
               <a:rPr kumimoji="1" lang="ja-JP" altLang="en-US" smtClean="0"/>
-              <a:t>2021/12/14</a:t>
+              <a:t>2021/12/20</a:t>
             </a:fld>
             <a:endParaRPr kumimoji="1" lang="ja-JP" altLang="en-US"/>
           </a:p>
@@ -6091,6 +6094,1885 @@
 </p:sld>
 </file>
 
+<file path=ppt/slides/slide15.xml><?xml version="1.0" encoding="utf-8"?>
+<p:sld xmlns:a="http://schemas.openxmlformats.org/drawingml/2006/main" xmlns:r="http://schemas.openxmlformats.org/officeDocument/2006/relationships" xmlns:p="http://schemas.openxmlformats.org/presentationml/2006/main">
+  <p:cSld>
+    <p:spTree>
+      <p:nvGrpSpPr>
+        <p:cNvPr id="1" name=""/>
+        <p:cNvGrpSpPr/>
+        <p:nvPr/>
+      </p:nvGrpSpPr>
+      <p:grpSpPr>
+        <a:xfrm>
+          <a:off x="0" y="0"/>
+          <a:ext cx="0" cy="0"/>
+          <a:chOff x="0" y="0"/>
+          <a:chExt cx="0" cy="0"/>
+        </a:xfrm>
+      </p:grpSpPr>
+      <p:sp>
+        <p:nvSpPr>
+          <p:cNvPr id="4" name="スライド番号プレースホルダー 3"/>
+          <p:cNvSpPr>
+            <a:spLocks noGrp="1"/>
+          </p:cNvSpPr>
+          <p:nvPr>
+            <p:ph type="sldNum" sz="quarter" idx="12"/>
+          </p:nvPr>
+        </p:nvSpPr>
+        <p:spPr/>
+        <p:txBody>
+          <a:bodyPr/>
+          <a:lstStyle/>
+          <a:p>
+            <a:fld id="{B4451160-128F-4DAD-AE29-4A8CC0E7B9E9}" type="slidenum">
+              <a:rPr lang="ja-JP" altLang="en-US" smtClean="0"/>
+              <a:pPr/>
+              <a:t>15</a:t>
+            </a:fld>
+            <a:endParaRPr lang="ja-JP" altLang="en-US" dirty="0"/>
+          </a:p>
+        </p:txBody>
+      </p:sp>
+      <p:grpSp>
+        <p:nvGrpSpPr>
+          <p:cNvPr id="7" name="グループ化 6"/>
+          <p:cNvGrpSpPr/>
+          <p:nvPr/>
+        </p:nvGrpSpPr>
+        <p:grpSpPr>
+          <a:xfrm>
+            <a:off x="530258" y="1689813"/>
+            <a:ext cx="8327992" cy="2024499"/>
+            <a:chOff x="466648" y="4802063"/>
+            <a:chExt cx="8327992" cy="2024499"/>
+          </a:xfrm>
+        </p:grpSpPr>
+        <p:sp>
+          <p:nvSpPr>
+            <p:cNvPr id="8" name="正方形/長方形 7"/>
+            <p:cNvSpPr/>
+            <p:nvPr/>
+          </p:nvSpPr>
+          <p:spPr>
+            <a:xfrm>
+              <a:off x="467336" y="5084290"/>
+              <a:ext cx="2162379" cy="409003"/>
+            </a:xfrm>
+            <a:prstGeom prst="rect">
+              <a:avLst/>
+            </a:prstGeom>
+          </p:spPr>
+          <p:style>
+            <a:lnRef idx="1">
+              <a:schemeClr val="accent5"/>
+            </a:lnRef>
+            <a:fillRef idx="2">
+              <a:schemeClr val="accent5"/>
+            </a:fillRef>
+            <a:effectRef idx="1">
+              <a:schemeClr val="accent5"/>
+            </a:effectRef>
+            <a:fontRef idx="minor">
+              <a:schemeClr val="dk1"/>
+            </a:fontRef>
+          </p:style>
+          <p:txBody>
+            <a:bodyPr rtlCol="0" anchor="ctr"/>
+            <a:lstStyle/>
+            <a:p>
+              <a:pPr algn="ctr"/>
+              <a:r>
+                <a:rPr kumimoji="1" lang="ja-JP" altLang="en-US" dirty="0" smtClean="0"/>
+                <a:t>大量の楽曲データ</a:t>
+              </a:r>
+              <a:endParaRPr kumimoji="1" lang="en-US" altLang="ja-JP" dirty="0" smtClean="0"/>
+            </a:p>
+          </p:txBody>
+        </p:sp>
+        <p:pic>
+          <p:nvPicPr>
+            <p:cNvPr id="9" name="図 8"/>
+            <p:cNvPicPr>
+              <a:picLocks noChangeAspect="1"/>
+            </p:cNvPicPr>
+            <p:nvPr/>
+          </p:nvPicPr>
+          <p:blipFill>
+            <a:blip r:embed="rId2" cstate="print">
+              <a:extLst>
+                <a:ext uri="{28A0092B-C50C-407E-A947-70E740481C1C}">
+                  <a14:useLocalDpi xmlns:a14="http://schemas.microsoft.com/office/drawing/2010/main" val="0"/>
+                </a:ext>
+              </a:extLst>
+            </a:blip>
+            <a:stretch>
+              <a:fillRect/>
+            </a:stretch>
+          </p:blipFill>
+          <p:spPr>
+            <a:xfrm>
+              <a:off x="4120641" y="4802063"/>
+              <a:ext cx="427506" cy="427506"/>
+            </a:xfrm>
+            <a:prstGeom prst="rect">
+              <a:avLst/>
+            </a:prstGeom>
+          </p:spPr>
+        </p:pic>
+        <p:pic>
+          <p:nvPicPr>
+            <p:cNvPr id="10" name="図 9"/>
+            <p:cNvPicPr>
+              <a:picLocks noChangeAspect="1"/>
+            </p:cNvPicPr>
+            <p:nvPr/>
+          </p:nvPicPr>
+          <p:blipFill>
+            <a:blip r:embed="rId2" cstate="print">
+              <a:extLst>
+                <a:ext uri="{28A0092B-C50C-407E-A947-70E740481C1C}">
+                  <a14:useLocalDpi xmlns:a14="http://schemas.microsoft.com/office/drawing/2010/main" val="0"/>
+                </a:ext>
+              </a:extLst>
+            </a:blip>
+            <a:stretch>
+              <a:fillRect/>
+            </a:stretch>
+          </p:blipFill>
+          <p:spPr>
+            <a:xfrm>
+              <a:off x="4128593" y="5961703"/>
+              <a:ext cx="427506" cy="427506"/>
+            </a:xfrm>
+            <a:prstGeom prst="rect">
+              <a:avLst/>
+            </a:prstGeom>
+          </p:spPr>
+        </p:pic>
+        <p:pic>
+          <p:nvPicPr>
+            <p:cNvPr id="11" name="図 10"/>
+            <p:cNvPicPr>
+              <a:picLocks noChangeAspect="1"/>
+            </p:cNvPicPr>
+            <p:nvPr/>
+          </p:nvPicPr>
+          <p:blipFill>
+            <a:blip r:embed="rId2" cstate="print">
+              <a:extLst>
+                <a:ext uri="{28A0092B-C50C-407E-A947-70E740481C1C}">
+                  <a14:useLocalDpi xmlns:a14="http://schemas.microsoft.com/office/drawing/2010/main" val="0"/>
+                </a:ext>
+              </a:extLst>
+            </a:blip>
+            <a:stretch>
+              <a:fillRect/>
+            </a:stretch>
+          </p:blipFill>
+          <p:spPr>
+            <a:xfrm>
+              <a:off x="4120641" y="5380328"/>
+              <a:ext cx="427506" cy="427506"/>
+            </a:xfrm>
+            <a:prstGeom prst="rect">
+              <a:avLst/>
+            </a:prstGeom>
+          </p:spPr>
+        </p:pic>
+        <p:sp>
+          <p:nvSpPr>
+            <p:cNvPr id="12" name="テキスト ボックス 11"/>
+            <p:cNvSpPr txBox="1"/>
+            <p:nvPr/>
+          </p:nvSpPr>
+          <p:spPr>
+            <a:xfrm>
+              <a:off x="3156668" y="6457230"/>
+              <a:ext cx="2671638" cy="369332"/>
+            </a:xfrm>
+            <a:prstGeom prst="rect">
+              <a:avLst/>
+            </a:prstGeom>
+            <a:noFill/>
+          </p:spPr>
+          <p:txBody>
+            <a:bodyPr wrap="square" rtlCol="0">
+              <a:spAutoFit/>
+            </a:bodyPr>
+            <a:lstStyle/>
+            <a:p>
+              <a:r>
+                <a:rPr kumimoji="1" lang="ja-JP" altLang="en-US" dirty="0" smtClean="0"/>
+                <a:t>処理を分散するサーバー</a:t>
+              </a:r>
+              <a:endParaRPr kumimoji="1" lang="ja-JP" altLang="en-US" dirty="0"/>
+            </a:p>
+          </p:txBody>
+        </p:sp>
+        <p:cxnSp>
+          <p:nvCxnSpPr>
+            <p:cNvPr id="13" name="直線矢印コネクタ 12"/>
+            <p:cNvCxnSpPr>
+              <a:stCxn id="8" idx="3"/>
+              <a:endCxn id="9" idx="1"/>
+            </p:cNvCxnSpPr>
+            <p:nvPr/>
+          </p:nvCxnSpPr>
+          <p:spPr>
+            <a:xfrm flipV="1">
+              <a:off x="2629715" y="5015816"/>
+              <a:ext cx="1490926" cy="272976"/>
+            </a:xfrm>
+            <a:prstGeom prst="straightConnector1">
+              <a:avLst/>
+            </a:prstGeom>
+            <a:ln>
+              <a:tailEnd type="triangle"/>
+            </a:ln>
+          </p:spPr>
+          <p:style>
+            <a:lnRef idx="1">
+              <a:schemeClr val="accent1"/>
+            </a:lnRef>
+            <a:fillRef idx="0">
+              <a:schemeClr val="accent1"/>
+            </a:fillRef>
+            <a:effectRef idx="0">
+              <a:schemeClr val="accent1"/>
+            </a:effectRef>
+            <a:fontRef idx="minor">
+              <a:schemeClr val="tx1"/>
+            </a:fontRef>
+          </p:style>
+        </p:cxnSp>
+        <p:cxnSp>
+          <p:nvCxnSpPr>
+            <p:cNvPr id="14" name="直線矢印コネクタ 13"/>
+            <p:cNvCxnSpPr>
+              <a:stCxn id="8" idx="3"/>
+              <a:endCxn id="11" idx="1"/>
+            </p:cNvCxnSpPr>
+            <p:nvPr/>
+          </p:nvCxnSpPr>
+          <p:spPr>
+            <a:xfrm>
+              <a:off x="2629715" y="5288792"/>
+              <a:ext cx="1490926" cy="305289"/>
+            </a:xfrm>
+            <a:prstGeom prst="straightConnector1">
+              <a:avLst/>
+            </a:prstGeom>
+            <a:ln>
+              <a:tailEnd type="triangle"/>
+            </a:ln>
+          </p:spPr>
+          <p:style>
+            <a:lnRef idx="1">
+              <a:schemeClr val="accent1"/>
+            </a:lnRef>
+            <a:fillRef idx="0">
+              <a:schemeClr val="accent1"/>
+            </a:fillRef>
+            <a:effectRef idx="0">
+              <a:schemeClr val="accent1"/>
+            </a:effectRef>
+            <a:fontRef idx="minor">
+              <a:schemeClr val="tx1"/>
+            </a:fontRef>
+          </p:style>
+        </p:cxnSp>
+        <p:sp>
+          <p:nvSpPr>
+            <p:cNvPr id="15" name="正方形/長方形 14"/>
+            <p:cNvSpPr/>
+            <p:nvPr/>
+          </p:nvSpPr>
+          <p:spPr>
+            <a:xfrm>
+              <a:off x="466648" y="5932829"/>
+              <a:ext cx="2162379" cy="409003"/>
+            </a:xfrm>
+            <a:prstGeom prst="rect">
+              <a:avLst/>
+            </a:prstGeom>
+          </p:spPr>
+          <p:style>
+            <a:lnRef idx="1">
+              <a:schemeClr val="accent4"/>
+            </a:lnRef>
+            <a:fillRef idx="2">
+              <a:schemeClr val="accent4"/>
+            </a:fillRef>
+            <a:effectRef idx="1">
+              <a:schemeClr val="accent4"/>
+            </a:effectRef>
+            <a:fontRef idx="minor">
+              <a:schemeClr val="dk1"/>
+            </a:fontRef>
+          </p:style>
+          <p:txBody>
+            <a:bodyPr rtlCol="0" anchor="ctr"/>
+            <a:lstStyle/>
+            <a:p>
+              <a:pPr algn="ctr"/>
+              <a:r>
+                <a:rPr kumimoji="1" lang="ja-JP" altLang="en-US" dirty="0" smtClean="0"/>
+                <a:t>大量の動画データ</a:t>
+              </a:r>
+              <a:endParaRPr kumimoji="1" lang="en-US" altLang="ja-JP" dirty="0" smtClean="0"/>
+            </a:p>
+          </p:txBody>
+        </p:sp>
+        <p:cxnSp>
+          <p:nvCxnSpPr>
+            <p:cNvPr id="16" name="直線矢印コネクタ 15"/>
+            <p:cNvCxnSpPr>
+              <a:stCxn id="15" idx="3"/>
+              <a:endCxn id="10" idx="1"/>
+            </p:cNvCxnSpPr>
+            <p:nvPr/>
+          </p:nvCxnSpPr>
+          <p:spPr>
+            <a:xfrm>
+              <a:off x="2629027" y="6137331"/>
+              <a:ext cx="1499566" cy="38125"/>
+            </a:xfrm>
+            <a:prstGeom prst="straightConnector1">
+              <a:avLst/>
+            </a:prstGeom>
+            <a:ln>
+              <a:tailEnd type="triangle"/>
+            </a:ln>
+          </p:spPr>
+          <p:style>
+            <a:lnRef idx="1">
+              <a:schemeClr val="accent2"/>
+            </a:lnRef>
+            <a:fillRef idx="0">
+              <a:schemeClr val="accent2"/>
+            </a:fillRef>
+            <a:effectRef idx="0">
+              <a:schemeClr val="accent2"/>
+            </a:effectRef>
+            <a:fontRef idx="minor">
+              <a:schemeClr val="tx1"/>
+            </a:fontRef>
+          </p:style>
+        </p:cxnSp>
+        <p:cxnSp>
+          <p:nvCxnSpPr>
+            <p:cNvPr id="17" name="直線矢印コネクタ 16"/>
+            <p:cNvCxnSpPr>
+              <a:stCxn id="15" idx="3"/>
+              <a:endCxn id="9" idx="1"/>
+            </p:cNvCxnSpPr>
+            <p:nvPr/>
+          </p:nvCxnSpPr>
+          <p:spPr>
+            <a:xfrm flipV="1">
+              <a:off x="2629027" y="5015816"/>
+              <a:ext cx="1491614" cy="1121515"/>
+            </a:xfrm>
+            <a:prstGeom prst="straightConnector1">
+              <a:avLst/>
+            </a:prstGeom>
+            <a:ln>
+              <a:tailEnd type="triangle"/>
+            </a:ln>
+          </p:spPr>
+          <p:style>
+            <a:lnRef idx="1">
+              <a:schemeClr val="accent2"/>
+            </a:lnRef>
+            <a:fillRef idx="0">
+              <a:schemeClr val="accent2"/>
+            </a:fillRef>
+            <a:effectRef idx="0">
+              <a:schemeClr val="accent2"/>
+            </a:effectRef>
+            <a:fontRef idx="minor">
+              <a:schemeClr val="tx1"/>
+            </a:fontRef>
+          </p:style>
+        </p:cxnSp>
+        <p:cxnSp>
+          <p:nvCxnSpPr>
+            <p:cNvPr id="18" name="直線矢印コネクタ 17"/>
+            <p:cNvCxnSpPr>
+              <a:stCxn id="15" idx="3"/>
+              <a:endCxn id="11" idx="1"/>
+            </p:cNvCxnSpPr>
+            <p:nvPr/>
+          </p:nvCxnSpPr>
+          <p:spPr>
+            <a:xfrm flipV="1">
+              <a:off x="2629027" y="5594081"/>
+              <a:ext cx="1491614" cy="543250"/>
+            </a:xfrm>
+            <a:prstGeom prst="straightConnector1">
+              <a:avLst/>
+            </a:prstGeom>
+            <a:ln>
+              <a:tailEnd type="triangle"/>
+            </a:ln>
+          </p:spPr>
+          <p:style>
+            <a:lnRef idx="1">
+              <a:schemeClr val="accent2"/>
+            </a:lnRef>
+            <a:fillRef idx="0">
+              <a:schemeClr val="accent2"/>
+            </a:fillRef>
+            <a:effectRef idx="0">
+              <a:schemeClr val="accent2"/>
+            </a:effectRef>
+            <a:fontRef idx="minor">
+              <a:schemeClr val="tx1"/>
+            </a:fontRef>
+          </p:style>
+        </p:cxnSp>
+        <p:sp>
+          <p:nvSpPr>
+            <p:cNvPr id="19" name="正方形/長方形 18"/>
+            <p:cNvSpPr/>
+            <p:nvPr/>
+          </p:nvSpPr>
+          <p:spPr>
+            <a:xfrm>
+              <a:off x="6178660" y="5337957"/>
+              <a:ext cx="2615980" cy="721564"/>
+            </a:xfrm>
+            <a:prstGeom prst="rect">
+              <a:avLst/>
+            </a:prstGeom>
+          </p:spPr>
+          <p:style>
+            <a:lnRef idx="1">
+              <a:schemeClr val="accent6"/>
+            </a:lnRef>
+            <a:fillRef idx="2">
+              <a:schemeClr val="accent6"/>
+            </a:fillRef>
+            <a:effectRef idx="1">
+              <a:schemeClr val="accent6"/>
+            </a:effectRef>
+            <a:fontRef idx="minor">
+              <a:schemeClr val="dk1"/>
+            </a:fontRef>
+          </p:style>
+          <p:txBody>
+            <a:bodyPr rtlCol="0" anchor="ctr"/>
+            <a:lstStyle/>
+            <a:p>
+              <a:pPr algn="ctr"/>
+              <a:r>
+                <a:rPr kumimoji="1" lang="ja-JP" altLang="en-US" dirty="0" smtClean="0"/>
+                <a:t>合成されたデータ</a:t>
+              </a:r>
+              <a:endParaRPr kumimoji="1" lang="ja-JP" altLang="en-US" dirty="0"/>
+            </a:p>
+          </p:txBody>
+        </p:sp>
+        <p:cxnSp>
+          <p:nvCxnSpPr>
+            <p:cNvPr id="20" name="直線矢印コネクタ 19"/>
+            <p:cNvCxnSpPr>
+              <a:stCxn id="9" idx="3"/>
+              <a:endCxn id="19" idx="1"/>
+            </p:cNvCxnSpPr>
+            <p:nvPr/>
+          </p:nvCxnSpPr>
+          <p:spPr>
+            <a:xfrm>
+              <a:off x="4548147" y="5015816"/>
+              <a:ext cx="1630513" cy="682923"/>
+            </a:xfrm>
+            <a:prstGeom prst="straightConnector1">
+              <a:avLst/>
+            </a:prstGeom>
+            <a:ln>
+              <a:tailEnd type="triangle"/>
+            </a:ln>
+          </p:spPr>
+          <p:style>
+            <a:lnRef idx="1">
+              <a:schemeClr val="accent6"/>
+            </a:lnRef>
+            <a:fillRef idx="0">
+              <a:schemeClr val="accent6"/>
+            </a:fillRef>
+            <a:effectRef idx="0">
+              <a:schemeClr val="accent6"/>
+            </a:effectRef>
+            <a:fontRef idx="minor">
+              <a:schemeClr val="tx1"/>
+            </a:fontRef>
+          </p:style>
+        </p:cxnSp>
+        <p:cxnSp>
+          <p:nvCxnSpPr>
+            <p:cNvPr id="21" name="直線矢印コネクタ 20"/>
+            <p:cNvCxnSpPr>
+              <a:stCxn id="11" idx="3"/>
+              <a:endCxn id="19" idx="1"/>
+            </p:cNvCxnSpPr>
+            <p:nvPr/>
+          </p:nvCxnSpPr>
+          <p:spPr>
+            <a:xfrm>
+              <a:off x="4548147" y="5594081"/>
+              <a:ext cx="1630513" cy="104658"/>
+            </a:xfrm>
+            <a:prstGeom prst="straightConnector1">
+              <a:avLst/>
+            </a:prstGeom>
+            <a:ln>
+              <a:tailEnd type="triangle"/>
+            </a:ln>
+          </p:spPr>
+          <p:style>
+            <a:lnRef idx="1">
+              <a:schemeClr val="accent6"/>
+            </a:lnRef>
+            <a:fillRef idx="0">
+              <a:schemeClr val="accent6"/>
+            </a:fillRef>
+            <a:effectRef idx="0">
+              <a:schemeClr val="accent6"/>
+            </a:effectRef>
+            <a:fontRef idx="minor">
+              <a:schemeClr val="tx1"/>
+            </a:fontRef>
+          </p:style>
+        </p:cxnSp>
+        <p:cxnSp>
+          <p:nvCxnSpPr>
+            <p:cNvPr id="22" name="直線矢印コネクタ 21"/>
+            <p:cNvCxnSpPr>
+              <a:stCxn id="10" idx="3"/>
+              <a:endCxn id="19" idx="1"/>
+            </p:cNvCxnSpPr>
+            <p:nvPr/>
+          </p:nvCxnSpPr>
+          <p:spPr>
+            <a:xfrm flipV="1">
+              <a:off x="4556099" y="5698739"/>
+              <a:ext cx="1622561" cy="476717"/>
+            </a:xfrm>
+            <a:prstGeom prst="straightConnector1">
+              <a:avLst/>
+            </a:prstGeom>
+            <a:ln>
+              <a:tailEnd type="triangle"/>
+            </a:ln>
+          </p:spPr>
+          <p:style>
+            <a:lnRef idx="1">
+              <a:schemeClr val="accent6"/>
+            </a:lnRef>
+            <a:fillRef idx="0">
+              <a:schemeClr val="accent6"/>
+            </a:fillRef>
+            <a:effectRef idx="0">
+              <a:schemeClr val="accent6"/>
+            </a:effectRef>
+            <a:fontRef idx="minor">
+              <a:schemeClr val="tx1"/>
+            </a:fontRef>
+          </p:style>
+        </p:cxnSp>
+      </p:grpSp>
+    </p:spTree>
+    <p:extLst>
+      <p:ext uri="{BB962C8B-B14F-4D97-AF65-F5344CB8AC3E}">
+        <p14:creationId xmlns:p14="http://schemas.microsoft.com/office/powerpoint/2010/main" val="4033514462"/>
+      </p:ext>
+    </p:extLst>
+  </p:cSld>
+  <p:clrMapOvr>
+    <a:masterClrMapping/>
+  </p:clrMapOvr>
+</p:sld>
+</file>
+
+<file path=ppt/slides/slide16.xml><?xml version="1.0" encoding="utf-8"?>
+<p:sld xmlns:a="http://schemas.openxmlformats.org/drawingml/2006/main" xmlns:r="http://schemas.openxmlformats.org/officeDocument/2006/relationships" xmlns:p="http://schemas.openxmlformats.org/presentationml/2006/main">
+  <p:cSld>
+    <p:spTree>
+      <p:nvGrpSpPr>
+        <p:cNvPr id="1" name=""/>
+        <p:cNvGrpSpPr/>
+        <p:nvPr/>
+      </p:nvGrpSpPr>
+      <p:grpSpPr>
+        <a:xfrm>
+          <a:off x="0" y="0"/>
+          <a:ext cx="0" cy="0"/>
+          <a:chOff x="0" y="0"/>
+          <a:chExt cx="0" cy="0"/>
+        </a:xfrm>
+      </p:grpSpPr>
+      <p:sp>
+        <p:nvSpPr>
+          <p:cNvPr id="4" name="スライド番号プレースホルダー 3"/>
+          <p:cNvSpPr>
+            <a:spLocks noGrp="1"/>
+          </p:cNvSpPr>
+          <p:nvPr>
+            <p:ph type="sldNum" sz="quarter" idx="12"/>
+          </p:nvPr>
+        </p:nvSpPr>
+        <p:spPr/>
+        <p:txBody>
+          <a:bodyPr/>
+          <a:lstStyle/>
+          <a:p>
+            <a:fld id="{B4451160-128F-4DAD-AE29-4A8CC0E7B9E9}" type="slidenum">
+              <a:rPr lang="ja-JP" altLang="en-US" smtClean="0"/>
+              <a:pPr/>
+              <a:t>16</a:t>
+            </a:fld>
+            <a:endParaRPr lang="ja-JP" altLang="en-US" dirty="0"/>
+          </a:p>
+        </p:txBody>
+      </p:sp>
+    </p:spTree>
+    <p:extLst>
+      <p:ext uri="{BB962C8B-B14F-4D97-AF65-F5344CB8AC3E}">
+        <p14:creationId xmlns:p14="http://schemas.microsoft.com/office/powerpoint/2010/main" val="698925899"/>
+      </p:ext>
+    </p:extLst>
+  </p:cSld>
+  <p:clrMapOvr>
+    <a:masterClrMapping/>
+  </p:clrMapOvr>
+</p:sld>
+</file>
+
+<file path=ppt/slides/slide17.xml><?xml version="1.0" encoding="utf-8"?>
+<p:sld xmlns:a="http://schemas.openxmlformats.org/drawingml/2006/main" xmlns:r="http://schemas.openxmlformats.org/officeDocument/2006/relationships" xmlns:p="http://schemas.openxmlformats.org/presentationml/2006/main">
+  <p:cSld>
+    <p:spTree>
+      <p:nvGrpSpPr>
+        <p:cNvPr id="1" name=""/>
+        <p:cNvGrpSpPr/>
+        <p:nvPr/>
+      </p:nvGrpSpPr>
+      <p:grpSpPr>
+        <a:xfrm>
+          <a:off x="0" y="0"/>
+          <a:ext cx="0" cy="0"/>
+          <a:chOff x="0" y="0"/>
+          <a:chExt cx="0" cy="0"/>
+        </a:xfrm>
+      </p:grpSpPr>
+      <p:sp>
+        <p:nvSpPr>
+          <p:cNvPr id="4" name="スライド番号プレースホルダー 3"/>
+          <p:cNvSpPr>
+            <a:spLocks noGrp="1"/>
+          </p:cNvSpPr>
+          <p:nvPr>
+            <p:ph type="sldNum" sz="quarter" idx="12"/>
+          </p:nvPr>
+        </p:nvSpPr>
+        <p:spPr/>
+        <p:txBody>
+          <a:bodyPr/>
+          <a:lstStyle/>
+          <a:p>
+            <a:fld id="{B4451160-128F-4DAD-AE29-4A8CC0E7B9E9}" type="slidenum">
+              <a:rPr lang="ja-JP" altLang="en-US" smtClean="0"/>
+              <a:pPr/>
+              <a:t>17</a:t>
+            </a:fld>
+            <a:endParaRPr lang="ja-JP" altLang="en-US" dirty="0"/>
+          </a:p>
+        </p:txBody>
+      </p:sp>
+      <p:grpSp>
+        <p:nvGrpSpPr>
+          <p:cNvPr id="10" name="グループ化 9"/>
+          <p:cNvGrpSpPr/>
+          <p:nvPr/>
+        </p:nvGrpSpPr>
+        <p:grpSpPr>
+          <a:xfrm>
+            <a:off x="175365" y="730065"/>
+            <a:ext cx="8339985" cy="5473518"/>
+            <a:chOff x="175365" y="730065"/>
+            <a:chExt cx="8339985" cy="5473518"/>
+          </a:xfrm>
+        </p:grpSpPr>
+        <p:grpSp>
+          <p:nvGrpSpPr>
+            <p:cNvPr id="5" name="グループ化 4"/>
+            <p:cNvGrpSpPr/>
+            <p:nvPr/>
+          </p:nvGrpSpPr>
+          <p:grpSpPr>
+            <a:xfrm>
+              <a:off x="175365" y="730065"/>
+              <a:ext cx="8339985" cy="5473518"/>
+              <a:chOff x="-7018" y="279128"/>
+              <a:chExt cx="8339985" cy="5473518"/>
+            </a:xfrm>
+          </p:grpSpPr>
+          <p:sp>
+            <p:nvSpPr>
+              <p:cNvPr id="59" name="フローチャート: 磁気ディスク 58"/>
+              <p:cNvSpPr/>
+              <p:nvPr/>
+            </p:nvSpPr>
+            <p:spPr>
+              <a:xfrm>
+                <a:off x="5050011" y="4416827"/>
+                <a:ext cx="3163686" cy="1335819"/>
+              </a:xfrm>
+              <a:prstGeom prst="flowChartMagneticDisk">
+                <a:avLst/>
+              </a:prstGeom>
+            </p:spPr>
+            <p:style>
+              <a:lnRef idx="3">
+                <a:schemeClr val="lt1"/>
+              </a:lnRef>
+              <a:fillRef idx="1">
+                <a:schemeClr val="accent2"/>
+              </a:fillRef>
+              <a:effectRef idx="1">
+                <a:schemeClr val="accent2"/>
+              </a:effectRef>
+              <a:fontRef idx="minor">
+                <a:schemeClr val="lt1"/>
+              </a:fontRef>
+            </p:style>
+            <p:txBody>
+              <a:bodyPr rtlCol="0" anchor="ctr"/>
+              <a:lstStyle/>
+              <a:p>
+                <a:pPr algn="ctr"/>
+                <a:r>
+                  <a:rPr kumimoji="1" lang="en-US" altLang="ja-JP" dirty="0" smtClean="0"/>
+                  <a:t>BGM</a:t>
+                </a:r>
+                <a:r>
+                  <a:rPr kumimoji="1" lang="ja-JP" altLang="en-US" dirty="0" smtClean="0"/>
+                  <a:t>付き動画</a:t>
+                </a:r>
+                <a:endParaRPr kumimoji="1" lang="ja-JP" altLang="en-US" dirty="0"/>
+              </a:p>
+            </p:txBody>
+          </p:sp>
+          <p:grpSp>
+            <p:nvGrpSpPr>
+              <p:cNvPr id="3" name="グループ化 2"/>
+              <p:cNvGrpSpPr/>
+              <p:nvPr/>
+            </p:nvGrpSpPr>
+            <p:grpSpPr>
+              <a:xfrm>
+                <a:off x="-7018" y="279128"/>
+                <a:ext cx="8339985" cy="4155860"/>
+                <a:chOff x="-7018" y="279128"/>
+                <a:chExt cx="8339985" cy="4155860"/>
+              </a:xfrm>
+            </p:grpSpPr>
+            <p:grpSp>
+              <p:nvGrpSpPr>
+                <p:cNvPr id="16" name="グループ化 15"/>
+                <p:cNvGrpSpPr/>
+                <p:nvPr/>
+              </p:nvGrpSpPr>
+              <p:grpSpPr>
+                <a:xfrm>
+                  <a:off x="-7018" y="1365954"/>
+                  <a:ext cx="1243054" cy="1805891"/>
+                  <a:chOff x="-7018" y="1365954"/>
+                  <a:chExt cx="1243054" cy="1805891"/>
+                </a:xfrm>
+              </p:grpSpPr>
+              <p:pic>
+                <p:nvPicPr>
+                  <p:cNvPr id="6" name="図 5"/>
+                  <p:cNvPicPr>
+                    <a:picLocks noChangeAspect="1"/>
+                  </p:cNvPicPr>
+                  <p:nvPr/>
+                </p:nvPicPr>
+                <p:blipFill rotWithShape="1">
+                  <a:blip r:embed="rId2">
+                    <a:extLst>
+                      <a:ext uri="{28A0092B-C50C-407E-A947-70E740481C1C}">
+                        <a14:useLocalDpi xmlns:a14="http://schemas.microsoft.com/office/drawing/2010/main" val="0"/>
+                      </a:ext>
+                    </a:extLst>
+                  </a:blip>
+                  <a:srcRect l="38483" t="32680" r="38103" b="35667"/>
+                  <a:stretch/>
+                </p:blipFill>
+                <p:spPr>
+                  <a:xfrm>
+                    <a:off x="446207" y="1365954"/>
+                    <a:ext cx="365760" cy="421419"/>
+                  </a:xfrm>
+                  <a:prstGeom prst="rect">
+                    <a:avLst/>
+                  </a:prstGeom>
+                </p:spPr>
+              </p:pic>
+              <p:pic>
+                <p:nvPicPr>
+                  <p:cNvPr id="7" name="図 6"/>
+                  <p:cNvPicPr>
+                    <a:picLocks noChangeAspect="1"/>
+                  </p:cNvPicPr>
+                  <p:nvPr/>
+                </p:nvPicPr>
+                <p:blipFill rotWithShape="1">
+                  <a:blip r:embed="rId2">
+                    <a:extLst>
+                      <a:ext uri="{28A0092B-C50C-407E-A947-70E740481C1C}">
+                        <a14:useLocalDpi xmlns:a14="http://schemas.microsoft.com/office/drawing/2010/main" val="0"/>
+                      </a:ext>
+                    </a:extLst>
+                  </a:blip>
+                  <a:srcRect l="38483" t="32680" r="38103" b="35667"/>
+                  <a:stretch/>
+                </p:blipFill>
+                <p:spPr>
+                  <a:xfrm>
+                    <a:off x="684746" y="1861096"/>
+                    <a:ext cx="365760" cy="421419"/>
+                  </a:xfrm>
+                  <a:prstGeom prst="rect">
+                    <a:avLst/>
+                  </a:prstGeom>
+                </p:spPr>
+              </p:pic>
+              <p:pic>
+                <p:nvPicPr>
+                  <p:cNvPr id="8" name="図 7"/>
+                  <p:cNvPicPr>
+                    <a:picLocks noChangeAspect="1"/>
+                  </p:cNvPicPr>
+                  <p:nvPr/>
+                </p:nvPicPr>
+                <p:blipFill rotWithShape="1">
+                  <a:blip r:embed="rId2">
+                    <a:extLst>
+                      <a:ext uri="{28A0092B-C50C-407E-A947-70E740481C1C}">
+                        <a14:useLocalDpi xmlns:a14="http://schemas.microsoft.com/office/drawing/2010/main" val="0"/>
+                      </a:ext>
+                    </a:extLst>
+                  </a:blip>
+                  <a:srcRect l="38483" t="32680" r="38103" b="35667"/>
+                  <a:stretch/>
+                </p:blipFill>
+                <p:spPr>
+                  <a:xfrm>
+                    <a:off x="159493" y="1861095"/>
+                    <a:ext cx="365760" cy="421419"/>
+                  </a:xfrm>
+                  <a:prstGeom prst="rect">
+                    <a:avLst/>
+                  </a:prstGeom>
+                </p:spPr>
+              </p:pic>
+              <p:sp>
+                <p:nvSpPr>
+                  <p:cNvPr id="11" name="テキスト ボックス 10"/>
+                  <p:cNvSpPr txBox="1"/>
+                  <p:nvPr/>
+                </p:nvSpPr>
+                <p:spPr>
+                  <a:xfrm>
+                    <a:off x="-7018" y="2525514"/>
+                    <a:ext cx="1243054" cy="646331"/>
+                  </a:xfrm>
+                  <a:prstGeom prst="rect">
+                    <a:avLst/>
+                  </a:prstGeom>
+                  <a:noFill/>
+                </p:spPr>
+                <p:txBody>
+                  <a:bodyPr wrap="square" rtlCol="0">
+                    <a:spAutoFit/>
+                  </a:bodyPr>
+                  <a:lstStyle/>
+                  <a:p>
+                    <a:pPr algn="ctr"/>
+                    <a:r>
+                      <a:rPr lang="en-US" altLang="ja-JP" sz="1200" dirty="0" smtClean="0"/>
+                      <a:t>Step2</a:t>
+                    </a:r>
+                  </a:p>
+                  <a:p>
+                    <a:pPr algn="ctr"/>
+                    <a:r>
+                      <a:rPr lang="en-US" altLang="ja-JP" sz="1200" dirty="0" smtClean="0"/>
+                      <a:t>SNS</a:t>
+                    </a:r>
+                    <a:r>
+                      <a:rPr lang="ja-JP" altLang="en-US" sz="1200" dirty="0" smtClean="0"/>
+                      <a:t>に投稿された楽曲を保存</a:t>
+                    </a:r>
+                    <a:endParaRPr kumimoji="1" lang="ja-JP" altLang="en-US" sz="1200" dirty="0"/>
+                  </a:p>
+                </p:txBody>
+              </p:sp>
+            </p:grpSp>
+            <p:pic>
+              <p:nvPicPr>
+                <p:cNvPr id="13" name="図 12"/>
+                <p:cNvPicPr>
+                  <a:picLocks noChangeAspect="1"/>
+                </p:cNvPicPr>
+                <p:nvPr/>
+              </p:nvPicPr>
+              <p:blipFill>
+                <a:blip r:embed="rId3" cstate="print">
+                  <a:extLst>
+                    <a:ext uri="{28A0092B-C50C-407E-A947-70E740481C1C}">
+                      <a14:useLocalDpi xmlns:a14="http://schemas.microsoft.com/office/drawing/2010/main" val="0"/>
+                    </a:ext>
+                  </a:extLst>
+                </a:blip>
+                <a:stretch>
+                  <a:fillRect/>
+                </a:stretch>
+              </p:blipFill>
+              <p:spPr>
+                <a:xfrm>
+                  <a:off x="2227298" y="980654"/>
+                  <a:ext cx="427506" cy="427506"/>
+                </a:xfrm>
+                <a:prstGeom prst="rect">
+                  <a:avLst/>
+                </a:prstGeom>
+              </p:spPr>
+            </p:pic>
+            <p:pic>
+              <p:nvPicPr>
+                <p:cNvPr id="14" name="図 13"/>
+                <p:cNvPicPr>
+                  <a:picLocks noChangeAspect="1"/>
+                </p:cNvPicPr>
+                <p:nvPr/>
+              </p:nvPicPr>
+              <p:blipFill>
+                <a:blip r:embed="rId3" cstate="print">
+                  <a:extLst>
+                    <a:ext uri="{28A0092B-C50C-407E-A947-70E740481C1C}">
+                      <a14:useLocalDpi xmlns:a14="http://schemas.microsoft.com/office/drawing/2010/main" val="0"/>
+                    </a:ext>
+                  </a:extLst>
+                </a:blip>
+                <a:stretch>
+                  <a:fillRect/>
+                </a:stretch>
+              </p:blipFill>
+              <p:spPr>
+                <a:xfrm>
+                  <a:off x="2227298" y="1631584"/>
+                  <a:ext cx="427506" cy="427506"/>
+                </a:xfrm>
+                <a:prstGeom prst="rect">
+                  <a:avLst/>
+                </a:prstGeom>
+              </p:spPr>
+            </p:pic>
+            <p:pic>
+              <p:nvPicPr>
+                <p:cNvPr id="15" name="図 14"/>
+                <p:cNvPicPr>
+                  <a:picLocks noChangeAspect="1"/>
+                </p:cNvPicPr>
+                <p:nvPr/>
+              </p:nvPicPr>
+              <p:blipFill>
+                <a:blip r:embed="rId3" cstate="print">
+                  <a:extLst>
+                    <a:ext uri="{28A0092B-C50C-407E-A947-70E740481C1C}">
+                      <a14:useLocalDpi xmlns:a14="http://schemas.microsoft.com/office/drawing/2010/main" val="0"/>
+                    </a:ext>
+                  </a:extLst>
+                </a:blip>
+                <a:stretch>
+                  <a:fillRect/>
+                </a:stretch>
+              </p:blipFill>
+              <p:spPr>
+                <a:xfrm>
+                  <a:off x="2227298" y="2282514"/>
+                  <a:ext cx="427506" cy="427506"/>
+                </a:xfrm>
+                <a:prstGeom prst="rect">
+                  <a:avLst/>
+                </a:prstGeom>
+              </p:spPr>
+            </p:pic>
+            <p:cxnSp>
+              <p:nvCxnSpPr>
+                <p:cNvPr id="18" name="直線矢印コネクタ 17"/>
+                <p:cNvCxnSpPr>
+                  <a:endCxn id="13" idx="1"/>
+                </p:cNvCxnSpPr>
+                <p:nvPr/>
+              </p:nvCxnSpPr>
+              <p:spPr>
+                <a:xfrm flipV="1">
+                  <a:off x="1129085" y="1194407"/>
+                  <a:ext cx="1098213" cy="592966"/>
+                </a:xfrm>
+                <a:prstGeom prst="straightConnector1">
+                  <a:avLst/>
+                </a:prstGeom>
+                <a:ln>
+                  <a:tailEnd type="triangle"/>
+                </a:ln>
+              </p:spPr>
+              <p:style>
+                <a:lnRef idx="1">
+                  <a:schemeClr val="dk1"/>
+                </a:lnRef>
+                <a:fillRef idx="0">
+                  <a:schemeClr val="dk1"/>
+                </a:fillRef>
+                <a:effectRef idx="0">
+                  <a:schemeClr val="dk1"/>
+                </a:effectRef>
+                <a:fontRef idx="minor">
+                  <a:schemeClr val="tx1"/>
+                </a:fontRef>
+              </p:style>
+            </p:cxnSp>
+            <p:cxnSp>
+              <p:nvCxnSpPr>
+                <p:cNvPr id="19" name="直線矢印コネクタ 18"/>
+                <p:cNvCxnSpPr>
+                  <a:endCxn id="14" idx="1"/>
+                </p:cNvCxnSpPr>
+                <p:nvPr/>
+              </p:nvCxnSpPr>
+              <p:spPr>
+                <a:xfrm flipV="1">
+                  <a:off x="1236036" y="1845337"/>
+                  <a:ext cx="991262" cy="6530"/>
+                </a:xfrm>
+                <a:prstGeom prst="straightConnector1">
+                  <a:avLst/>
+                </a:prstGeom>
+                <a:ln>
+                  <a:tailEnd type="triangle"/>
+                </a:ln>
+              </p:spPr>
+              <p:style>
+                <a:lnRef idx="1">
+                  <a:schemeClr val="dk1"/>
+                </a:lnRef>
+                <a:fillRef idx="0">
+                  <a:schemeClr val="dk1"/>
+                </a:fillRef>
+                <a:effectRef idx="0">
+                  <a:schemeClr val="dk1"/>
+                </a:effectRef>
+                <a:fontRef idx="minor">
+                  <a:schemeClr val="tx1"/>
+                </a:fontRef>
+              </p:style>
+            </p:cxnSp>
+            <p:cxnSp>
+              <p:nvCxnSpPr>
+                <p:cNvPr id="22" name="直線矢印コネクタ 21"/>
+                <p:cNvCxnSpPr>
+                  <a:endCxn id="15" idx="1"/>
+                </p:cNvCxnSpPr>
+                <p:nvPr/>
+              </p:nvCxnSpPr>
+              <p:spPr>
+                <a:xfrm>
+                  <a:off x="1165995" y="1996167"/>
+                  <a:ext cx="1061303" cy="500100"/>
+                </a:xfrm>
+                <a:prstGeom prst="straightConnector1">
+                  <a:avLst/>
+                </a:prstGeom>
+                <a:ln>
+                  <a:tailEnd type="triangle"/>
+                </a:ln>
+              </p:spPr>
+              <p:style>
+                <a:lnRef idx="1">
+                  <a:schemeClr val="dk1"/>
+                </a:lnRef>
+                <a:fillRef idx="0">
+                  <a:schemeClr val="dk1"/>
+                </a:fillRef>
+                <a:effectRef idx="0">
+                  <a:schemeClr val="dk1"/>
+                </a:effectRef>
+                <a:fontRef idx="minor">
+                  <a:schemeClr val="tx1"/>
+                </a:fontRef>
+              </p:style>
+            </p:cxnSp>
+            <p:sp>
+              <p:nvSpPr>
+                <p:cNvPr id="25" name="テキスト ボックス 24"/>
+                <p:cNvSpPr txBox="1"/>
+                <p:nvPr/>
+              </p:nvSpPr>
+              <p:spPr>
+                <a:xfrm>
+                  <a:off x="1390393" y="279128"/>
+                  <a:ext cx="2189529" cy="276999"/>
+                </a:xfrm>
+                <a:prstGeom prst="rect">
+                  <a:avLst/>
+                </a:prstGeom>
+                <a:noFill/>
+              </p:spPr>
+              <p:txBody>
+                <a:bodyPr wrap="square" rtlCol="0">
+                  <a:spAutoFit/>
+                </a:bodyPr>
+                <a:lstStyle/>
+                <a:p>
+                  <a:r>
+                    <a:rPr kumimoji="1" lang="en-US" altLang="ja-JP" sz="1200" dirty="0" smtClean="0"/>
+                    <a:t>Step1</a:t>
+                  </a:r>
+                  <a:r>
+                    <a:rPr lang="ja-JP" altLang="en-US" sz="1200" dirty="0"/>
+                    <a:t>複数のサーバ</a:t>
+                  </a:r>
+                  <a:r>
+                    <a:rPr lang="ja-JP" altLang="en-US" sz="1200" dirty="0" smtClean="0"/>
+                    <a:t>を用意</a:t>
+                  </a:r>
+                  <a:endParaRPr kumimoji="1" lang="ja-JP" altLang="en-US" sz="1200" dirty="0"/>
+                </a:p>
+              </p:txBody>
+            </p:sp>
+            <p:sp>
+              <p:nvSpPr>
+                <p:cNvPr id="26" name="フローチャート: 磁気ディスク 25"/>
+                <p:cNvSpPr/>
+                <p:nvPr/>
+              </p:nvSpPr>
+              <p:spPr>
+                <a:xfrm>
+                  <a:off x="4691269" y="1066405"/>
+                  <a:ext cx="1144990" cy="1643615"/>
+                </a:xfrm>
+                <a:prstGeom prst="flowChartMagneticDisk">
+                  <a:avLst/>
+                </a:prstGeom>
+              </p:spPr>
+              <p:style>
+                <a:lnRef idx="3">
+                  <a:schemeClr val="lt1"/>
+                </a:lnRef>
+                <a:fillRef idx="1">
+                  <a:schemeClr val="accent5"/>
+                </a:fillRef>
+                <a:effectRef idx="1">
+                  <a:schemeClr val="accent5"/>
+                </a:effectRef>
+                <a:fontRef idx="minor">
+                  <a:schemeClr val="lt1"/>
+                </a:fontRef>
+              </p:style>
+              <p:txBody>
+                <a:bodyPr rtlCol="0" anchor="ctr"/>
+                <a:lstStyle/>
+                <a:p>
+                  <a:pPr algn="ctr"/>
+                  <a:r>
+                    <a:rPr kumimoji="1" lang="ja-JP" altLang="en-US" dirty="0" smtClean="0"/>
+                    <a:t>楽曲</a:t>
+                  </a:r>
+                  <a:endParaRPr kumimoji="1" lang="en-US" altLang="ja-JP" dirty="0" smtClean="0"/>
+                </a:p>
+                <a:p>
+                  <a:pPr algn="ctr"/>
+                  <a:r>
+                    <a:rPr kumimoji="1" lang="ja-JP" altLang="en-US" dirty="0" smtClean="0"/>
+                    <a:t>データベース</a:t>
+                  </a:r>
+                  <a:endParaRPr kumimoji="1" lang="ja-JP" altLang="en-US" dirty="0"/>
+                </a:p>
+              </p:txBody>
+            </p:sp>
+            <p:cxnSp>
+              <p:nvCxnSpPr>
+                <p:cNvPr id="27" name="直線矢印コネクタ 26"/>
+                <p:cNvCxnSpPr/>
+                <p:nvPr/>
+              </p:nvCxnSpPr>
+              <p:spPr>
+                <a:xfrm flipV="1">
+                  <a:off x="2682388" y="1982175"/>
+                  <a:ext cx="1841904" cy="542882"/>
+                </a:xfrm>
+                <a:prstGeom prst="straightConnector1">
+                  <a:avLst/>
+                </a:prstGeom>
+                <a:ln>
+                  <a:tailEnd type="triangle"/>
+                </a:ln>
+              </p:spPr>
+              <p:style>
+                <a:lnRef idx="1">
+                  <a:schemeClr val="dk1"/>
+                </a:lnRef>
+                <a:fillRef idx="0">
+                  <a:schemeClr val="dk1"/>
+                </a:fillRef>
+                <a:effectRef idx="0">
+                  <a:schemeClr val="dk1"/>
+                </a:effectRef>
+                <a:fontRef idx="minor">
+                  <a:schemeClr val="tx1"/>
+                </a:fontRef>
+              </p:style>
+            </p:cxnSp>
+            <p:cxnSp>
+              <p:nvCxnSpPr>
+                <p:cNvPr id="29" name="直線矢印コネクタ 28"/>
+                <p:cNvCxnSpPr/>
+                <p:nvPr/>
+              </p:nvCxnSpPr>
+              <p:spPr>
+                <a:xfrm flipV="1">
+                  <a:off x="2710463" y="1770046"/>
+                  <a:ext cx="1869488" cy="81821"/>
+                </a:xfrm>
+                <a:prstGeom prst="straightConnector1">
+                  <a:avLst/>
+                </a:prstGeom>
+                <a:ln>
+                  <a:tailEnd type="triangle"/>
+                </a:ln>
+              </p:spPr>
+              <p:style>
+                <a:lnRef idx="1">
+                  <a:schemeClr val="dk1"/>
+                </a:lnRef>
+                <a:fillRef idx="0">
+                  <a:schemeClr val="dk1"/>
+                </a:fillRef>
+                <a:effectRef idx="0">
+                  <a:schemeClr val="dk1"/>
+                </a:effectRef>
+                <a:fontRef idx="minor">
+                  <a:schemeClr val="tx1"/>
+                </a:fontRef>
+              </p:style>
+            </p:cxnSp>
+            <p:cxnSp>
+              <p:nvCxnSpPr>
+                <p:cNvPr id="31" name="直線矢印コネクタ 30"/>
+                <p:cNvCxnSpPr/>
+                <p:nvPr/>
+              </p:nvCxnSpPr>
+              <p:spPr>
+                <a:xfrm>
+                  <a:off x="2680987" y="1196713"/>
+                  <a:ext cx="1898964" cy="443025"/>
+                </a:xfrm>
+                <a:prstGeom prst="straightConnector1">
+                  <a:avLst/>
+                </a:prstGeom>
+                <a:ln>
+                  <a:tailEnd type="triangle"/>
+                </a:ln>
+              </p:spPr>
+              <p:style>
+                <a:lnRef idx="1">
+                  <a:schemeClr val="dk1"/>
+                </a:lnRef>
+                <a:fillRef idx="0">
+                  <a:schemeClr val="dk1"/>
+                </a:fillRef>
+                <a:effectRef idx="0">
+                  <a:schemeClr val="dk1"/>
+                </a:effectRef>
+                <a:fontRef idx="minor">
+                  <a:schemeClr val="tx1"/>
+                </a:fontRef>
+              </p:style>
+            </p:cxnSp>
+            <p:sp>
+              <p:nvSpPr>
+                <p:cNvPr id="37" name="フローチャート: 磁気ディスク 36"/>
+                <p:cNvSpPr/>
+                <p:nvPr/>
+              </p:nvSpPr>
+              <p:spPr>
+                <a:xfrm>
+                  <a:off x="7211833" y="1066405"/>
+                  <a:ext cx="1121134" cy="1643615"/>
+                </a:xfrm>
+                <a:prstGeom prst="flowChartMagneticDisk">
+                  <a:avLst/>
+                </a:prstGeom>
+              </p:spPr>
+              <p:style>
+                <a:lnRef idx="3">
+                  <a:schemeClr val="lt1"/>
+                </a:lnRef>
+                <a:fillRef idx="1">
+                  <a:schemeClr val="accent6"/>
+                </a:fillRef>
+                <a:effectRef idx="1">
+                  <a:schemeClr val="accent6"/>
+                </a:effectRef>
+                <a:fontRef idx="minor">
+                  <a:schemeClr val="lt1"/>
+                </a:fontRef>
+              </p:style>
+              <p:txBody>
+                <a:bodyPr rtlCol="0" anchor="ctr"/>
+                <a:lstStyle/>
+                <a:p>
+                  <a:pPr algn="ctr"/>
+                  <a:r>
+                    <a:rPr kumimoji="1" lang="ja-JP" altLang="en-US" dirty="0" smtClean="0"/>
+                    <a:t>動画</a:t>
+                  </a:r>
+                  <a:r>
+                    <a:rPr lang="ja-JP" altLang="en-US" dirty="0"/>
+                    <a:t>データベース</a:t>
+                  </a:r>
+                  <a:endParaRPr kumimoji="1" lang="ja-JP" altLang="en-US" dirty="0"/>
+                </a:p>
+              </p:txBody>
+            </p:sp>
+            <p:pic>
+              <p:nvPicPr>
+                <p:cNvPr id="38" name="図 37"/>
+                <p:cNvPicPr>
+                  <a:picLocks noChangeAspect="1"/>
+                </p:cNvPicPr>
+                <p:nvPr/>
+              </p:nvPicPr>
+              <p:blipFill>
+                <a:blip r:embed="rId3" cstate="print">
+                  <a:extLst>
+                    <a:ext uri="{28A0092B-C50C-407E-A947-70E740481C1C}">
+                      <a14:useLocalDpi xmlns:a14="http://schemas.microsoft.com/office/drawing/2010/main" val="0"/>
+                    </a:ext>
+                  </a:extLst>
+                </a:blip>
+                <a:stretch>
+                  <a:fillRect/>
+                </a:stretch>
+              </p:blipFill>
+              <p:spPr>
+                <a:xfrm>
+                  <a:off x="7558647" y="3295564"/>
+                  <a:ext cx="427506" cy="427506"/>
+                </a:xfrm>
+                <a:prstGeom prst="rect">
+                  <a:avLst/>
+                </a:prstGeom>
+              </p:spPr>
+            </p:pic>
+            <p:pic>
+              <p:nvPicPr>
+                <p:cNvPr id="39" name="図 38"/>
+                <p:cNvPicPr>
+                  <a:picLocks noChangeAspect="1"/>
+                </p:cNvPicPr>
+                <p:nvPr/>
+              </p:nvPicPr>
+              <p:blipFill>
+                <a:blip r:embed="rId3" cstate="print">
+                  <a:extLst>
+                    <a:ext uri="{28A0092B-C50C-407E-A947-70E740481C1C}">
+                      <a14:useLocalDpi xmlns:a14="http://schemas.microsoft.com/office/drawing/2010/main" val="0"/>
+                    </a:ext>
+                  </a:extLst>
+                </a:blip>
+                <a:stretch>
+                  <a:fillRect/>
+                </a:stretch>
+              </p:blipFill>
+              <p:spPr>
+                <a:xfrm>
+                  <a:off x="6304329" y="3313725"/>
+                  <a:ext cx="427506" cy="427506"/>
+                </a:xfrm>
+                <a:prstGeom prst="rect">
+                  <a:avLst/>
+                </a:prstGeom>
+              </p:spPr>
+            </p:pic>
+            <p:pic>
+              <p:nvPicPr>
+                <p:cNvPr id="40" name="図 39"/>
+                <p:cNvPicPr>
+                  <a:picLocks noChangeAspect="1"/>
+                </p:cNvPicPr>
+                <p:nvPr/>
+              </p:nvPicPr>
+              <p:blipFill>
+                <a:blip r:embed="rId3" cstate="print">
+                  <a:extLst>
+                    <a:ext uri="{28A0092B-C50C-407E-A947-70E740481C1C}">
+                      <a14:useLocalDpi xmlns:a14="http://schemas.microsoft.com/office/drawing/2010/main" val="0"/>
+                    </a:ext>
+                  </a:extLst>
+                </a:blip>
+                <a:stretch>
+                  <a:fillRect/>
+                </a:stretch>
+              </p:blipFill>
+              <p:spPr>
+                <a:xfrm>
+                  <a:off x="5050011" y="3313725"/>
+                  <a:ext cx="427506" cy="427506"/>
+                </a:xfrm>
+                <a:prstGeom prst="rect">
+                  <a:avLst/>
+                </a:prstGeom>
+              </p:spPr>
+            </p:pic>
+            <p:cxnSp>
+              <p:nvCxnSpPr>
+                <p:cNvPr id="42" name="直線矢印コネクタ 41"/>
+                <p:cNvCxnSpPr>
+                  <a:endCxn id="40" idx="0"/>
+                </p:cNvCxnSpPr>
+                <p:nvPr/>
+              </p:nvCxnSpPr>
+              <p:spPr>
+                <a:xfrm flipH="1">
+                  <a:off x="5263764" y="2710020"/>
+                  <a:ext cx="933" cy="603705"/>
+                </a:xfrm>
+                <a:prstGeom prst="straightConnector1">
+                  <a:avLst/>
+                </a:prstGeom>
+                <a:ln>
+                  <a:tailEnd type="triangle"/>
+                </a:ln>
+              </p:spPr>
+              <p:style>
+                <a:lnRef idx="1">
+                  <a:schemeClr val="accent1"/>
+                </a:lnRef>
+                <a:fillRef idx="0">
+                  <a:schemeClr val="accent1"/>
+                </a:fillRef>
+                <a:effectRef idx="0">
+                  <a:schemeClr val="accent1"/>
+                </a:effectRef>
+                <a:fontRef idx="minor">
+                  <a:schemeClr val="tx1"/>
+                </a:fontRef>
+              </p:style>
+            </p:cxnSp>
+            <p:cxnSp>
+              <p:nvCxnSpPr>
+                <p:cNvPr id="44" name="直線矢印コネクタ 43"/>
+                <p:cNvCxnSpPr>
+                  <a:stCxn id="26" idx="3"/>
+                  <a:endCxn id="39" idx="0"/>
+                </p:cNvCxnSpPr>
+                <p:nvPr/>
+              </p:nvCxnSpPr>
+              <p:spPr>
+                <a:xfrm>
+                  <a:off x="5263764" y="2710020"/>
+                  <a:ext cx="1254318" cy="603705"/>
+                </a:xfrm>
+                <a:prstGeom prst="straightConnector1">
+                  <a:avLst/>
+                </a:prstGeom>
+                <a:ln>
+                  <a:tailEnd type="triangle"/>
+                </a:ln>
+              </p:spPr>
+              <p:style>
+                <a:lnRef idx="1">
+                  <a:schemeClr val="accent1"/>
+                </a:lnRef>
+                <a:fillRef idx="0">
+                  <a:schemeClr val="accent1"/>
+                </a:fillRef>
+                <a:effectRef idx="0">
+                  <a:schemeClr val="accent1"/>
+                </a:effectRef>
+                <a:fontRef idx="minor">
+                  <a:schemeClr val="tx1"/>
+                </a:fontRef>
+              </p:style>
+            </p:cxnSp>
+            <p:cxnSp>
+              <p:nvCxnSpPr>
+                <p:cNvPr id="45" name="直線矢印コネクタ 44"/>
+                <p:cNvCxnSpPr>
+                  <a:stCxn id="26" idx="3"/>
+                  <a:endCxn id="38" idx="0"/>
+                </p:cNvCxnSpPr>
+                <p:nvPr/>
+              </p:nvCxnSpPr>
+              <p:spPr>
+                <a:xfrm>
+                  <a:off x="5263764" y="2710020"/>
+                  <a:ext cx="2508636" cy="585544"/>
+                </a:xfrm>
+                <a:prstGeom prst="straightConnector1">
+                  <a:avLst/>
+                </a:prstGeom>
+                <a:ln>
+                  <a:tailEnd type="triangle"/>
+                </a:ln>
+              </p:spPr>
+              <p:style>
+                <a:lnRef idx="1">
+                  <a:schemeClr val="accent1"/>
+                </a:lnRef>
+                <a:fillRef idx="0">
+                  <a:schemeClr val="accent1"/>
+                </a:fillRef>
+                <a:effectRef idx="0">
+                  <a:schemeClr val="accent1"/>
+                </a:effectRef>
+                <a:fontRef idx="minor">
+                  <a:schemeClr val="tx1"/>
+                </a:fontRef>
+              </p:style>
+            </p:cxnSp>
+            <p:cxnSp>
+              <p:nvCxnSpPr>
+                <p:cNvPr id="50" name="直線矢印コネクタ 49"/>
+                <p:cNvCxnSpPr>
+                  <a:stCxn id="37" idx="3"/>
+                  <a:endCxn id="38" idx="0"/>
+                </p:cNvCxnSpPr>
+                <p:nvPr/>
+              </p:nvCxnSpPr>
+              <p:spPr>
+                <a:xfrm>
+                  <a:off x="7772400" y="2710020"/>
+                  <a:ext cx="0" cy="585544"/>
+                </a:xfrm>
+                <a:prstGeom prst="straightConnector1">
+                  <a:avLst/>
+                </a:prstGeom>
+                <a:ln>
+                  <a:tailEnd type="triangle"/>
+                </a:ln>
+              </p:spPr>
+              <p:style>
+                <a:lnRef idx="2">
+                  <a:schemeClr val="accent6"/>
+                </a:lnRef>
+                <a:fillRef idx="0">
+                  <a:schemeClr val="accent6"/>
+                </a:fillRef>
+                <a:effectRef idx="1">
+                  <a:schemeClr val="accent6"/>
+                </a:effectRef>
+                <a:fontRef idx="minor">
+                  <a:schemeClr val="tx1"/>
+                </a:fontRef>
+              </p:style>
+            </p:cxnSp>
+            <p:cxnSp>
+              <p:nvCxnSpPr>
+                <p:cNvPr id="53" name="直線矢印コネクタ 52"/>
+                <p:cNvCxnSpPr>
+                  <a:stCxn id="37" idx="3"/>
+                  <a:endCxn id="39" idx="0"/>
+                </p:cNvCxnSpPr>
+                <p:nvPr/>
+              </p:nvCxnSpPr>
+              <p:spPr>
+                <a:xfrm flipH="1">
+                  <a:off x="6518082" y="2710020"/>
+                  <a:ext cx="1254318" cy="603705"/>
+                </a:xfrm>
+                <a:prstGeom prst="straightConnector1">
+                  <a:avLst/>
+                </a:prstGeom>
+                <a:ln>
+                  <a:tailEnd type="triangle"/>
+                </a:ln>
+              </p:spPr>
+              <p:style>
+                <a:lnRef idx="2">
+                  <a:schemeClr val="accent6"/>
+                </a:lnRef>
+                <a:fillRef idx="0">
+                  <a:schemeClr val="accent6"/>
+                </a:fillRef>
+                <a:effectRef idx="1">
+                  <a:schemeClr val="accent6"/>
+                </a:effectRef>
+                <a:fontRef idx="minor">
+                  <a:schemeClr val="tx1"/>
+                </a:fontRef>
+              </p:style>
+            </p:cxnSp>
+            <p:cxnSp>
+              <p:nvCxnSpPr>
+                <p:cNvPr id="54" name="直線矢印コネクタ 53"/>
+                <p:cNvCxnSpPr>
+                  <a:stCxn id="37" idx="3"/>
+                  <a:endCxn id="40" idx="0"/>
+                </p:cNvCxnSpPr>
+                <p:nvPr/>
+              </p:nvCxnSpPr>
+              <p:spPr>
+                <a:xfrm flipH="1">
+                  <a:off x="5263764" y="2710020"/>
+                  <a:ext cx="2508636" cy="603705"/>
+                </a:xfrm>
+                <a:prstGeom prst="straightConnector1">
+                  <a:avLst/>
+                </a:prstGeom>
+                <a:ln>
+                  <a:tailEnd type="triangle"/>
+                </a:ln>
+              </p:spPr>
+              <p:style>
+                <a:lnRef idx="2">
+                  <a:schemeClr val="accent6"/>
+                </a:lnRef>
+                <a:fillRef idx="0">
+                  <a:schemeClr val="accent6"/>
+                </a:fillRef>
+                <a:effectRef idx="1">
+                  <a:schemeClr val="accent6"/>
+                </a:effectRef>
+                <a:fontRef idx="minor">
+                  <a:schemeClr val="tx1"/>
+                </a:fontRef>
+              </p:style>
+            </p:cxnSp>
+            <p:cxnSp>
+              <p:nvCxnSpPr>
+                <p:cNvPr id="61" name="直線矢印コネクタ 60"/>
+                <p:cNvCxnSpPr>
+                  <a:stCxn id="40" idx="2"/>
+                </p:cNvCxnSpPr>
+                <p:nvPr/>
+              </p:nvCxnSpPr>
+              <p:spPr>
+                <a:xfrm>
+                  <a:off x="5263764" y="3741231"/>
+                  <a:ext cx="213753" cy="693757"/>
+                </a:xfrm>
+                <a:prstGeom prst="straightConnector1">
+                  <a:avLst/>
+                </a:prstGeom>
+                <a:ln>
+                  <a:tailEnd type="triangle"/>
+                </a:ln>
+              </p:spPr>
+              <p:style>
+                <a:lnRef idx="1">
+                  <a:schemeClr val="accent2"/>
+                </a:lnRef>
+                <a:fillRef idx="0">
+                  <a:schemeClr val="accent2"/>
+                </a:fillRef>
+                <a:effectRef idx="0">
+                  <a:schemeClr val="accent2"/>
+                </a:effectRef>
+                <a:fontRef idx="minor">
+                  <a:schemeClr val="tx1"/>
+                </a:fontRef>
+              </p:style>
+            </p:cxnSp>
+            <p:cxnSp>
+              <p:nvCxnSpPr>
+                <p:cNvPr id="62" name="直線矢印コネクタ 61"/>
+                <p:cNvCxnSpPr>
+                  <a:stCxn id="39" idx="2"/>
+                </p:cNvCxnSpPr>
+                <p:nvPr/>
+              </p:nvCxnSpPr>
+              <p:spPr>
+                <a:xfrm>
+                  <a:off x="6518082" y="3741231"/>
+                  <a:ext cx="0" cy="603705"/>
+                </a:xfrm>
+                <a:prstGeom prst="straightConnector1">
+                  <a:avLst/>
+                </a:prstGeom>
+                <a:ln>
+                  <a:tailEnd type="triangle"/>
+                </a:ln>
+              </p:spPr>
+              <p:style>
+                <a:lnRef idx="1">
+                  <a:schemeClr val="accent2"/>
+                </a:lnRef>
+                <a:fillRef idx="0">
+                  <a:schemeClr val="accent2"/>
+                </a:fillRef>
+                <a:effectRef idx="0">
+                  <a:schemeClr val="accent2"/>
+                </a:effectRef>
+                <a:fontRef idx="minor">
+                  <a:schemeClr val="tx1"/>
+                </a:fontRef>
+              </p:style>
+            </p:cxnSp>
+            <p:cxnSp>
+              <p:nvCxnSpPr>
+                <p:cNvPr id="65" name="直線矢印コネクタ 64"/>
+                <p:cNvCxnSpPr>
+                  <a:stCxn id="38" idx="2"/>
+                </p:cNvCxnSpPr>
+                <p:nvPr/>
+              </p:nvCxnSpPr>
+              <p:spPr>
+                <a:xfrm flipH="1">
+                  <a:off x="7672419" y="3723070"/>
+                  <a:ext cx="99981" cy="693757"/>
+                </a:xfrm>
+                <a:prstGeom prst="straightConnector1">
+                  <a:avLst/>
+                </a:prstGeom>
+                <a:ln>
+                  <a:tailEnd type="triangle"/>
+                </a:ln>
+              </p:spPr>
+              <p:style>
+                <a:lnRef idx="1">
+                  <a:schemeClr val="accent2"/>
+                </a:lnRef>
+                <a:fillRef idx="0">
+                  <a:schemeClr val="accent2"/>
+                </a:fillRef>
+                <a:effectRef idx="0">
+                  <a:schemeClr val="accent2"/>
+                </a:effectRef>
+                <a:fontRef idx="minor">
+                  <a:schemeClr val="tx1"/>
+                </a:fontRef>
+              </p:style>
+            </p:cxnSp>
+            <p:sp>
+              <p:nvSpPr>
+                <p:cNvPr id="71" name="テキスト ボックス 70"/>
+                <p:cNvSpPr txBox="1"/>
+                <p:nvPr/>
+              </p:nvSpPr>
+              <p:spPr>
+                <a:xfrm>
+                  <a:off x="3471796" y="3373013"/>
+                  <a:ext cx="1532055" cy="646331"/>
+                </a:xfrm>
+                <a:prstGeom prst="rect">
+                  <a:avLst/>
+                </a:prstGeom>
+                <a:noFill/>
+              </p:spPr>
+              <p:txBody>
+                <a:bodyPr wrap="square" rtlCol="0">
+                  <a:spAutoFit/>
+                </a:bodyPr>
+                <a:lstStyle/>
+                <a:p>
+                  <a:r>
+                    <a:rPr kumimoji="1" lang="en-US" altLang="ja-JP" sz="1200" dirty="0" smtClean="0"/>
+                    <a:t>Step6</a:t>
+                  </a:r>
+                </a:p>
+                <a:p>
+                  <a:r>
+                    <a:rPr kumimoji="1" lang="ja-JP" altLang="en-US" sz="1200" dirty="0" smtClean="0"/>
+                    <a:t>楽曲と動画をマッチング</a:t>
+                  </a:r>
+                  <a:endParaRPr kumimoji="1" lang="ja-JP" altLang="en-US" sz="1200" dirty="0"/>
+                </a:p>
+              </p:txBody>
+            </p:sp>
+          </p:grpSp>
+        </p:grpSp>
+        <p:sp>
+          <p:nvSpPr>
+            <p:cNvPr id="9" name="テキスト ボックス 8"/>
+            <p:cNvSpPr txBox="1"/>
+            <p:nvPr/>
+          </p:nvSpPr>
+          <p:spPr>
+            <a:xfrm>
+              <a:off x="1978986" y="3476121"/>
+              <a:ext cx="1343770" cy="830997"/>
+            </a:xfrm>
+            <a:prstGeom prst="rect">
+              <a:avLst/>
+            </a:prstGeom>
+            <a:noFill/>
+          </p:spPr>
+          <p:txBody>
+            <a:bodyPr wrap="square" rtlCol="0">
+              <a:spAutoFit/>
+            </a:bodyPr>
+            <a:lstStyle/>
+            <a:p>
+              <a:r>
+                <a:rPr kumimoji="1" lang="en-US" altLang="ja-JP" sz="1200" dirty="0" smtClean="0"/>
+                <a:t>Step3</a:t>
+              </a:r>
+              <a:r>
+                <a:rPr kumimoji="1" lang="ja-JP" altLang="en-US" sz="1200" dirty="0" smtClean="0"/>
+                <a:t>から</a:t>
+              </a:r>
+              <a:r>
+                <a:rPr lang="en-US" altLang="ja-JP" sz="1200" dirty="0" smtClean="0"/>
+                <a:t>Step5</a:t>
+              </a:r>
+              <a:endParaRPr lang="en-US" altLang="ja-JP" sz="1200" dirty="0"/>
+            </a:p>
+            <a:p>
+              <a:r>
+                <a:rPr kumimoji="1" lang="ja-JP" altLang="en-US" sz="1200" dirty="0" smtClean="0"/>
+                <a:t>周波数を分析し</a:t>
+              </a:r>
+              <a:endParaRPr kumimoji="1" lang="en-US" altLang="ja-JP" sz="1200" dirty="0" smtClean="0"/>
+            </a:p>
+            <a:p>
+              <a:r>
+                <a:rPr kumimoji="1" lang="ja-JP" altLang="en-US" sz="1200" dirty="0" smtClean="0"/>
+                <a:t>楽曲ジャンルを推定</a:t>
+              </a:r>
+              <a:endParaRPr kumimoji="1" lang="ja-JP" altLang="en-US" sz="1200" dirty="0"/>
+            </a:p>
+          </p:txBody>
+        </p:sp>
+      </p:grpSp>
+    </p:spTree>
+    <p:extLst>
+      <p:ext uri="{BB962C8B-B14F-4D97-AF65-F5344CB8AC3E}">
+        <p14:creationId xmlns:p14="http://schemas.microsoft.com/office/powerpoint/2010/main" val="3921230306"/>
+      </p:ext>
+    </p:extLst>
+  </p:cSld>
+  <p:clrMapOvr>
+    <a:masterClrMapping/>
+  </p:clrMapOvr>
+  <p:timing>
+    <p:tnLst>
+      <p:par>
+        <p:cTn id="1" dur="indefinite" restart="never" nodeType="tmRoot"/>
+      </p:par>
+    </p:tnLst>
+  </p:timing>
+</p:sld>
+</file>
+
 <file path=ppt/slides/slide2.xml><?xml version="1.0" encoding="utf-8"?>
 <p:sld xmlns:a="http://schemas.openxmlformats.org/drawingml/2006/main" xmlns:r="http://schemas.openxmlformats.org/officeDocument/2006/relationships" xmlns:p="http://schemas.openxmlformats.org/presentationml/2006/main">
   <p:cSld>
@@ -7232,9 +9114,45 @@
           </a:p>
         </p:txBody>
       </p:sp>
+      <p:cxnSp>
+        <p:nvCxnSpPr>
+          <p:cNvPr id="43" name="直線矢印コネクタ 42"/>
+          <p:cNvCxnSpPr>
+            <a:stCxn id="30" idx="3"/>
+            <a:endCxn id="35" idx="1"/>
+          </p:cNvCxnSpPr>
+          <p:nvPr/>
+        </p:nvCxnSpPr>
+        <p:spPr>
+          <a:xfrm>
+            <a:off x="2629715" y="5317307"/>
+            <a:ext cx="1498878" cy="886664"/>
+          </a:xfrm>
+          <a:prstGeom prst="straightConnector1">
+            <a:avLst/>
+          </a:prstGeom>
+          <a:ln>
+            <a:tailEnd type="triangle"/>
+          </a:ln>
+        </p:spPr>
+        <p:style>
+          <a:lnRef idx="1">
+            <a:schemeClr val="accent1"/>
+          </a:lnRef>
+          <a:fillRef idx="0">
+            <a:schemeClr val="accent1"/>
+          </a:fillRef>
+          <a:effectRef idx="0">
+            <a:schemeClr val="accent1"/>
+          </a:effectRef>
+          <a:fontRef idx="minor">
+            <a:schemeClr val="tx1"/>
+          </a:fontRef>
+        </p:style>
+      </p:cxnSp>
       <p:grpSp>
         <p:nvGrpSpPr>
-          <p:cNvPr id="10" name="グループ化 9"/>
+          <p:cNvPr id="5" name="グループ化 4"/>
           <p:cNvGrpSpPr/>
           <p:nvPr/>
         </p:nvGrpSpPr>
@@ -7242,23 +9160,185 @@
           <a:xfrm>
             <a:off x="466648" y="4830578"/>
             <a:ext cx="8327992" cy="2024499"/>
-            <a:chOff x="466648" y="4830578"/>
+            <a:chOff x="466648" y="4802063"/>
             <a:chExt cx="8327992" cy="2024499"/>
           </a:xfrm>
         </p:grpSpPr>
+        <p:sp>
+          <p:nvSpPr>
+            <p:cNvPr id="30" name="正方形/長方形 29"/>
+            <p:cNvSpPr/>
+            <p:nvPr/>
+          </p:nvSpPr>
+          <p:spPr>
+            <a:xfrm>
+              <a:off x="467336" y="5084290"/>
+              <a:ext cx="2162379" cy="409003"/>
+            </a:xfrm>
+            <a:prstGeom prst="rect">
+              <a:avLst/>
+            </a:prstGeom>
+          </p:spPr>
+          <p:style>
+            <a:lnRef idx="1">
+              <a:schemeClr val="accent5"/>
+            </a:lnRef>
+            <a:fillRef idx="2">
+              <a:schemeClr val="accent5"/>
+            </a:fillRef>
+            <a:effectRef idx="1">
+              <a:schemeClr val="accent5"/>
+            </a:effectRef>
+            <a:fontRef idx="minor">
+              <a:schemeClr val="dk1"/>
+            </a:fontRef>
+          </p:style>
+          <p:txBody>
+            <a:bodyPr rtlCol="0" anchor="ctr"/>
+            <a:lstStyle/>
+            <a:p>
+              <a:pPr algn="ctr"/>
+              <a:r>
+                <a:rPr kumimoji="1" lang="ja-JP" altLang="en-US" dirty="0" smtClean="0"/>
+                <a:t>大量の楽曲データ</a:t>
+              </a:r>
+              <a:endParaRPr kumimoji="1" lang="en-US" altLang="ja-JP" dirty="0" smtClean="0"/>
+            </a:p>
+          </p:txBody>
+        </p:sp>
+        <p:pic>
+          <p:nvPicPr>
+            <p:cNvPr id="32" name="図 31"/>
+            <p:cNvPicPr>
+              <a:picLocks noChangeAspect="1"/>
+            </p:cNvPicPr>
+            <p:nvPr/>
+          </p:nvPicPr>
+          <p:blipFill>
+            <a:blip r:embed="rId2" cstate="print">
+              <a:extLst>
+                <a:ext uri="{28A0092B-C50C-407E-A947-70E740481C1C}">
+                  <a14:useLocalDpi xmlns:a14="http://schemas.microsoft.com/office/drawing/2010/main" val="0"/>
+                </a:ext>
+              </a:extLst>
+            </a:blip>
+            <a:stretch>
+              <a:fillRect/>
+            </a:stretch>
+          </p:blipFill>
+          <p:spPr>
+            <a:xfrm>
+              <a:off x="4120641" y="4802063"/>
+              <a:ext cx="427506" cy="427506"/>
+            </a:xfrm>
+            <a:prstGeom prst="rect">
+              <a:avLst/>
+            </a:prstGeom>
+          </p:spPr>
+        </p:pic>
+        <p:pic>
+          <p:nvPicPr>
+            <p:cNvPr id="35" name="図 34"/>
+            <p:cNvPicPr>
+              <a:picLocks noChangeAspect="1"/>
+            </p:cNvPicPr>
+            <p:nvPr/>
+          </p:nvPicPr>
+          <p:blipFill>
+            <a:blip r:embed="rId2" cstate="print">
+              <a:extLst>
+                <a:ext uri="{28A0092B-C50C-407E-A947-70E740481C1C}">
+                  <a14:useLocalDpi xmlns:a14="http://schemas.microsoft.com/office/drawing/2010/main" val="0"/>
+                </a:ext>
+              </a:extLst>
+            </a:blip>
+            <a:stretch>
+              <a:fillRect/>
+            </a:stretch>
+          </p:blipFill>
+          <p:spPr>
+            <a:xfrm>
+              <a:off x="4128593" y="5961703"/>
+              <a:ext cx="427506" cy="427506"/>
+            </a:xfrm>
+            <a:prstGeom prst="rect">
+              <a:avLst/>
+            </a:prstGeom>
+          </p:spPr>
+        </p:pic>
+        <p:pic>
+          <p:nvPicPr>
+            <p:cNvPr id="36" name="図 35"/>
+            <p:cNvPicPr>
+              <a:picLocks noChangeAspect="1"/>
+            </p:cNvPicPr>
+            <p:nvPr/>
+          </p:nvPicPr>
+          <p:blipFill>
+            <a:blip r:embed="rId2" cstate="print">
+              <a:extLst>
+                <a:ext uri="{28A0092B-C50C-407E-A947-70E740481C1C}">
+                  <a14:useLocalDpi xmlns:a14="http://schemas.microsoft.com/office/drawing/2010/main" val="0"/>
+                </a:ext>
+              </a:extLst>
+            </a:blip>
+            <a:stretch>
+              <a:fillRect/>
+            </a:stretch>
+          </p:blipFill>
+          <p:spPr>
+            <a:xfrm>
+              <a:off x="4120641" y="5380328"/>
+              <a:ext cx="427506" cy="427506"/>
+            </a:xfrm>
+            <a:prstGeom prst="rect">
+              <a:avLst/>
+            </a:prstGeom>
+          </p:spPr>
+        </p:pic>
+        <p:sp>
+          <p:nvSpPr>
+            <p:cNvPr id="37" name="テキスト ボックス 36"/>
+            <p:cNvSpPr txBox="1"/>
+            <p:nvPr/>
+          </p:nvSpPr>
+          <p:spPr>
+            <a:xfrm>
+              <a:off x="3156668" y="6457230"/>
+              <a:ext cx="2671638" cy="369332"/>
+            </a:xfrm>
+            <a:prstGeom prst="rect">
+              <a:avLst/>
+            </a:prstGeom>
+            <a:noFill/>
+          </p:spPr>
+          <p:txBody>
+            <a:bodyPr wrap="square" rtlCol="0">
+              <a:spAutoFit/>
+            </a:bodyPr>
+            <a:lstStyle/>
+            <a:p>
+              <a:r>
+                <a:rPr kumimoji="1" lang="ja-JP" altLang="en-US" dirty="0" smtClean="0"/>
+                <a:t>処理を分散するサーバー</a:t>
+              </a:r>
+              <a:endParaRPr kumimoji="1" lang="ja-JP" altLang="en-US" dirty="0"/>
+            </a:p>
+          </p:txBody>
+        </p:sp>
         <p:cxnSp>
           <p:nvCxnSpPr>
-            <p:cNvPr id="43" name="直線矢印コネクタ 42"/>
+            <p:cNvPr id="39" name="直線矢印コネクタ 38"/>
             <p:cNvCxnSpPr>
               <a:stCxn id="30" idx="3"/>
-              <a:endCxn id="35" idx="1"/>
+              <a:endCxn id="32" idx="1"/>
             </p:cNvCxnSpPr>
             <p:nvPr/>
           </p:nvCxnSpPr>
           <p:spPr>
-            <a:xfrm>
-              <a:off x="2629715" y="5317307"/>
-              <a:ext cx="1498878" cy="886664"/>
+            <a:xfrm flipV="1">
+              <a:off x="2629715" y="5015816"/>
+              <a:ext cx="1490926" cy="272976"/>
             </a:xfrm>
             <a:prstGeom prst="straightConnector1">
               <a:avLst/>
@@ -7282,555 +9362,342 @@
             </a:fontRef>
           </p:style>
         </p:cxnSp>
-        <p:grpSp>
-          <p:nvGrpSpPr>
-            <p:cNvPr id="5" name="グループ化 4"/>
-            <p:cNvGrpSpPr/>
+        <p:cxnSp>
+          <p:nvCxnSpPr>
+            <p:cNvPr id="41" name="直線矢印コネクタ 40"/>
+            <p:cNvCxnSpPr>
+              <a:stCxn id="30" idx="3"/>
+              <a:endCxn id="36" idx="1"/>
+            </p:cNvCxnSpPr>
             <p:nvPr/>
-          </p:nvGrpSpPr>
-          <p:grpSpPr>
+          </p:nvCxnSpPr>
+          <p:spPr>
             <a:xfrm>
-              <a:off x="466648" y="4830578"/>
-              <a:ext cx="8327992" cy="2024499"/>
-              <a:chOff x="466648" y="4802063"/>
-              <a:chExt cx="8327992" cy="2024499"/>
+              <a:off x="2629715" y="5288792"/>
+              <a:ext cx="1490926" cy="305289"/>
             </a:xfrm>
-          </p:grpSpPr>
-          <p:sp>
-            <p:nvSpPr>
-              <p:cNvPr id="30" name="正方形/長方形 29"/>
-              <p:cNvSpPr/>
-              <p:nvPr/>
-            </p:nvSpPr>
-            <p:spPr>
-              <a:xfrm>
-                <a:off x="467336" y="5084290"/>
-                <a:ext cx="2162379" cy="409003"/>
-              </a:xfrm>
-              <a:prstGeom prst="rect">
-                <a:avLst/>
-              </a:prstGeom>
-            </p:spPr>
-            <p:style>
-              <a:lnRef idx="1">
-                <a:schemeClr val="accent5"/>
-              </a:lnRef>
-              <a:fillRef idx="2">
-                <a:schemeClr val="accent5"/>
-              </a:fillRef>
-              <a:effectRef idx="1">
-                <a:schemeClr val="accent5"/>
-              </a:effectRef>
-              <a:fontRef idx="minor">
-                <a:schemeClr val="dk1"/>
-              </a:fontRef>
-            </p:style>
-            <p:txBody>
-              <a:bodyPr rtlCol="0" anchor="ctr"/>
-              <a:lstStyle/>
-              <a:p>
-                <a:pPr algn="ctr"/>
-                <a:r>
-                  <a:rPr kumimoji="1" lang="ja-JP" altLang="en-US" dirty="0" smtClean="0"/>
-                  <a:t>大量の楽曲データ</a:t>
-                </a:r>
-                <a:endParaRPr kumimoji="1" lang="en-US" altLang="ja-JP" dirty="0" smtClean="0"/>
-              </a:p>
-            </p:txBody>
-          </p:sp>
-          <p:pic>
-            <p:nvPicPr>
-              <p:cNvPr id="32" name="図 31"/>
-              <p:cNvPicPr>
-                <a:picLocks noChangeAspect="1"/>
-              </p:cNvPicPr>
-              <p:nvPr/>
-            </p:nvPicPr>
-            <p:blipFill>
-              <a:blip r:embed="rId2" cstate="print">
-                <a:extLst>
-                  <a:ext uri="{28A0092B-C50C-407E-A947-70E740481C1C}">
-                    <a14:useLocalDpi xmlns:a14="http://schemas.microsoft.com/office/drawing/2010/main" val="0"/>
-                  </a:ext>
-                </a:extLst>
-              </a:blip>
-              <a:stretch>
-                <a:fillRect/>
-              </a:stretch>
-            </p:blipFill>
-            <p:spPr>
-              <a:xfrm>
-                <a:off x="4120641" y="4802063"/>
-                <a:ext cx="427506" cy="427506"/>
-              </a:xfrm>
-              <a:prstGeom prst="rect">
-                <a:avLst/>
-              </a:prstGeom>
-            </p:spPr>
-          </p:pic>
-          <p:pic>
-            <p:nvPicPr>
-              <p:cNvPr id="35" name="図 34"/>
-              <p:cNvPicPr>
-                <a:picLocks noChangeAspect="1"/>
-              </p:cNvPicPr>
-              <p:nvPr/>
-            </p:nvPicPr>
-            <p:blipFill>
-              <a:blip r:embed="rId2" cstate="print">
-                <a:extLst>
-                  <a:ext uri="{28A0092B-C50C-407E-A947-70E740481C1C}">
-                    <a14:useLocalDpi xmlns:a14="http://schemas.microsoft.com/office/drawing/2010/main" val="0"/>
-                  </a:ext>
-                </a:extLst>
-              </a:blip>
-              <a:stretch>
-                <a:fillRect/>
-              </a:stretch>
-            </p:blipFill>
-            <p:spPr>
-              <a:xfrm>
-                <a:off x="4128593" y="5961703"/>
-                <a:ext cx="427506" cy="427506"/>
-              </a:xfrm>
-              <a:prstGeom prst="rect">
-                <a:avLst/>
-              </a:prstGeom>
-            </p:spPr>
-          </p:pic>
-          <p:pic>
-            <p:nvPicPr>
-              <p:cNvPr id="36" name="図 35"/>
-              <p:cNvPicPr>
-                <a:picLocks noChangeAspect="1"/>
-              </p:cNvPicPr>
-              <p:nvPr/>
-            </p:nvPicPr>
-            <p:blipFill>
-              <a:blip r:embed="rId2" cstate="print">
-                <a:extLst>
-                  <a:ext uri="{28A0092B-C50C-407E-A947-70E740481C1C}">
-                    <a14:useLocalDpi xmlns:a14="http://schemas.microsoft.com/office/drawing/2010/main" val="0"/>
-                  </a:ext>
-                </a:extLst>
-              </a:blip>
-              <a:stretch>
-                <a:fillRect/>
-              </a:stretch>
-            </p:blipFill>
-            <p:spPr>
-              <a:xfrm>
-                <a:off x="4120641" y="5380328"/>
-                <a:ext cx="427506" cy="427506"/>
-              </a:xfrm>
-              <a:prstGeom prst="rect">
-                <a:avLst/>
-              </a:prstGeom>
-            </p:spPr>
-          </p:pic>
-          <p:sp>
-            <p:nvSpPr>
-              <p:cNvPr id="37" name="テキスト ボックス 36"/>
-              <p:cNvSpPr txBox="1"/>
-              <p:nvPr/>
-            </p:nvSpPr>
-            <p:spPr>
-              <a:xfrm>
-                <a:off x="3156668" y="6457230"/>
-                <a:ext cx="2671638" cy="369332"/>
-              </a:xfrm>
-              <a:prstGeom prst="rect">
-                <a:avLst/>
-              </a:prstGeom>
-              <a:noFill/>
-            </p:spPr>
-            <p:txBody>
-              <a:bodyPr wrap="square" rtlCol="0">
-                <a:spAutoFit/>
-              </a:bodyPr>
-              <a:lstStyle/>
-              <a:p>
-                <a:r>
-                  <a:rPr kumimoji="1" lang="ja-JP" altLang="en-US" dirty="0" smtClean="0"/>
-                  <a:t>処理を分散するサーバー</a:t>
-                </a:r>
-                <a:endParaRPr kumimoji="1" lang="ja-JP" altLang="en-US" dirty="0"/>
-              </a:p>
-            </p:txBody>
-          </p:sp>
-          <p:cxnSp>
-            <p:nvCxnSpPr>
-              <p:cNvPr id="39" name="直線矢印コネクタ 38"/>
-              <p:cNvCxnSpPr>
-                <a:stCxn id="30" idx="3"/>
-                <a:endCxn id="32" idx="1"/>
-              </p:cNvCxnSpPr>
-              <p:nvPr/>
-            </p:nvCxnSpPr>
-            <p:spPr>
-              <a:xfrm flipV="1">
-                <a:off x="2629715" y="5015816"/>
-                <a:ext cx="1490926" cy="272976"/>
-              </a:xfrm>
-              <a:prstGeom prst="straightConnector1">
-                <a:avLst/>
-              </a:prstGeom>
-              <a:ln>
-                <a:tailEnd type="triangle"/>
-              </a:ln>
-            </p:spPr>
-            <p:style>
-              <a:lnRef idx="1">
-                <a:schemeClr val="accent1"/>
-              </a:lnRef>
-              <a:fillRef idx="0">
-                <a:schemeClr val="accent1"/>
-              </a:fillRef>
-              <a:effectRef idx="0">
-                <a:schemeClr val="accent1"/>
-              </a:effectRef>
-              <a:fontRef idx="minor">
-                <a:schemeClr val="tx1"/>
-              </a:fontRef>
-            </p:style>
-          </p:cxnSp>
-          <p:cxnSp>
-            <p:nvCxnSpPr>
-              <p:cNvPr id="41" name="直線矢印コネクタ 40"/>
-              <p:cNvCxnSpPr>
-                <a:stCxn id="30" idx="3"/>
-                <a:endCxn id="36" idx="1"/>
-              </p:cNvCxnSpPr>
-              <p:nvPr/>
-            </p:nvCxnSpPr>
-            <p:spPr>
-              <a:xfrm>
-                <a:off x="2629715" y="5288792"/>
-                <a:ext cx="1490926" cy="305289"/>
-              </a:xfrm>
-              <a:prstGeom prst="straightConnector1">
-                <a:avLst/>
-              </a:prstGeom>
-              <a:ln>
-                <a:tailEnd type="triangle"/>
-              </a:ln>
-            </p:spPr>
-            <p:style>
-              <a:lnRef idx="1">
-                <a:schemeClr val="accent1"/>
-              </a:lnRef>
-              <a:fillRef idx="0">
-                <a:schemeClr val="accent1"/>
-              </a:fillRef>
-              <a:effectRef idx="0">
-                <a:schemeClr val="accent1"/>
-              </a:effectRef>
-              <a:fontRef idx="minor">
-                <a:schemeClr val="tx1"/>
-              </a:fontRef>
-            </p:style>
-          </p:cxnSp>
-          <p:sp>
-            <p:nvSpPr>
-              <p:cNvPr id="78" name="正方形/長方形 77"/>
-              <p:cNvSpPr/>
-              <p:nvPr/>
-            </p:nvSpPr>
-            <p:spPr>
-              <a:xfrm>
-                <a:off x="466648" y="5932829"/>
-                <a:ext cx="2162379" cy="409003"/>
-              </a:xfrm>
-              <a:prstGeom prst="rect">
-                <a:avLst/>
-              </a:prstGeom>
-            </p:spPr>
-            <p:style>
-              <a:lnRef idx="1">
-                <a:schemeClr val="accent4"/>
-              </a:lnRef>
-              <a:fillRef idx="2">
-                <a:schemeClr val="accent4"/>
-              </a:fillRef>
-              <a:effectRef idx="1">
-                <a:schemeClr val="accent4"/>
-              </a:effectRef>
-              <a:fontRef idx="minor">
-                <a:schemeClr val="dk1"/>
-              </a:fontRef>
-            </p:style>
-            <p:txBody>
-              <a:bodyPr rtlCol="0" anchor="ctr"/>
-              <a:lstStyle/>
-              <a:p>
-                <a:pPr algn="ctr"/>
-                <a:r>
-                  <a:rPr kumimoji="1" lang="ja-JP" altLang="en-US" dirty="0" smtClean="0"/>
-                  <a:t>大量の動画データ</a:t>
-                </a:r>
-                <a:endParaRPr kumimoji="1" lang="en-US" altLang="ja-JP" dirty="0" smtClean="0"/>
-              </a:p>
-            </p:txBody>
-          </p:sp>
-          <p:cxnSp>
-            <p:nvCxnSpPr>
-              <p:cNvPr id="80" name="直線矢印コネクタ 79"/>
-              <p:cNvCxnSpPr>
-                <a:stCxn id="78" idx="3"/>
-                <a:endCxn id="35" idx="1"/>
-              </p:cNvCxnSpPr>
-              <p:nvPr/>
-            </p:nvCxnSpPr>
-            <p:spPr>
-              <a:xfrm>
-                <a:off x="2629027" y="6137331"/>
-                <a:ext cx="1499566" cy="38125"/>
-              </a:xfrm>
-              <a:prstGeom prst="straightConnector1">
-                <a:avLst/>
-              </a:prstGeom>
-              <a:ln>
-                <a:tailEnd type="triangle"/>
-              </a:ln>
-            </p:spPr>
-            <p:style>
-              <a:lnRef idx="1">
-                <a:schemeClr val="accent2"/>
-              </a:lnRef>
-              <a:fillRef idx="0">
-                <a:schemeClr val="accent2"/>
-              </a:fillRef>
-              <a:effectRef idx="0">
-                <a:schemeClr val="accent2"/>
-              </a:effectRef>
-              <a:fontRef idx="minor">
-                <a:schemeClr val="tx1"/>
-              </a:fontRef>
-            </p:style>
-          </p:cxnSp>
-          <p:cxnSp>
-            <p:nvCxnSpPr>
-              <p:cNvPr id="81" name="直線矢印コネクタ 80"/>
-              <p:cNvCxnSpPr>
-                <a:stCxn id="78" idx="3"/>
-                <a:endCxn id="32" idx="1"/>
-              </p:cNvCxnSpPr>
-              <p:nvPr/>
-            </p:nvCxnSpPr>
-            <p:spPr>
-              <a:xfrm flipV="1">
-                <a:off x="2629027" y="5015816"/>
-                <a:ext cx="1491614" cy="1121515"/>
-              </a:xfrm>
-              <a:prstGeom prst="straightConnector1">
-                <a:avLst/>
-              </a:prstGeom>
-              <a:ln>
-                <a:tailEnd type="triangle"/>
-              </a:ln>
-            </p:spPr>
-            <p:style>
-              <a:lnRef idx="1">
-                <a:schemeClr val="accent2"/>
-              </a:lnRef>
-              <a:fillRef idx="0">
-                <a:schemeClr val="accent2"/>
-              </a:fillRef>
-              <a:effectRef idx="0">
-                <a:schemeClr val="accent2"/>
-              </a:effectRef>
-              <a:fontRef idx="minor">
-                <a:schemeClr val="tx1"/>
-              </a:fontRef>
-            </p:style>
-          </p:cxnSp>
-          <p:cxnSp>
-            <p:nvCxnSpPr>
-              <p:cNvPr id="82" name="直線矢印コネクタ 81"/>
-              <p:cNvCxnSpPr>
-                <a:stCxn id="78" idx="3"/>
-                <a:endCxn id="36" idx="1"/>
-              </p:cNvCxnSpPr>
-              <p:nvPr/>
-            </p:nvCxnSpPr>
-            <p:spPr>
-              <a:xfrm flipV="1">
-                <a:off x="2629027" y="5594081"/>
-                <a:ext cx="1491614" cy="543250"/>
-              </a:xfrm>
-              <a:prstGeom prst="straightConnector1">
-                <a:avLst/>
-              </a:prstGeom>
-              <a:ln>
-                <a:tailEnd type="triangle"/>
-              </a:ln>
-            </p:spPr>
-            <p:style>
-              <a:lnRef idx="1">
-                <a:schemeClr val="accent2"/>
-              </a:lnRef>
-              <a:fillRef idx="0">
-                <a:schemeClr val="accent2"/>
-              </a:fillRef>
-              <a:effectRef idx="0">
-                <a:schemeClr val="accent2"/>
-              </a:effectRef>
-              <a:fontRef idx="minor">
-                <a:schemeClr val="tx1"/>
-              </a:fontRef>
-            </p:style>
-          </p:cxnSp>
-          <p:sp>
-            <p:nvSpPr>
-              <p:cNvPr id="87" name="正方形/長方形 86"/>
-              <p:cNvSpPr/>
-              <p:nvPr/>
-            </p:nvSpPr>
-            <p:spPr>
-              <a:xfrm>
-                <a:off x="6178660" y="5337957"/>
-                <a:ext cx="2615980" cy="721564"/>
-              </a:xfrm>
-              <a:prstGeom prst="rect">
-                <a:avLst/>
-              </a:prstGeom>
-            </p:spPr>
-            <p:style>
-              <a:lnRef idx="1">
-                <a:schemeClr val="accent6"/>
-              </a:lnRef>
-              <a:fillRef idx="2">
-                <a:schemeClr val="accent6"/>
-              </a:fillRef>
-              <a:effectRef idx="1">
-                <a:schemeClr val="accent6"/>
-              </a:effectRef>
-              <a:fontRef idx="minor">
-                <a:schemeClr val="dk1"/>
-              </a:fontRef>
-            </p:style>
-            <p:txBody>
-              <a:bodyPr rtlCol="0" anchor="ctr"/>
-              <a:lstStyle/>
-              <a:p>
-                <a:pPr algn="ctr"/>
-                <a:r>
-                  <a:rPr kumimoji="1" lang="ja-JP" altLang="en-US" dirty="0" smtClean="0"/>
-                  <a:t>合成されたデータ</a:t>
-                </a:r>
-                <a:endParaRPr kumimoji="1" lang="ja-JP" altLang="en-US" dirty="0"/>
-              </a:p>
-            </p:txBody>
-          </p:sp>
-          <p:cxnSp>
-            <p:nvCxnSpPr>
-              <p:cNvPr id="95" name="直線矢印コネクタ 94"/>
-              <p:cNvCxnSpPr>
-                <a:stCxn id="32" idx="3"/>
-                <a:endCxn id="87" idx="1"/>
-              </p:cNvCxnSpPr>
-              <p:nvPr/>
-            </p:nvCxnSpPr>
-            <p:spPr>
-              <a:xfrm>
-                <a:off x="4548147" y="5015816"/>
-                <a:ext cx="1630513" cy="682923"/>
-              </a:xfrm>
-              <a:prstGeom prst="straightConnector1">
-                <a:avLst/>
-              </a:prstGeom>
-              <a:ln>
-                <a:tailEnd type="triangle"/>
-              </a:ln>
-            </p:spPr>
-            <p:style>
-              <a:lnRef idx="1">
-                <a:schemeClr val="accent6"/>
-              </a:lnRef>
-              <a:fillRef idx="0">
-                <a:schemeClr val="accent6"/>
-              </a:fillRef>
-              <a:effectRef idx="0">
-                <a:schemeClr val="accent6"/>
-              </a:effectRef>
-              <a:fontRef idx="minor">
-                <a:schemeClr val="tx1"/>
-              </a:fontRef>
-            </p:style>
-          </p:cxnSp>
-          <p:cxnSp>
-            <p:nvCxnSpPr>
-              <p:cNvPr id="96" name="直線矢印コネクタ 95"/>
-              <p:cNvCxnSpPr>
-                <a:stCxn id="36" idx="3"/>
-                <a:endCxn id="87" idx="1"/>
-              </p:cNvCxnSpPr>
-              <p:nvPr/>
-            </p:nvCxnSpPr>
-            <p:spPr>
-              <a:xfrm>
-                <a:off x="4548147" y="5594081"/>
-                <a:ext cx="1630513" cy="104658"/>
-              </a:xfrm>
-              <a:prstGeom prst="straightConnector1">
-                <a:avLst/>
-              </a:prstGeom>
-              <a:ln>
-                <a:tailEnd type="triangle"/>
-              </a:ln>
-            </p:spPr>
-            <p:style>
-              <a:lnRef idx="1">
-                <a:schemeClr val="accent6"/>
-              </a:lnRef>
-              <a:fillRef idx="0">
-                <a:schemeClr val="accent6"/>
-              </a:fillRef>
-              <a:effectRef idx="0">
-                <a:schemeClr val="accent6"/>
-              </a:effectRef>
-              <a:fontRef idx="minor">
-                <a:schemeClr val="tx1"/>
-              </a:fontRef>
-            </p:style>
-          </p:cxnSp>
-          <p:cxnSp>
-            <p:nvCxnSpPr>
-              <p:cNvPr id="97" name="直線矢印コネクタ 96"/>
-              <p:cNvCxnSpPr>
-                <a:stCxn id="35" idx="3"/>
-                <a:endCxn id="87" idx="1"/>
-              </p:cNvCxnSpPr>
-              <p:nvPr/>
-            </p:nvCxnSpPr>
-            <p:spPr>
-              <a:xfrm flipV="1">
-                <a:off x="4556099" y="5698739"/>
-                <a:ext cx="1622561" cy="476717"/>
-              </a:xfrm>
-              <a:prstGeom prst="straightConnector1">
-                <a:avLst/>
-              </a:prstGeom>
-              <a:ln>
-                <a:tailEnd type="triangle"/>
-              </a:ln>
-            </p:spPr>
-            <p:style>
-              <a:lnRef idx="1">
-                <a:schemeClr val="accent6"/>
-              </a:lnRef>
-              <a:fillRef idx="0">
-                <a:schemeClr val="accent6"/>
-              </a:fillRef>
-              <a:effectRef idx="0">
-                <a:schemeClr val="accent6"/>
-              </a:effectRef>
-              <a:fontRef idx="minor">
-                <a:schemeClr val="tx1"/>
-              </a:fontRef>
-            </p:style>
-          </p:cxnSp>
-        </p:grpSp>
+            <a:prstGeom prst="straightConnector1">
+              <a:avLst/>
+            </a:prstGeom>
+            <a:ln>
+              <a:tailEnd type="triangle"/>
+            </a:ln>
+          </p:spPr>
+          <p:style>
+            <a:lnRef idx="1">
+              <a:schemeClr val="accent1"/>
+            </a:lnRef>
+            <a:fillRef idx="0">
+              <a:schemeClr val="accent1"/>
+            </a:fillRef>
+            <a:effectRef idx="0">
+              <a:schemeClr val="accent1"/>
+            </a:effectRef>
+            <a:fontRef idx="minor">
+              <a:schemeClr val="tx1"/>
+            </a:fontRef>
+          </p:style>
+        </p:cxnSp>
+        <p:sp>
+          <p:nvSpPr>
+            <p:cNvPr id="78" name="正方形/長方形 77"/>
+            <p:cNvSpPr/>
+            <p:nvPr/>
+          </p:nvSpPr>
+          <p:spPr>
+            <a:xfrm>
+              <a:off x="466648" y="5932829"/>
+              <a:ext cx="2162379" cy="409003"/>
+            </a:xfrm>
+            <a:prstGeom prst="rect">
+              <a:avLst/>
+            </a:prstGeom>
+          </p:spPr>
+          <p:style>
+            <a:lnRef idx="1">
+              <a:schemeClr val="accent4"/>
+            </a:lnRef>
+            <a:fillRef idx="2">
+              <a:schemeClr val="accent4"/>
+            </a:fillRef>
+            <a:effectRef idx="1">
+              <a:schemeClr val="accent4"/>
+            </a:effectRef>
+            <a:fontRef idx="minor">
+              <a:schemeClr val="dk1"/>
+            </a:fontRef>
+          </p:style>
+          <p:txBody>
+            <a:bodyPr rtlCol="0" anchor="ctr"/>
+            <a:lstStyle/>
+            <a:p>
+              <a:pPr algn="ctr"/>
+              <a:r>
+                <a:rPr kumimoji="1" lang="ja-JP" altLang="en-US" dirty="0" smtClean="0"/>
+                <a:t>大量の動画データ</a:t>
+              </a:r>
+              <a:endParaRPr kumimoji="1" lang="en-US" altLang="ja-JP" dirty="0" smtClean="0"/>
+            </a:p>
+          </p:txBody>
+        </p:sp>
+        <p:cxnSp>
+          <p:nvCxnSpPr>
+            <p:cNvPr id="80" name="直線矢印コネクタ 79"/>
+            <p:cNvCxnSpPr>
+              <a:stCxn id="78" idx="3"/>
+              <a:endCxn id="35" idx="1"/>
+            </p:cNvCxnSpPr>
+            <p:nvPr/>
+          </p:nvCxnSpPr>
+          <p:spPr>
+            <a:xfrm>
+              <a:off x="2629027" y="6137331"/>
+              <a:ext cx="1499566" cy="38125"/>
+            </a:xfrm>
+            <a:prstGeom prst="straightConnector1">
+              <a:avLst/>
+            </a:prstGeom>
+            <a:ln>
+              <a:tailEnd type="triangle"/>
+            </a:ln>
+          </p:spPr>
+          <p:style>
+            <a:lnRef idx="1">
+              <a:schemeClr val="accent2"/>
+            </a:lnRef>
+            <a:fillRef idx="0">
+              <a:schemeClr val="accent2"/>
+            </a:fillRef>
+            <a:effectRef idx="0">
+              <a:schemeClr val="accent2"/>
+            </a:effectRef>
+            <a:fontRef idx="minor">
+              <a:schemeClr val="tx1"/>
+            </a:fontRef>
+          </p:style>
+        </p:cxnSp>
+        <p:cxnSp>
+          <p:nvCxnSpPr>
+            <p:cNvPr id="81" name="直線矢印コネクタ 80"/>
+            <p:cNvCxnSpPr>
+              <a:stCxn id="78" idx="3"/>
+              <a:endCxn id="32" idx="1"/>
+            </p:cNvCxnSpPr>
+            <p:nvPr/>
+          </p:nvCxnSpPr>
+          <p:spPr>
+            <a:xfrm flipV="1">
+              <a:off x="2629027" y="5015816"/>
+              <a:ext cx="1491614" cy="1121515"/>
+            </a:xfrm>
+            <a:prstGeom prst="straightConnector1">
+              <a:avLst/>
+            </a:prstGeom>
+            <a:ln>
+              <a:tailEnd type="triangle"/>
+            </a:ln>
+          </p:spPr>
+          <p:style>
+            <a:lnRef idx="1">
+              <a:schemeClr val="accent2"/>
+            </a:lnRef>
+            <a:fillRef idx="0">
+              <a:schemeClr val="accent2"/>
+            </a:fillRef>
+            <a:effectRef idx="0">
+              <a:schemeClr val="accent2"/>
+            </a:effectRef>
+            <a:fontRef idx="minor">
+              <a:schemeClr val="tx1"/>
+            </a:fontRef>
+          </p:style>
+        </p:cxnSp>
+        <p:cxnSp>
+          <p:nvCxnSpPr>
+            <p:cNvPr id="82" name="直線矢印コネクタ 81"/>
+            <p:cNvCxnSpPr>
+              <a:stCxn id="78" idx="3"/>
+              <a:endCxn id="36" idx="1"/>
+            </p:cNvCxnSpPr>
+            <p:nvPr/>
+          </p:nvCxnSpPr>
+          <p:spPr>
+            <a:xfrm flipV="1">
+              <a:off x="2629027" y="5594081"/>
+              <a:ext cx="1491614" cy="543250"/>
+            </a:xfrm>
+            <a:prstGeom prst="straightConnector1">
+              <a:avLst/>
+            </a:prstGeom>
+            <a:ln>
+              <a:tailEnd type="triangle"/>
+            </a:ln>
+          </p:spPr>
+          <p:style>
+            <a:lnRef idx="1">
+              <a:schemeClr val="accent2"/>
+            </a:lnRef>
+            <a:fillRef idx="0">
+              <a:schemeClr val="accent2"/>
+            </a:fillRef>
+            <a:effectRef idx="0">
+              <a:schemeClr val="accent2"/>
+            </a:effectRef>
+            <a:fontRef idx="minor">
+              <a:schemeClr val="tx1"/>
+            </a:fontRef>
+          </p:style>
+        </p:cxnSp>
+        <p:sp>
+          <p:nvSpPr>
+            <p:cNvPr id="87" name="正方形/長方形 86"/>
+            <p:cNvSpPr/>
+            <p:nvPr/>
+          </p:nvSpPr>
+          <p:spPr>
+            <a:xfrm>
+              <a:off x="6178660" y="5337957"/>
+              <a:ext cx="2615980" cy="721564"/>
+            </a:xfrm>
+            <a:prstGeom prst="rect">
+              <a:avLst/>
+            </a:prstGeom>
+          </p:spPr>
+          <p:style>
+            <a:lnRef idx="1">
+              <a:schemeClr val="accent6"/>
+            </a:lnRef>
+            <a:fillRef idx="2">
+              <a:schemeClr val="accent6"/>
+            </a:fillRef>
+            <a:effectRef idx="1">
+              <a:schemeClr val="accent6"/>
+            </a:effectRef>
+            <a:fontRef idx="minor">
+              <a:schemeClr val="dk1"/>
+            </a:fontRef>
+          </p:style>
+          <p:txBody>
+            <a:bodyPr rtlCol="0" anchor="ctr"/>
+            <a:lstStyle/>
+            <a:p>
+              <a:pPr algn="ctr"/>
+              <a:r>
+                <a:rPr kumimoji="1" lang="ja-JP" altLang="en-US" dirty="0" smtClean="0"/>
+                <a:t>合成されたデータ</a:t>
+              </a:r>
+              <a:endParaRPr kumimoji="1" lang="ja-JP" altLang="en-US" dirty="0"/>
+            </a:p>
+          </p:txBody>
+        </p:sp>
+        <p:cxnSp>
+          <p:nvCxnSpPr>
+            <p:cNvPr id="95" name="直線矢印コネクタ 94"/>
+            <p:cNvCxnSpPr>
+              <a:stCxn id="32" idx="3"/>
+              <a:endCxn id="87" idx="1"/>
+            </p:cNvCxnSpPr>
+            <p:nvPr/>
+          </p:nvCxnSpPr>
+          <p:spPr>
+            <a:xfrm>
+              <a:off x="4548147" y="5015816"/>
+              <a:ext cx="1630513" cy="682923"/>
+            </a:xfrm>
+            <a:prstGeom prst="straightConnector1">
+              <a:avLst/>
+            </a:prstGeom>
+            <a:ln>
+              <a:tailEnd type="triangle"/>
+            </a:ln>
+          </p:spPr>
+          <p:style>
+            <a:lnRef idx="1">
+              <a:schemeClr val="accent6"/>
+            </a:lnRef>
+            <a:fillRef idx="0">
+              <a:schemeClr val="accent6"/>
+            </a:fillRef>
+            <a:effectRef idx="0">
+              <a:schemeClr val="accent6"/>
+            </a:effectRef>
+            <a:fontRef idx="minor">
+              <a:schemeClr val="tx1"/>
+            </a:fontRef>
+          </p:style>
+        </p:cxnSp>
+        <p:cxnSp>
+          <p:nvCxnSpPr>
+            <p:cNvPr id="96" name="直線矢印コネクタ 95"/>
+            <p:cNvCxnSpPr>
+              <a:stCxn id="36" idx="3"/>
+              <a:endCxn id="87" idx="1"/>
+            </p:cNvCxnSpPr>
+            <p:nvPr/>
+          </p:nvCxnSpPr>
+          <p:spPr>
+            <a:xfrm>
+              <a:off x="4548147" y="5594081"/>
+              <a:ext cx="1630513" cy="104658"/>
+            </a:xfrm>
+            <a:prstGeom prst="straightConnector1">
+              <a:avLst/>
+            </a:prstGeom>
+            <a:ln>
+              <a:tailEnd type="triangle"/>
+            </a:ln>
+          </p:spPr>
+          <p:style>
+            <a:lnRef idx="1">
+              <a:schemeClr val="accent6"/>
+            </a:lnRef>
+            <a:fillRef idx="0">
+              <a:schemeClr val="accent6"/>
+            </a:fillRef>
+            <a:effectRef idx="0">
+              <a:schemeClr val="accent6"/>
+            </a:effectRef>
+            <a:fontRef idx="minor">
+              <a:schemeClr val="tx1"/>
+            </a:fontRef>
+          </p:style>
+        </p:cxnSp>
+        <p:cxnSp>
+          <p:nvCxnSpPr>
+            <p:cNvPr id="97" name="直線矢印コネクタ 96"/>
+            <p:cNvCxnSpPr>
+              <a:stCxn id="35" idx="3"/>
+              <a:endCxn id="87" idx="1"/>
+            </p:cNvCxnSpPr>
+            <p:nvPr/>
+          </p:nvCxnSpPr>
+          <p:spPr>
+            <a:xfrm flipV="1">
+              <a:off x="4556099" y="5698739"/>
+              <a:ext cx="1622561" cy="476717"/>
+            </a:xfrm>
+            <a:prstGeom prst="straightConnector1">
+              <a:avLst/>
+            </a:prstGeom>
+            <a:ln>
+              <a:tailEnd type="triangle"/>
+            </a:ln>
+          </p:spPr>
+          <p:style>
+            <a:lnRef idx="1">
+              <a:schemeClr val="accent6"/>
+            </a:lnRef>
+            <a:fillRef idx="0">
+              <a:schemeClr val="accent6"/>
+            </a:fillRef>
+            <a:effectRef idx="0">
+              <a:schemeClr val="accent6"/>
+            </a:effectRef>
+            <a:fontRef idx="minor">
+              <a:schemeClr val="tx1"/>
+            </a:fontRef>
+          </p:style>
+        </p:cxnSp>
       </p:grpSp>
     </p:spTree>
     <p:extLst>

--- a/発表用スライド/1821144_yoshii_thesis_ver.pptx
+++ b/発表用スライド/1821144_yoshii_thesis_ver.pptx
@@ -5,7 +5,7 @@
     <p:sldMasterId id="2147483660" r:id="rId1"/>
   </p:sldMasterIdLst>
   <p:notesMasterIdLst>
-    <p:notesMasterId r:id="rId19"/>
+    <p:notesMasterId r:id="rId20"/>
   </p:notesMasterIdLst>
   <p:sldIdLst>
     <p:sldId id="270" r:id="rId2"/>
@@ -18,13 +18,14 @@
     <p:sldId id="274" r:id="rId9"/>
     <p:sldId id="277" r:id="rId10"/>
     <p:sldId id="275" r:id="rId11"/>
-    <p:sldId id="259" r:id="rId12"/>
-    <p:sldId id="265" r:id="rId13"/>
-    <p:sldId id="276" r:id="rId14"/>
-    <p:sldId id="279" r:id="rId15"/>
-    <p:sldId id="280" r:id="rId16"/>
-    <p:sldId id="281" r:id="rId17"/>
-    <p:sldId id="282" r:id="rId18"/>
+    <p:sldId id="283" r:id="rId12"/>
+    <p:sldId id="259" r:id="rId13"/>
+    <p:sldId id="265" r:id="rId14"/>
+    <p:sldId id="276" r:id="rId15"/>
+    <p:sldId id="279" r:id="rId16"/>
+    <p:sldId id="280" r:id="rId17"/>
+    <p:sldId id="281" r:id="rId18"/>
+    <p:sldId id="282" r:id="rId19"/>
   </p:sldIdLst>
   <p:sldSz cx="9144000" cy="6858000" type="screen4x3"/>
   <p:notesSz cx="6858000" cy="9144000"/>
@@ -242,7 +243,7 @@
           <a:p>
             <a:fld id="{27571B5F-C8EC-4379-AD76-80FD414F3861}" type="datetimeFigureOut">
               <a:rPr kumimoji="1" lang="ja-JP" altLang="en-US" smtClean="0"/>
-              <a:t>2021/12/20</a:t>
+              <a:t>2022/1/12</a:t>
             </a:fld>
             <a:endParaRPr kumimoji="1" lang="ja-JP" altLang="en-US"/>
           </a:p>
@@ -606,7 +607,7 @@
           <a:p>
             <a:fld id="{9D828324-DCC9-430F-AD2C-1DD1805E2C40}" type="slidenum">
               <a:rPr kumimoji="1" lang="ja-JP" altLang="en-US" smtClean="0"/>
-              <a:t>11</a:t>
+              <a:t>12</a:t>
             </a:fld>
             <a:endParaRPr kumimoji="1" lang="ja-JP" altLang="en-US"/>
           </a:p>
@@ -756,7 +757,7 @@
           <a:p>
             <a:fld id="{22C6F9C5-C6AA-409B-AF03-98D7346F1423}" type="datetime1">
               <a:rPr kumimoji="1" lang="ja-JP" altLang="en-US" smtClean="0"/>
-              <a:t>2021/12/20</a:t>
+              <a:t>2022/1/12</a:t>
             </a:fld>
             <a:endParaRPr kumimoji="1" lang="ja-JP" altLang="en-US"/>
           </a:p>
@@ -959,7 +960,7 @@
           <a:p>
             <a:fld id="{22E0F957-B7A6-49B1-8F7C-E83B3F2002DA}" type="datetime1">
               <a:rPr kumimoji="1" lang="ja-JP" altLang="en-US" smtClean="0"/>
-              <a:t>2021/12/20</a:t>
+              <a:t>2022/1/12</a:t>
             </a:fld>
             <a:endParaRPr kumimoji="1" lang="ja-JP" altLang="en-US"/>
           </a:p>
@@ -1172,7 +1173,7 @@
           <a:p>
             <a:fld id="{DE6F7DB3-2648-413C-8B2E-93728F539CCD}" type="datetime1">
               <a:rPr kumimoji="1" lang="ja-JP" altLang="en-US" smtClean="0"/>
-              <a:t>2021/12/20</a:t>
+              <a:t>2022/1/12</a:t>
             </a:fld>
             <a:endParaRPr kumimoji="1" lang="ja-JP" altLang="en-US"/>
           </a:p>
@@ -1375,7 +1376,7 @@
           <a:p>
             <a:fld id="{A2D1DE2A-14E7-4A39-B37E-D38A93E354FC}" type="datetime1">
               <a:rPr kumimoji="1" lang="ja-JP" altLang="en-US" smtClean="0"/>
-              <a:t>2021/12/20</a:t>
+              <a:t>2022/1/12</a:t>
             </a:fld>
             <a:endParaRPr kumimoji="1" lang="ja-JP" altLang="en-US"/>
           </a:p>
@@ -1624,7 +1625,7 @@
           <a:p>
             <a:fld id="{991EEB29-6570-4D17-BF07-A0C0B34BA0FB}" type="datetime1">
               <a:rPr kumimoji="1" lang="ja-JP" altLang="en-US" smtClean="0"/>
-              <a:t>2021/12/20</a:t>
+              <a:t>2022/1/12</a:t>
             </a:fld>
             <a:endParaRPr kumimoji="1" lang="ja-JP" altLang="en-US"/>
           </a:p>
@@ -1921,7 +1922,7 @@
           <a:p>
             <a:fld id="{892B6420-66A4-43C3-BA46-EBDFB60516F0}" type="datetime1">
               <a:rPr kumimoji="1" lang="ja-JP" altLang="en-US" smtClean="0"/>
-              <a:t>2021/12/20</a:t>
+              <a:t>2022/1/12</a:t>
             </a:fld>
             <a:endParaRPr kumimoji="1" lang="ja-JP" altLang="en-US"/>
           </a:p>
@@ -2353,7 +2354,7 @@
           <a:p>
             <a:fld id="{5BE63C90-8833-49EB-8DFB-3A87587C56DF}" type="datetime1">
               <a:rPr kumimoji="1" lang="ja-JP" altLang="en-US" smtClean="0"/>
-              <a:t>2021/12/20</a:t>
+              <a:t>2022/1/12</a:t>
             </a:fld>
             <a:endParaRPr kumimoji="1" lang="ja-JP" altLang="en-US"/>
           </a:p>
@@ -2472,7 +2473,7 @@
           <a:p>
             <a:fld id="{FDB7B118-9258-4B93-98B1-2227223B18EF}" type="datetime1">
               <a:rPr kumimoji="1" lang="ja-JP" altLang="en-US" smtClean="0"/>
-              <a:t>2021/12/20</a:t>
+              <a:t>2022/1/12</a:t>
             </a:fld>
             <a:endParaRPr kumimoji="1" lang="ja-JP" altLang="en-US"/>
           </a:p>
@@ -2568,7 +2569,7 @@
           <a:p>
             <a:fld id="{9C334A37-8FFC-49D6-A0F3-FC06101E023C}" type="datetime1">
               <a:rPr kumimoji="1" lang="ja-JP" altLang="en-US" smtClean="0"/>
-              <a:t>2021/12/20</a:t>
+              <a:t>2022/1/12</a:t>
             </a:fld>
             <a:endParaRPr kumimoji="1" lang="ja-JP" altLang="en-US"/>
           </a:p>
@@ -2878,7 +2879,7 @@
           <a:p>
             <a:fld id="{0FAD949F-32A5-4343-9078-C3A89D3064D3}" type="datetime1">
               <a:rPr kumimoji="1" lang="ja-JP" altLang="en-US" smtClean="0"/>
-              <a:t>2021/12/20</a:t>
+              <a:t>2022/1/12</a:t>
             </a:fld>
             <a:endParaRPr kumimoji="1" lang="ja-JP" altLang="en-US"/>
           </a:p>
@@ -3136,7 +3137,7 @@
           <a:p>
             <a:fld id="{58C4534D-9999-497B-9C6B-5769B1D800E5}" type="datetime1">
               <a:rPr kumimoji="1" lang="ja-JP" altLang="en-US" smtClean="0"/>
-              <a:t>2021/12/20</a:t>
+              <a:t>2022/1/12</a:t>
             </a:fld>
             <a:endParaRPr kumimoji="1" lang="ja-JP" altLang="en-US"/>
           </a:p>
@@ -3382,7 +3383,7 @@
           <a:p>
             <a:fld id="{D73E1257-0E7D-4620-84B9-7FC7BB2FC946}" type="datetime1">
               <a:rPr kumimoji="1" lang="ja-JP" altLang="en-US" smtClean="0"/>
-              <a:t>2021/12/20</a:t>
+              <a:t>2022/1/12</a:t>
             </a:fld>
             <a:endParaRPr kumimoji="1" lang="ja-JP" altLang="en-US"/>
           </a:p>
@@ -5141,6 +5142,681 @@
       </p:grpSpPr>
       <p:sp>
         <p:nvSpPr>
+          <p:cNvPr id="4" name="スライド番号プレースホルダー 3"/>
+          <p:cNvSpPr>
+            <a:spLocks noGrp="1"/>
+          </p:cNvSpPr>
+          <p:nvPr>
+            <p:ph type="sldNum" sz="quarter" idx="12"/>
+          </p:nvPr>
+        </p:nvSpPr>
+        <p:spPr/>
+        <p:txBody>
+          <a:bodyPr/>
+          <a:lstStyle/>
+          <a:p>
+            <a:fld id="{B4451160-128F-4DAD-AE29-4A8CC0E7B9E9}" type="slidenum">
+              <a:rPr lang="ja-JP" altLang="en-US" smtClean="0"/>
+              <a:pPr/>
+              <a:t>11</a:t>
+            </a:fld>
+            <a:endParaRPr lang="ja-JP" altLang="en-US" dirty="0"/>
+          </a:p>
+        </p:txBody>
+      </p:sp>
+      <p:grpSp>
+        <p:nvGrpSpPr>
+          <p:cNvPr id="45" name="グループ化 44"/>
+          <p:cNvGrpSpPr/>
+          <p:nvPr/>
+        </p:nvGrpSpPr>
+        <p:grpSpPr>
+          <a:xfrm>
+            <a:off x="175365" y="1494595"/>
+            <a:ext cx="8614520" cy="2690071"/>
+            <a:chOff x="175365" y="1494595"/>
+            <a:chExt cx="8614520" cy="2690071"/>
+          </a:xfrm>
+        </p:grpSpPr>
+        <p:grpSp>
+          <p:nvGrpSpPr>
+            <p:cNvPr id="8" name="グループ化 7"/>
+            <p:cNvGrpSpPr/>
+            <p:nvPr/>
+          </p:nvGrpSpPr>
+          <p:grpSpPr>
+            <a:xfrm>
+              <a:off x="175365" y="1923200"/>
+              <a:ext cx="1811795" cy="1940386"/>
+              <a:chOff x="-7018" y="1365954"/>
+              <a:chExt cx="1243054" cy="1744335"/>
+            </a:xfrm>
+          </p:grpSpPr>
+          <p:pic>
+            <p:nvPicPr>
+              <p:cNvPr id="35" name="図 34"/>
+              <p:cNvPicPr>
+                <a:picLocks noChangeAspect="1"/>
+              </p:cNvPicPr>
+              <p:nvPr/>
+            </p:nvPicPr>
+            <p:blipFill rotWithShape="1">
+              <a:blip r:embed="rId2">
+                <a:extLst>
+                  <a:ext uri="{28A0092B-C50C-407E-A947-70E740481C1C}">
+                    <a14:useLocalDpi xmlns:a14="http://schemas.microsoft.com/office/drawing/2010/main" val="0"/>
+                  </a:ext>
+                </a:extLst>
+              </a:blip>
+              <a:srcRect l="38483" t="32680" r="38103" b="35667"/>
+              <a:stretch/>
+            </p:blipFill>
+            <p:spPr>
+              <a:xfrm>
+                <a:off x="446207" y="1365954"/>
+                <a:ext cx="365760" cy="421419"/>
+              </a:xfrm>
+              <a:prstGeom prst="rect">
+                <a:avLst/>
+              </a:prstGeom>
+            </p:spPr>
+          </p:pic>
+          <p:pic>
+            <p:nvPicPr>
+              <p:cNvPr id="36" name="図 35"/>
+              <p:cNvPicPr>
+                <a:picLocks noChangeAspect="1"/>
+              </p:cNvPicPr>
+              <p:nvPr/>
+            </p:nvPicPr>
+            <p:blipFill rotWithShape="1">
+              <a:blip r:embed="rId2">
+                <a:extLst>
+                  <a:ext uri="{28A0092B-C50C-407E-A947-70E740481C1C}">
+                    <a14:useLocalDpi xmlns:a14="http://schemas.microsoft.com/office/drawing/2010/main" val="0"/>
+                  </a:ext>
+                </a:extLst>
+              </a:blip>
+              <a:srcRect l="38483" t="32680" r="38103" b="35667"/>
+              <a:stretch/>
+            </p:blipFill>
+            <p:spPr>
+              <a:xfrm>
+                <a:off x="684746" y="1861096"/>
+                <a:ext cx="365760" cy="421419"/>
+              </a:xfrm>
+              <a:prstGeom prst="rect">
+                <a:avLst/>
+              </a:prstGeom>
+            </p:spPr>
+          </p:pic>
+          <p:pic>
+            <p:nvPicPr>
+              <p:cNvPr id="37" name="図 36"/>
+              <p:cNvPicPr>
+                <a:picLocks noChangeAspect="1"/>
+              </p:cNvPicPr>
+              <p:nvPr/>
+            </p:nvPicPr>
+            <p:blipFill rotWithShape="1">
+              <a:blip r:embed="rId2">
+                <a:extLst>
+                  <a:ext uri="{28A0092B-C50C-407E-A947-70E740481C1C}">
+                    <a14:useLocalDpi xmlns:a14="http://schemas.microsoft.com/office/drawing/2010/main" val="0"/>
+                  </a:ext>
+                </a:extLst>
+              </a:blip>
+              <a:srcRect l="38483" t="32680" r="38103" b="35667"/>
+              <a:stretch/>
+            </p:blipFill>
+            <p:spPr>
+              <a:xfrm>
+                <a:off x="159493" y="1861095"/>
+                <a:ext cx="365760" cy="421419"/>
+              </a:xfrm>
+              <a:prstGeom prst="rect">
+                <a:avLst/>
+              </a:prstGeom>
+            </p:spPr>
+          </p:pic>
+          <p:sp>
+            <p:nvSpPr>
+              <p:cNvPr id="38" name="テキスト ボックス 37"/>
+              <p:cNvSpPr txBox="1"/>
+              <p:nvPr/>
+            </p:nvSpPr>
+            <p:spPr>
+              <a:xfrm>
+                <a:off x="-7018" y="2525514"/>
+                <a:ext cx="1243054" cy="584775"/>
+              </a:xfrm>
+              <a:prstGeom prst="rect">
+                <a:avLst/>
+              </a:prstGeom>
+              <a:noFill/>
+            </p:spPr>
+            <p:txBody>
+              <a:bodyPr wrap="square" rtlCol="0">
+                <a:spAutoFit/>
+              </a:bodyPr>
+              <a:lstStyle/>
+              <a:p>
+                <a:pPr algn="ctr"/>
+                <a:r>
+                  <a:rPr lang="ja-JP" altLang="en-US" sz="1600" dirty="0"/>
+                  <a:t>楽曲</a:t>
+                </a:r>
+                <a:r>
+                  <a:rPr lang="ja-JP" altLang="en-US" sz="1600" dirty="0" smtClean="0"/>
+                  <a:t>投稿型</a:t>
+                </a:r>
+                <a:r>
+                  <a:rPr lang="en-US" altLang="ja-JP" sz="1600" dirty="0" smtClean="0"/>
+                  <a:t>SNS</a:t>
+                </a:r>
+                <a:endParaRPr kumimoji="1" lang="ja-JP" altLang="en-US" sz="1600" dirty="0"/>
+              </a:p>
+            </p:txBody>
+          </p:sp>
+        </p:grpSp>
+        <p:pic>
+          <p:nvPicPr>
+            <p:cNvPr id="9" name="図 8"/>
+            <p:cNvPicPr>
+              <a:picLocks noChangeAspect="1"/>
+            </p:cNvPicPr>
+            <p:nvPr/>
+          </p:nvPicPr>
+          <p:blipFill>
+            <a:blip r:embed="rId3" cstate="print">
+              <a:extLst>
+                <a:ext uri="{28A0092B-C50C-407E-A947-70E740481C1C}">
+                  <a14:useLocalDpi xmlns:a14="http://schemas.microsoft.com/office/drawing/2010/main" val="0"/>
+                </a:ext>
+              </a:extLst>
+            </a:blip>
+            <a:stretch>
+              <a:fillRect/>
+            </a:stretch>
+          </p:blipFill>
+          <p:spPr>
+            <a:xfrm>
+              <a:off x="3431960" y="1494595"/>
+              <a:ext cx="623105" cy="475555"/>
+            </a:xfrm>
+            <a:prstGeom prst="rect">
+              <a:avLst/>
+            </a:prstGeom>
+          </p:spPr>
+        </p:pic>
+        <p:pic>
+          <p:nvPicPr>
+            <p:cNvPr id="10" name="図 9"/>
+            <p:cNvPicPr>
+              <a:picLocks noChangeAspect="1"/>
+            </p:cNvPicPr>
+            <p:nvPr/>
+          </p:nvPicPr>
+          <p:blipFill>
+            <a:blip r:embed="rId3" cstate="print">
+              <a:extLst>
+                <a:ext uri="{28A0092B-C50C-407E-A947-70E740481C1C}">
+                  <a14:useLocalDpi xmlns:a14="http://schemas.microsoft.com/office/drawing/2010/main" val="0"/>
+                </a:ext>
+              </a:extLst>
+            </a:blip>
+            <a:stretch>
+              <a:fillRect/>
+            </a:stretch>
+          </p:blipFill>
+          <p:spPr>
+            <a:xfrm>
+              <a:off x="3431960" y="2218685"/>
+              <a:ext cx="623105" cy="475555"/>
+            </a:xfrm>
+            <a:prstGeom prst="rect">
+              <a:avLst/>
+            </a:prstGeom>
+          </p:spPr>
+        </p:pic>
+        <p:pic>
+          <p:nvPicPr>
+            <p:cNvPr id="11" name="図 10"/>
+            <p:cNvPicPr>
+              <a:picLocks noChangeAspect="1"/>
+            </p:cNvPicPr>
+            <p:nvPr/>
+          </p:nvPicPr>
+          <p:blipFill>
+            <a:blip r:embed="rId3" cstate="print">
+              <a:extLst>
+                <a:ext uri="{28A0092B-C50C-407E-A947-70E740481C1C}">
+                  <a14:useLocalDpi xmlns:a14="http://schemas.microsoft.com/office/drawing/2010/main" val="0"/>
+                </a:ext>
+              </a:extLst>
+            </a:blip>
+            <a:stretch>
+              <a:fillRect/>
+            </a:stretch>
+          </p:blipFill>
+          <p:spPr>
+            <a:xfrm>
+              <a:off x="3431960" y="2942775"/>
+              <a:ext cx="623105" cy="475555"/>
+            </a:xfrm>
+            <a:prstGeom prst="rect">
+              <a:avLst/>
+            </a:prstGeom>
+          </p:spPr>
+        </p:pic>
+        <p:cxnSp>
+          <p:nvCxnSpPr>
+            <p:cNvPr id="12" name="直線矢印コネクタ 11"/>
+            <p:cNvCxnSpPr>
+              <a:endCxn id="9" idx="1"/>
+            </p:cNvCxnSpPr>
+            <p:nvPr/>
+          </p:nvCxnSpPr>
+          <p:spPr>
+            <a:xfrm flipV="1">
+              <a:off x="1831276" y="1732372"/>
+              <a:ext cx="1600685" cy="659611"/>
+            </a:xfrm>
+            <a:prstGeom prst="straightConnector1">
+              <a:avLst/>
+            </a:prstGeom>
+            <a:ln>
+              <a:tailEnd type="triangle"/>
+            </a:ln>
+          </p:spPr>
+          <p:style>
+            <a:lnRef idx="1">
+              <a:schemeClr val="dk1"/>
+            </a:lnRef>
+            <a:fillRef idx="0">
+              <a:schemeClr val="dk1"/>
+            </a:fillRef>
+            <a:effectRef idx="0">
+              <a:schemeClr val="dk1"/>
+            </a:effectRef>
+            <a:fontRef idx="minor">
+              <a:schemeClr val="tx1"/>
+            </a:fontRef>
+          </p:style>
+        </p:cxnSp>
+        <p:cxnSp>
+          <p:nvCxnSpPr>
+            <p:cNvPr id="13" name="直線矢印コネクタ 12"/>
+            <p:cNvCxnSpPr>
+              <a:endCxn id="10" idx="1"/>
+            </p:cNvCxnSpPr>
+            <p:nvPr/>
+          </p:nvCxnSpPr>
+          <p:spPr>
+            <a:xfrm flipV="1">
+              <a:off x="1987160" y="2456462"/>
+              <a:ext cx="1444800" cy="7264"/>
+            </a:xfrm>
+            <a:prstGeom prst="straightConnector1">
+              <a:avLst/>
+            </a:prstGeom>
+            <a:ln>
+              <a:tailEnd type="triangle"/>
+            </a:ln>
+          </p:spPr>
+          <p:style>
+            <a:lnRef idx="1">
+              <a:schemeClr val="dk1"/>
+            </a:lnRef>
+            <a:fillRef idx="0">
+              <a:schemeClr val="dk1"/>
+            </a:fillRef>
+            <a:effectRef idx="0">
+              <a:schemeClr val="dk1"/>
+            </a:effectRef>
+            <a:fontRef idx="minor">
+              <a:schemeClr val="tx1"/>
+            </a:fontRef>
+          </p:style>
+        </p:cxnSp>
+        <p:cxnSp>
+          <p:nvCxnSpPr>
+            <p:cNvPr id="14" name="直線矢印コネクタ 13"/>
+            <p:cNvCxnSpPr>
+              <a:endCxn id="11" idx="1"/>
+            </p:cNvCxnSpPr>
+            <p:nvPr/>
+          </p:nvCxnSpPr>
+          <p:spPr>
+            <a:xfrm>
+              <a:off x="1885073" y="2624244"/>
+              <a:ext cx="1546887" cy="556308"/>
+            </a:xfrm>
+            <a:prstGeom prst="straightConnector1">
+              <a:avLst/>
+            </a:prstGeom>
+            <a:ln>
+              <a:tailEnd type="triangle"/>
+            </a:ln>
+          </p:spPr>
+          <p:style>
+            <a:lnRef idx="1">
+              <a:schemeClr val="dk1"/>
+            </a:lnRef>
+            <a:fillRef idx="0">
+              <a:schemeClr val="dk1"/>
+            </a:fillRef>
+            <a:effectRef idx="0">
+              <a:schemeClr val="dk1"/>
+            </a:effectRef>
+            <a:fontRef idx="minor">
+              <a:schemeClr val="tx1"/>
+            </a:fontRef>
+          </p:style>
+        </p:cxnSp>
+        <p:sp>
+          <p:nvSpPr>
+            <p:cNvPr id="15" name="テキスト ボックス 14"/>
+            <p:cNvSpPr txBox="1"/>
+            <p:nvPr/>
+          </p:nvSpPr>
+          <p:spPr>
+            <a:xfrm>
+              <a:off x="2341974" y="3538335"/>
+              <a:ext cx="3191316" cy="646331"/>
+            </a:xfrm>
+            <a:prstGeom prst="rect">
+              <a:avLst/>
+            </a:prstGeom>
+            <a:noFill/>
+          </p:spPr>
+          <p:txBody>
+            <a:bodyPr wrap="square" rtlCol="0">
+              <a:spAutoFit/>
+            </a:bodyPr>
+            <a:lstStyle/>
+            <a:p>
+              <a:r>
+                <a:rPr kumimoji="1" lang="ja-JP" altLang="en-US" dirty="0" smtClean="0"/>
+                <a:t>複数のサーバーで</a:t>
+              </a:r>
+              <a:r>
+                <a:rPr lang="ja-JP" altLang="en-US" dirty="0"/>
+                <a:t>機械</a:t>
+              </a:r>
+              <a:r>
+                <a:rPr lang="ja-JP" altLang="en-US" dirty="0" smtClean="0"/>
+                <a:t>学習</a:t>
+              </a:r>
+              <a:endParaRPr lang="en-US" altLang="ja-JP" smtClean="0"/>
+            </a:p>
+            <a:p>
+              <a:r>
+                <a:rPr kumimoji="1" lang="ja-JP" altLang="en-US" smtClean="0"/>
+                <a:t>を</a:t>
+              </a:r>
+              <a:r>
+                <a:rPr kumimoji="1" lang="ja-JP" altLang="en-US" dirty="0" smtClean="0"/>
+                <a:t>利用し楽曲をジャンル分け</a:t>
+              </a:r>
+              <a:endParaRPr kumimoji="1" lang="ja-JP" altLang="en-US" dirty="0"/>
+            </a:p>
+          </p:txBody>
+        </p:sp>
+        <p:cxnSp>
+          <p:nvCxnSpPr>
+            <p:cNvPr id="17" name="直線矢印コネクタ 16"/>
+            <p:cNvCxnSpPr/>
+            <p:nvPr/>
+          </p:nvCxnSpPr>
+          <p:spPr>
+            <a:xfrm flipV="1">
+              <a:off x="4095270" y="2608680"/>
+              <a:ext cx="2684641" cy="603898"/>
+            </a:xfrm>
+            <a:prstGeom prst="straightConnector1">
+              <a:avLst/>
+            </a:prstGeom>
+            <a:ln>
+              <a:tailEnd type="triangle"/>
+            </a:ln>
+          </p:spPr>
+          <p:style>
+            <a:lnRef idx="1">
+              <a:schemeClr val="dk1"/>
+            </a:lnRef>
+            <a:fillRef idx="0">
+              <a:schemeClr val="dk1"/>
+            </a:fillRef>
+            <a:effectRef idx="0">
+              <a:schemeClr val="dk1"/>
+            </a:effectRef>
+            <a:fontRef idx="minor">
+              <a:schemeClr val="tx1"/>
+            </a:fontRef>
+          </p:style>
+        </p:cxnSp>
+        <p:cxnSp>
+          <p:nvCxnSpPr>
+            <p:cNvPr id="18" name="直線矢印コネクタ 17"/>
+            <p:cNvCxnSpPr/>
+            <p:nvPr/>
+          </p:nvCxnSpPr>
+          <p:spPr>
+            <a:xfrm flipV="1">
+              <a:off x="4136190" y="2372709"/>
+              <a:ext cx="2724845" cy="91017"/>
+            </a:xfrm>
+            <a:prstGeom prst="straightConnector1">
+              <a:avLst/>
+            </a:prstGeom>
+            <a:ln>
+              <a:tailEnd type="triangle"/>
+            </a:ln>
+          </p:spPr>
+          <p:style>
+            <a:lnRef idx="1">
+              <a:schemeClr val="dk1"/>
+            </a:lnRef>
+            <a:fillRef idx="0">
+              <a:schemeClr val="dk1"/>
+            </a:fillRef>
+            <a:effectRef idx="0">
+              <a:schemeClr val="dk1"/>
+            </a:effectRef>
+            <a:fontRef idx="minor">
+              <a:schemeClr val="tx1"/>
+            </a:fontRef>
+          </p:style>
+        </p:cxnSp>
+        <p:cxnSp>
+          <p:nvCxnSpPr>
+            <p:cNvPr id="19" name="直線矢印コネクタ 18"/>
+            <p:cNvCxnSpPr/>
+            <p:nvPr/>
+          </p:nvCxnSpPr>
+          <p:spPr>
+            <a:xfrm>
+              <a:off x="4093228" y="1734938"/>
+              <a:ext cx="2767808" cy="492818"/>
+            </a:xfrm>
+            <a:prstGeom prst="straightConnector1">
+              <a:avLst/>
+            </a:prstGeom>
+            <a:ln>
+              <a:tailEnd type="triangle"/>
+            </a:ln>
+          </p:spPr>
+          <p:style>
+            <a:lnRef idx="1">
+              <a:schemeClr val="dk1"/>
+            </a:lnRef>
+            <a:fillRef idx="0">
+              <a:schemeClr val="dk1"/>
+            </a:fillRef>
+            <a:effectRef idx="0">
+              <a:schemeClr val="dk1"/>
+            </a:effectRef>
+            <a:fontRef idx="minor">
+              <a:schemeClr val="tx1"/>
+            </a:fontRef>
+          </p:style>
+        </p:cxnSp>
+        <p:pic>
+          <p:nvPicPr>
+            <p:cNvPr id="41" name="図 40"/>
+            <p:cNvPicPr>
+              <a:picLocks noChangeAspect="1"/>
+            </p:cNvPicPr>
+            <p:nvPr/>
+          </p:nvPicPr>
+          <p:blipFill rotWithShape="1">
+            <a:blip r:embed="rId2">
+              <a:extLst>
+                <a:ext uri="{28A0092B-C50C-407E-A947-70E740481C1C}">
+                  <a14:useLocalDpi xmlns:a14="http://schemas.microsoft.com/office/drawing/2010/main" val="0"/>
+                </a:ext>
+              </a:extLst>
+            </a:blip>
+            <a:srcRect l="38483" t="32680" r="38103" b="35667"/>
+            <a:stretch/>
+          </p:blipFill>
+          <p:spPr>
+            <a:xfrm>
+              <a:off x="7638681" y="1597949"/>
+              <a:ext cx="533108" cy="468784"/>
+            </a:xfrm>
+            <a:prstGeom prst="rect">
+              <a:avLst/>
+            </a:prstGeom>
+          </p:spPr>
+        </p:pic>
+        <p:pic>
+          <p:nvPicPr>
+            <p:cNvPr id="42" name="図 41"/>
+            <p:cNvPicPr>
+              <a:picLocks noChangeAspect="1"/>
+            </p:cNvPicPr>
+            <p:nvPr/>
+          </p:nvPicPr>
+          <p:blipFill rotWithShape="1">
+            <a:blip r:embed="rId2">
+              <a:extLst>
+                <a:ext uri="{28A0092B-C50C-407E-A947-70E740481C1C}">
+                  <a14:useLocalDpi xmlns:a14="http://schemas.microsoft.com/office/drawing/2010/main" val="0"/>
+                </a:ext>
+              </a:extLst>
+            </a:blip>
+            <a:srcRect l="38483" t="32680" r="38103" b="35667"/>
+            <a:stretch/>
+          </p:blipFill>
+          <p:spPr>
+            <a:xfrm>
+              <a:off x="7986360" y="2148741"/>
+              <a:ext cx="533108" cy="468784"/>
+            </a:xfrm>
+            <a:prstGeom prst="rect">
+              <a:avLst/>
+            </a:prstGeom>
+          </p:spPr>
+        </p:pic>
+        <p:pic>
+          <p:nvPicPr>
+            <p:cNvPr id="43" name="図 42"/>
+            <p:cNvPicPr>
+              <a:picLocks noChangeAspect="1"/>
+            </p:cNvPicPr>
+            <p:nvPr/>
+          </p:nvPicPr>
+          <p:blipFill rotWithShape="1">
+            <a:blip r:embed="rId2">
+              <a:extLst>
+                <a:ext uri="{28A0092B-C50C-407E-A947-70E740481C1C}">
+                  <a14:useLocalDpi xmlns:a14="http://schemas.microsoft.com/office/drawing/2010/main" val="0"/>
+                </a:ext>
+              </a:extLst>
+            </a:blip>
+            <a:srcRect l="38483" t="32680" r="38103" b="35667"/>
+            <a:stretch/>
+          </p:blipFill>
+          <p:spPr>
+            <a:xfrm>
+              <a:off x="7220786" y="2148740"/>
+              <a:ext cx="533108" cy="468784"/>
+            </a:xfrm>
+            <a:prstGeom prst="rect">
+              <a:avLst/>
+            </a:prstGeom>
+          </p:spPr>
+        </p:pic>
+        <p:sp>
+          <p:nvSpPr>
+            <p:cNvPr id="44" name="テキスト ボックス 43"/>
+            <p:cNvSpPr txBox="1"/>
+            <p:nvPr/>
+          </p:nvSpPr>
+          <p:spPr>
+            <a:xfrm>
+              <a:off x="6978090" y="2887835"/>
+              <a:ext cx="1811795" cy="830997"/>
+            </a:xfrm>
+            <a:prstGeom prst="rect">
+              <a:avLst/>
+            </a:prstGeom>
+            <a:noFill/>
+          </p:spPr>
+          <p:txBody>
+            <a:bodyPr wrap="square" rtlCol="0">
+              <a:spAutoFit/>
+            </a:bodyPr>
+            <a:lstStyle/>
+            <a:p>
+              <a:pPr algn="ctr"/>
+              <a:r>
+                <a:rPr lang="ja-JP" altLang="en-US" sz="1600" dirty="0"/>
+                <a:t>ユーザ</a:t>
+              </a:r>
+              <a:r>
+                <a:rPr lang="ja-JP" altLang="en-US" sz="1600" dirty="0" smtClean="0"/>
+                <a:t>にジャンル分類精度と推定ジャンルを提示．</a:t>
+              </a:r>
+              <a:endParaRPr kumimoji="1" lang="ja-JP" altLang="en-US" sz="1600" dirty="0"/>
+            </a:p>
+          </p:txBody>
+        </p:sp>
+      </p:grpSp>
+    </p:spTree>
+    <p:extLst>
+      <p:ext uri="{BB962C8B-B14F-4D97-AF65-F5344CB8AC3E}">
+        <p14:creationId xmlns:p14="http://schemas.microsoft.com/office/powerpoint/2010/main" val="1152362173"/>
+      </p:ext>
+    </p:extLst>
+  </p:cSld>
+  <p:clrMapOvr>
+    <a:masterClrMapping/>
+  </p:clrMapOvr>
+</p:sld>
+</file>
+
+<file path=ppt/slides/slide12.xml><?xml version="1.0" encoding="utf-8"?>
+<p:sld xmlns:a="http://schemas.openxmlformats.org/drawingml/2006/main" xmlns:r="http://schemas.openxmlformats.org/officeDocument/2006/relationships" xmlns:p="http://schemas.openxmlformats.org/presentationml/2006/main">
+  <p:cSld>
+    <p:spTree>
+      <p:nvGrpSpPr>
+        <p:cNvPr id="1" name=""/>
+        <p:cNvGrpSpPr/>
+        <p:nvPr/>
+      </p:nvGrpSpPr>
+      <p:grpSpPr>
+        <a:xfrm>
+          <a:off x="0" y="0"/>
+          <a:ext cx="0" cy="0"/>
+          <a:chOff x="0" y="0"/>
+          <a:chExt cx="0" cy="0"/>
+        </a:xfrm>
+      </p:grpSpPr>
+      <p:sp>
+        <p:nvSpPr>
           <p:cNvPr id="2" name="タイトル 1"/>
           <p:cNvSpPr>
             <a:spLocks noGrp="1"/>
@@ -5336,7 +6012,7 @@
           <a:p>
             <a:fld id="{B4451160-128F-4DAD-AE29-4A8CC0E7B9E9}" type="slidenum">
               <a:rPr kumimoji="1" lang="ja-JP" altLang="en-US" smtClean="0"/>
-              <a:t>11</a:t>
+              <a:t>12</a:t>
             </a:fld>
             <a:endParaRPr kumimoji="1" lang="ja-JP" altLang="en-US"/>
           </a:p>
@@ -5581,7 +6257,7 @@
 </p:sld>
 </file>
 
-<file path=ppt/slides/slide12.xml><?xml version="1.0" encoding="utf-8"?>
+<file path=ppt/slides/slide13.xml><?xml version="1.0" encoding="utf-8"?>
 <p:sld xmlns:a="http://schemas.openxmlformats.org/drawingml/2006/main" xmlns:r="http://schemas.openxmlformats.org/officeDocument/2006/relationships" xmlns:p="http://schemas.openxmlformats.org/presentationml/2006/main">
   <p:cSld>
     <p:spTree>
@@ -5720,7 +6396,7 @@
             <a:fld id="{B4451160-128F-4DAD-AE29-4A8CC0E7B9E9}" type="slidenum">
               <a:rPr lang="ja-JP" altLang="en-US" smtClean="0"/>
               <a:pPr/>
-              <a:t>12</a:t>
+              <a:t>13</a:t>
             </a:fld>
             <a:endParaRPr lang="ja-JP" altLang="en-US" dirty="0"/>
           </a:p>
@@ -5776,7 +6452,7 @@
 </p:sld>
 </file>
 
-<file path=ppt/slides/slide13.xml><?xml version="1.0" encoding="utf-8"?>
+<file path=ppt/slides/slide14.xml><?xml version="1.0" encoding="utf-8"?>
 <p:sld xmlns:a="http://schemas.openxmlformats.org/drawingml/2006/main" xmlns:r="http://schemas.openxmlformats.org/officeDocument/2006/relationships" xmlns:p="http://schemas.openxmlformats.org/presentationml/2006/main">
   <p:cSld>
     <p:spTree>
@@ -5893,7 +6569,7 @@
             <a:fld id="{B4451160-128F-4DAD-AE29-4A8CC0E7B9E9}" type="slidenum">
               <a:rPr lang="ja-JP" altLang="en-US" smtClean="0"/>
               <a:pPr/>
-              <a:t>13</a:t>
+              <a:t>14</a:t>
             </a:fld>
             <a:endParaRPr lang="ja-JP" altLang="en-US" dirty="0"/>
           </a:p>
@@ -5942,7 +6618,7 @@
 </p:sld>
 </file>
 
-<file path=ppt/slides/slide14.xml><?xml version="1.0" encoding="utf-8"?>
+<file path=ppt/slides/slide15.xml><?xml version="1.0" encoding="utf-8"?>
 <p:sld xmlns:a="http://schemas.openxmlformats.org/drawingml/2006/main" xmlns:r="http://schemas.openxmlformats.org/officeDocument/2006/relationships" xmlns:p="http://schemas.openxmlformats.org/presentationml/2006/main">
   <p:cSld>
     <p:spTree>
@@ -6075,7 +6751,7 @@
             <a:fld id="{B4451160-128F-4DAD-AE29-4A8CC0E7B9E9}" type="slidenum">
               <a:rPr lang="ja-JP" altLang="en-US" smtClean="0"/>
               <a:pPr/>
-              <a:t>14</a:t>
+              <a:t>15</a:t>
             </a:fld>
             <a:endParaRPr lang="ja-JP" altLang="en-US" dirty="0"/>
           </a:p>
@@ -6085,609 +6761,6 @@
     <p:extLst>
       <p:ext uri="{BB962C8B-B14F-4D97-AF65-F5344CB8AC3E}">
         <p14:creationId xmlns:p14="http://schemas.microsoft.com/office/powerpoint/2010/main" val="3197487522"/>
-      </p:ext>
-    </p:extLst>
-  </p:cSld>
-  <p:clrMapOvr>
-    <a:masterClrMapping/>
-  </p:clrMapOvr>
-</p:sld>
-</file>
-
-<file path=ppt/slides/slide15.xml><?xml version="1.0" encoding="utf-8"?>
-<p:sld xmlns:a="http://schemas.openxmlformats.org/drawingml/2006/main" xmlns:r="http://schemas.openxmlformats.org/officeDocument/2006/relationships" xmlns:p="http://schemas.openxmlformats.org/presentationml/2006/main">
-  <p:cSld>
-    <p:spTree>
-      <p:nvGrpSpPr>
-        <p:cNvPr id="1" name=""/>
-        <p:cNvGrpSpPr/>
-        <p:nvPr/>
-      </p:nvGrpSpPr>
-      <p:grpSpPr>
-        <a:xfrm>
-          <a:off x="0" y="0"/>
-          <a:ext cx="0" cy="0"/>
-          <a:chOff x="0" y="0"/>
-          <a:chExt cx="0" cy="0"/>
-        </a:xfrm>
-      </p:grpSpPr>
-      <p:sp>
-        <p:nvSpPr>
-          <p:cNvPr id="4" name="スライド番号プレースホルダー 3"/>
-          <p:cNvSpPr>
-            <a:spLocks noGrp="1"/>
-          </p:cNvSpPr>
-          <p:nvPr>
-            <p:ph type="sldNum" sz="quarter" idx="12"/>
-          </p:nvPr>
-        </p:nvSpPr>
-        <p:spPr/>
-        <p:txBody>
-          <a:bodyPr/>
-          <a:lstStyle/>
-          <a:p>
-            <a:fld id="{B4451160-128F-4DAD-AE29-4A8CC0E7B9E9}" type="slidenum">
-              <a:rPr lang="ja-JP" altLang="en-US" smtClean="0"/>
-              <a:pPr/>
-              <a:t>15</a:t>
-            </a:fld>
-            <a:endParaRPr lang="ja-JP" altLang="en-US" dirty="0"/>
-          </a:p>
-        </p:txBody>
-      </p:sp>
-      <p:grpSp>
-        <p:nvGrpSpPr>
-          <p:cNvPr id="7" name="グループ化 6"/>
-          <p:cNvGrpSpPr/>
-          <p:nvPr/>
-        </p:nvGrpSpPr>
-        <p:grpSpPr>
-          <a:xfrm>
-            <a:off x="530258" y="1689813"/>
-            <a:ext cx="8327992" cy="2024499"/>
-            <a:chOff x="466648" y="4802063"/>
-            <a:chExt cx="8327992" cy="2024499"/>
-          </a:xfrm>
-        </p:grpSpPr>
-        <p:sp>
-          <p:nvSpPr>
-            <p:cNvPr id="8" name="正方形/長方形 7"/>
-            <p:cNvSpPr/>
-            <p:nvPr/>
-          </p:nvSpPr>
-          <p:spPr>
-            <a:xfrm>
-              <a:off x="467336" y="5084290"/>
-              <a:ext cx="2162379" cy="409003"/>
-            </a:xfrm>
-            <a:prstGeom prst="rect">
-              <a:avLst/>
-            </a:prstGeom>
-          </p:spPr>
-          <p:style>
-            <a:lnRef idx="1">
-              <a:schemeClr val="accent5"/>
-            </a:lnRef>
-            <a:fillRef idx="2">
-              <a:schemeClr val="accent5"/>
-            </a:fillRef>
-            <a:effectRef idx="1">
-              <a:schemeClr val="accent5"/>
-            </a:effectRef>
-            <a:fontRef idx="minor">
-              <a:schemeClr val="dk1"/>
-            </a:fontRef>
-          </p:style>
-          <p:txBody>
-            <a:bodyPr rtlCol="0" anchor="ctr"/>
-            <a:lstStyle/>
-            <a:p>
-              <a:pPr algn="ctr"/>
-              <a:r>
-                <a:rPr kumimoji="1" lang="ja-JP" altLang="en-US" dirty="0" smtClean="0"/>
-                <a:t>大量の楽曲データ</a:t>
-              </a:r>
-              <a:endParaRPr kumimoji="1" lang="en-US" altLang="ja-JP" dirty="0" smtClean="0"/>
-            </a:p>
-          </p:txBody>
-        </p:sp>
-        <p:pic>
-          <p:nvPicPr>
-            <p:cNvPr id="9" name="図 8"/>
-            <p:cNvPicPr>
-              <a:picLocks noChangeAspect="1"/>
-            </p:cNvPicPr>
-            <p:nvPr/>
-          </p:nvPicPr>
-          <p:blipFill>
-            <a:blip r:embed="rId2" cstate="print">
-              <a:extLst>
-                <a:ext uri="{28A0092B-C50C-407E-A947-70E740481C1C}">
-                  <a14:useLocalDpi xmlns:a14="http://schemas.microsoft.com/office/drawing/2010/main" val="0"/>
-                </a:ext>
-              </a:extLst>
-            </a:blip>
-            <a:stretch>
-              <a:fillRect/>
-            </a:stretch>
-          </p:blipFill>
-          <p:spPr>
-            <a:xfrm>
-              <a:off x="4120641" y="4802063"/>
-              <a:ext cx="427506" cy="427506"/>
-            </a:xfrm>
-            <a:prstGeom prst="rect">
-              <a:avLst/>
-            </a:prstGeom>
-          </p:spPr>
-        </p:pic>
-        <p:pic>
-          <p:nvPicPr>
-            <p:cNvPr id="10" name="図 9"/>
-            <p:cNvPicPr>
-              <a:picLocks noChangeAspect="1"/>
-            </p:cNvPicPr>
-            <p:nvPr/>
-          </p:nvPicPr>
-          <p:blipFill>
-            <a:blip r:embed="rId2" cstate="print">
-              <a:extLst>
-                <a:ext uri="{28A0092B-C50C-407E-A947-70E740481C1C}">
-                  <a14:useLocalDpi xmlns:a14="http://schemas.microsoft.com/office/drawing/2010/main" val="0"/>
-                </a:ext>
-              </a:extLst>
-            </a:blip>
-            <a:stretch>
-              <a:fillRect/>
-            </a:stretch>
-          </p:blipFill>
-          <p:spPr>
-            <a:xfrm>
-              <a:off x="4128593" y="5961703"/>
-              <a:ext cx="427506" cy="427506"/>
-            </a:xfrm>
-            <a:prstGeom prst="rect">
-              <a:avLst/>
-            </a:prstGeom>
-          </p:spPr>
-        </p:pic>
-        <p:pic>
-          <p:nvPicPr>
-            <p:cNvPr id="11" name="図 10"/>
-            <p:cNvPicPr>
-              <a:picLocks noChangeAspect="1"/>
-            </p:cNvPicPr>
-            <p:nvPr/>
-          </p:nvPicPr>
-          <p:blipFill>
-            <a:blip r:embed="rId2" cstate="print">
-              <a:extLst>
-                <a:ext uri="{28A0092B-C50C-407E-A947-70E740481C1C}">
-                  <a14:useLocalDpi xmlns:a14="http://schemas.microsoft.com/office/drawing/2010/main" val="0"/>
-                </a:ext>
-              </a:extLst>
-            </a:blip>
-            <a:stretch>
-              <a:fillRect/>
-            </a:stretch>
-          </p:blipFill>
-          <p:spPr>
-            <a:xfrm>
-              <a:off x="4120641" y="5380328"/>
-              <a:ext cx="427506" cy="427506"/>
-            </a:xfrm>
-            <a:prstGeom prst="rect">
-              <a:avLst/>
-            </a:prstGeom>
-          </p:spPr>
-        </p:pic>
-        <p:sp>
-          <p:nvSpPr>
-            <p:cNvPr id="12" name="テキスト ボックス 11"/>
-            <p:cNvSpPr txBox="1"/>
-            <p:nvPr/>
-          </p:nvSpPr>
-          <p:spPr>
-            <a:xfrm>
-              <a:off x="3156668" y="6457230"/>
-              <a:ext cx="2671638" cy="369332"/>
-            </a:xfrm>
-            <a:prstGeom prst="rect">
-              <a:avLst/>
-            </a:prstGeom>
-            <a:noFill/>
-          </p:spPr>
-          <p:txBody>
-            <a:bodyPr wrap="square" rtlCol="0">
-              <a:spAutoFit/>
-            </a:bodyPr>
-            <a:lstStyle/>
-            <a:p>
-              <a:r>
-                <a:rPr kumimoji="1" lang="ja-JP" altLang="en-US" dirty="0" smtClean="0"/>
-                <a:t>処理を分散するサーバー</a:t>
-              </a:r>
-              <a:endParaRPr kumimoji="1" lang="ja-JP" altLang="en-US" dirty="0"/>
-            </a:p>
-          </p:txBody>
-        </p:sp>
-        <p:cxnSp>
-          <p:nvCxnSpPr>
-            <p:cNvPr id="13" name="直線矢印コネクタ 12"/>
-            <p:cNvCxnSpPr>
-              <a:stCxn id="8" idx="3"/>
-              <a:endCxn id="9" idx="1"/>
-            </p:cNvCxnSpPr>
-            <p:nvPr/>
-          </p:nvCxnSpPr>
-          <p:spPr>
-            <a:xfrm flipV="1">
-              <a:off x="2629715" y="5015816"/>
-              <a:ext cx="1490926" cy="272976"/>
-            </a:xfrm>
-            <a:prstGeom prst="straightConnector1">
-              <a:avLst/>
-            </a:prstGeom>
-            <a:ln>
-              <a:tailEnd type="triangle"/>
-            </a:ln>
-          </p:spPr>
-          <p:style>
-            <a:lnRef idx="1">
-              <a:schemeClr val="accent1"/>
-            </a:lnRef>
-            <a:fillRef idx="0">
-              <a:schemeClr val="accent1"/>
-            </a:fillRef>
-            <a:effectRef idx="0">
-              <a:schemeClr val="accent1"/>
-            </a:effectRef>
-            <a:fontRef idx="minor">
-              <a:schemeClr val="tx1"/>
-            </a:fontRef>
-          </p:style>
-        </p:cxnSp>
-        <p:cxnSp>
-          <p:nvCxnSpPr>
-            <p:cNvPr id="14" name="直線矢印コネクタ 13"/>
-            <p:cNvCxnSpPr>
-              <a:stCxn id="8" idx="3"/>
-              <a:endCxn id="11" idx="1"/>
-            </p:cNvCxnSpPr>
-            <p:nvPr/>
-          </p:nvCxnSpPr>
-          <p:spPr>
-            <a:xfrm>
-              <a:off x="2629715" y="5288792"/>
-              <a:ext cx="1490926" cy="305289"/>
-            </a:xfrm>
-            <a:prstGeom prst="straightConnector1">
-              <a:avLst/>
-            </a:prstGeom>
-            <a:ln>
-              <a:tailEnd type="triangle"/>
-            </a:ln>
-          </p:spPr>
-          <p:style>
-            <a:lnRef idx="1">
-              <a:schemeClr val="accent1"/>
-            </a:lnRef>
-            <a:fillRef idx="0">
-              <a:schemeClr val="accent1"/>
-            </a:fillRef>
-            <a:effectRef idx="0">
-              <a:schemeClr val="accent1"/>
-            </a:effectRef>
-            <a:fontRef idx="minor">
-              <a:schemeClr val="tx1"/>
-            </a:fontRef>
-          </p:style>
-        </p:cxnSp>
-        <p:sp>
-          <p:nvSpPr>
-            <p:cNvPr id="15" name="正方形/長方形 14"/>
-            <p:cNvSpPr/>
-            <p:nvPr/>
-          </p:nvSpPr>
-          <p:spPr>
-            <a:xfrm>
-              <a:off x="466648" y="5932829"/>
-              <a:ext cx="2162379" cy="409003"/>
-            </a:xfrm>
-            <a:prstGeom prst="rect">
-              <a:avLst/>
-            </a:prstGeom>
-          </p:spPr>
-          <p:style>
-            <a:lnRef idx="1">
-              <a:schemeClr val="accent4"/>
-            </a:lnRef>
-            <a:fillRef idx="2">
-              <a:schemeClr val="accent4"/>
-            </a:fillRef>
-            <a:effectRef idx="1">
-              <a:schemeClr val="accent4"/>
-            </a:effectRef>
-            <a:fontRef idx="minor">
-              <a:schemeClr val="dk1"/>
-            </a:fontRef>
-          </p:style>
-          <p:txBody>
-            <a:bodyPr rtlCol="0" anchor="ctr"/>
-            <a:lstStyle/>
-            <a:p>
-              <a:pPr algn="ctr"/>
-              <a:r>
-                <a:rPr kumimoji="1" lang="ja-JP" altLang="en-US" dirty="0" smtClean="0"/>
-                <a:t>大量の動画データ</a:t>
-              </a:r>
-              <a:endParaRPr kumimoji="1" lang="en-US" altLang="ja-JP" dirty="0" smtClean="0"/>
-            </a:p>
-          </p:txBody>
-        </p:sp>
-        <p:cxnSp>
-          <p:nvCxnSpPr>
-            <p:cNvPr id="16" name="直線矢印コネクタ 15"/>
-            <p:cNvCxnSpPr>
-              <a:stCxn id="15" idx="3"/>
-              <a:endCxn id="10" idx="1"/>
-            </p:cNvCxnSpPr>
-            <p:nvPr/>
-          </p:nvCxnSpPr>
-          <p:spPr>
-            <a:xfrm>
-              <a:off x="2629027" y="6137331"/>
-              <a:ext cx="1499566" cy="38125"/>
-            </a:xfrm>
-            <a:prstGeom prst="straightConnector1">
-              <a:avLst/>
-            </a:prstGeom>
-            <a:ln>
-              <a:tailEnd type="triangle"/>
-            </a:ln>
-          </p:spPr>
-          <p:style>
-            <a:lnRef idx="1">
-              <a:schemeClr val="accent2"/>
-            </a:lnRef>
-            <a:fillRef idx="0">
-              <a:schemeClr val="accent2"/>
-            </a:fillRef>
-            <a:effectRef idx="0">
-              <a:schemeClr val="accent2"/>
-            </a:effectRef>
-            <a:fontRef idx="minor">
-              <a:schemeClr val="tx1"/>
-            </a:fontRef>
-          </p:style>
-        </p:cxnSp>
-        <p:cxnSp>
-          <p:nvCxnSpPr>
-            <p:cNvPr id="17" name="直線矢印コネクタ 16"/>
-            <p:cNvCxnSpPr>
-              <a:stCxn id="15" idx="3"/>
-              <a:endCxn id="9" idx="1"/>
-            </p:cNvCxnSpPr>
-            <p:nvPr/>
-          </p:nvCxnSpPr>
-          <p:spPr>
-            <a:xfrm flipV="1">
-              <a:off x="2629027" y="5015816"/>
-              <a:ext cx="1491614" cy="1121515"/>
-            </a:xfrm>
-            <a:prstGeom prst="straightConnector1">
-              <a:avLst/>
-            </a:prstGeom>
-            <a:ln>
-              <a:tailEnd type="triangle"/>
-            </a:ln>
-          </p:spPr>
-          <p:style>
-            <a:lnRef idx="1">
-              <a:schemeClr val="accent2"/>
-            </a:lnRef>
-            <a:fillRef idx="0">
-              <a:schemeClr val="accent2"/>
-            </a:fillRef>
-            <a:effectRef idx="0">
-              <a:schemeClr val="accent2"/>
-            </a:effectRef>
-            <a:fontRef idx="minor">
-              <a:schemeClr val="tx1"/>
-            </a:fontRef>
-          </p:style>
-        </p:cxnSp>
-        <p:cxnSp>
-          <p:nvCxnSpPr>
-            <p:cNvPr id="18" name="直線矢印コネクタ 17"/>
-            <p:cNvCxnSpPr>
-              <a:stCxn id="15" idx="3"/>
-              <a:endCxn id="11" idx="1"/>
-            </p:cNvCxnSpPr>
-            <p:nvPr/>
-          </p:nvCxnSpPr>
-          <p:spPr>
-            <a:xfrm flipV="1">
-              <a:off x="2629027" y="5594081"/>
-              <a:ext cx="1491614" cy="543250"/>
-            </a:xfrm>
-            <a:prstGeom prst="straightConnector1">
-              <a:avLst/>
-            </a:prstGeom>
-            <a:ln>
-              <a:tailEnd type="triangle"/>
-            </a:ln>
-          </p:spPr>
-          <p:style>
-            <a:lnRef idx="1">
-              <a:schemeClr val="accent2"/>
-            </a:lnRef>
-            <a:fillRef idx="0">
-              <a:schemeClr val="accent2"/>
-            </a:fillRef>
-            <a:effectRef idx="0">
-              <a:schemeClr val="accent2"/>
-            </a:effectRef>
-            <a:fontRef idx="minor">
-              <a:schemeClr val="tx1"/>
-            </a:fontRef>
-          </p:style>
-        </p:cxnSp>
-        <p:sp>
-          <p:nvSpPr>
-            <p:cNvPr id="19" name="正方形/長方形 18"/>
-            <p:cNvSpPr/>
-            <p:nvPr/>
-          </p:nvSpPr>
-          <p:spPr>
-            <a:xfrm>
-              <a:off x="6178660" y="5337957"/>
-              <a:ext cx="2615980" cy="721564"/>
-            </a:xfrm>
-            <a:prstGeom prst="rect">
-              <a:avLst/>
-            </a:prstGeom>
-          </p:spPr>
-          <p:style>
-            <a:lnRef idx="1">
-              <a:schemeClr val="accent6"/>
-            </a:lnRef>
-            <a:fillRef idx="2">
-              <a:schemeClr val="accent6"/>
-            </a:fillRef>
-            <a:effectRef idx="1">
-              <a:schemeClr val="accent6"/>
-            </a:effectRef>
-            <a:fontRef idx="minor">
-              <a:schemeClr val="dk1"/>
-            </a:fontRef>
-          </p:style>
-          <p:txBody>
-            <a:bodyPr rtlCol="0" anchor="ctr"/>
-            <a:lstStyle/>
-            <a:p>
-              <a:pPr algn="ctr"/>
-              <a:r>
-                <a:rPr kumimoji="1" lang="ja-JP" altLang="en-US" dirty="0" smtClean="0"/>
-                <a:t>合成されたデータ</a:t>
-              </a:r>
-              <a:endParaRPr kumimoji="1" lang="ja-JP" altLang="en-US" dirty="0"/>
-            </a:p>
-          </p:txBody>
-        </p:sp>
-        <p:cxnSp>
-          <p:nvCxnSpPr>
-            <p:cNvPr id="20" name="直線矢印コネクタ 19"/>
-            <p:cNvCxnSpPr>
-              <a:stCxn id="9" idx="3"/>
-              <a:endCxn id="19" idx="1"/>
-            </p:cNvCxnSpPr>
-            <p:nvPr/>
-          </p:nvCxnSpPr>
-          <p:spPr>
-            <a:xfrm>
-              <a:off x="4548147" y="5015816"/>
-              <a:ext cx="1630513" cy="682923"/>
-            </a:xfrm>
-            <a:prstGeom prst="straightConnector1">
-              <a:avLst/>
-            </a:prstGeom>
-            <a:ln>
-              <a:tailEnd type="triangle"/>
-            </a:ln>
-          </p:spPr>
-          <p:style>
-            <a:lnRef idx="1">
-              <a:schemeClr val="accent6"/>
-            </a:lnRef>
-            <a:fillRef idx="0">
-              <a:schemeClr val="accent6"/>
-            </a:fillRef>
-            <a:effectRef idx="0">
-              <a:schemeClr val="accent6"/>
-            </a:effectRef>
-            <a:fontRef idx="minor">
-              <a:schemeClr val="tx1"/>
-            </a:fontRef>
-          </p:style>
-        </p:cxnSp>
-        <p:cxnSp>
-          <p:nvCxnSpPr>
-            <p:cNvPr id="21" name="直線矢印コネクタ 20"/>
-            <p:cNvCxnSpPr>
-              <a:stCxn id="11" idx="3"/>
-              <a:endCxn id="19" idx="1"/>
-            </p:cNvCxnSpPr>
-            <p:nvPr/>
-          </p:nvCxnSpPr>
-          <p:spPr>
-            <a:xfrm>
-              <a:off x="4548147" y="5594081"/>
-              <a:ext cx="1630513" cy="104658"/>
-            </a:xfrm>
-            <a:prstGeom prst="straightConnector1">
-              <a:avLst/>
-            </a:prstGeom>
-            <a:ln>
-              <a:tailEnd type="triangle"/>
-            </a:ln>
-          </p:spPr>
-          <p:style>
-            <a:lnRef idx="1">
-              <a:schemeClr val="accent6"/>
-            </a:lnRef>
-            <a:fillRef idx="0">
-              <a:schemeClr val="accent6"/>
-            </a:fillRef>
-            <a:effectRef idx="0">
-              <a:schemeClr val="accent6"/>
-            </a:effectRef>
-            <a:fontRef idx="minor">
-              <a:schemeClr val="tx1"/>
-            </a:fontRef>
-          </p:style>
-        </p:cxnSp>
-        <p:cxnSp>
-          <p:nvCxnSpPr>
-            <p:cNvPr id="22" name="直線矢印コネクタ 21"/>
-            <p:cNvCxnSpPr>
-              <a:stCxn id="10" idx="3"/>
-              <a:endCxn id="19" idx="1"/>
-            </p:cNvCxnSpPr>
-            <p:nvPr/>
-          </p:nvCxnSpPr>
-          <p:spPr>
-            <a:xfrm flipV="1">
-              <a:off x="4556099" y="5698739"/>
-              <a:ext cx="1622561" cy="476717"/>
-            </a:xfrm>
-            <a:prstGeom prst="straightConnector1">
-              <a:avLst/>
-            </a:prstGeom>
-            <a:ln>
-              <a:tailEnd type="triangle"/>
-            </a:ln>
-          </p:spPr>
-          <p:style>
-            <a:lnRef idx="1">
-              <a:schemeClr val="accent6"/>
-            </a:lnRef>
-            <a:fillRef idx="0">
-              <a:schemeClr val="accent6"/>
-            </a:fillRef>
-            <a:effectRef idx="0">
-              <a:schemeClr val="accent6"/>
-            </a:effectRef>
-            <a:fontRef idx="minor">
-              <a:schemeClr val="tx1"/>
-            </a:fontRef>
-          </p:style>
-        </p:cxnSp>
-      </p:grpSp>
-    </p:spTree>
-    <p:extLst>
-      <p:ext uri="{BB962C8B-B14F-4D97-AF65-F5344CB8AC3E}">
-        <p14:creationId xmlns:p14="http://schemas.microsoft.com/office/powerpoint/2010/main" val="4033514462"/>
       </p:ext>
     </p:extLst>
   </p:cSld>
@@ -6738,10 +6811,464 @@
           </a:p>
         </p:txBody>
       </p:sp>
+      <p:grpSp>
+        <p:nvGrpSpPr>
+          <p:cNvPr id="24" name="グループ化 23"/>
+          <p:cNvGrpSpPr/>
+          <p:nvPr/>
+        </p:nvGrpSpPr>
+        <p:grpSpPr>
+          <a:xfrm>
+            <a:off x="576786" y="2198697"/>
+            <a:ext cx="8305318" cy="2024499"/>
+            <a:chOff x="552932" y="1689813"/>
+            <a:chExt cx="8305318" cy="2024499"/>
+          </a:xfrm>
+        </p:grpSpPr>
+        <p:grpSp>
+          <p:nvGrpSpPr>
+            <p:cNvPr id="7" name="グループ化 6"/>
+            <p:cNvGrpSpPr/>
+            <p:nvPr/>
+          </p:nvGrpSpPr>
+          <p:grpSpPr>
+            <a:xfrm>
+              <a:off x="552932" y="1689813"/>
+              <a:ext cx="8305318" cy="2024499"/>
+              <a:chOff x="489322" y="4802063"/>
+              <a:chExt cx="8305318" cy="2024499"/>
+            </a:xfrm>
+          </p:grpSpPr>
+          <p:sp>
+            <p:nvSpPr>
+              <p:cNvPr id="8" name="正方形/長方形 7"/>
+              <p:cNvSpPr/>
+              <p:nvPr/>
+            </p:nvSpPr>
+            <p:spPr>
+              <a:xfrm>
+                <a:off x="489322" y="5398831"/>
+                <a:ext cx="2162379" cy="409003"/>
+              </a:xfrm>
+              <a:prstGeom prst="rect">
+                <a:avLst/>
+              </a:prstGeom>
+            </p:spPr>
+            <p:style>
+              <a:lnRef idx="1">
+                <a:schemeClr val="accent5"/>
+              </a:lnRef>
+              <a:fillRef idx="2">
+                <a:schemeClr val="accent5"/>
+              </a:fillRef>
+              <a:effectRef idx="1">
+                <a:schemeClr val="accent5"/>
+              </a:effectRef>
+              <a:fontRef idx="minor">
+                <a:schemeClr val="dk1"/>
+              </a:fontRef>
+            </p:style>
+            <p:txBody>
+              <a:bodyPr rtlCol="0" anchor="ctr"/>
+              <a:lstStyle/>
+              <a:p>
+                <a:pPr algn="ctr"/>
+                <a:r>
+                  <a:rPr kumimoji="1" lang="ja-JP" altLang="en-US" dirty="0" smtClean="0"/>
+                  <a:t>大量の楽曲データ</a:t>
+                </a:r>
+                <a:endParaRPr kumimoji="1" lang="en-US" altLang="ja-JP" dirty="0" smtClean="0"/>
+              </a:p>
+            </p:txBody>
+          </p:sp>
+          <p:pic>
+            <p:nvPicPr>
+              <p:cNvPr id="9" name="図 8"/>
+              <p:cNvPicPr>
+                <a:picLocks noChangeAspect="1"/>
+              </p:cNvPicPr>
+              <p:nvPr/>
+            </p:nvPicPr>
+            <p:blipFill>
+              <a:blip r:embed="rId2" cstate="print">
+                <a:extLst>
+                  <a:ext uri="{28A0092B-C50C-407E-A947-70E740481C1C}">
+                    <a14:useLocalDpi xmlns:a14="http://schemas.microsoft.com/office/drawing/2010/main" val="0"/>
+                  </a:ext>
+                </a:extLst>
+              </a:blip>
+              <a:stretch>
+                <a:fillRect/>
+              </a:stretch>
+            </p:blipFill>
+            <p:spPr>
+              <a:xfrm>
+                <a:off x="4120641" y="4802063"/>
+                <a:ext cx="427506" cy="427506"/>
+              </a:xfrm>
+              <a:prstGeom prst="rect">
+                <a:avLst/>
+              </a:prstGeom>
+            </p:spPr>
+          </p:pic>
+          <p:pic>
+            <p:nvPicPr>
+              <p:cNvPr id="10" name="図 9"/>
+              <p:cNvPicPr>
+                <a:picLocks noChangeAspect="1"/>
+              </p:cNvPicPr>
+              <p:nvPr/>
+            </p:nvPicPr>
+            <p:blipFill>
+              <a:blip r:embed="rId2" cstate="print">
+                <a:extLst>
+                  <a:ext uri="{28A0092B-C50C-407E-A947-70E740481C1C}">
+                    <a14:useLocalDpi xmlns:a14="http://schemas.microsoft.com/office/drawing/2010/main" val="0"/>
+                  </a:ext>
+                </a:extLst>
+              </a:blip>
+              <a:stretch>
+                <a:fillRect/>
+              </a:stretch>
+            </p:blipFill>
+            <p:spPr>
+              <a:xfrm>
+                <a:off x="4128593" y="5961703"/>
+                <a:ext cx="427506" cy="427506"/>
+              </a:xfrm>
+              <a:prstGeom prst="rect">
+                <a:avLst/>
+              </a:prstGeom>
+            </p:spPr>
+          </p:pic>
+          <p:pic>
+            <p:nvPicPr>
+              <p:cNvPr id="11" name="図 10"/>
+              <p:cNvPicPr>
+                <a:picLocks noChangeAspect="1"/>
+              </p:cNvPicPr>
+              <p:nvPr/>
+            </p:nvPicPr>
+            <p:blipFill>
+              <a:blip r:embed="rId2" cstate="print">
+                <a:extLst>
+                  <a:ext uri="{28A0092B-C50C-407E-A947-70E740481C1C}">
+                    <a14:useLocalDpi xmlns:a14="http://schemas.microsoft.com/office/drawing/2010/main" val="0"/>
+                  </a:ext>
+                </a:extLst>
+              </a:blip>
+              <a:stretch>
+                <a:fillRect/>
+              </a:stretch>
+            </p:blipFill>
+            <p:spPr>
+              <a:xfrm>
+                <a:off x="4120641" y="5380328"/>
+                <a:ext cx="427506" cy="427506"/>
+              </a:xfrm>
+              <a:prstGeom prst="rect">
+                <a:avLst/>
+              </a:prstGeom>
+            </p:spPr>
+          </p:pic>
+          <p:sp>
+            <p:nvSpPr>
+              <p:cNvPr id="12" name="テキスト ボックス 11"/>
+              <p:cNvSpPr txBox="1"/>
+              <p:nvPr/>
+            </p:nvSpPr>
+            <p:spPr>
+              <a:xfrm>
+                <a:off x="3156668" y="6457230"/>
+                <a:ext cx="2671638" cy="369332"/>
+              </a:xfrm>
+              <a:prstGeom prst="rect">
+                <a:avLst/>
+              </a:prstGeom>
+              <a:noFill/>
+            </p:spPr>
+            <p:txBody>
+              <a:bodyPr wrap="square" rtlCol="0">
+                <a:spAutoFit/>
+              </a:bodyPr>
+              <a:lstStyle/>
+              <a:p>
+                <a:r>
+                  <a:rPr kumimoji="1" lang="ja-JP" altLang="en-US" dirty="0" smtClean="0"/>
+                  <a:t>処理を分散するサーバー</a:t>
+                </a:r>
+                <a:endParaRPr kumimoji="1" lang="ja-JP" altLang="en-US" dirty="0"/>
+              </a:p>
+            </p:txBody>
+          </p:sp>
+          <p:cxnSp>
+            <p:nvCxnSpPr>
+              <p:cNvPr id="13" name="直線矢印コネクタ 12"/>
+              <p:cNvCxnSpPr>
+                <a:stCxn id="8" idx="3"/>
+                <a:endCxn id="9" idx="1"/>
+              </p:cNvCxnSpPr>
+              <p:nvPr/>
+            </p:nvCxnSpPr>
+            <p:spPr>
+              <a:xfrm flipV="1">
+                <a:off x="2651701" y="5015816"/>
+                <a:ext cx="1468940" cy="587517"/>
+              </a:xfrm>
+              <a:prstGeom prst="straightConnector1">
+                <a:avLst/>
+              </a:prstGeom>
+              <a:ln>
+                <a:tailEnd type="triangle"/>
+              </a:ln>
+            </p:spPr>
+            <p:style>
+              <a:lnRef idx="1">
+                <a:schemeClr val="accent1"/>
+              </a:lnRef>
+              <a:fillRef idx="0">
+                <a:schemeClr val="accent1"/>
+              </a:fillRef>
+              <a:effectRef idx="0">
+                <a:schemeClr val="accent1"/>
+              </a:effectRef>
+              <a:fontRef idx="minor">
+                <a:schemeClr val="tx1"/>
+              </a:fontRef>
+            </p:style>
+          </p:cxnSp>
+          <p:cxnSp>
+            <p:nvCxnSpPr>
+              <p:cNvPr id="14" name="直線矢印コネクタ 13"/>
+              <p:cNvCxnSpPr>
+                <a:stCxn id="8" idx="3"/>
+                <a:endCxn id="11" idx="1"/>
+              </p:cNvCxnSpPr>
+              <p:nvPr/>
+            </p:nvCxnSpPr>
+            <p:spPr>
+              <a:xfrm flipV="1">
+                <a:off x="2651701" y="5594081"/>
+                <a:ext cx="1468940" cy="9252"/>
+              </a:xfrm>
+              <a:prstGeom prst="straightConnector1">
+                <a:avLst/>
+              </a:prstGeom>
+              <a:ln>
+                <a:tailEnd type="triangle"/>
+              </a:ln>
+            </p:spPr>
+            <p:style>
+              <a:lnRef idx="1">
+                <a:schemeClr val="accent1"/>
+              </a:lnRef>
+              <a:fillRef idx="0">
+                <a:schemeClr val="accent1"/>
+              </a:fillRef>
+              <a:effectRef idx="0">
+                <a:schemeClr val="accent1"/>
+              </a:effectRef>
+              <a:fontRef idx="minor">
+                <a:schemeClr val="tx1"/>
+              </a:fontRef>
+            </p:style>
+          </p:cxnSp>
+          <p:sp>
+            <p:nvSpPr>
+              <p:cNvPr id="19" name="正方形/長方形 18"/>
+              <p:cNvSpPr/>
+              <p:nvPr/>
+            </p:nvSpPr>
+            <p:spPr>
+              <a:xfrm>
+                <a:off x="6178660" y="5337957"/>
+                <a:ext cx="2615980" cy="721564"/>
+              </a:xfrm>
+              <a:prstGeom prst="rect">
+                <a:avLst/>
+              </a:prstGeom>
+            </p:spPr>
+            <p:style>
+              <a:lnRef idx="1">
+                <a:schemeClr val="accent6"/>
+              </a:lnRef>
+              <a:fillRef idx="2">
+                <a:schemeClr val="accent6"/>
+              </a:fillRef>
+              <a:effectRef idx="1">
+                <a:schemeClr val="accent6"/>
+              </a:effectRef>
+              <a:fontRef idx="minor">
+                <a:schemeClr val="dk1"/>
+              </a:fontRef>
+            </p:style>
+            <p:txBody>
+              <a:bodyPr rtlCol="0" anchor="ctr"/>
+              <a:lstStyle/>
+              <a:p>
+                <a:pPr algn="ctr"/>
+                <a:r>
+                  <a:rPr lang="ja-JP" altLang="en-US" dirty="0"/>
+                  <a:t>処理</a:t>
+                </a:r>
+                <a:r>
+                  <a:rPr lang="ja-JP" altLang="en-US" dirty="0" smtClean="0"/>
+                  <a:t>された楽曲データ</a:t>
+                </a:r>
+                <a:endParaRPr kumimoji="1" lang="ja-JP" altLang="en-US" dirty="0"/>
+              </a:p>
+            </p:txBody>
+          </p:sp>
+          <p:cxnSp>
+            <p:nvCxnSpPr>
+              <p:cNvPr id="20" name="直線矢印コネクタ 19"/>
+              <p:cNvCxnSpPr>
+                <a:stCxn id="9" idx="3"/>
+                <a:endCxn id="19" idx="1"/>
+              </p:cNvCxnSpPr>
+              <p:nvPr/>
+            </p:nvCxnSpPr>
+            <p:spPr>
+              <a:xfrm>
+                <a:off x="4548147" y="5015816"/>
+                <a:ext cx="1630513" cy="682923"/>
+              </a:xfrm>
+              <a:prstGeom prst="straightConnector1">
+                <a:avLst/>
+              </a:prstGeom>
+              <a:ln>
+                <a:tailEnd type="triangle"/>
+              </a:ln>
+            </p:spPr>
+            <p:style>
+              <a:lnRef idx="1">
+                <a:schemeClr val="accent6"/>
+              </a:lnRef>
+              <a:fillRef idx="0">
+                <a:schemeClr val="accent6"/>
+              </a:fillRef>
+              <a:effectRef idx="0">
+                <a:schemeClr val="accent6"/>
+              </a:effectRef>
+              <a:fontRef idx="minor">
+                <a:schemeClr val="tx1"/>
+              </a:fontRef>
+            </p:style>
+          </p:cxnSp>
+          <p:cxnSp>
+            <p:nvCxnSpPr>
+              <p:cNvPr id="21" name="直線矢印コネクタ 20"/>
+              <p:cNvCxnSpPr>
+                <a:stCxn id="11" idx="3"/>
+                <a:endCxn id="19" idx="1"/>
+              </p:cNvCxnSpPr>
+              <p:nvPr/>
+            </p:nvCxnSpPr>
+            <p:spPr>
+              <a:xfrm>
+                <a:off x="4548147" y="5594081"/>
+                <a:ext cx="1630513" cy="104658"/>
+              </a:xfrm>
+              <a:prstGeom prst="straightConnector1">
+                <a:avLst/>
+              </a:prstGeom>
+              <a:ln>
+                <a:tailEnd type="triangle"/>
+              </a:ln>
+            </p:spPr>
+            <p:style>
+              <a:lnRef idx="1">
+                <a:schemeClr val="accent6"/>
+              </a:lnRef>
+              <a:fillRef idx="0">
+                <a:schemeClr val="accent6"/>
+              </a:fillRef>
+              <a:effectRef idx="0">
+                <a:schemeClr val="accent6"/>
+              </a:effectRef>
+              <a:fontRef idx="minor">
+                <a:schemeClr val="tx1"/>
+              </a:fontRef>
+            </p:style>
+          </p:cxnSp>
+          <p:cxnSp>
+            <p:nvCxnSpPr>
+              <p:cNvPr id="22" name="直線矢印コネクタ 21"/>
+              <p:cNvCxnSpPr>
+                <a:stCxn id="10" idx="3"/>
+                <a:endCxn id="19" idx="1"/>
+              </p:cNvCxnSpPr>
+              <p:nvPr/>
+            </p:nvCxnSpPr>
+            <p:spPr>
+              <a:xfrm flipV="1">
+                <a:off x="4556099" y="5698739"/>
+                <a:ext cx="1622561" cy="476717"/>
+              </a:xfrm>
+              <a:prstGeom prst="straightConnector1">
+                <a:avLst/>
+              </a:prstGeom>
+              <a:ln>
+                <a:tailEnd type="triangle"/>
+              </a:ln>
+            </p:spPr>
+            <p:style>
+              <a:lnRef idx="1">
+                <a:schemeClr val="accent6"/>
+              </a:lnRef>
+              <a:fillRef idx="0">
+                <a:schemeClr val="accent6"/>
+              </a:fillRef>
+              <a:effectRef idx="0">
+                <a:schemeClr val="accent6"/>
+              </a:effectRef>
+              <a:fontRef idx="minor">
+                <a:schemeClr val="tx1"/>
+              </a:fontRef>
+            </p:style>
+          </p:cxnSp>
+        </p:grpSp>
+        <p:cxnSp>
+          <p:nvCxnSpPr>
+            <p:cNvPr id="23" name="直線矢印コネクタ 22"/>
+            <p:cNvCxnSpPr>
+              <a:stCxn id="8" idx="3"/>
+              <a:endCxn id="10" idx="1"/>
+            </p:cNvCxnSpPr>
+            <p:nvPr/>
+          </p:nvCxnSpPr>
+          <p:spPr>
+            <a:xfrm>
+              <a:off x="2715311" y="2491083"/>
+              <a:ext cx="1476892" cy="572123"/>
+            </a:xfrm>
+            <a:prstGeom prst="straightConnector1">
+              <a:avLst/>
+            </a:prstGeom>
+            <a:ln>
+              <a:tailEnd type="triangle"/>
+            </a:ln>
+          </p:spPr>
+          <p:style>
+            <a:lnRef idx="1">
+              <a:schemeClr val="accent1"/>
+            </a:lnRef>
+            <a:fillRef idx="0">
+              <a:schemeClr val="accent1"/>
+            </a:fillRef>
+            <a:effectRef idx="0">
+              <a:schemeClr val="accent1"/>
+            </a:effectRef>
+            <a:fontRef idx="minor">
+              <a:schemeClr val="tx1"/>
+            </a:fontRef>
+          </p:style>
+        </p:cxnSp>
+      </p:grpSp>
     </p:spTree>
     <p:extLst>
       <p:ext uri="{BB962C8B-B14F-4D97-AF65-F5344CB8AC3E}">
-        <p14:creationId xmlns:p14="http://schemas.microsoft.com/office/powerpoint/2010/main" val="698925899"/>
+        <p14:creationId xmlns:p14="http://schemas.microsoft.com/office/powerpoint/2010/main" val="4033514462"/>
       </p:ext>
     </p:extLst>
   </p:cSld>
@@ -6787,6 +7314,60 @@
               <a:rPr lang="ja-JP" altLang="en-US" smtClean="0"/>
               <a:pPr/>
               <a:t>17</a:t>
+            </a:fld>
+            <a:endParaRPr lang="ja-JP" altLang="en-US" dirty="0"/>
+          </a:p>
+        </p:txBody>
+      </p:sp>
+    </p:spTree>
+    <p:extLst>
+      <p:ext uri="{BB962C8B-B14F-4D97-AF65-F5344CB8AC3E}">
+        <p14:creationId xmlns:p14="http://schemas.microsoft.com/office/powerpoint/2010/main" val="698925899"/>
+      </p:ext>
+    </p:extLst>
+  </p:cSld>
+  <p:clrMapOvr>
+    <a:masterClrMapping/>
+  </p:clrMapOvr>
+</p:sld>
+</file>
+
+<file path=ppt/slides/slide18.xml><?xml version="1.0" encoding="utf-8"?>
+<p:sld xmlns:a="http://schemas.openxmlformats.org/drawingml/2006/main" xmlns:r="http://schemas.openxmlformats.org/officeDocument/2006/relationships" xmlns:p="http://schemas.openxmlformats.org/presentationml/2006/main">
+  <p:cSld>
+    <p:spTree>
+      <p:nvGrpSpPr>
+        <p:cNvPr id="1" name=""/>
+        <p:cNvGrpSpPr/>
+        <p:nvPr/>
+      </p:nvGrpSpPr>
+      <p:grpSpPr>
+        <a:xfrm>
+          <a:off x="0" y="0"/>
+          <a:ext cx="0" cy="0"/>
+          <a:chOff x="0" y="0"/>
+          <a:chExt cx="0" cy="0"/>
+        </a:xfrm>
+      </p:grpSpPr>
+      <p:sp>
+        <p:nvSpPr>
+          <p:cNvPr id="4" name="スライド番号プレースホルダー 3"/>
+          <p:cNvSpPr>
+            <a:spLocks noGrp="1"/>
+          </p:cNvSpPr>
+          <p:nvPr>
+            <p:ph type="sldNum" sz="quarter" idx="12"/>
+          </p:nvPr>
+        </p:nvSpPr>
+        <p:spPr/>
+        <p:txBody>
+          <a:bodyPr/>
+          <a:lstStyle/>
+          <a:p>
+            <a:fld id="{B4451160-128F-4DAD-AE29-4A8CC0E7B9E9}" type="slidenum">
+              <a:rPr lang="ja-JP" altLang="en-US" smtClean="0"/>
+              <a:pPr/>
+              <a:t>18</a:t>
             </a:fld>
             <a:endParaRPr lang="ja-JP" altLang="en-US" dirty="0"/>
           </a:p>
@@ -8255,96 +8836,6 @@
           </a:p>
         </p:txBody>
       </p:sp>
-      <p:pic>
-        <p:nvPicPr>
-          <p:cNvPr id="32" name="図 31"/>
-          <p:cNvPicPr>
-            <a:picLocks noChangeAspect="1"/>
-          </p:cNvPicPr>
-          <p:nvPr/>
-        </p:nvPicPr>
-        <p:blipFill>
-          <a:blip r:embed="rId2">
-            <a:extLst>
-              <a:ext uri="{28A0092B-C50C-407E-A947-70E740481C1C}">
-                <a14:useLocalDpi xmlns:a14="http://schemas.microsoft.com/office/drawing/2010/main" val="0"/>
-              </a:ext>
-            </a:extLst>
-          </a:blip>
-          <a:stretch>
-            <a:fillRect/>
-          </a:stretch>
-        </p:blipFill>
-        <p:spPr>
-          <a:xfrm>
-            <a:off x="1016235" y="5384739"/>
-            <a:ext cx="1004950" cy="1250842"/>
-          </a:xfrm>
-          <a:prstGeom prst="rect">
-            <a:avLst/>
-          </a:prstGeom>
-        </p:spPr>
-      </p:pic>
-      <p:sp>
-        <p:nvSpPr>
-          <p:cNvPr id="34" name="テキスト ボックス 33"/>
-          <p:cNvSpPr txBox="1"/>
-          <p:nvPr/>
-        </p:nvSpPr>
-        <p:spPr>
-          <a:xfrm>
-            <a:off x="2433474" y="5670353"/>
-            <a:ext cx="691763" cy="646331"/>
-          </a:xfrm>
-          <a:prstGeom prst="rect">
-            <a:avLst/>
-          </a:prstGeom>
-          <a:noFill/>
-        </p:spPr>
-        <p:txBody>
-          <a:bodyPr wrap="square" rtlCol="0">
-            <a:spAutoFit/>
-          </a:bodyPr>
-          <a:lstStyle/>
-          <a:p>
-            <a:r>
-              <a:rPr kumimoji="1" lang="ja-JP" altLang="en-US" sz="3600" dirty="0" smtClean="0"/>
-              <a:t>＋</a:t>
-            </a:r>
-            <a:endParaRPr kumimoji="1" lang="ja-JP" altLang="en-US" sz="3600" dirty="0"/>
-          </a:p>
-        </p:txBody>
-      </p:sp>
-      <p:pic>
-        <p:nvPicPr>
-          <p:cNvPr id="35" name="図 34"/>
-          <p:cNvPicPr>
-            <a:picLocks noChangeAspect="1"/>
-          </p:cNvPicPr>
-          <p:nvPr/>
-        </p:nvPicPr>
-        <p:blipFill>
-          <a:blip r:embed="rId3" cstate="print">
-            <a:extLst>
-              <a:ext uri="{28A0092B-C50C-407E-A947-70E740481C1C}">
-                <a14:useLocalDpi xmlns:a14="http://schemas.microsoft.com/office/drawing/2010/main" val="0"/>
-              </a:ext>
-            </a:extLst>
-          </a:blip>
-          <a:stretch>
-            <a:fillRect/>
-          </a:stretch>
-        </p:blipFill>
-        <p:spPr>
-          <a:xfrm>
-            <a:off x="3172638" y="5370657"/>
-            <a:ext cx="1485044" cy="1113783"/>
-          </a:xfrm>
-          <a:prstGeom prst="rect">
-            <a:avLst/>
-          </a:prstGeom>
-        </p:spPr>
-      </p:pic>
       <p:sp>
         <p:nvSpPr>
           <p:cNvPr id="36" name="テキスト ボックス 35"/>
@@ -8353,7 +8844,7 @@
         </p:nvSpPr>
         <p:spPr>
           <a:xfrm>
-            <a:off x="3590257" y="6484440"/>
+            <a:off x="3590257" y="6525384"/>
             <a:ext cx="868942" cy="369332"/>
           </a:xfrm>
           <a:prstGeom prst="rect">
@@ -8375,165 +8866,261 @@
           </a:p>
         </p:txBody>
       </p:sp>
-      <p:pic>
-        <p:nvPicPr>
-          <p:cNvPr id="37" name="図 36"/>
-          <p:cNvPicPr>
-            <a:picLocks noChangeAspect="1"/>
-          </p:cNvPicPr>
+      <p:grpSp>
+        <p:nvGrpSpPr>
+          <p:cNvPr id="6" name="グループ化 5"/>
+          <p:cNvGrpSpPr/>
           <p:nvPr/>
-        </p:nvPicPr>
-        <p:blipFill>
-          <a:blip r:embed="rId3" cstate="print">
-            <a:extLst>
-              <a:ext uri="{28A0092B-C50C-407E-A947-70E740481C1C}">
-                <a14:useLocalDpi xmlns:a14="http://schemas.microsoft.com/office/drawing/2010/main" val="0"/>
-              </a:ext>
-            </a:extLst>
-          </a:blip>
-          <a:stretch>
-            <a:fillRect/>
-          </a:stretch>
-        </p:blipFill>
-        <p:spPr>
+        </p:nvGrpSpPr>
+        <p:grpSpPr>
           <a:xfrm>
-            <a:off x="6367205" y="5342461"/>
-            <a:ext cx="1485044" cy="1113783"/>
+            <a:off x="1016235" y="5342461"/>
+            <a:ext cx="7106506" cy="1535635"/>
+            <a:chOff x="1016235" y="5342461"/>
+            <a:chExt cx="7106506" cy="1535635"/>
           </a:xfrm>
-          <a:prstGeom prst="rect">
-            <a:avLst/>
-          </a:prstGeom>
-        </p:spPr>
-      </p:pic>
-      <p:pic>
-        <p:nvPicPr>
-          <p:cNvPr id="38" name="図 37"/>
-          <p:cNvPicPr>
-            <a:picLocks noChangeAspect="1"/>
-          </p:cNvPicPr>
-          <p:nvPr/>
-        </p:nvPicPr>
-        <p:blipFill>
-          <a:blip r:embed="rId4">
-            <a:extLst>
-              <a:ext uri="{BEBA8EAE-BF5A-486C-A8C5-ECC9F3942E4B}">
-                <a14:imgProps xmlns:a14="http://schemas.microsoft.com/office/drawing/2010/main">
-                  <a14:imgLayer r:embed="rId5">
-                    <a14:imgEffect>
-                      <a14:sharpenSoften amount="-50000"/>
-                    </a14:imgEffect>
-                  </a14:imgLayer>
-                </a14:imgProps>
-              </a:ext>
-              <a:ext uri="{28A0092B-C50C-407E-A947-70E740481C1C}">
-                <a14:useLocalDpi xmlns:a14="http://schemas.microsoft.com/office/drawing/2010/main" val="0"/>
-              </a:ext>
-            </a:extLst>
-          </a:blip>
-          <a:stretch>
-            <a:fillRect/>
-          </a:stretch>
-        </p:blipFill>
-        <p:spPr>
-          <a:xfrm>
-            <a:off x="6013690" y="5814294"/>
-            <a:ext cx="554560" cy="690250"/>
-          </a:xfrm>
-          <a:prstGeom prst="rect">
-            <a:avLst/>
-          </a:prstGeom>
-          <a:blipFill dpi="0" rotWithShape="1">
-            <a:blip r:embed="rId6"/>
-            <a:srcRect/>
+        </p:grpSpPr>
+        <p:pic>
+          <p:nvPicPr>
+            <p:cNvPr id="32" name="図 31"/>
+            <p:cNvPicPr>
+              <a:picLocks noChangeAspect="1"/>
+            </p:cNvPicPr>
+            <p:nvPr/>
+          </p:nvPicPr>
+          <p:blipFill>
+            <a:blip r:embed="rId2">
+              <a:extLst>
+                <a:ext uri="{28A0092B-C50C-407E-A947-70E740481C1C}">
+                  <a14:useLocalDpi xmlns:a14="http://schemas.microsoft.com/office/drawing/2010/main" val="0"/>
+                </a:ext>
+              </a:extLst>
+            </a:blip>
             <a:stretch>
               <a:fillRect/>
             </a:stretch>
-          </a:blipFill>
-          <a:effectLst>
-            <a:glow rad="127000">
+          </p:blipFill>
+          <p:spPr>
+            <a:xfrm>
+              <a:off x="1016235" y="5384739"/>
+              <a:ext cx="1004950" cy="1250842"/>
+            </a:xfrm>
+            <a:prstGeom prst="rect">
+              <a:avLst/>
+            </a:prstGeom>
+          </p:spPr>
+        </p:pic>
+        <p:sp>
+          <p:nvSpPr>
+            <p:cNvPr id="34" name="テキスト ボックス 33"/>
+            <p:cNvSpPr txBox="1"/>
+            <p:nvPr/>
+          </p:nvSpPr>
+          <p:spPr>
+            <a:xfrm>
+              <a:off x="2433474" y="5670353"/>
+              <a:ext cx="691763" cy="646331"/>
+            </a:xfrm>
+            <a:prstGeom prst="rect">
+              <a:avLst/>
+            </a:prstGeom>
+            <a:noFill/>
+          </p:spPr>
+          <p:txBody>
+            <a:bodyPr wrap="square" rtlCol="0">
+              <a:spAutoFit/>
+            </a:bodyPr>
+            <a:lstStyle/>
+            <a:p>
+              <a:r>
+                <a:rPr kumimoji="1" lang="ja-JP" altLang="en-US" sz="3600" dirty="0" smtClean="0"/>
+                <a:t>＋</a:t>
+              </a:r>
+              <a:endParaRPr kumimoji="1" lang="ja-JP" altLang="en-US" sz="3600" dirty="0"/>
+            </a:p>
+          </p:txBody>
+        </p:sp>
+        <p:pic>
+          <p:nvPicPr>
+            <p:cNvPr id="35" name="図 34"/>
+            <p:cNvPicPr>
+              <a:picLocks noChangeAspect="1"/>
+            </p:cNvPicPr>
+            <p:nvPr/>
+          </p:nvPicPr>
+          <p:blipFill>
+            <a:blip r:embed="rId3" cstate="print">
+              <a:extLst>
+                <a:ext uri="{28A0092B-C50C-407E-A947-70E740481C1C}">
+                  <a14:useLocalDpi xmlns:a14="http://schemas.microsoft.com/office/drawing/2010/main" val="0"/>
+                </a:ext>
+              </a:extLst>
+            </a:blip>
+            <a:stretch>
+              <a:fillRect/>
+            </a:stretch>
+          </p:blipFill>
+          <p:spPr>
+            <a:xfrm>
+              <a:off x="3172638" y="5370657"/>
+              <a:ext cx="1485044" cy="1113783"/>
+            </a:xfrm>
+            <a:prstGeom prst="rect">
+              <a:avLst/>
+            </a:prstGeom>
+          </p:spPr>
+        </p:pic>
+        <p:pic>
+          <p:nvPicPr>
+            <p:cNvPr id="37" name="図 36"/>
+            <p:cNvPicPr>
+              <a:picLocks noChangeAspect="1"/>
+            </p:cNvPicPr>
+            <p:nvPr/>
+          </p:nvPicPr>
+          <p:blipFill>
+            <a:blip r:embed="rId3" cstate="print">
+              <a:extLst>
+                <a:ext uri="{28A0092B-C50C-407E-A947-70E740481C1C}">
+                  <a14:useLocalDpi xmlns:a14="http://schemas.microsoft.com/office/drawing/2010/main" val="0"/>
+                </a:ext>
+              </a:extLst>
+            </a:blip>
+            <a:stretch>
+              <a:fillRect/>
+            </a:stretch>
+          </p:blipFill>
+          <p:spPr>
+            <a:xfrm>
+              <a:off x="6367205" y="5342461"/>
+              <a:ext cx="1485044" cy="1113783"/>
+            </a:xfrm>
+            <a:prstGeom prst="rect">
+              <a:avLst/>
+            </a:prstGeom>
+          </p:spPr>
+        </p:pic>
+        <p:pic>
+          <p:nvPicPr>
+            <p:cNvPr id="38" name="図 37"/>
+            <p:cNvPicPr>
+              <a:picLocks noChangeAspect="1"/>
+            </p:cNvPicPr>
+            <p:nvPr/>
+          </p:nvPicPr>
+          <p:blipFill>
+            <a:blip r:embed="rId4">
+              <a:extLst>
+                <a:ext uri="{28A0092B-C50C-407E-A947-70E740481C1C}">
+                  <a14:useLocalDpi xmlns:a14="http://schemas.microsoft.com/office/drawing/2010/main" val="0"/>
+                </a:ext>
+              </a:extLst>
+            </a:blip>
+            <a:stretch>
+              <a:fillRect/>
+            </a:stretch>
+          </p:blipFill>
+          <p:spPr>
+            <a:xfrm>
+              <a:off x="6013690" y="5814294"/>
+              <a:ext cx="554560" cy="690250"/>
+            </a:xfrm>
+            <a:prstGeom prst="rect">
+              <a:avLst/>
+            </a:prstGeom>
+            <a:blipFill dpi="0" rotWithShape="1">
+              <a:blip r:embed="rId5"/>
+              <a:srcRect/>
+              <a:stretch>
+                <a:fillRect/>
+              </a:stretch>
+            </a:blipFill>
+            <a:effectLst>
+              <a:glow rad="127000">
+                <a:schemeClr val="accent1">
+                  <a:alpha val="0"/>
+                </a:schemeClr>
+              </a:glow>
+              <a:outerShdw blurRad="50800" dist="50800" dir="5400000" algn="ctr" rotWithShape="0">
+                <a:srgbClr val="000000">
+                  <a:alpha val="0"/>
+                </a:srgbClr>
+              </a:outerShdw>
+              <a:reflection stA="0" endPos="65000" dist="50800" dir="5400000" sy="-100000" algn="bl" rotWithShape="0"/>
+            </a:effectLst>
+          </p:spPr>
+        </p:pic>
+        <p:sp>
+          <p:nvSpPr>
+            <p:cNvPr id="39" name="テキスト ボックス 38"/>
+            <p:cNvSpPr txBox="1"/>
+            <p:nvPr/>
+          </p:nvSpPr>
+          <p:spPr>
+            <a:xfrm>
+              <a:off x="6162261" y="6508764"/>
+              <a:ext cx="1960480" cy="369332"/>
+            </a:xfrm>
+            <a:prstGeom prst="rect">
+              <a:avLst/>
+            </a:prstGeom>
+            <a:noFill/>
+          </p:spPr>
+          <p:txBody>
+            <a:bodyPr wrap="square" rtlCol="0">
+              <a:spAutoFit/>
+            </a:bodyPr>
+            <a:lstStyle/>
+            <a:p>
+              <a:r>
+                <a:rPr kumimoji="1" lang="ja-JP" altLang="en-US" dirty="0" smtClean="0"/>
+                <a:t>音楽付きの動画</a:t>
+              </a:r>
+              <a:endParaRPr kumimoji="1" lang="ja-JP" altLang="en-US" dirty="0"/>
+            </a:p>
+          </p:txBody>
+        </p:sp>
+        <p:sp>
+          <p:nvSpPr>
+            <p:cNvPr id="5" name="右矢印 4"/>
+            <p:cNvSpPr/>
+            <p:nvPr/>
+          </p:nvSpPr>
+          <p:spPr>
+            <a:xfrm>
+              <a:off x="4937760" y="5670353"/>
+              <a:ext cx="1043562" cy="685998"/>
+            </a:xfrm>
+            <a:prstGeom prst="rightArrow">
+              <a:avLst/>
+            </a:prstGeom>
+          </p:spPr>
+          <p:style>
+            <a:lnRef idx="2">
               <a:schemeClr val="accent1">
-                <a:alpha val="0"/>
+                <a:shade val="50000"/>
               </a:schemeClr>
-            </a:glow>
-            <a:outerShdw blurRad="50800" dist="50800" dir="5400000" algn="ctr" rotWithShape="0">
-              <a:srgbClr val="000000">
-                <a:alpha val="0"/>
-              </a:srgbClr>
-            </a:outerShdw>
-            <a:reflection stA="0" endPos="65000" dist="50800" dir="5400000" sy="-100000" algn="bl" rotWithShape="0"/>
-          </a:effectLst>
-        </p:spPr>
-      </p:pic>
-      <p:sp>
-        <p:nvSpPr>
-          <p:cNvPr id="39" name="テキスト ボックス 38"/>
-          <p:cNvSpPr txBox="1"/>
-          <p:nvPr/>
-        </p:nvSpPr>
-        <p:spPr>
-          <a:xfrm>
-            <a:off x="6162261" y="6508764"/>
-            <a:ext cx="1960480" cy="369332"/>
-          </a:xfrm>
-          <a:prstGeom prst="rect">
-            <a:avLst/>
-          </a:prstGeom>
-          <a:noFill/>
-        </p:spPr>
-        <p:txBody>
-          <a:bodyPr wrap="square" rtlCol="0">
-            <a:spAutoFit/>
-          </a:bodyPr>
-          <a:lstStyle/>
-          <a:p>
-            <a:r>
-              <a:rPr kumimoji="1" lang="ja-JP" altLang="en-US" dirty="0" smtClean="0"/>
-              <a:t>音楽付きの動画</a:t>
-            </a:r>
-            <a:endParaRPr kumimoji="1" lang="ja-JP" altLang="en-US" dirty="0"/>
-          </a:p>
-        </p:txBody>
-      </p:sp>
-      <p:sp>
-        <p:nvSpPr>
-          <p:cNvPr id="5" name="右矢印 4"/>
-          <p:cNvSpPr/>
-          <p:nvPr/>
-        </p:nvSpPr>
-        <p:spPr>
-          <a:xfrm>
-            <a:off x="4937760" y="5670353"/>
-            <a:ext cx="1043562" cy="685998"/>
-          </a:xfrm>
-          <a:prstGeom prst="rightArrow">
-            <a:avLst/>
-          </a:prstGeom>
-        </p:spPr>
-        <p:style>
-          <a:lnRef idx="2">
-            <a:schemeClr val="accent1">
-              <a:shade val="50000"/>
-            </a:schemeClr>
-          </a:lnRef>
-          <a:fillRef idx="1">
-            <a:schemeClr val="accent1"/>
-          </a:fillRef>
-          <a:effectRef idx="0">
-            <a:schemeClr val="accent1"/>
-          </a:effectRef>
-          <a:fontRef idx="minor">
-            <a:schemeClr val="lt1"/>
-          </a:fontRef>
-        </p:style>
-        <p:txBody>
-          <a:bodyPr rtlCol="0" anchor="ctr"/>
-          <a:lstStyle/>
-          <a:p>
-            <a:pPr algn="ctr"/>
-            <a:endParaRPr kumimoji="1" lang="ja-JP" altLang="en-US"/>
-          </a:p>
-        </p:txBody>
-      </p:sp>
+            </a:lnRef>
+            <a:fillRef idx="1">
+              <a:schemeClr val="accent1"/>
+            </a:fillRef>
+            <a:effectRef idx="0">
+              <a:schemeClr val="accent1"/>
+            </a:effectRef>
+            <a:fontRef idx="minor">
+              <a:schemeClr val="lt1"/>
+            </a:fontRef>
+          </p:style>
+          <p:txBody>
+            <a:bodyPr rtlCol="0" anchor="ctr"/>
+            <a:lstStyle/>
+            <a:p>
+              <a:pPr algn="ctr"/>
+              <a:endParaRPr kumimoji="1" lang="ja-JP" altLang="en-US"/>
+            </a:p>
+          </p:txBody>
+        </p:sp>
+      </p:grpSp>
     </p:spTree>
     <p:extLst>
       <p:ext uri="{BB962C8B-B14F-4D97-AF65-F5344CB8AC3E}">
